--- a/images/kicker.pptx
+++ b/images/kicker.pptx
@@ -6239,7 +6239,7 @@
           <a:graphicData uri="http://schemas.openxmlformats.org/presentationml/2006/ole">
             <mc:AlternateContent xmlns:mc="http://schemas.openxmlformats.org/markup-compatibility/2006">
               <mc:Choice xmlns:v="urn:schemas-microsoft-com:vml" Requires="v">
-                <p:oleObj spid="_x0000_s1025" name="" r:id="rId4" imgW="596900" imgH="190500" progId="Equation.KSEE3">
+                <p:oleObj spid="_x0000_s6" name="" r:id="rId4" imgW="596900" imgH="190500" progId="Equation.KSEE3">
                   <p:embed/>
                 </p:oleObj>
               </mc:Choice>
@@ -14595,150 +14595,213 @@
         <p:nvPr/>
       </p:nvGrpSpPr>
       <p:grpSpPr/>
-      <p:pic>
-        <p:nvPicPr>
-          <p:cNvPr id="40" name="图片 39"/>
-          <p:cNvPicPr>
-            <a:picLocks noChangeAspect="1"/>
-          </p:cNvPicPr>
+      <p:cxnSp>
+        <p:nvCxnSpPr>
+          <p:cNvPr id="7" name="直接箭头连接符 6"/>
+          <p:cNvCxnSpPr/>
           <p:nvPr/>
-        </p:nvPicPr>
-        <p:blipFill>
-          <a:blip r:embed="rId1"/>
-          <a:stretch>
-            <a:fillRect/>
-          </a:stretch>
-        </p:blipFill>
+        </p:nvCxnSpPr>
         <p:spPr>
           <a:xfrm>
-            <a:off x="5596890" y="2119630"/>
-            <a:ext cx="405765" cy="828040"/>
+            <a:off x="5516245" y="2131695"/>
+            <a:ext cx="414655" cy="776605"/>
           </a:xfrm>
-          <a:prstGeom prst="rect">
+          <a:prstGeom prst="straightConnector1">
             <a:avLst/>
           </a:prstGeom>
+          <a:ln w="28575">
+            <a:tailEnd type="arrow"/>
+          </a:ln>
         </p:spPr>
-      </p:pic>
-      <p:pic>
-        <p:nvPicPr>
-          <p:cNvPr id="41" name="图片 40"/>
-          <p:cNvPicPr>
-            <a:picLocks noChangeAspect="1"/>
-          </p:cNvPicPr>
+        <p:style>
+          <a:lnRef idx="1">
+            <a:schemeClr val="accent1"/>
+          </a:lnRef>
+          <a:fillRef idx="0">
+            <a:schemeClr val="accent1"/>
+          </a:fillRef>
+          <a:effectRef idx="0">
+            <a:schemeClr val="accent1"/>
+          </a:effectRef>
+          <a:fontRef idx="minor">
+            <a:schemeClr val="tx1"/>
+          </a:fontRef>
+        </p:style>
+      </p:cxnSp>
+      <p:cxnSp>
+        <p:nvCxnSpPr>
+          <p:cNvPr id="17" name="直接箭头连接符 16"/>
+          <p:cNvCxnSpPr/>
           <p:nvPr/>
-        </p:nvPicPr>
-        <p:blipFill>
-          <a:blip r:embed="rId1"/>
-          <a:stretch>
-            <a:fillRect/>
-          </a:stretch>
-        </p:blipFill>
+        </p:nvCxnSpPr>
         <p:spPr>
           <a:xfrm>
-            <a:off x="5669915" y="2127250"/>
-            <a:ext cx="405765" cy="675640"/>
+            <a:off x="5592445" y="2118995"/>
+            <a:ext cx="414655" cy="776605"/>
           </a:xfrm>
-          <a:prstGeom prst="rect">
+          <a:prstGeom prst="straightConnector1">
             <a:avLst/>
           </a:prstGeom>
+          <a:ln w="28575">
+            <a:tailEnd type="arrow"/>
+          </a:ln>
         </p:spPr>
-      </p:pic>
-      <p:pic>
-        <p:nvPicPr>
-          <p:cNvPr id="42" name="图片 41"/>
-          <p:cNvPicPr>
-            <a:picLocks noChangeAspect="1"/>
-          </p:cNvPicPr>
+        <p:style>
+          <a:lnRef idx="1">
+            <a:schemeClr val="accent1"/>
+          </a:lnRef>
+          <a:fillRef idx="0">
+            <a:schemeClr val="accent1"/>
+          </a:fillRef>
+          <a:effectRef idx="0">
+            <a:schemeClr val="accent1"/>
+          </a:effectRef>
+          <a:fontRef idx="minor">
+            <a:schemeClr val="tx1"/>
+          </a:fontRef>
+        </p:style>
+      </p:cxnSp>
+      <p:cxnSp>
+        <p:nvCxnSpPr>
+          <p:cNvPr id="28" name="直接箭头连接符 27"/>
+          <p:cNvCxnSpPr/>
           <p:nvPr/>
-        </p:nvPicPr>
-        <p:blipFill>
-          <a:blip r:embed="rId1"/>
-          <a:stretch>
-            <a:fillRect/>
-          </a:stretch>
-        </p:blipFill>
+        </p:nvCxnSpPr>
         <p:spPr>
           <a:xfrm>
-            <a:off x="5741035" y="2058670"/>
-            <a:ext cx="448945" cy="747395"/>
+            <a:off x="5681345" y="2131695"/>
+            <a:ext cx="414655" cy="776605"/>
           </a:xfrm>
-          <a:prstGeom prst="rect">
+          <a:prstGeom prst="straightConnector1">
             <a:avLst/>
           </a:prstGeom>
+          <a:ln w="28575">
+            <a:tailEnd type="arrow"/>
+          </a:ln>
         </p:spPr>
-      </p:pic>
-      <p:pic>
-        <p:nvPicPr>
-          <p:cNvPr id="39" name="图片 38"/>
-          <p:cNvPicPr>
-            <a:picLocks noChangeAspect="1"/>
-          </p:cNvPicPr>
+        <p:style>
+          <a:lnRef idx="1">
+            <a:schemeClr val="accent1"/>
+          </a:lnRef>
+          <a:fillRef idx="0">
+            <a:schemeClr val="accent1"/>
+          </a:fillRef>
+          <a:effectRef idx="0">
+            <a:schemeClr val="accent1"/>
+          </a:effectRef>
+          <a:fontRef idx="minor">
+            <a:schemeClr val="tx1"/>
+          </a:fontRef>
+        </p:style>
+      </p:cxnSp>
+      <p:cxnSp>
+        <p:nvCxnSpPr>
+          <p:cNvPr id="5" name="肘形连接符 4"/>
+          <p:cNvCxnSpPr/>
           <p:nvPr/>
-        </p:nvPicPr>
-        <p:blipFill>
-          <a:blip r:embed="rId2"/>
-          <a:stretch>
-            <a:fillRect/>
-          </a:stretch>
-        </p:blipFill>
+        </p:nvCxnSpPr>
         <p:spPr>
-          <a:xfrm>
-            <a:off x="2633980" y="2007870"/>
-            <a:ext cx="2630170" cy="1899920"/>
+          <a:xfrm rot="10800000" flipV="1">
+            <a:off x="3084830" y="2101850"/>
+            <a:ext cx="1736725" cy="2355850"/>
           </a:xfrm>
-          <a:prstGeom prst="rect">
+          <a:prstGeom prst="bentConnector2">
             <a:avLst/>
           </a:prstGeom>
+          <a:ln w="28575">
+            <a:solidFill>
+              <a:srgbClr val="0070C0"/>
+            </a:solidFill>
+            <a:tailEnd type="arrow"/>
+          </a:ln>
         </p:spPr>
-      </p:pic>
-      <p:pic>
-        <p:nvPicPr>
-          <p:cNvPr id="38" name="图片 37"/>
-          <p:cNvPicPr>
-            <a:picLocks noChangeAspect="1"/>
-          </p:cNvPicPr>
+        <p:style>
+          <a:lnRef idx="1">
+            <a:schemeClr val="accent1"/>
+          </a:lnRef>
+          <a:fillRef idx="0">
+            <a:schemeClr val="accent1"/>
+          </a:fillRef>
+          <a:effectRef idx="0">
+            <a:schemeClr val="accent1"/>
+          </a:effectRef>
+          <a:fontRef idx="minor">
+            <a:schemeClr val="tx1"/>
+          </a:fontRef>
+        </p:style>
+      </p:cxnSp>
+      <p:cxnSp>
+        <p:nvCxnSpPr>
+          <p:cNvPr id="4" name="肘形连接符 3"/>
+          <p:cNvCxnSpPr/>
           <p:nvPr/>
-        </p:nvPicPr>
-        <p:blipFill>
-          <a:blip r:embed="rId2"/>
-          <a:stretch>
-            <a:fillRect/>
-          </a:stretch>
-        </p:blipFill>
+        </p:nvCxnSpPr>
         <p:spPr>
-          <a:xfrm>
-            <a:off x="2758440" y="2076450"/>
-            <a:ext cx="2630170" cy="1899920"/>
+          <a:xfrm rot="10800000" flipV="1">
+            <a:off x="3008630" y="2025650"/>
+            <a:ext cx="1736725" cy="2355850"/>
           </a:xfrm>
-          <a:prstGeom prst="rect">
+          <a:prstGeom prst="bentConnector2">
             <a:avLst/>
           </a:prstGeom>
+          <a:ln w="28575">
+            <a:solidFill>
+              <a:srgbClr val="0070C0"/>
+            </a:solidFill>
+            <a:tailEnd type="arrow"/>
+          </a:ln>
         </p:spPr>
-      </p:pic>
-      <p:pic>
-        <p:nvPicPr>
-          <p:cNvPr id="37" name="图片 36"/>
-          <p:cNvPicPr>
-            <a:picLocks noChangeAspect="1"/>
-          </p:cNvPicPr>
+        <p:style>
+          <a:lnRef idx="1">
+            <a:schemeClr val="accent1"/>
+          </a:lnRef>
+          <a:fillRef idx="0">
+            <a:schemeClr val="accent1"/>
+          </a:fillRef>
+          <a:effectRef idx="0">
+            <a:schemeClr val="accent1"/>
+          </a:effectRef>
+          <a:fontRef idx="minor">
+            <a:schemeClr val="tx1"/>
+          </a:fontRef>
+        </p:style>
+      </p:cxnSp>
+      <p:cxnSp>
+        <p:nvCxnSpPr>
+          <p:cNvPr id="3" name="肘形连接符 2"/>
+          <p:cNvCxnSpPr/>
           <p:nvPr/>
-        </p:nvPicPr>
-        <p:blipFill>
-          <a:blip r:embed="rId2"/>
-          <a:stretch>
-            <a:fillRect/>
-          </a:stretch>
-        </p:blipFill>
+        </p:nvCxnSpPr>
         <p:spPr>
-          <a:xfrm>
-            <a:off x="2827020" y="2228850"/>
-            <a:ext cx="2630170" cy="1899920"/>
+          <a:xfrm rot="10800000" flipV="1">
+            <a:off x="2928620" y="1926590"/>
+            <a:ext cx="1736725" cy="2355850"/>
           </a:xfrm>
-          <a:prstGeom prst="rect">
+          <a:prstGeom prst="bentConnector2">
             <a:avLst/>
           </a:prstGeom>
+          <a:ln w="28575">
+            <a:solidFill>
+              <a:srgbClr val="0070C0"/>
+            </a:solidFill>
+            <a:tailEnd type="arrow"/>
+          </a:ln>
         </p:spPr>
-      </p:pic>
+        <p:style>
+          <a:lnRef idx="1">
+            <a:schemeClr val="accent1"/>
+          </a:lnRef>
+          <a:fillRef idx="0">
+            <a:schemeClr val="accent1"/>
+          </a:fillRef>
+          <a:effectRef idx="0">
+            <a:schemeClr val="accent1"/>
+          </a:effectRef>
+          <a:fontRef idx="minor">
+            <a:schemeClr val="tx1"/>
+          </a:fontRef>
+        </p:style>
+      </p:cxnSp>
       <p:sp>
         <p:nvSpPr>
           <p:cNvPr id="11" name="矩形 10"/>
@@ -15437,7 +15500,7 @@
           <p:nvPr/>
         </p:nvPicPr>
         <p:blipFill>
-          <a:blip r:embed="rId3"/>
+          <a:blip r:embed="rId1"/>
           <a:stretch>
             <a:fillRect/>
           </a:stretch>
@@ -16247,7 +16310,7 @@
           <p:nvPr/>
         </p:nvPicPr>
         <p:blipFill>
-          <a:blip r:embed="rId4"/>
+          <a:blip r:embed="rId2"/>
           <a:stretch>
             <a:fillRect/>
           </a:stretch>
@@ -16300,54 +16363,6 @@
           </a:fontRef>
         </p:style>
       </p:cxnSp>
-      <p:pic>
-        <p:nvPicPr>
-          <p:cNvPr id="35" name="图片 34"/>
-          <p:cNvPicPr>
-            <a:picLocks noChangeAspect="1"/>
-          </p:cNvPicPr>
-          <p:nvPr/>
-        </p:nvPicPr>
-        <p:blipFill>
-          <a:blip r:embed="rId2"/>
-          <a:stretch>
-            <a:fillRect/>
-          </a:stretch>
-        </p:blipFill>
-        <p:spPr>
-          <a:xfrm>
-            <a:off x="2809875" y="2143760"/>
-            <a:ext cx="2630170" cy="1899920"/>
-          </a:xfrm>
-          <a:prstGeom prst="rect">
-            <a:avLst/>
-          </a:prstGeom>
-        </p:spPr>
-      </p:pic>
-      <p:pic>
-        <p:nvPicPr>
-          <p:cNvPr id="36" name="图片 35"/>
-          <p:cNvPicPr>
-            <a:picLocks noChangeAspect="1"/>
-          </p:cNvPicPr>
-          <p:nvPr/>
-        </p:nvPicPr>
-        <p:blipFill>
-          <a:blip r:embed="rId1"/>
-          <a:stretch>
-            <a:fillRect/>
-          </a:stretch>
-        </p:blipFill>
-        <p:spPr>
-          <a:xfrm>
-            <a:off x="5527040" y="2132965"/>
-            <a:ext cx="405765" cy="881380"/>
-          </a:xfrm>
-          <a:prstGeom prst="rect">
-            <a:avLst/>
-          </a:prstGeom>
-        </p:spPr>
-      </p:pic>
       <p:sp>
         <p:nvSpPr>
           <p:cNvPr id="44" name="文本框 43"/>
@@ -16422,7 +16437,7 @@
           <p:nvPr/>
         </p:nvPicPr>
         <p:blipFill>
-          <a:blip r:embed="rId5"/>
+          <a:blip r:embed="rId3"/>
           <a:stretch>
             <a:fillRect/>
           </a:stretch>
@@ -16437,6 +16452,79 @@
           </a:prstGeom>
         </p:spPr>
       </p:pic>
+      <p:cxnSp>
+        <p:nvCxnSpPr>
+          <p:cNvPr id="2" name="肘形连接符 1"/>
+          <p:cNvCxnSpPr>
+            <a:stCxn id="122" idx="1"/>
+          </p:cNvCxnSpPr>
+          <p:nvPr/>
+        </p:nvCxnSpPr>
+        <p:spPr>
+          <a:xfrm rot="10800000" flipV="1">
+            <a:off x="2830830" y="1835150"/>
+            <a:ext cx="1736725" cy="2355850"/>
+          </a:xfrm>
+          <a:prstGeom prst="bentConnector2">
+            <a:avLst/>
+          </a:prstGeom>
+          <a:ln w="28575">
+            <a:solidFill>
+              <a:srgbClr val="0070C0"/>
+            </a:solidFill>
+            <a:tailEnd type="arrow"/>
+          </a:ln>
+        </p:spPr>
+        <p:style>
+          <a:lnRef idx="1">
+            <a:schemeClr val="accent1"/>
+          </a:lnRef>
+          <a:fillRef idx="0">
+            <a:schemeClr val="accent1"/>
+          </a:fillRef>
+          <a:effectRef idx="0">
+            <a:schemeClr val="accent1"/>
+          </a:effectRef>
+          <a:fontRef idx="minor">
+            <a:schemeClr val="tx1"/>
+          </a:fontRef>
+        </p:style>
+      </p:cxnSp>
+      <p:cxnSp>
+        <p:nvCxnSpPr>
+          <p:cNvPr id="6" name="直接箭头连接符 5"/>
+          <p:cNvCxnSpPr>
+            <a:stCxn id="122" idx="2"/>
+          </p:cNvCxnSpPr>
+          <p:nvPr/>
+        </p:nvCxnSpPr>
+        <p:spPr>
+          <a:xfrm>
+            <a:off x="5440045" y="2144395"/>
+            <a:ext cx="414655" cy="776605"/>
+          </a:xfrm>
+          <a:prstGeom prst="straightConnector1">
+            <a:avLst/>
+          </a:prstGeom>
+          <a:ln w="28575">
+            <a:tailEnd type="arrow"/>
+          </a:ln>
+        </p:spPr>
+        <p:style>
+          <a:lnRef idx="1">
+            <a:schemeClr val="accent1"/>
+          </a:lnRef>
+          <a:fillRef idx="0">
+            <a:schemeClr val="accent1"/>
+          </a:fillRef>
+          <a:effectRef idx="0">
+            <a:schemeClr val="accent1"/>
+          </a:effectRef>
+          <a:fontRef idx="minor">
+            <a:schemeClr val="tx1"/>
+          </a:fontRef>
+        </p:style>
+      </p:cxnSp>
     </p:spTree>
   </p:cSld>
   <p:clrMapOvr>

--- a/images/kicker.pptx
+++ b/images/kicker.pptx
@@ -7,13 +7,17 @@
   <p:notesMasterIdLst>
     <p:notesMasterId r:id="rId4"/>
   </p:notesMasterIdLst>
+  <p:handoutMasterIdLst>
+    <p:handoutMasterId r:id="rId8"/>
+  </p:handoutMasterIdLst>
   <p:sldIdLst>
     <p:sldId id="256" r:id="rId3"/>
-    <p:sldId id="257" r:id="rId5"/>
-    <p:sldId id="258" r:id="rId6"/>
+    <p:sldId id="259" r:id="rId5"/>
+    <p:sldId id="257" r:id="rId6"/>
+    <p:sldId id="258" r:id="rId7"/>
   </p:sldIdLst>
   <p:sldSz cx="12419965" cy="10817860"/>
-  <p:notesSz cx="6858000" cy="9144000"/>
+  <p:notesSz cx="9144000" cy="6858000"/>
   <p:defaultTextStyle>
     <a:defPPr>
       <a:defRPr lang="zh-CN"/>
@@ -112,6 +116,164 @@
 </p:presentation>
 </file>
 
+<file path=ppt/handoutMasters/handoutMaster1.xml><?xml version="1.0" encoding="utf-8"?>
+<p:handoutMaster xmlns:a="http://schemas.openxmlformats.org/drawingml/2006/main" xmlns:r="http://schemas.openxmlformats.org/officeDocument/2006/relationships" xmlns:p="http://schemas.openxmlformats.org/presentationml/2006/main">
+  <p:cSld>
+    <p:bg>
+      <p:bgRef idx="1001">
+        <a:schemeClr val="bg1"/>
+      </p:bgRef>
+    </p:bg>
+    <p:spTree>
+      <p:nvGrpSpPr>
+        <p:cNvPr id="1" name=""/>
+        <p:cNvGrpSpPr/>
+        <p:nvPr/>
+      </p:nvGrpSpPr>
+      <p:grpSpPr>
+        <a:xfrm>
+          <a:off x="0" y="0"/>
+          <a:ext cx="0" cy="0"/>
+          <a:chOff x="0" y="0"/>
+          <a:chExt cx="0" cy="0"/>
+        </a:xfrm>
+      </p:grpSpPr>
+      <p:sp>
+        <p:nvSpPr>
+          <p:cNvPr id="2" name="页眉占位符 1"/>
+          <p:cNvSpPr>
+            <a:spLocks noGrp="1"/>
+          </p:cNvSpPr>
+          <p:nvPr>
+            <p:ph type="hdr" sz="quarter"/>
+          </p:nvPr>
+        </p:nvSpPr>
+        <p:spPr>
+          <a:xfrm>
+            <a:off x="0" y="0"/>
+            <a:ext cx="3962400" cy="344091"/>
+          </a:xfrm>
+          <a:prstGeom prst="rect">
+            <a:avLst/>
+          </a:prstGeom>
+        </p:spPr>
+        <p:txBody>
+          <a:bodyPr vert="horz" lIns="91440" tIns="45720" rIns="91440" bIns="45720" rtlCol="0"/>
+          <a:lstStyle>
+            <a:lvl1pPr algn="l">
+              <a:defRPr sz="1600"/>
+            </a:lvl1pPr>
+          </a:lstStyle>
+          <a:p>
+            <a:endParaRPr lang="zh-CN" altLang="en-US"/>
+          </a:p>
+        </p:txBody>
+      </p:sp>
+      <p:sp>
+        <p:nvSpPr>
+          <p:cNvPr id="3" name="日期占位符 2"/>
+          <p:cNvSpPr>
+            <a:spLocks noGrp="1"/>
+          </p:cNvSpPr>
+          <p:nvPr>
+            <p:ph type="dt" sz="quarter" idx="1"/>
+          </p:nvPr>
+        </p:nvSpPr>
+        <p:spPr>
+          <a:xfrm>
+            <a:off x="5179484" y="0"/>
+            <a:ext cx="3962400" cy="344091"/>
+          </a:xfrm>
+          <a:prstGeom prst="rect">
+            <a:avLst/>
+          </a:prstGeom>
+        </p:spPr>
+        <p:txBody>
+          <a:bodyPr vert="horz" lIns="91440" tIns="45720" rIns="91440" bIns="45720" rtlCol="0"/>
+          <a:lstStyle>
+            <a:lvl1pPr algn="r">
+              <a:defRPr sz="1600"/>
+            </a:lvl1pPr>
+          </a:lstStyle>
+          <a:p>
+            <a:fld id="{0F9B84EA-7D68-4D60-9CB1-D50884785D1C}" type="datetimeFigureOut">
+              <a:rPr lang="zh-CN" altLang="en-US" smtClean="0"/>
+            </a:fld>
+            <a:endParaRPr lang="zh-CN" altLang="en-US"/>
+          </a:p>
+        </p:txBody>
+      </p:sp>
+      <p:sp>
+        <p:nvSpPr>
+          <p:cNvPr id="4" name="页脚占位符 3"/>
+          <p:cNvSpPr>
+            <a:spLocks noGrp="1"/>
+          </p:cNvSpPr>
+          <p:nvPr>
+            <p:ph type="ftr" sz="quarter" idx="2"/>
+          </p:nvPr>
+        </p:nvSpPr>
+        <p:spPr>
+          <a:xfrm>
+            <a:off x="0" y="6513910"/>
+            <a:ext cx="3962400" cy="344090"/>
+          </a:xfrm>
+          <a:prstGeom prst="rect">
+            <a:avLst/>
+          </a:prstGeom>
+        </p:spPr>
+        <p:txBody>
+          <a:bodyPr vert="horz" lIns="91440" tIns="45720" rIns="91440" bIns="45720" rtlCol="0" anchor="b"/>
+          <a:lstStyle>
+            <a:lvl1pPr algn="l">
+              <a:defRPr sz="1600"/>
+            </a:lvl1pPr>
+          </a:lstStyle>
+          <a:p>
+            <a:endParaRPr lang="zh-CN" altLang="en-US"/>
+          </a:p>
+        </p:txBody>
+      </p:sp>
+      <p:sp>
+        <p:nvSpPr>
+          <p:cNvPr id="5" name="灯片编号占位符 4"/>
+          <p:cNvSpPr>
+            <a:spLocks noGrp="1"/>
+          </p:cNvSpPr>
+          <p:nvPr>
+            <p:ph type="sldNum" sz="quarter" idx="3"/>
+          </p:nvPr>
+        </p:nvSpPr>
+        <p:spPr>
+          <a:xfrm>
+            <a:off x="5179484" y="6513910"/>
+            <a:ext cx="3962400" cy="344090"/>
+          </a:xfrm>
+          <a:prstGeom prst="rect">
+            <a:avLst/>
+          </a:prstGeom>
+        </p:spPr>
+        <p:txBody>
+          <a:bodyPr vert="horz" lIns="91440" tIns="45720" rIns="91440" bIns="45720" rtlCol="0" anchor="b"/>
+          <a:lstStyle>
+            <a:lvl1pPr algn="r">
+              <a:defRPr sz="1600"/>
+            </a:lvl1pPr>
+          </a:lstStyle>
+          <a:p>
+            <a:fld id="{8D4E0FC9-F1F8-4FAE-9988-3BA365CFD46F}" type="slidenum">
+              <a:rPr lang="zh-CN" altLang="en-US" smtClean="0"/>
+            </a:fld>
+            <a:endParaRPr lang="zh-CN" altLang="en-US"/>
+          </a:p>
+        </p:txBody>
+      </p:sp>
+    </p:spTree>
+  </p:cSld>
+  <p:clrMap bg1="lt1" tx1="dk1" bg2="lt2" tx2="dk2" accent1="accent1" accent2="accent2" accent3="accent3" accent4="accent4" accent5="accent5" accent6="accent6" hlink="hlink" folHlink="folHlink"/>
+</p:handoutMaster>
+</file>
+
 <file path=ppt/notesMasters/notesMaster1.xml><?xml version="1.0" encoding="utf-8"?>
 <p:notesMaster xmlns:a="http://schemas.openxmlformats.org/drawingml/2006/main" xmlns:r="http://schemas.openxmlformats.org/officeDocument/2006/relationships" xmlns:p="http://schemas.openxmlformats.org/presentationml/2006/main">
   <p:cSld>
@@ -147,7 +309,7 @@
         <p:spPr>
           <a:xfrm>
             <a:off x="0" y="0"/>
-            <a:ext cx="2971800" cy="458788"/>
+            <a:ext cx="3962400" cy="344091"/>
           </a:xfrm>
           <a:prstGeom prst="rect">
             <a:avLst/>
@@ -177,8 +339,8 @@
         </p:nvSpPr>
         <p:spPr>
           <a:xfrm>
-            <a:off x="3884613" y="0"/>
-            <a:ext cx="2971800" cy="458788"/>
+            <a:off x="5179484" y="0"/>
+            <a:ext cx="3962400" cy="344091"/>
           </a:xfrm>
           <a:prstGeom prst="rect">
             <a:avLst/>
@@ -211,8 +373,8 @@
         </p:nvSpPr>
         <p:spPr>
           <a:xfrm>
-            <a:off x="1657427" y="1143000"/>
-            <a:ext cx="3543146" cy="3086100"/>
+            <a:off x="3243334" y="857250"/>
+            <a:ext cx="2657332" cy="2314575"/>
           </a:xfrm>
           <a:prstGeom prst="rect">
             <a:avLst/>
@@ -244,8 +406,8 @@
         </p:nvSpPr>
         <p:spPr>
           <a:xfrm>
-            <a:off x="685800" y="4400550"/>
-            <a:ext cx="5486400" cy="3600450"/>
+            <a:off x="914400" y="3300413"/>
+            <a:ext cx="7315200" cy="2700338"/>
           </a:xfrm>
           <a:prstGeom prst="rect">
             <a:avLst/>
@@ -308,8 +470,8 @@
         </p:nvSpPr>
         <p:spPr>
           <a:xfrm>
-            <a:off x="0" y="8685213"/>
-            <a:ext cx="2971800" cy="458787"/>
+            <a:off x="0" y="6513910"/>
+            <a:ext cx="3962400" cy="344090"/>
           </a:xfrm>
           <a:prstGeom prst="rect">
             <a:avLst/>
@@ -339,8 +501,8 @@
         </p:nvSpPr>
         <p:spPr>
           <a:xfrm>
-            <a:off x="3884613" y="8685213"/>
-            <a:ext cx="2971800" cy="458787"/>
+            <a:off x="5179484" y="6513910"/>
+            <a:ext cx="3962400" cy="344090"/>
           </a:xfrm>
           <a:prstGeom prst="rect">
             <a:avLst/>
@@ -503,6 +665,50 @@
 </p:notes>
 </file>
 
+<file path=ppt/notesSlides/notesSlide2.xml><?xml version="1.0" encoding="utf-8"?>
+<p:notes xmlns:a="http://schemas.openxmlformats.org/drawingml/2006/main" xmlns:r="http://schemas.openxmlformats.org/officeDocument/2006/relationships" xmlns:p="http://schemas.openxmlformats.org/presentationml/2006/main">
+  <p:cSld>
+    <p:spTree>
+      <p:nvGrpSpPr>
+        <p:cNvPr id="1" name=""/>
+        <p:cNvGrpSpPr/>
+        <p:nvPr/>
+      </p:nvGrpSpPr>
+      <p:grpSpPr/>
+      <p:sp>
+        <p:nvSpPr>
+          <p:cNvPr id="2" name="幻灯片图像占位符 1"/>
+          <p:cNvSpPr/>
+          <p:nvPr>
+            <p:ph type="sldImg" idx="2"/>
+          </p:nvPr>
+        </p:nvSpPr>
+        <p:spPr/>
+      </p:sp>
+      <p:sp>
+        <p:nvSpPr>
+          <p:cNvPr id="3" name="文本占位符 2"/>
+          <p:cNvSpPr/>
+          <p:nvPr>
+            <p:ph type="body" idx="3"/>
+          </p:nvPr>
+        </p:nvSpPr>
+        <p:spPr/>
+        <p:txBody>
+          <a:bodyPr/>
+          <a:p>
+            <a:endParaRPr lang="zh-CN" altLang="en-US"/>
+          </a:p>
+        </p:txBody>
+      </p:sp>
+    </p:spTree>
+  </p:cSld>
+  <p:clrMapOvr>
+    <a:masterClrMapping/>
+  </p:clrMapOvr>
+</p:notes>
+</file>
+
 <file path=ppt/slideLayouts/slideLayout1.xml><?xml version="1.0" encoding="utf-8"?>
 <p:sldLayout xmlns:a="http://schemas.openxmlformats.org/drawingml/2006/main" xmlns:r="http://schemas.openxmlformats.org/officeDocument/2006/relationships" xmlns:p="http://schemas.openxmlformats.org/presentationml/2006/main" type="title" preserve="1">
   <p:cSld name="标题幻灯片">
@@ -532,8 +738,8 @@
         </p:nvSpPr>
         <p:spPr>
           <a:xfrm>
-            <a:off x="1552516" y="1770566"/>
-            <a:ext cx="9315094" cy="3766520"/>
+            <a:off x="1552520" y="1770589"/>
+            <a:ext cx="9315120" cy="3766569"/>
           </a:xfrm>
         </p:spPr>
         <p:txBody>
@@ -564,8 +770,8 @@
         </p:nvSpPr>
         <p:spPr>
           <a:xfrm>
-            <a:off x="1552516" y="5682338"/>
-            <a:ext cx="9315094" cy="2612020"/>
+            <a:off x="1552520" y="5682412"/>
+            <a:ext cx="9315120" cy="2612054"/>
           </a:xfrm>
         </p:spPr>
         <p:txBody>
@@ -717,8 +923,8 @@
         </p:nvSpPr>
         <p:spPr>
           <a:xfrm>
-            <a:off x="853884" y="575997"/>
-            <a:ext cx="10712358" cy="9168373"/>
+            <a:off x="853886" y="576004"/>
+            <a:ext cx="10712388" cy="9168492"/>
           </a:xfrm>
         </p:spPr>
         <p:txBody>
@@ -1033,8 +1239,8 @@
         </p:nvSpPr>
         <p:spPr>
           <a:xfrm>
-            <a:off x="847415" y="2697170"/>
-            <a:ext cx="10712358" cy="4500291"/>
+            <a:off x="847417" y="2697205"/>
+            <a:ext cx="10712388" cy="4500349"/>
           </a:xfrm>
         </p:spPr>
         <p:txBody>
@@ -1065,8 +1271,8 @@
         </p:nvSpPr>
         <p:spPr>
           <a:xfrm>
-            <a:off x="847415" y="7240035"/>
-            <a:ext cx="10712358" cy="2366596"/>
+            <a:off x="847417" y="7240129"/>
+            <a:ext cx="10712388" cy="2366627"/>
           </a:xfrm>
         </p:spPr>
         <p:txBody>
@@ -1296,8 +1502,8 @@
         </p:nvSpPr>
         <p:spPr>
           <a:xfrm>
-            <a:off x="853884" y="2879986"/>
-            <a:ext cx="5278553" cy="6864385"/>
+            <a:off x="853886" y="2880023"/>
+            <a:ext cx="5278568" cy="6864474"/>
           </a:xfrm>
         </p:spPr>
         <p:txBody>
@@ -1357,8 +1563,8 @@
         </p:nvSpPr>
         <p:spPr>
           <a:xfrm>
-            <a:off x="6287688" y="2879986"/>
-            <a:ext cx="5278553" cy="6864385"/>
+            <a:off x="6287706" y="2880023"/>
+            <a:ext cx="5278568" cy="6864474"/>
           </a:xfrm>
         </p:spPr>
         <p:txBody>
@@ -1506,8 +1712,8 @@
         </p:nvSpPr>
         <p:spPr>
           <a:xfrm>
-            <a:off x="855502" y="575997"/>
-            <a:ext cx="10712358" cy="2091122"/>
+            <a:off x="855504" y="576004"/>
+            <a:ext cx="10712388" cy="2091149"/>
           </a:xfrm>
         </p:spPr>
         <p:txBody>
@@ -1534,8 +1740,8 @@
         </p:nvSpPr>
         <p:spPr>
           <a:xfrm>
-            <a:off x="1208980" y="2805547"/>
-            <a:ext cx="4964763" cy="1299750"/>
+            <a:off x="1208983" y="2805583"/>
+            <a:ext cx="4964777" cy="1299767"/>
           </a:xfrm>
         </p:spPr>
         <p:txBody>
@@ -1600,8 +1806,8 @@
         </p:nvSpPr>
         <p:spPr>
           <a:xfrm>
-            <a:off x="1208980" y="4204727"/>
-            <a:ext cx="4964763" cy="5559678"/>
+            <a:off x="1208983" y="4204781"/>
+            <a:ext cx="4964777" cy="5559750"/>
           </a:xfrm>
         </p:spPr>
         <p:txBody>
@@ -1661,8 +1867,8 @@
         </p:nvSpPr>
         <p:spPr>
           <a:xfrm>
-            <a:off x="6374011" y="2805547"/>
-            <a:ext cx="4989214" cy="1299750"/>
+            <a:off x="6374029" y="2805583"/>
+            <a:ext cx="4989228" cy="1299767"/>
           </a:xfrm>
         </p:spPr>
         <p:txBody>
@@ -1727,8 +1933,8 @@
         </p:nvSpPr>
         <p:spPr>
           <a:xfrm>
-            <a:off x="6374011" y="4204727"/>
-            <a:ext cx="4989214" cy="5559678"/>
+            <a:off x="6374029" y="4204781"/>
+            <a:ext cx="4989228" cy="5559750"/>
           </a:xfrm>
         </p:spPr>
         <p:txBody>
@@ -2075,8 +2281,8 @@
         </p:nvSpPr>
         <p:spPr>
           <a:xfrm>
-            <a:off x="855502" y="721249"/>
-            <a:ext cx="4243287" cy="2524370"/>
+            <a:off x="855504" y="721258"/>
+            <a:ext cx="4243299" cy="2524403"/>
           </a:xfrm>
         </p:spPr>
         <p:txBody>
@@ -2107,8 +2313,8 @@
         </p:nvSpPr>
         <p:spPr>
           <a:xfrm>
-            <a:off x="5280171" y="721251"/>
-            <a:ext cx="6287688" cy="8524758"/>
+            <a:off x="5280186" y="721260"/>
+            <a:ext cx="6287706" cy="8524868"/>
           </a:xfrm>
         </p:spPr>
         <p:txBody>
@@ -2168,8 +2374,8 @@
         </p:nvSpPr>
         <p:spPr>
           <a:xfrm>
-            <a:off x="855502" y="3245619"/>
-            <a:ext cx="4243287" cy="6012910"/>
+            <a:off x="855504" y="3245661"/>
+            <a:ext cx="4243299" cy="6012988"/>
           </a:xfrm>
         </p:spPr>
         <p:txBody>
@@ -2322,8 +2528,8 @@
         </p:nvSpPr>
         <p:spPr>
           <a:xfrm>
-            <a:off x="8888152" y="575997"/>
-            <a:ext cx="2678089" cy="9168373"/>
+            <a:off x="8888177" y="576004"/>
+            <a:ext cx="2678096" cy="9168492"/>
           </a:xfrm>
         </p:spPr>
         <p:txBody>
@@ -2350,8 +2556,8 @@
         </p:nvSpPr>
         <p:spPr>
           <a:xfrm>
-            <a:off x="853884" y="575997"/>
-            <a:ext cx="7879017" cy="9168373"/>
+            <a:off x="853886" y="576004"/>
+            <a:ext cx="7879039" cy="9168492"/>
           </a:xfrm>
         </p:spPr>
         <p:txBody>
@@ -2504,8 +2710,8 @@
         </p:nvSpPr>
         <p:spPr>
           <a:xfrm>
-            <a:off x="853884" y="575997"/>
-            <a:ext cx="10712358" cy="2091122"/>
+            <a:off x="853886" y="576004"/>
+            <a:ext cx="10712388" cy="2091149"/>
           </a:xfrm>
           <a:prstGeom prst="rect">
             <a:avLst/>
@@ -2537,8 +2743,8 @@
         </p:nvSpPr>
         <p:spPr>
           <a:xfrm>
-            <a:off x="853884" y="2879986"/>
-            <a:ext cx="10712358" cy="6864385"/>
+            <a:off x="853886" y="2880023"/>
+            <a:ext cx="10712388" cy="6864474"/>
           </a:xfrm>
           <a:prstGeom prst="rect">
             <a:avLst/>
@@ -2603,8 +2809,8 @@
         </p:nvSpPr>
         <p:spPr>
           <a:xfrm>
-            <a:off x="853884" y="10027359"/>
-            <a:ext cx="2794528" cy="575997"/>
+            <a:off x="853886" y="10027489"/>
+            <a:ext cx="2794536" cy="576004"/>
           </a:xfrm>
           <a:prstGeom prst="rect">
             <a:avLst/>
@@ -2643,8 +2849,8 @@
         </p:nvSpPr>
         <p:spPr>
           <a:xfrm>
-            <a:off x="4114167" y="10027359"/>
-            <a:ext cx="4191792" cy="575997"/>
+            <a:off x="4114179" y="10027489"/>
+            <a:ext cx="4191804" cy="576004"/>
           </a:xfrm>
           <a:prstGeom prst="rect">
             <a:avLst/>
@@ -2680,8 +2886,8 @@
         </p:nvSpPr>
         <p:spPr>
           <a:xfrm>
-            <a:off x="8771714" y="10027359"/>
-            <a:ext cx="2794528" cy="575997"/>
+            <a:off x="8771739" y="10027489"/>
+            <a:ext cx="2794536" cy="576004"/>
           </a:xfrm>
           <a:prstGeom prst="rect">
             <a:avLst/>
@@ -3018,14 +3224,303 @@
       <p:grpSpPr/>
       <p:sp>
         <p:nvSpPr>
-          <p:cNvPr id="12" name="矩形 11"/>
+          <p:cNvPr id="2" name="椭圆 1"/>
+          <p:cNvSpPr/>
+          <p:nvPr/>
+        </p:nvSpPr>
+        <p:spPr>
+          <a:xfrm rot="1380000">
+            <a:off x="1696097" y="358267"/>
+            <a:ext cx="850906" cy="282577"/>
+          </a:xfrm>
+          <a:prstGeom prst="ellipse">
+            <a:avLst/>
+          </a:prstGeom>
+          <a:solidFill>
+            <a:srgbClr val="FFC000"/>
+          </a:solidFill>
+          <a:ln>
+            <a:noFill/>
+          </a:ln>
+        </p:spPr>
+        <p:style>
+          <a:lnRef idx="2">
+            <a:schemeClr val="accent1">
+              <a:shade val="50000"/>
+            </a:schemeClr>
+          </a:lnRef>
+          <a:fillRef idx="1">
+            <a:schemeClr val="accent1"/>
+          </a:fillRef>
+          <a:effectRef idx="0">
+            <a:schemeClr val="accent1"/>
+          </a:effectRef>
+          <a:fontRef idx="minor">
+            <a:schemeClr val="lt1"/>
+          </a:fontRef>
+        </p:style>
+        <p:txBody>
+          <a:bodyPr rtlCol="0" anchor="ctr"/>
+          <a:p>
+            <a:pPr algn="l" fontAlgn="base"/>
+            <a:endParaRPr lang="en-US" altLang="zh-CN" sz="2400" strike="noStrike" noProof="1">
+              <a:solidFill>
+                <a:schemeClr val="tx1"/>
+              </a:solidFill>
+              <a:latin typeface="Arial" panose="020B0604020202020204" pitchFamily="34" charset="0"/>
+            </a:endParaRPr>
+          </a:p>
+        </p:txBody>
+      </p:sp>
+      <p:cxnSp>
+        <p:nvCxnSpPr>
+          <p:cNvPr id="3" name="直接箭头连接符 2"/>
+          <p:cNvCxnSpPr>
+            <a:stCxn id="24" idx="4"/>
+          </p:cNvCxnSpPr>
+          <p:nvPr/>
+        </p:nvCxnSpPr>
+        <p:spPr>
+          <a:xfrm>
+            <a:off x="1669420" y="2611182"/>
+            <a:ext cx="2654942" cy="340361"/>
+          </a:xfrm>
+          <a:prstGeom prst="straightConnector1">
+            <a:avLst/>
+          </a:prstGeom>
+          <a:ln>
+            <a:solidFill>
+              <a:schemeClr val="tx1"/>
+            </a:solidFill>
+            <a:headEnd type="none"/>
+            <a:tailEnd type="none"/>
+          </a:ln>
+        </p:spPr>
+        <p:style>
+          <a:lnRef idx="1">
+            <a:schemeClr val="accent1"/>
+          </a:lnRef>
+          <a:fillRef idx="0">
+            <a:schemeClr val="accent1"/>
+          </a:fillRef>
+          <a:effectRef idx="0">
+            <a:schemeClr val="accent1"/>
+          </a:effectRef>
+          <a:fontRef idx="minor">
+            <a:schemeClr val="tx1"/>
+          </a:fontRef>
+        </p:style>
+      </p:cxnSp>
+      <p:sp>
+        <p:nvSpPr>
+          <p:cNvPr id="18" name="椭圆 17"/>
+          <p:cNvSpPr/>
+          <p:nvPr/>
+        </p:nvSpPr>
+        <p:spPr>
+          <a:xfrm rot="1140000">
+            <a:off x="800113" y="2353445"/>
+            <a:ext cx="850906" cy="282577"/>
+          </a:xfrm>
+          <a:prstGeom prst="ellipse">
+            <a:avLst/>
+          </a:prstGeom>
+          <a:solidFill>
+            <a:srgbClr val="FFC000"/>
+          </a:solidFill>
+          <a:ln>
+            <a:noFill/>
+          </a:ln>
+        </p:spPr>
+        <p:style>
+          <a:lnRef idx="2">
+            <a:schemeClr val="accent1">
+              <a:shade val="50000"/>
+            </a:schemeClr>
+          </a:lnRef>
+          <a:fillRef idx="1">
+            <a:schemeClr val="accent1"/>
+          </a:fillRef>
+          <a:effectRef idx="0">
+            <a:schemeClr val="accent1"/>
+          </a:effectRef>
+          <a:fontRef idx="minor">
+            <a:schemeClr val="lt1"/>
+          </a:fontRef>
+        </p:style>
+        <p:txBody>
+          <a:bodyPr rtlCol="0" anchor="ctr"/>
+          <a:p>
+            <a:pPr algn="l" fontAlgn="base"/>
+            <a:endParaRPr lang="en-US" altLang="zh-CN" sz="2400" strike="noStrike" noProof="1">
+              <a:solidFill>
+                <a:schemeClr val="tx1"/>
+              </a:solidFill>
+              <a:latin typeface="Arial" panose="020B0604020202020204" pitchFamily="34" charset="0"/>
+            </a:endParaRPr>
+          </a:p>
+        </p:txBody>
+      </p:sp>
+      <p:pic>
+        <p:nvPicPr>
+          <p:cNvPr id="23" name="图片 22" descr="magnifier"/>
+          <p:cNvPicPr>
+            <a:picLocks noChangeAspect="1"/>
+          </p:cNvPicPr>
+          <p:nvPr/>
+        </p:nvPicPr>
+        <p:blipFill>
+          <a:blip r:embed="rId1"/>
+          <a:stretch>
+            <a:fillRect/>
+          </a:stretch>
+        </p:blipFill>
+        <p:spPr>
+          <a:xfrm>
+            <a:off x="1399558" y="2176914"/>
+            <a:ext cx="1091573" cy="1091573"/>
+          </a:xfrm>
+          <a:prstGeom prst="rect">
+            <a:avLst/>
+          </a:prstGeom>
+        </p:spPr>
+      </p:pic>
+      <p:sp>
+        <p:nvSpPr>
+          <p:cNvPr id="24" name="椭圆 23"/>
           <p:cNvSpPr/>
           <p:nvPr/>
         </p:nvSpPr>
         <p:spPr>
           <a:xfrm>
-            <a:off x="7545070" y="1428750"/>
-            <a:ext cx="1304925" cy="844550"/>
+            <a:off x="545467" y="363276"/>
+            <a:ext cx="2247906" cy="2247906"/>
+          </a:xfrm>
+          <a:prstGeom prst="ellipse">
+            <a:avLst/>
+          </a:prstGeom>
+          <a:noFill/>
+          <a:extLst>
+            <a:ext uri="{909E8E84-426E-40DD-AFC4-6F175D3DCCD1}">
+              <a14:hiddenFill xmlns:a14="http://schemas.microsoft.com/office/drawing/2010/main">
+                <a:solidFill>
+                  <a:schemeClr val="accent1"/>
+                </a:solidFill>
+              </a14:hiddenFill>
+            </a:ext>
+          </a:extLst>
+        </p:spPr>
+        <p:style>
+          <a:lnRef idx="2">
+            <a:schemeClr val="accent1">
+              <a:shade val="50000"/>
+            </a:schemeClr>
+          </a:lnRef>
+          <a:fillRef idx="1">
+            <a:schemeClr val="accent1"/>
+          </a:fillRef>
+          <a:effectRef idx="0">
+            <a:schemeClr val="accent1"/>
+          </a:effectRef>
+          <a:fontRef idx="minor">
+            <a:schemeClr val="lt1"/>
+          </a:fontRef>
+        </p:style>
+        <p:txBody>
+          <a:bodyPr rtlCol="0" anchor="ctr"/>
+          <a:p>
+            <a:pPr algn="ctr"/>
+            <a:endParaRPr lang="zh-CN" altLang="en-US" sz="2400">
+              <a:latin typeface="Arial" panose="020B0604020202020204" pitchFamily="34" charset="0"/>
+            </a:endParaRPr>
+          </a:p>
+        </p:txBody>
+      </p:sp>
+      <p:sp>
+        <p:nvSpPr>
+          <p:cNvPr id="21" name="文本框 20"/>
+          <p:cNvSpPr txBox="1"/>
+          <p:nvPr/>
+        </p:nvSpPr>
+        <p:spPr>
+          <a:xfrm>
+            <a:off x="1210961" y="1647320"/>
+            <a:ext cx="2082815" cy="457200"/>
+          </a:xfrm>
+          <a:prstGeom prst="rect">
+            <a:avLst/>
+          </a:prstGeom>
+          <a:noFill/>
+        </p:spPr>
+        <p:txBody>
+          <a:bodyPr wrap="square" rtlCol="0">
+            <a:spAutoFit/>
+          </a:bodyPr>
+          <a:p>
+            <a:r>
+              <a:rPr lang="en-US" altLang="zh-CN" sz="2400">
+                <a:latin typeface="Arial" panose="020B0604020202020204" pitchFamily="34" charset="0"/>
+              </a:rPr>
+              <a:t>SIS18</a:t>
+            </a:r>
+            <a:endParaRPr lang="en-US" altLang="zh-CN" sz="2400">
+              <a:latin typeface="Arial" panose="020B0604020202020204" pitchFamily="34" charset="0"/>
+            </a:endParaRPr>
+          </a:p>
+        </p:txBody>
+      </p:sp>
+      <p:sp>
+        <p:nvSpPr>
+          <p:cNvPr id="8" name="左箭头 7"/>
+          <p:cNvSpPr/>
+          <p:nvPr/>
+        </p:nvSpPr>
+        <p:spPr>
+          <a:xfrm rot="480000" flipH="1">
+            <a:off x="2907038" y="2303841"/>
+            <a:ext cx="585472" cy="381001"/>
+          </a:xfrm>
+          <a:prstGeom prst="leftArrow">
+            <a:avLst/>
+          </a:prstGeom>
+          <a:solidFill>
+            <a:schemeClr val="tx1"/>
+          </a:solidFill>
+        </p:spPr>
+        <p:style>
+          <a:lnRef idx="2">
+            <a:schemeClr val="accent1">
+              <a:shade val="50000"/>
+            </a:schemeClr>
+          </a:lnRef>
+          <a:fillRef idx="1">
+            <a:schemeClr val="accent1"/>
+          </a:fillRef>
+          <a:effectRef idx="0">
+            <a:schemeClr val="accent1"/>
+          </a:effectRef>
+          <a:fontRef idx="minor">
+            <a:schemeClr val="lt1"/>
+          </a:fontRef>
+        </p:style>
+        <p:txBody>
+          <a:bodyPr rtlCol="0" anchor="ctr"/>
+          <a:p>
+            <a:pPr algn="ctr"/>
+            <a:endParaRPr lang="zh-CN" altLang="en-US"/>
+          </a:p>
+        </p:txBody>
+      </p:sp>
+      <p:sp>
+        <p:nvSpPr>
+          <p:cNvPr id="9" name="矩形 8"/>
+          <p:cNvSpPr/>
+          <p:nvPr/>
+        </p:nvSpPr>
+        <p:spPr>
+          <a:xfrm>
+            <a:off x="5412120" y="4255837"/>
+            <a:ext cx="1304929" cy="844552"/>
           </a:xfrm>
           <a:prstGeom prst="rect">
             <a:avLst/>
@@ -3086,7 +3581,7 @@
                   <a:schemeClr val="tx1"/>
                 </a:solidFill>
               </a:rPr>
-              <a:t> crate</a:t>
+              <a:t> tank</a:t>
             </a:r>
             <a:endParaRPr lang="en-US" altLang="zh-CN" sz="2000" strike="noStrike" noProof="1">
               <a:solidFill>
@@ -3114,14 +3609,14 @@
       </p:sp>
       <p:sp>
         <p:nvSpPr>
-          <p:cNvPr id="28" name="椭圆 27"/>
+          <p:cNvPr id="10" name="椭圆 9"/>
           <p:cNvSpPr/>
           <p:nvPr/>
         </p:nvSpPr>
         <p:spPr>
           <a:xfrm>
-            <a:off x="8869680" y="2579370"/>
-            <a:ext cx="758825" cy="287655"/>
+            <a:off x="6769735" y="5217160"/>
+            <a:ext cx="6258560" cy="443865"/>
           </a:xfrm>
           <a:prstGeom prst="ellipse">
             <a:avLst/>
@@ -3171,16 +3666,16 @@
       </p:sp>
       <p:cxnSp>
         <p:nvCxnSpPr>
-          <p:cNvPr id="29" name="直接连接符 28"/>
+          <p:cNvPr id="11" name="直接连接符 10"/>
           <p:cNvCxnSpPr>
-            <a:stCxn id="12" idx="3"/>
+            <a:stCxn id="9" idx="3"/>
           </p:cNvCxnSpPr>
           <p:nvPr/>
         </p:nvCxnSpPr>
         <p:spPr>
           <a:xfrm>
-            <a:off x="8849995" y="1851025"/>
-            <a:ext cx="1270" cy="1483995"/>
+            <a:off x="6717049" y="4697163"/>
+            <a:ext cx="1270" cy="1483999"/>
           </a:xfrm>
           <a:prstGeom prst="line">
             <a:avLst/>
@@ -3207,16 +3702,118 @@
           </a:fontRef>
         </p:style>
       </p:cxnSp>
+      <p:cxnSp>
+        <p:nvCxnSpPr>
+          <p:cNvPr id="14" name="直接箭头连接符 13"/>
+          <p:cNvCxnSpPr/>
+          <p:nvPr/>
+        </p:nvCxnSpPr>
+        <p:spPr>
+          <a:xfrm>
+            <a:off x="6751100" y="3938011"/>
+            <a:ext cx="1964714" cy="8890"/>
+          </a:xfrm>
+          <a:prstGeom prst="straightConnector1">
+            <a:avLst/>
+          </a:prstGeom>
+          <a:pattFill prst="ltDnDiag">
+            <a:fgClr>
+              <a:schemeClr val="tx1"/>
+            </a:fgClr>
+            <a:bgClr>
+              <a:srgbClr val="FFFFFF"/>
+            </a:bgClr>
+          </a:pattFill>
+          <a:ln>
+            <a:solidFill>
+              <a:schemeClr val="tx1"/>
+            </a:solidFill>
+            <a:headEnd type="arrow"/>
+            <a:tailEnd type="arrow"/>
+          </a:ln>
+        </p:spPr>
+        <p:style>
+          <a:lnRef idx="1">
+            <a:schemeClr val="accent1"/>
+          </a:lnRef>
+          <a:fillRef idx="0">
+            <a:schemeClr val="accent1"/>
+          </a:fillRef>
+          <a:effectRef idx="0">
+            <a:schemeClr val="accent1"/>
+          </a:effectRef>
+          <a:fontRef idx="minor">
+            <a:schemeClr val="tx1"/>
+          </a:fontRef>
+        </p:style>
+      </p:cxnSp>
       <p:sp>
         <p:nvSpPr>
-          <p:cNvPr id="34" name="椭圆 33"/>
+          <p:cNvPr id="15" name="椭圆 14"/>
           <p:cNvSpPr/>
           <p:nvPr/>
         </p:nvSpPr>
         <p:spPr>
           <a:xfrm>
-            <a:off x="10834370" y="2883535"/>
-            <a:ext cx="762000" cy="285750"/>
+            <a:off x="-2033270" y="5266055"/>
+            <a:ext cx="5962015" cy="426085"/>
+          </a:xfrm>
+          <a:prstGeom prst="ellipse">
+            <a:avLst/>
+          </a:prstGeom>
+          <a:solidFill>
+            <a:srgbClr val="FFC000"/>
+          </a:solidFill>
+          <a:ln>
+            <a:noFill/>
+          </a:ln>
+        </p:spPr>
+        <p:style>
+          <a:lnRef idx="2">
+            <a:schemeClr val="accent1">
+              <a:shade val="50000"/>
+            </a:schemeClr>
+          </a:lnRef>
+          <a:fillRef idx="1">
+            <a:schemeClr val="accent1"/>
+          </a:fillRef>
+          <a:effectRef idx="0">
+            <a:schemeClr val="accent1"/>
+          </a:effectRef>
+          <a:fontRef idx="minor">
+            <a:schemeClr val="lt1"/>
+          </a:fontRef>
+        </p:style>
+        <p:txBody>
+          <a:bodyPr rtlCol="0" anchor="ctr"/>
+          <a:p>
+            <a:pPr algn="l" fontAlgn="base"/>
+            <a:r>
+              <a:rPr lang="en-US" altLang="zh-CN" sz="2400" strike="noStrike" noProof="1">
+                <a:solidFill>
+                  <a:schemeClr val="tx1"/>
+                </a:solidFill>
+              </a:rPr>
+              <a:t>                   2</a:t>
+            </a:r>
+            <a:endParaRPr lang="en-US" altLang="zh-CN" sz="2400" strike="noStrike" noProof="1">
+              <a:solidFill>
+                <a:schemeClr val="tx1"/>
+              </a:solidFill>
+            </a:endParaRPr>
+          </a:p>
+        </p:txBody>
+      </p:sp>
+      <p:sp>
+        <p:nvSpPr>
+          <p:cNvPr id="16" name="椭圆 15"/>
+          <p:cNvSpPr/>
+          <p:nvPr/>
+        </p:nvSpPr>
+        <p:spPr>
+          <a:xfrm>
+            <a:off x="-1106805" y="5926455"/>
+            <a:ext cx="7107555" cy="456565"/>
           </a:xfrm>
           <a:prstGeom prst="ellipse">
             <a:avLst/>
@@ -3256,7 +3853,7 @@
                   <a:schemeClr val="tx1"/>
                 </a:solidFill>
               </a:rPr>
-              <a:t>1</a:t>
+              <a:t>              2</a:t>
             </a:r>
             <a:endParaRPr lang="en-US" altLang="zh-CN" sz="2400" strike="noStrike" noProof="1">
               <a:solidFill>
@@ -3268,14 +3865,194 @@
       </p:sp>
       <p:cxnSp>
         <p:nvCxnSpPr>
-          <p:cNvPr id="36" name="直接箭头连接符 35"/>
+          <p:cNvPr id="17" name="直接连接符 16"/>
           <p:cNvCxnSpPr/>
           <p:nvPr/>
         </p:nvCxnSpPr>
         <p:spPr>
           <a:xfrm>
-            <a:off x="8884046" y="1110925"/>
-            <a:ext cx="1964709" cy="8890"/>
+            <a:off x="8717939" y="4912429"/>
+            <a:ext cx="11430" cy="1423674"/>
+          </a:xfrm>
+          <a:prstGeom prst="line">
+            <a:avLst/>
+          </a:prstGeom>
+          <a:ln w="28575">
+            <a:solidFill>
+              <a:schemeClr val="tx1"/>
+            </a:solidFill>
+          </a:ln>
+        </p:spPr>
+        <p:style>
+          <a:lnRef idx="3">
+            <a:schemeClr val="accent2"/>
+          </a:lnRef>
+          <a:fillRef idx="0">
+            <a:schemeClr val="accent2"/>
+          </a:fillRef>
+          <a:effectRef idx="2">
+            <a:schemeClr val="accent2"/>
+          </a:effectRef>
+          <a:fontRef idx="minor">
+            <a:schemeClr val="tx1"/>
+          </a:fontRef>
+        </p:style>
+      </p:cxnSp>
+      <p:cxnSp>
+        <p:nvCxnSpPr>
+          <p:cNvPr id="20" name="直接连接符 19"/>
+          <p:cNvCxnSpPr/>
+          <p:nvPr/>
+        </p:nvCxnSpPr>
+        <p:spPr>
+          <a:xfrm flipH="1">
+            <a:off x="8702064" y="3338894"/>
+            <a:ext cx="6985" cy="1521464"/>
+          </a:xfrm>
+          <a:prstGeom prst="line">
+            <a:avLst/>
+          </a:prstGeom>
+          <a:ln w="28575" cmpd="sng">
+            <a:solidFill>
+              <a:schemeClr val="tx1"/>
+            </a:solidFill>
+            <a:prstDash val="solid"/>
+          </a:ln>
+        </p:spPr>
+        <p:style>
+          <a:lnRef idx="1">
+            <a:schemeClr val="accent1"/>
+          </a:lnRef>
+          <a:fillRef idx="0">
+            <a:schemeClr val="accent1"/>
+          </a:fillRef>
+          <a:effectRef idx="0">
+            <a:schemeClr val="accent1"/>
+          </a:effectRef>
+          <a:fontRef idx="minor">
+            <a:schemeClr val="tx1"/>
+          </a:fontRef>
+        </p:style>
+      </p:cxnSp>
+      <p:cxnSp>
+        <p:nvCxnSpPr>
+          <p:cNvPr id="26" name="直接连接符 25"/>
+          <p:cNvCxnSpPr/>
+          <p:nvPr/>
+        </p:nvCxnSpPr>
+        <p:spPr>
+          <a:xfrm flipH="1">
+            <a:off x="6743719" y="3757360"/>
+            <a:ext cx="1905" cy="1080773"/>
+          </a:xfrm>
+          <a:prstGeom prst="line">
+            <a:avLst/>
+          </a:prstGeom>
+          <a:ln w="28575" cmpd="sng">
+            <a:solidFill>
+              <a:schemeClr val="tx1"/>
+            </a:solidFill>
+            <a:prstDash val="solid"/>
+          </a:ln>
+        </p:spPr>
+        <p:style>
+          <a:lnRef idx="1">
+            <a:schemeClr val="accent1"/>
+          </a:lnRef>
+          <a:fillRef idx="0">
+            <a:schemeClr val="accent1"/>
+          </a:fillRef>
+          <a:effectRef idx="0">
+            <a:schemeClr val="accent1"/>
+          </a:effectRef>
+          <a:fontRef idx="minor">
+            <a:schemeClr val="tx1"/>
+          </a:fontRef>
+        </p:style>
+      </p:cxnSp>
+      <p:cxnSp>
+        <p:nvCxnSpPr>
+          <p:cNvPr id="27" name="直接连接符 26"/>
+          <p:cNvCxnSpPr/>
+          <p:nvPr/>
+        </p:nvCxnSpPr>
+        <p:spPr>
+          <a:xfrm flipH="1">
+            <a:off x="5398150" y="3454465"/>
+            <a:ext cx="6985" cy="1272544"/>
+          </a:xfrm>
+          <a:prstGeom prst="line">
+            <a:avLst/>
+          </a:prstGeom>
+          <a:ln w="28575" cmpd="sng">
+            <a:solidFill>
+              <a:schemeClr val="tx1"/>
+            </a:solidFill>
+            <a:prstDash val="solid"/>
+          </a:ln>
+        </p:spPr>
+        <p:style>
+          <a:lnRef idx="1">
+            <a:schemeClr val="accent1"/>
+          </a:lnRef>
+          <a:fillRef idx="0">
+            <a:schemeClr val="accent1"/>
+          </a:fillRef>
+          <a:effectRef idx="0">
+            <a:schemeClr val="accent1"/>
+          </a:effectRef>
+          <a:fontRef idx="minor">
+            <a:schemeClr val="tx1"/>
+          </a:fontRef>
+        </p:style>
+      </p:cxnSp>
+      <p:cxnSp>
+        <p:nvCxnSpPr>
+          <p:cNvPr id="30" name="直接箭头连接符 29"/>
+          <p:cNvCxnSpPr/>
+          <p:nvPr/>
+        </p:nvCxnSpPr>
+        <p:spPr>
+          <a:xfrm flipV="1">
+            <a:off x="5412120" y="3521140"/>
+            <a:ext cx="3326774" cy="5715"/>
+          </a:xfrm>
+          <a:prstGeom prst="straightConnector1">
+            <a:avLst/>
+          </a:prstGeom>
+          <a:ln>
+            <a:solidFill>
+              <a:schemeClr val="tx1"/>
+            </a:solidFill>
+            <a:headEnd type="arrow"/>
+            <a:tailEnd type="arrow"/>
+          </a:ln>
+        </p:spPr>
+        <p:style>
+          <a:lnRef idx="1">
+            <a:schemeClr val="accent1"/>
+          </a:lnRef>
+          <a:fillRef idx="0">
+            <a:schemeClr val="accent1"/>
+          </a:fillRef>
+          <a:effectRef idx="0">
+            <a:schemeClr val="accent1"/>
+          </a:effectRef>
+          <a:fontRef idx="minor">
+            <a:schemeClr val="tx1"/>
+          </a:fontRef>
+        </p:style>
+      </p:cxnSp>
+      <p:cxnSp>
+        <p:nvCxnSpPr>
+          <p:cNvPr id="46" name="直接箭头连接符 45"/>
+          <p:cNvCxnSpPr/>
+          <p:nvPr/>
+        </p:nvCxnSpPr>
+        <p:spPr>
+          <a:xfrm>
+            <a:off x="6744116" y="4372355"/>
+            <a:ext cx="930287" cy="635"/>
           </a:xfrm>
           <a:prstGeom prst="straightConnector1">
             <a:avLst/>
@@ -3311,873 +4088,23 @@
           </a:fontRef>
         </p:style>
       </p:cxnSp>
-      <p:sp>
-        <p:nvSpPr>
-          <p:cNvPr id="4" name="椭圆 3"/>
-          <p:cNvSpPr/>
-          <p:nvPr/>
-        </p:nvSpPr>
-        <p:spPr>
-          <a:xfrm>
-            <a:off x="5392420" y="2580005"/>
-            <a:ext cx="688975" cy="285750"/>
-          </a:xfrm>
-          <a:prstGeom prst="ellipse">
-            <a:avLst/>
-          </a:prstGeom>
-          <a:solidFill>
-            <a:srgbClr val="FFC000"/>
-          </a:solidFill>
-          <a:ln>
-            <a:noFill/>
-          </a:ln>
-        </p:spPr>
-        <p:style>
-          <a:lnRef idx="2">
-            <a:schemeClr val="accent1">
-              <a:shade val="50000"/>
-            </a:schemeClr>
-          </a:lnRef>
-          <a:fillRef idx="1">
-            <a:schemeClr val="accent1"/>
-          </a:fillRef>
-          <a:effectRef idx="0">
-            <a:schemeClr val="accent1"/>
-          </a:effectRef>
-          <a:fontRef idx="minor">
-            <a:schemeClr val="lt1"/>
-          </a:fontRef>
-        </p:style>
-        <p:txBody>
-          <a:bodyPr rtlCol="0" anchor="ctr"/>
-          <a:p>
-            <a:pPr algn="l" fontAlgn="base"/>
-            <a:r>
-              <a:rPr lang="en-US" altLang="zh-CN" sz="2400" strike="noStrike" noProof="1">
-                <a:solidFill>
-                  <a:schemeClr val="tx1"/>
-                </a:solidFill>
-              </a:rPr>
-              <a:t>2</a:t>
-            </a:r>
-            <a:endParaRPr lang="en-US" altLang="zh-CN" sz="2400" strike="noStrike" noProof="1">
-              <a:solidFill>
-                <a:schemeClr val="tx1"/>
-              </a:solidFill>
-            </a:endParaRPr>
-          </a:p>
-        </p:txBody>
-      </p:sp>
-      <p:sp>
-        <p:nvSpPr>
-          <p:cNvPr id="5" name="椭圆 4"/>
-          <p:cNvSpPr/>
-          <p:nvPr/>
-        </p:nvSpPr>
-        <p:spPr>
-          <a:xfrm>
-            <a:off x="7285990" y="2865120"/>
-            <a:ext cx="840105" cy="301625"/>
-          </a:xfrm>
-          <a:prstGeom prst="ellipse">
-            <a:avLst/>
-          </a:prstGeom>
-          <a:solidFill>
-            <a:srgbClr val="FF0000">
-              <a:alpha val="52000"/>
-            </a:srgbClr>
-          </a:solidFill>
-          <a:ln>
-            <a:noFill/>
-          </a:ln>
-        </p:spPr>
-        <p:style>
-          <a:lnRef idx="2">
-            <a:schemeClr val="accent1">
-              <a:shade val="50000"/>
-            </a:schemeClr>
-          </a:lnRef>
-          <a:fillRef idx="1">
-            <a:schemeClr val="accent1"/>
-          </a:fillRef>
-          <a:effectRef idx="0">
-            <a:schemeClr val="accent1"/>
-          </a:effectRef>
-          <a:fontRef idx="minor">
-            <a:schemeClr val="lt1"/>
-          </a:fontRef>
-        </p:style>
-        <p:txBody>
-          <a:bodyPr rtlCol="0" anchor="ctr"/>
-          <a:p>
-            <a:pPr algn="l" fontAlgn="base"/>
-            <a:r>
-              <a:rPr lang="en-US" altLang="zh-CN" sz="2400" strike="noStrike" noProof="1">
-                <a:solidFill>
-                  <a:schemeClr val="tx1"/>
-                </a:solidFill>
-              </a:rPr>
-              <a:t>2</a:t>
-            </a:r>
-            <a:endParaRPr lang="en-US" altLang="zh-CN" sz="2400" strike="noStrike" noProof="1">
-              <a:solidFill>
-                <a:schemeClr val="tx1"/>
-              </a:solidFill>
-            </a:endParaRPr>
-          </a:p>
-        </p:txBody>
-      </p:sp>
-      <p:cxnSp>
-        <p:nvCxnSpPr>
-          <p:cNvPr id="35" name="直接连接符 34"/>
-          <p:cNvCxnSpPr/>
-          <p:nvPr/>
-        </p:nvCxnSpPr>
-        <p:spPr>
-          <a:xfrm>
-            <a:off x="10850880" y="2085340"/>
-            <a:ext cx="11430" cy="1423670"/>
-          </a:xfrm>
-          <a:prstGeom prst="line">
-            <a:avLst/>
-          </a:prstGeom>
-          <a:ln w="28575">
-            <a:solidFill>
-              <a:schemeClr val="tx1"/>
-            </a:solidFill>
-          </a:ln>
-        </p:spPr>
-        <p:style>
-          <a:lnRef idx="3">
-            <a:schemeClr val="accent2"/>
-          </a:lnRef>
-          <a:fillRef idx="0">
-            <a:schemeClr val="accent2"/>
-          </a:fillRef>
-          <a:effectRef idx="2">
-            <a:schemeClr val="accent2"/>
-          </a:effectRef>
-          <a:fontRef idx="minor">
-            <a:schemeClr val="tx1"/>
-          </a:fontRef>
-        </p:style>
-      </p:cxnSp>
-      <p:cxnSp>
-        <p:nvCxnSpPr>
-          <p:cNvPr id="108" name="直接连接符 107"/>
-          <p:cNvCxnSpPr/>
-          <p:nvPr/>
-        </p:nvCxnSpPr>
-        <p:spPr>
-          <a:xfrm flipH="1">
-            <a:off x="3835765" y="4738704"/>
-            <a:ext cx="1270" cy="1517031"/>
-          </a:xfrm>
-          <a:prstGeom prst="line">
-            <a:avLst/>
-          </a:prstGeom>
-          <a:ln w="28575" cmpd="sng">
-            <a:solidFill>
-              <a:schemeClr val="tx1"/>
-            </a:solidFill>
-            <a:prstDash val="solid"/>
-          </a:ln>
-        </p:spPr>
-        <p:style>
-          <a:lnRef idx="1">
-            <a:schemeClr val="accent1"/>
-          </a:lnRef>
-          <a:fillRef idx="0">
-            <a:schemeClr val="accent1"/>
-          </a:fillRef>
-          <a:effectRef idx="0">
-            <a:schemeClr val="accent1"/>
-          </a:effectRef>
-          <a:fontRef idx="minor">
-            <a:schemeClr val="tx1"/>
-          </a:fontRef>
-        </p:style>
-      </p:cxnSp>
-      <p:cxnSp>
-        <p:nvCxnSpPr>
-          <p:cNvPr id="111" name="直接连接符 110"/>
-          <p:cNvCxnSpPr/>
-          <p:nvPr/>
-        </p:nvCxnSpPr>
-        <p:spPr>
-          <a:xfrm>
-            <a:off x="4781290" y="4819351"/>
-            <a:ext cx="5715" cy="1093481"/>
-          </a:xfrm>
-          <a:prstGeom prst="line">
-            <a:avLst/>
-          </a:prstGeom>
-          <a:ln w="28575" cmpd="sng">
-            <a:solidFill>
-              <a:schemeClr val="tx1"/>
-            </a:solidFill>
-            <a:prstDash val="solid"/>
-          </a:ln>
-        </p:spPr>
-        <p:style>
-          <a:lnRef idx="1">
-            <a:schemeClr val="accent1"/>
-          </a:lnRef>
-          <a:fillRef idx="0">
-            <a:schemeClr val="accent1"/>
-          </a:fillRef>
-          <a:effectRef idx="0">
-            <a:schemeClr val="accent1"/>
-          </a:effectRef>
-          <a:fontRef idx="minor">
-            <a:schemeClr val="tx1"/>
-          </a:fontRef>
-        </p:style>
-      </p:cxnSp>
-      <p:cxnSp>
-        <p:nvCxnSpPr>
-          <p:cNvPr id="114" name="直接连接符 113"/>
-          <p:cNvCxnSpPr/>
-          <p:nvPr/>
-        </p:nvCxnSpPr>
-        <p:spPr>
-          <a:xfrm>
-            <a:off x="4324720" y="5270205"/>
-            <a:ext cx="6350" cy="628657"/>
-          </a:xfrm>
-          <a:prstGeom prst="line">
-            <a:avLst/>
-          </a:prstGeom>
-          <a:ln w="28575" cmpd="sng">
-            <a:solidFill>
-              <a:schemeClr val="tx1"/>
-            </a:solidFill>
-            <a:prstDash val="solid"/>
-          </a:ln>
-        </p:spPr>
-        <p:style>
-          <a:lnRef idx="1">
-            <a:schemeClr val="accent1"/>
-          </a:lnRef>
-          <a:fillRef idx="0">
-            <a:schemeClr val="accent1"/>
-          </a:fillRef>
-          <a:effectRef idx="0">
-            <a:schemeClr val="accent1"/>
-          </a:effectRef>
-          <a:fontRef idx="minor">
-            <a:schemeClr val="tx1"/>
-          </a:fontRef>
-        </p:style>
-      </p:cxnSp>
-      <p:cxnSp>
-        <p:nvCxnSpPr>
-          <p:cNvPr id="115" name="直接箭头连接符 114"/>
-          <p:cNvCxnSpPr/>
-          <p:nvPr/>
-        </p:nvCxnSpPr>
-        <p:spPr>
-          <a:xfrm>
-            <a:off x="4287255" y="5764875"/>
-            <a:ext cx="539755" cy="0"/>
-          </a:xfrm>
-          <a:prstGeom prst="straightConnector1">
-            <a:avLst/>
-          </a:prstGeom>
-          <a:ln>
-            <a:solidFill>
-              <a:schemeClr val="tx1"/>
-            </a:solidFill>
-            <a:prstDash val="dash"/>
-            <a:headEnd type="arrow"/>
-            <a:tailEnd type="arrow"/>
-          </a:ln>
-        </p:spPr>
-        <p:style>
-          <a:lnRef idx="1">
-            <a:schemeClr val="accent1"/>
-          </a:lnRef>
-          <a:fillRef idx="0">
-            <a:schemeClr val="accent1"/>
-          </a:fillRef>
-          <a:effectRef idx="0">
-            <a:schemeClr val="accent1"/>
-          </a:effectRef>
-          <a:fontRef idx="minor">
-            <a:schemeClr val="tx1"/>
-          </a:fontRef>
-        </p:style>
-      </p:cxnSp>
-      <p:cxnSp>
-        <p:nvCxnSpPr>
-          <p:cNvPr id="119" name="直接连接符 118"/>
-          <p:cNvCxnSpPr/>
-          <p:nvPr/>
-        </p:nvCxnSpPr>
-        <p:spPr>
-          <a:xfrm>
-            <a:off x="7159393" y="4941589"/>
-            <a:ext cx="0" cy="1395427"/>
-          </a:xfrm>
-          <a:prstGeom prst="line">
-            <a:avLst/>
-          </a:prstGeom>
-          <a:ln w="28575" cmpd="sng">
-            <a:solidFill>
-              <a:schemeClr val="tx1"/>
-            </a:solidFill>
-            <a:prstDash val="solid"/>
-          </a:ln>
-        </p:spPr>
-        <p:style>
-          <a:lnRef idx="1">
-            <a:schemeClr val="accent1"/>
-          </a:lnRef>
-          <a:fillRef idx="0">
-            <a:schemeClr val="accent1"/>
-          </a:fillRef>
-          <a:effectRef idx="0">
-            <a:schemeClr val="accent1"/>
-          </a:effectRef>
-          <a:fontRef idx="minor">
-            <a:schemeClr val="tx1"/>
-          </a:fontRef>
-        </p:style>
-      </p:cxnSp>
-      <p:cxnSp>
-        <p:nvCxnSpPr>
-          <p:cNvPr id="120" name="直接箭头连接符 119"/>
-          <p:cNvCxnSpPr/>
-          <p:nvPr/>
-        </p:nvCxnSpPr>
-        <p:spPr>
-          <a:xfrm flipV="1">
-            <a:off x="3850640" y="6124575"/>
-            <a:ext cx="3296285" cy="4445"/>
-          </a:xfrm>
-          <a:prstGeom prst="straightConnector1">
-            <a:avLst/>
-          </a:prstGeom>
-          <a:ln w="15875">
-            <a:solidFill>
-              <a:schemeClr val="tx1"/>
-            </a:solidFill>
-            <a:prstDash val="dash"/>
-            <a:headEnd type="arrow"/>
-            <a:tailEnd type="arrow"/>
-          </a:ln>
-        </p:spPr>
-        <p:style>
-          <a:lnRef idx="1">
-            <a:schemeClr val="accent1"/>
-          </a:lnRef>
-          <a:fillRef idx="0">
-            <a:schemeClr val="accent1"/>
-          </a:fillRef>
-          <a:effectRef idx="0">
-            <a:schemeClr val="accent1"/>
-          </a:effectRef>
-          <a:fontRef idx="minor">
-            <a:schemeClr val="tx1"/>
-          </a:fontRef>
-        </p:style>
-      </p:cxnSp>
-      <p:cxnSp>
-        <p:nvCxnSpPr>
-          <p:cNvPr id="129" name="直接连接符 128"/>
-          <p:cNvCxnSpPr/>
-          <p:nvPr/>
-        </p:nvCxnSpPr>
-        <p:spPr>
-          <a:xfrm flipH="1">
-            <a:off x="10835005" y="511810"/>
-            <a:ext cx="6985" cy="1521460"/>
-          </a:xfrm>
-          <a:prstGeom prst="line">
-            <a:avLst/>
-          </a:prstGeom>
-          <a:ln w="28575" cmpd="sng">
-            <a:solidFill>
-              <a:schemeClr val="tx1"/>
-            </a:solidFill>
-            <a:prstDash val="solid"/>
-          </a:ln>
-        </p:spPr>
-        <p:style>
-          <a:lnRef idx="1">
-            <a:schemeClr val="accent1"/>
-          </a:lnRef>
-          <a:fillRef idx="0">
-            <a:schemeClr val="accent1"/>
-          </a:fillRef>
-          <a:effectRef idx="0">
-            <a:schemeClr val="accent1"/>
-          </a:effectRef>
-          <a:fontRef idx="minor">
-            <a:schemeClr val="tx1"/>
-          </a:fontRef>
-        </p:style>
-      </p:cxnSp>
-      <p:cxnSp>
-        <p:nvCxnSpPr>
-          <p:cNvPr id="130" name="直接连接符 129"/>
-          <p:cNvCxnSpPr/>
-          <p:nvPr/>
-        </p:nvCxnSpPr>
-        <p:spPr>
-          <a:xfrm flipH="1">
-            <a:off x="8876665" y="930275"/>
-            <a:ext cx="1905" cy="1080770"/>
-          </a:xfrm>
-          <a:prstGeom prst="line">
-            <a:avLst/>
-          </a:prstGeom>
-          <a:ln w="28575" cmpd="sng">
-            <a:solidFill>
-              <a:schemeClr val="tx1"/>
-            </a:solidFill>
-            <a:prstDash val="solid"/>
-          </a:ln>
-        </p:spPr>
-        <p:style>
-          <a:lnRef idx="1">
-            <a:schemeClr val="accent1"/>
-          </a:lnRef>
-          <a:fillRef idx="0">
-            <a:schemeClr val="accent1"/>
-          </a:fillRef>
-          <a:effectRef idx="0">
-            <a:schemeClr val="accent1"/>
-          </a:effectRef>
-          <a:fontRef idx="minor">
-            <a:schemeClr val="tx1"/>
-          </a:fontRef>
-        </p:style>
-      </p:cxnSp>
-      <p:cxnSp>
-        <p:nvCxnSpPr>
-          <p:cNvPr id="131" name="直接连接符 130"/>
-          <p:cNvCxnSpPr/>
-          <p:nvPr/>
-        </p:nvCxnSpPr>
-        <p:spPr>
-          <a:xfrm flipH="1">
-            <a:off x="7531100" y="627380"/>
-            <a:ext cx="6985" cy="1272540"/>
-          </a:xfrm>
-          <a:prstGeom prst="line">
-            <a:avLst/>
-          </a:prstGeom>
-          <a:ln w="28575" cmpd="sng">
-            <a:solidFill>
-              <a:schemeClr val="tx1"/>
-            </a:solidFill>
-            <a:prstDash val="solid"/>
-          </a:ln>
-        </p:spPr>
-        <p:style>
-          <a:lnRef idx="1">
-            <a:schemeClr val="accent1"/>
-          </a:lnRef>
-          <a:fillRef idx="0">
-            <a:schemeClr val="accent1"/>
-          </a:fillRef>
-          <a:effectRef idx="0">
-            <a:schemeClr val="accent1"/>
-          </a:effectRef>
-          <a:fontRef idx="minor">
-            <a:schemeClr val="tx1"/>
-          </a:fontRef>
-        </p:style>
-      </p:cxnSp>
-      <p:cxnSp>
-        <p:nvCxnSpPr>
-          <p:cNvPr id="132" name="直接箭头连接符 131"/>
-          <p:cNvCxnSpPr/>
-          <p:nvPr/>
-        </p:nvCxnSpPr>
-        <p:spPr>
-          <a:xfrm flipV="1">
-            <a:off x="7545070" y="694055"/>
-            <a:ext cx="3326765" cy="5715"/>
-          </a:xfrm>
-          <a:prstGeom prst="straightConnector1">
-            <a:avLst/>
-          </a:prstGeom>
-          <a:ln>
-            <a:solidFill>
-              <a:schemeClr val="tx1"/>
-            </a:solidFill>
-            <a:headEnd type="arrow"/>
-            <a:tailEnd type="arrow"/>
-          </a:ln>
-        </p:spPr>
-        <p:style>
-          <a:lnRef idx="1">
-            <a:schemeClr val="accent1"/>
-          </a:lnRef>
-          <a:fillRef idx="0">
-            <a:schemeClr val="accent1"/>
-          </a:fillRef>
-          <a:effectRef idx="0">
-            <a:schemeClr val="accent1"/>
-          </a:effectRef>
-          <a:fontRef idx="minor">
-            <a:schemeClr val="tx1"/>
-          </a:fontRef>
-        </p:style>
-      </p:cxnSp>
-      <p:cxnSp>
-        <p:nvCxnSpPr>
-          <p:cNvPr id="135" name="直接箭头连接符 134"/>
-          <p:cNvCxnSpPr/>
-          <p:nvPr/>
-        </p:nvCxnSpPr>
-        <p:spPr>
-          <a:xfrm>
-            <a:off x="8877062" y="1869118"/>
-            <a:ext cx="930284" cy="635"/>
-          </a:xfrm>
-          <a:prstGeom prst="straightConnector1">
-            <a:avLst/>
-          </a:prstGeom>
-          <a:pattFill prst="ltDnDiag">
-            <a:fgClr>
-              <a:schemeClr val="tx1"/>
-            </a:fgClr>
-            <a:bgClr>
-              <a:srgbClr val="FFFFFF"/>
-            </a:bgClr>
-          </a:pattFill>
-          <a:ln>
-            <a:solidFill>
-              <a:schemeClr val="tx1"/>
-            </a:solidFill>
-            <a:headEnd type="arrow"/>
-            <a:tailEnd type="arrow"/>
-          </a:ln>
-        </p:spPr>
-        <p:style>
-          <a:lnRef idx="1">
-            <a:schemeClr val="accent1"/>
-          </a:lnRef>
-          <a:fillRef idx="0">
-            <a:schemeClr val="accent1"/>
-          </a:fillRef>
-          <a:effectRef idx="0">
-            <a:schemeClr val="accent1"/>
-          </a:effectRef>
-          <a:fontRef idx="minor">
-            <a:schemeClr val="tx1"/>
-          </a:fontRef>
-        </p:style>
-      </p:cxnSp>
-      <p:sp>
-        <p:nvSpPr>
-          <p:cNvPr id="2" name="椭圆 1"/>
-          <p:cNvSpPr/>
-          <p:nvPr/>
-        </p:nvSpPr>
-        <p:spPr>
-          <a:xfrm rot="1380000">
-            <a:off x="1696092" y="358211"/>
-            <a:ext cx="850904" cy="282576"/>
-          </a:xfrm>
-          <a:prstGeom prst="ellipse">
-            <a:avLst/>
-          </a:prstGeom>
-          <a:solidFill>
-            <a:srgbClr val="FFC000"/>
-          </a:solidFill>
-          <a:ln>
-            <a:noFill/>
-          </a:ln>
-        </p:spPr>
-        <p:style>
-          <a:lnRef idx="2">
-            <a:schemeClr val="accent1">
-              <a:shade val="50000"/>
-            </a:schemeClr>
-          </a:lnRef>
-          <a:fillRef idx="1">
-            <a:schemeClr val="accent1"/>
-          </a:fillRef>
-          <a:effectRef idx="0">
-            <a:schemeClr val="accent1"/>
-          </a:effectRef>
-          <a:fontRef idx="minor">
-            <a:schemeClr val="lt1"/>
-          </a:fontRef>
-        </p:style>
-        <p:txBody>
-          <a:bodyPr rtlCol="0" anchor="ctr"/>
-          <a:p>
-            <a:pPr algn="l" fontAlgn="base"/>
-            <a:endParaRPr lang="en-US" altLang="zh-CN" sz="2400" strike="noStrike" noProof="1">
-              <a:solidFill>
-                <a:schemeClr val="tx1"/>
-              </a:solidFill>
-              <a:latin typeface="Arial" panose="020B0604020202020204" pitchFamily="34" charset="0"/>
-            </a:endParaRPr>
-          </a:p>
-        </p:txBody>
-      </p:sp>
-      <p:cxnSp>
-        <p:nvCxnSpPr>
-          <p:cNvPr id="3" name="直接箭头连接符 2"/>
-          <p:cNvCxnSpPr>
-            <a:stCxn id="24" idx="4"/>
-          </p:cNvCxnSpPr>
-          <p:nvPr/>
-        </p:nvCxnSpPr>
-        <p:spPr>
-          <a:xfrm>
-            <a:off x="1669415" y="2611120"/>
-            <a:ext cx="2654935" cy="340360"/>
-          </a:xfrm>
-          <a:prstGeom prst="straightConnector1">
-            <a:avLst/>
-          </a:prstGeom>
-          <a:ln>
-            <a:solidFill>
-              <a:schemeClr val="tx1"/>
-            </a:solidFill>
-            <a:headEnd type="none"/>
-            <a:tailEnd type="none"/>
-          </a:ln>
-        </p:spPr>
-        <p:style>
-          <a:lnRef idx="1">
-            <a:schemeClr val="accent1"/>
-          </a:lnRef>
-          <a:fillRef idx="0">
-            <a:schemeClr val="accent1"/>
-          </a:fillRef>
-          <a:effectRef idx="0">
-            <a:schemeClr val="accent1"/>
-          </a:effectRef>
-          <a:fontRef idx="minor">
-            <a:schemeClr val="tx1"/>
-          </a:fontRef>
-        </p:style>
-      </p:cxnSp>
-      <p:sp>
-        <p:nvSpPr>
-          <p:cNvPr id="18" name="椭圆 17"/>
-          <p:cNvSpPr/>
-          <p:nvPr/>
-        </p:nvSpPr>
-        <p:spPr>
-          <a:xfrm rot="1140000">
-            <a:off x="800111" y="2353383"/>
-            <a:ext cx="850904" cy="282576"/>
-          </a:xfrm>
-          <a:prstGeom prst="ellipse">
-            <a:avLst/>
-          </a:prstGeom>
-          <a:solidFill>
-            <a:srgbClr val="FFC000"/>
-          </a:solidFill>
-          <a:ln>
-            <a:noFill/>
-          </a:ln>
-        </p:spPr>
-        <p:style>
-          <a:lnRef idx="2">
-            <a:schemeClr val="accent1">
-              <a:shade val="50000"/>
-            </a:schemeClr>
-          </a:lnRef>
-          <a:fillRef idx="1">
-            <a:schemeClr val="accent1"/>
-          </a:fillRef>
-          <a:effectRef idx="0">
-            <a:schemeClr val="accent1"/>
-          </a:effectRef>
-          <a:fontRef idx="minor">
-            <a:schemeClr val="lt1"/>
-          </a:fontRef>
-        </p:style>
-        <p:txBody>
-          <a:bodyPr rtlCol="0" anchor="ctr"/>
-          <a:p>
-            <a:pPr algn="l" fontAlgn="base"/>
-            <a:endParaRPr lang="en-US" altLang="zh-CN" sz="2400" strike="noStrike" noProof="1">
-              <a:solidFill>
-                <a:schemeClr val="tx1"/>
-              </a:solidFill>
-              <a:latin typeface="Arial" panose="020B0604020202020204" pitchFamily="34" charset="0"/>
-            </a:endParaRPr>
-          </a:p>
-        </p:txBody>
-      </p:sp>
-      <p:pic>
-        <p:nvPicPr>
-          <p:cNvPr id="23" name="图片 22" descr="magnifier"/>
-          <p:cNvPicPr>
-            <a:picLocks noChangeAspect="1"/>
-          </p:cNvPicPr>
-          <p:nvPr/>
-        </p:nvPicPr>
-        <p:blipFill>
-          <a:blip r:embed="rId1"/>
-          <a:stretch>
-            <a:fillRect/>
-          </a:stretch>
-        </p:blipFill>
-        <p:spPr>
-          <a:xfrm>
-            <a:off x="1399554" y="2176853"/>
-            <a:ext cx="1091570" cy="1091570"/>
-          </a:xfrm>
-          <a:prstGeom prst="rect">
-            <a:avLst/>
-          </a:prstGeom>
-        </p:spPr>
-      </p:pic>
-      <p:sp>
-        <p:nvSpPr>
-          <p:cNvPr id="24" name="椭圆 23"/>
-          <p:cNvSpPr/>
-          <p:nvPr/>
-        </p:nvSpPr>
-        <p:spPr>
-          <a:xfrm>
-            <a:off x="545465" y="363220"/>
-            <a:ext cx="2247900" cy="2247900"/>
-          </a:xfrm>
-          <a:prstGeom prst="ellipse">
-            <a:avLst/>
-          </a:prstGeom>
-          <a:noFill/>
-          <a:extLst>
-            <a:ext uri="{909E8E84-426E-40DD-AFC4-6F175D3DCCD1}">
-              <a14:hiddenFill xmlns:a14="http://schemas.microsoft.com/office/drawing/2010/main">
-                <a:solidFill>
-                  <a:schemeClr val="accent1"/>
-                </a:solidFill>
-              </a14:hiddenFill>
-            </a:ext>
-          </a:extLst>
-        </p:spPr>
-        <p:style>
-          <a:lnRef idx="2">
-            <a:schemeClr val="accent1">
-              <a:shade val="50000"/>
-            </a:schemeClr>
-          </a:lnRef>
-          <a:fillRef idx="1">
-            <a:schemeClr val="accent1"/>
-          </a:fillRef>
-          <a:effectRef idx="0">
-            <a:schemeClr val="accent1"/>
-          </a:effectRef>
-          <a:fontRef idx="minor">
-            <a:schemeClr val="lt1"/>
-          </a:fontRef>
-        </p:style>
-        <p:txBody>
-          <a:bodyPr rtlCol="0" anchor="ctr"/>
-          <a:p>
-            <a:pPr algn="ctr"/>
-            <a:endParaRPr lang="zh-CN" altLang="en-US" sz="2400">
-              <a:latin typeface="Arial" panose="020B0604020202020204" pitchFamily="34" charset="0"/>
-            </a:endParaRPr>
-          </a:p>
-        </p:txBody>
-      </p:sp>
-      <p:sp>
-        <p:nvSpPr>
-          <p:cNvPr id="19" name="左箭头 18"/>
-          <p:cNvSpPr/>
-          <p:nvPr/>
-        </p:nvSpPr>
-        <p:spPr>
-          <a:xfrm rot="480000" flipH="1">
-            <a:off x="2907030" y="2303780"/>
-            <a:ext cx="585470" cy="381000"/>
-          </a:xfrm>
-          <a:prstGeom prst="leftArrow">
-            <a:avLst/>
-          </a:prstGeom>
-          <a:solidFill>
-            <a:schemeClr val="tx1"/>
-          </a:solidFill>
-        </p:spPr>
-        <p:style>
-          <a:lnRef idx="2">
-            <a:schemeClr val="accent1">
-              <a:shade val="50000"/>
-            </a:schemeClr>
-          </a:lnRef>
-          <a:fillRef idx="1">
-            <a:schemeClr val="accent1"/>
-          </a:fillRef>
-          <a:effectRef idx="0">
-            <a:schemeClr val="accent1"/>
-          </a:effectRef>
-          <a:fontRef idx="minor">
-            <a:schemeClr val="lt1"/>
-          </a:fontRef>
-        </p:style>
-        <p:txBody>
-          <a:bodyPr rtlCol="0" anchor="ctr"/>
-          <a:p>
-            <a:pPr algn="ctr"/>
-            <a:endParaRPr lang="zh-CN" altLang="en-US"/>
-          </a:p>
-        </p:txBody>
-      </p:sp>
-      <p:sp>
-        <p:nvSpPr>
-          <p:cNvPr id="21" name="文本框 20"/>
-          <p:cNvSpPr txBox="1"/>
-          <p:nvPr/>
-        </p:nvSpPr>
-        <p:spPr>
-          <a:xfrm>
-            <a:off x="1210958" y="1647260"/>
-            <a:ext cx="2082809" cy="457200"/>
-          </a:xfrm>
-          <a:prstGeom prst="rect">
-            <a:avLst/>
-          </a:prstGeom>
-          <a:noFill/>
-        </p:spPr>
-        <p:txBody>
-          <a:bodyPr wrap="square" rtlCol="0">
-            <a:spAutoFit/>
-          </a:bodyPr>
-          <a:p>
-            <a:r>
-              <a:rPr lang="en-US" altLang="zh-CN" sz="2400">
-                <a:latin typeface="Arial" panose="020B0604020202020204" pitchFamily="34" charset="0"/>
-              </a:rPr>
-              <a:t>SIS18</a:t>
-            </a:r>
-            <a:endParaRPr lang="en-US" altLang="zh-CN" sz="2400">
-              <a:latin typeface="Arial" panose="020B0604020202020204" pitchFamily="34" charset="0"/>
-            </a:endParaRPr>
-          </a:p>
-        </p:txBody>
-      </p:sp>
       <p:grpSp>
         <p:nvGrpSpPr>
-          <p:cNvPr id="32" name="组合 31"/>
+          <p:cNvPr id="47" name="组合 46"/>
           <p:cNvGrpSpPr/>
           <p:nvPr/>
         </p:nvGrpSpPr>
         <p:grpSpPr>
           <a:xfrm>
-            <a:off x="7531735" y="1734185"/>
-            <a:ext cx="179705" cy="539750"/>
+            <a:off x="5398785" y="4561273"/>
+            <a:ext cx="179706" cy="539752"/>
             <a:chOff x="7465" y="5841"/>
             <a:chExt cx="283" cy="850"/>
           </a:xfrm>
         </p:grpSpPr>
         <p:sp>
           <p:nvSpPr>
-            <p:cNvPr id="7" name="流程图: 过程 6"/>
+            <p:cNvPr id="48" name="流程图: 过程 47"/>
             <p:cNvSpPr/>
             <p:nvPr/>
           </p:nvSpPr>
@@ -4229,7 +4156,7 @@
         </p:sp>
         <p:sp>
           <p:nvSpPr>
-            <p:cNvPr id="22" name="流程图: 过程 21"/>
+            <p:cNvPr id="49" name="流程图: 过程 48"/>
             <p:cNvSpPr/>
             <p:nvPr/>
           </p:nvSpPr>
@@ -4281,7 +4208,7 @@
         </p:sp>
         <p:sp>
           <p:nvSpPr>
-            <p:cNvPr id="25" name="流程图: 过程 24"/>
+            <p:cNvPr id="50" name="流程图: 过程 49"/>
             <p:cNvSpPr/>
             <p:nvPr/>
           </p:nvSpPr>
@@ -4333,7 +4260,7 @@
         </p:sp>
         <p:sp>
           <p:nvSpPr>
-            <p:cNvPr id="31" name="流程图: 过程 30"/>
+            <p:cNvPr id="51" name="流程图: 过程 50"/>
             <p:cNvSpPr/>
             <p:nvPr/>
           </p:nvSpPr>
@@ -4386,21 +4313,21 @@
       </p:grpSp>
       <p:grpSp>
         <p:nvGrpSpPr>
-          <p:cNvPr id="33" name="组合 32"/>
+          <p:cNvPr id="52" name="组合 51"/>
           <p:cNvGrpSpPr/>
           <p:nvPr/>
         </p:nvGrpSpPr>
         <p:grpSpPr>
           <a:xfrm>
-            <a:off x="7836535" y="1725930"/>
-            <a:ext cx="179705" cy="539750"/>
+            <a:off x="5703586" y="4553018"/>
+            <a:ext cx="179706" cy="539752"/>
             <a:chOff x="7465" y="5841"/>
             <a:chExt cx="283" cy="850"/>
           </a:xfrm>
         </p:grpSpPr>
         <p:sp>
           <p:nvSpPr>
-            <p:cNvPr id="37" name="流程图: 过程 36"/>
+            <p:cNvPr id="53" name="流程图: 过程 52"/>
             <p:cNvSpPr/>
             <p:nvPr/>
           </p:nvSpPr>
@@ -4452,7 +4379,7 @@
         </p:sp>
         <p:sp>
           <p:nvSpPr>
-            <p:cNvPr id="38" name="流程图: 过程 37"/>
+            <p:cNvPr id="54" name="流程图: 过程 53"/>
             <p:cNvSpPr/>
             <p:nvPr/>
           </p:nvSpPr>
@@ -4504,7 +4431,7 @@
         </p:sp>
         <p:sp>
           <p:nvSpPr>
-            <p:cNvPr id="39" name="流程图: 过程 38"/>
+            <p:cNvPr id="55" name="流程图: 过程 54"/>
             <p:cNvSpPr/>
             <p:nvPr/>
           </p:nvSpPr>
@@ -4556,7 +4483,7 @@
         </p:sp>
         <p:sp>
           <p:nvSpPr>
-            <p:cNvPr id="40" name="流程图: 过程 39"/>
+            <p:cNvPr id="56" name="流程图: 过程 55"/>
             <p:cNvSpPr/>
             <p:nvPr/>
           </p:nvSpPr>
@@ -4609,21 +4536,21 @@
       </p:grpSp>
       <p:grpSp>
         <p:nvGrpSpPr>
-          <p:cNvPr id="41" name="组合 40"/>
+          <p:cNvPr id="62" name="组合 61"/>
           <p:cNvGrpSpPr/>
           <p:nvPr/>
         </p:nvGrpSpPr>
         <p:grpSpPr>
           <a:xfrm>
-            <a:off x="8133715" y="1725295"/>
-            <a:ext cx="179705" cy="539750"/>
+            <a:off x="6000767" y="4552383"/>
+            <a:ext cx="179706" cy="539752"/>
             <a:chOff x="7465" y="5841"/>
             <a:chExt cx="283" cy="850"/>
           </a:xfrm>
         </p:grpSpPr>
         <p:sp>
           <p:nvSpPr>
-            <p:cNvPr id="42" name="流程图: 过程 41"/>
+            <p:cNvPr id="66" name="流程图: 过程 65"/>
             <p:cNvSpPr/>
             <p:nvPr/>
           </p:nvSpPr>
@@ -4675,7 +4602,7 @@
         </p:sp>
         <p:sp>
           <p:nvSpPr>
-            <p:cNvPr id="43" name="流程图: 过程 42"/>
+            <p:cNvPr id="67" name="流程图: 过程 66"/>
             <p:cNvSpPr/>
             <p:nvPr/>
           </p:nvSpPr>
@@ -4727,7 +4654,7 @@
         </p:sp>
         <p:sp>
           <p:nvSpPr>
-            <p:cNvPr id="44" name="流程图: 过程 43"/>
+            <p:cNvPr id="68" name="流程图: 过程 67"/>
             <p:cNvSpPr/>
             <p:nvPr/>
           </p:nvSpPr>
@@ -4779,7 +4706,7 @@
         </p:sp>
         <p:sp>
           <p:nvSpPr>
-            <p:cNvPr id="45" name="流程图: 过程 44"/>
+            <p:cNvPr id="94" name="流程图: 过程 93"/>
             <p:cNvSpPr/>
             <p:nvPr/>
           </p:nvSpPr>
@@ -4832,21 +4759,21 @@
       </p:grpSp>
       <p:grpSp>
         <p:nvGrpSpPr>
-          <p:cNvPr id="57" name="组合 56"/>
+          <p:cNvPr id="95" name="组合 94"/>
           <p:cNvGrpSpPr/>
           <p:nvPr/>
         </p:nvGrpSpPr>
         <p:grpSpPr>
           <a:xfrm>
-            <a:off x="8405495" y="1725930"/>
-            <a:ext cx="179705" cy="539750"/>
+            <a:off x="6272548" y="4553018"/>
+            <a:ext cx="179706" cy="539752"/>
             <a:chOff x="7465" y="5841"/>
             <a:chExt cx="283" cy="850"/>
           </a:xfrm>
         </p:grpSpPr>
         <p:sp>
           <p:nvSpPr>
-            <p:cNvPr id="59" name="流程图: 过程 58"/>
+            <p:cNvPr id="96" name="流程图: 过程 95"/>
             <p:cNvSpPr/>
             <p:nvPr/>
           </p:nvSpPr>
@@ -4898,7 +4825,7 @@
         </p:sp>
         <p:sp>
           <p:nvSpPr>
-            <p:cNvPr id="60" name="流程图: 过程 59"/>
+            <p:cNvPr id="97" name="流程图: 过程 96"/>
             <p:cNvSpPr/>
             <p:nvPr/>
           </p:nvSpPr>
@@ -4950,7 +4877,7 @@
         </p:sp>
         <p:sp>
           <p:nvSpPr>
-            <p:cNvPr id="63" name="流程图: 过程 62"/>
+            <p:cNvPr id="98" name="流程图: 过程 97"/>
             <p:cNvSpPr/>
             <p:nvPr/>
           </p:nvSpPr>
@@ -5002,7 +4929,7 @@
         </p:sp>
         <p:sp>
           <p:nvSpPr>
-            <p:cNvPr id="64" name="流程图: 过程 63"/>
+            <p:cNvPr id="99" name="流程图: 过程 98"/>
             <p:cNvSpPr/>
             <p:nvPr/>
           </p:nvSpPr>
@@ -5055,21 +4982,21 @@
       </p:grpSp>
       <p:grpSp>
         <p:nvGrpSpPr>
-          <p:cNvPr id="69" name="组合 68"/>
+          <p:cNvPr id="100" name="组合 99"/>
           <p:cNvGrpSpPr/>
           <p:nvPr/>
         </p:nvGrpSpPr>
         <p:grpSpPr>
           <a:xfrm>
-            <a:off x="8689975" y="1731645"/>
-            <a:ext cx="179705" cy="539750"/>
+            <a:off x="6557028" y="4558733"/>
+            <a:ext cx="179706" cy="539752"/>
             <a:chOff x="7465" y="5841"/>
             <a:chExt cx="283" cy="850"/>
           </a:xfrm>
         </p:grpSpPr>
         <p:sp>
           <p:nvSpPr>
-            <p:cNvPr id="70" name="流程图: 过程 69"/>
+            <p:cNvPr id="101" name="流程图: 过程 100"/>
             <p:cNvSpPr/>
             <p:nvPr/>
           </p:nvSpPr>
@@ -5121,7 +5048,7 @@
         </p:sp>
         <p:sp>
           <p:nvSpPr>
-            <p:cNvPr id="71" name="流程图: 过程 70"/>
+            <p:cNvPr id="102" name="流程图: 过程 101"/>
             <p:cNvSpPr/>
             <p:nvPr/>
           </p:nvSpPr>
@@ -5173,7 +5100,7 @@
         </p:sp>
         <p:sp>
           <p:nvSpPr>
-            <p:cNvPr id="72" name="流程图: 过程 71"/>
+            <p:cNvPr id="103" name="流程图: 过程 102"/>
             <p:cNvSpPr/>
             <p:nvPr/>
           </p:nvSpPr>
@@ -5225,7 +5152,7 @@
         </p:sp>
         <p:sp>
           <p:nvSpPr>
-            <p:cNvPr id="73" name="流程图: 过程 72"/>
+            <p:cNvPr id="104" name="流程图: 过程 103"/>
             <p:cNvSpPr/>
             <p:nvPr/>
           </p:nvSpPr>
@@ -5278,21 +5205,21 @@
       </p:grpSp>
       <p:grpSp>
         <p:nvGrpSpPr>
-          <p:cNvPr id="74" name="组合 73"/>
+          <p:cNvPr id="105" name="组合 104"/>
           <p:cNvGrpSpPr/>
           <p:nvPr/>
         </p:nvGrpSpPr>
         <p:grpSpPr>
           <a:xfrm>
-            <a:off x="9823450" y="1732280"/>
-            <a:ext cx="179705" cy="539750"/>
+            <a:off x="7690507" y="4559368"/>
+            <a:ext cx="179706" cy="539752"/>
             <a:chOff x="7465" y="5841"/>
             <a:chExt cx="283" cy="850"/>
           </a:xfrm>
         </p:grpSpPr>
         <p:sp>
           <p:nvSpPr>
-            <p:cNvPr id="75" name="流程图: 过程 74"/>
+            <p:cNvPr id="106" name="流程图: 过程 105"/>
             <p:cNvSpPr/>
             <p:nvPr/>
           </p:nvSpPr>
@@ -5344,7 +5271,7 @@
         </p:sp>
         <p:sp>
           <p:nvSpPr>
-            <p:cNvPr id="76" name="流程图: 过程 75"/>
+            <p:cNvPr id="107" name="流程图: 过程 106"/>
             <p:cNvSpPr/>
             <p:nvPr/>
           </p:nvSpPr>
@@ -5396,7 +5323,7 @@
         </p:sp>
         <p:sp>
           <p:nvSpPr>
-            <p:cNvPr id="77" name="流程图: 过程 76"/>
+            <p:cNvPr id="109" name="流程图: 过程 108"/>
             <p:cNvSpPr/>
             <p:nvPr/>
           </p:nvSpPr>
@@ -5448,7 +5375,7 @@
         </p:sp>
         <p:sp>
           <p:nvSpPr>
-            <p:cNvPr id="78" name="流程图: 过程 77"/>
+            <p:cNvPr id="110" name="流程图: 过程 109"/>
             <p:cNvSpPr/>
             <p:nvPr/>
           </p:nvSpPr>
@@ -5501,21 +5428,21 @@
       </p:grpSp>
       <p:grpSp>
         <p:nvGrpSpPr>
-          <p:cNvPr id="79" name="组合 78"/>
+          <p:cNvPr id="112" name="组合 111"/>
           <p:cNvGrpSpPr/>
           <p:nvPr/>
         </p:nvGrpSpPr>
         <p:grpSpPr>
           <a:xfrm>
-            <a:off x="10099040" y="1734185"/>
-            <a:ext cx="179705" cy="539750"/>
+            <a:off x="7966097" y="4561273"/>
+            <a:ext cx="179706" cy="539752"/>
             <a:chOff x="7465" y="5841"/>
             <a:chExt cx="283" cy="850"/>
           </a:xfrm>
         </p:grpSpPr>
         <p:sp>
           <p:nvSpPr>
-            <p:cNvPr id="80" name="流程图: 过程 79"/>
+            <p:cNvPr id="113" name="流程图: 过程 112"/>
             <p:cNvSpPr/>
             <p:nvPr/>
           </p:nvSpPr>
@@ -5567,7 +5494,7 @@
         </p:sp>
         <p:sp>
           <p:nvSpPr>
-            <p:cNvPr id="81" name="流程图: 过程 80"/>
+            <p:cNvPr id="116" name="流程图: 过程 115"/>
             <p:cNvSpPr/>
             <p:nvPr/>
           </p:nvSpPr>
@@ -5619,7 +5546,7 @@
         </p:sp>
         <p:sp>
           <p:nvSpPr>
-            <p:cNvPr id="82" name="流程图: 过程 81"/>
+            <p:cNvPr id="117" name="流程图: 过程 116"/>
             <p:cNvSpPr/>
             <p:nvPr/>
           </p:nvSpPr>
@@ -5671,7 +5598,7 @@
         </p:sp>
         <p:sp>
           <p:nvSpPr>
-            <p:cNvPr id="83" name="流程图: 过程 82"/>
+            <p:cNvPr id="118" name="流程图: 过程 117"/>
             <p:cNvSpPr/>
             <p:nvPr/>
           </p:nvSpPr>
@@ -5724,21 +5651,21 @@
       </p:grpSp>
       <p:grpSp>
         <p:nvGrpSpPr>
-          <p:cNvPr id="84" name="组合 83"/>
+          <p:cNvPr id="121" name="组合 120"/>
           <p:cNvGrpSpPr/>
           <p:nvPr/>
         </p:nvGrpSpPr>
         <p:grpSpPr>
           <a:xfrm>
-            <a:off x="10392410" y="1732280"/>
-            <a:ext cx="179705" cy="539750"/>
+            <a:off x="8259468" y="4559368"/>
+            <a:ext cx="179706" cy="539752"/>
             <a:chOff x="7465" y="5841"/>
             <a:chExt cx="283" cy="850"/>
           </a:xfrm>
         </p:grpSpPr>
         <p:sp>
           <p:nvSpPr>
-            <p:cNvPr id="85" name="流程图: 过程 84"/>
+            <p:cNvPr id="122" name="流程图: 过程 121"/>
             <p:cNvSpPr/>
             <p:nvPr/>
           </p:nvSpPr>
@@ -5790,7 +5717,7 @@
         </p:sp>
         <p:sp>
           <p:nvSpPr>
-            <p:cNvPr id="86" name="流程图: 过程 85"/>
+            <p:cNvPr id="123" name="流程图: 过程 122"/>
             <p:cNvSpPr/>
             <p:nvPr/>
           </p:nvSpPr>
@@ -5842,7 +5769,7 @@
         </p:sp>
         <p:sp>
           <p:nvSpPr>
-            <p:cNvPr id="87" name="流程图: 过程 86"/>
+            <p:cNvPr id="124" name="流程图: 过程 123"/>
             <p:cNvSpPr/>
             <p:nvPr/>
           </p:nvSpPr>
@@ -5894,7 +5821,7 @@
         </p:sp>
         <p:sp>
           <p:nvSpPr>
-            <p:cNvPr id="88" name="流程图: 过程 87"/>
+            <p:cNvPr id="128" name="流程图: 过程 127"/>
             <p:cNvSpPr/>
             <p:nvPr/>
           </p:nvSpPr>
@@ -5947,21 +5874,21 @@
       </p:grpSp>
       <p:grpSp>
         <p:nvGrpSpPr>
-          <p:cNvPr id="89" name="组合 88"/>
+          <p:cNvPr id="133" name="组合 132"/>
           <p:cNvGrpSpPr/>
           <p:nvPr/>
         </p:nvGrpSpPr>
         <p:grpSpPr>
           <a:xfrm>
-            <a:off x="10664190" y="1732915"/>
-            <a:ext cx="179705" cy="539750"/>
+            <a:off x="8531249" y="4560003"/>
+            <a:ext cx="179706" cy="539752"/>
             <a:chOff x="7465" y="5841"/>
             <a:chExt cx="283" cy="850"/>
           </a:xfrm>
         </p:grpSpPr>
         <p:sp>
           <p:nvSpPr>
-            <p:cNvPr id="90" name="流程图: 过程 89"/>
+            <p:cNvPr id="134" name="流程图: 过程 133"/>
             <p:cNvSpPr/>
             <p:nvPr/>
           </p:nvSpPr>
@@ -6013,7 +5940,7 @@
         </p:sp>
         <p:sp>
           <p:nvSpPr>
-            <p:cNvPr id="91" name="流程图: 过程 90"/>
+            <p:cNvPr id="136" name="流程图: 过程 135"/>
             <p:cNvSpPr/>
             <p:nvPr/>
           </p:nvSpPr>
@@ -6065,7 +5992,7 @@
         </p:sp>
         <p:sp>
           <p:nvSpPr>
-            <p:cNvPr id="92" name="流程图: 过程 91"/>
+            <p:cNvPr id="137" name="流程图: 过程 136"/>
             <p:cNvSpPr/>
             <p:nvPr/>
           </p:nvSpPr>
@@ -6117,7 +6044,7 @@
         </p:sp>
         <p:sp>
           <p:nvSpPr>
-            <p:cNvPr id="93" name="流程图: 过程 92"/>
+            <p:cNvPr id="138" name="流程图: 过程 137"/>
             <p:cNvSpPr/>
             <p:nvPr/>
           </p:nvSpPr>
@@ -6170,7 +6097,7 @@
       </p:grpSp>
       <p:graphicFrame>
         <p:nvGraphicFramePr>
-          <p:cNvPr id="174" name="对象 173">
+          <p:cNvPr id="139" name="对象 138">
             <a:hlinkClick r:id="" action="ppaction://ole?verb="/>
           </p:cNvPr>
           <p:cNvGraphicFramePr>
@@ -6179,19 +6106,19 @@
           <p:nvPr/>
         </p:nvGraphicFramePr>
         <p:xfrm>
-          <a:off x="8749665" y="285115"/>
-          <a:ext cx="1464310" cy="477520"/>
+          <a:off x="6425583" y="3074099"/>
+          <a:ext cx="1846585" cy="477521"/>
         </p:xfrm>
         <a:graphic>
           <a:graphicData uri="http://schemas.openxmlformats.org/presentationml/2006/ole">
             <mc:AlternateContent xmlns:mc="http://schemas.openxmlformats.org/markup-compatibility/2006">
               <mc:Choice xmlns:v="urn:schemas-microsoft-com:vml" Requires="v">
-                <p:oleObj spid="_x0000_s1025" name="" r:id="rId2" imgW="584200" imgH="190500" progId="Equation.KSEE3">
+                <p:oleObj spid="_x0000_s140" name="" r:id="rId2" imgW="736600" imgH="190500" progId="Equation.KSEE3">
                   <p:embed/>
                 </p:oleObj>
               </mc:Choice>
               <mc:Fallback>
-                <p:oleObj name="" r:id="rId2" imgW="584200" imgH="190500" progId="Equation.KSEE3">
+                <p:oleObj name="" r:id="rId2" imgW="736600" imgH="190500" progId="Equation.KSEE3">
                   <p:embed/>
                   <p:pic>
                     <p:nvPicPr>
@@ -6207,8 +6134,8 @@
                     </p:blipFill>
                     <p:spPr>
                       <a:xfrm>
-                        <a:off x="8749665" y="285115"/>
-                        <a:ext cx="1464310" cy="477520"/>
+                        <a:off x="6425583" y="3074099"/>
+                        <a:ext cx="1846585" cy="477521"/>
                       </a:xfrm>
                       <a:prstGeom prst="rect">
                         <a:avLst/>
@@ -6223,7 +6150,7 @@
       </p:graphicFrame>
       <p:graphicFrame>
         <p:nvGraphicFramePr>
-          <p:cNvPr id="175" name="对象 174">
+          <p:cNvPr id="141" name="对象 140">
             <a:hlinkClick r:id="" action="ppaction://ole?verb="/>
           </p:cNvPr>
           <p:cNvGraphicFramePr>
@@ -6232,19 +6159,19 @@
           <p:nvPr/>
         </p:nvGraphicFramePr>
         <p:xfrm>
-          <a:off x="9075103" y="699770"/>
-          <a:ext cx="1496695" cy="477520"/>
+          <a:off x="6766897" y="3469705"/>
+          <a:ext cx="1847220" cy="477521"/>
         </p:xfrm>
         <a:graphic>
           <a:graphicData uri="http://schemas.openxmlformats.org/presentationml/2006/ole">
             <mc:AlternateContent xmlns:mc="http://schemas.openxmlformats.org/markup-compatibility/2006">
               <mc:Choice xmlns:v="urn:schemas-microsoft-com:vml" Requires="v">
-                <p:oleObj spid="_x0000_s6" name="" r:id="rId4" imgW="596900" imgH="190500" progId="Equation.KSEE3">
+                <p:oleObj spid="_x0000_s142" name="" r:id="rId4" imgW="736600" imgH="190500" progId="Equation.KSEE3">
                   <p:embed/>
                 </p:oleObj>
               </mc:Choice>
               <mc:Fallback>
-                <p:oleObj name="" r:id="rId4" imgW="596900" imgH="190500" progId="Equation.KSEE3">
+                <p:oleObj name="" r:id="rId4" imgW="736600" imgH="190500" progId="Equation.KSEE3">
                   <p:embed/>
                   <p:pic>
                     <p:nvPicPr>
@@ -6260,8 +6187,8 @@
                     </p:blipFill>
                     <p:spPr>
                       <a:xfrm>
-                        <a:off x="9075103" y="699770"/>
-                        <a:ext cx="1496695" cy="477520"/>
+                        <a:off x="6766897" y="3469705"/>
+                        <a:ext cx="1847220" cy="477521"/>
                       </a:xfrm>
                       <a:prstGeom prst="rect">
                         <a:avLst/>
@@ -6276,7 +6203,7 @@
       </p:graphicFrame>
       <p:graphicFrame>
         <p:nvGraphicFramePr>
-          <p:cNvPr id="176" name="对象 175">
+          <p:cNvPr id="143" name="对象 142">
             <a:hlinkClick r:id="" action="ppaction://ole?verb="/>
           </p:cNvPr>
           <p:cNvGraphicFramePr>
@@ -6285,19 +6212,19 @@
           <p:nvPr/>
         </p:nvGraphicFramePr>
         <p:xfrm>
-          <a:off x="8953818" y="1062990"/>
-          <a:ext cx="1464945" cy="477520"/>
+          <a:off x="6724987" y="3851976"/>
+          <a:ext cx="1847220" cy="477521"/>
         </p:xfrm>
         <a:graphic>
           <a:graphicData uri="http://schemas.openxmlformats.org/presentationml/2006/ole">
             <mc:AlternateContent xmlns:mc="http://schemas.openxmlformats.org/markup-compatibility/2006">
               <mc:Choice xmlns:v="urn:schemas-microsoft-com:vml" Requires="v">
-                <p:oleObj spid="_x0000_s177" name="" r:id="rId6" imgW="584200" imgH="190500" progId="Equation.KSEE3">
+                <p:oleObj spid="_x0000_s144" name="" r:id="rId6" imgW="736600" imgH="190500" progId="Equation.KSEE3">
                   <p:embed/>
                 </p:oleObj>
               </mc:Choice>
               <mc:Fallback>
-                <p:oleObj name="" r:id="rId6" imgW="584200" imgH="190500" progId="Equation.KSEE3">
+                <p:oleObj name="" r:id="rId6" imgW="736600" imgH="190500" progId="Equation.KSEE3">
                   <p:embed/>
                   <p:pic>
                     <p:nvPicPr>
@@ -6313,8 +6240,8 @@
                     </p:blipFill>
                     <p:spPr>
                       <a:xfrm>
-                        <a:off x="8953818" y="1062990"/>
-                        <a:ext cx="1464945" cy="477520"/>
+                        <a:off x="6724987" y="3851976"/>
+                        <a:ext cx="1847220" cy="477521"/>
                       </a:xfrm>
                       <a:prstGeom prst="rect">
                         <a:avLst/>
@@ -6329,51 +6256,14 @@
       </p:graphicFrame>
       <p:cxnSp>
         <p:nvCxnSpPr>
-          <p:cNvPr id="180" name="直接箭头连接符 179"/>
+          <p:cNvPr id="145" name="直接箭头连接符 144"/>
           <p:cNvCxnSpPr/>
           <p:nvPr/>
         </p:nvCxnSpPr>
         <p:spPr>
           <a:xfrm>
-            <a:off x="6062714" y="2721932"/>
-            <a:ext cx="2788313" cy="635"/>
-          </a:xfrm>
-          <a:prstGeom prst="straightConnector1">
-            <a:avLst/>
-          </a:prstGeom>
-          <a:ln>
-            <a:solidFill>
-              <a:schemeClr val="tx1"/>
-            </a:solidFill>
-            <a:headEnd type="none"/>
-            <a:tailEnd type="none"/>
-          </a:ln>
-        </p:spPr>
-        <p:style>
-          <a:lnRef idx="1">
-            <a:schemeClr val="accent1"/>
-          </a:lnRef>
-          <a:fillRef idx="0">
-            <a:schemeClr val="accent1"/>
-          </a:fillRef>
-          <a:effectRef idx="0">
-            <a:schemeClr val="accent1"/>
-          </a:effectRef>
-          <a:fontRef idx="minor">
-            <a:schemeClr val="tx1"/>
-          </a:fontRef>
-        </p:style>
-      </p:cxnSp>
-      <p:cxnSp>
-        <p:nvCxnSpPr>
-          <p:cNvPr id="181" name="直接箭头连接符 180"/>
-          <p:cNvCxnSpPr/>
-          <p:nvPr/>
-        </p:nvCxnSpPr>
-        <p:spPr>
-          <a:xfrm>
-            <a:off x="8878966" y="3322630"/>
-            <a:ext cx="1964709" cy="8890"/>
+            <a:off x="6746020" y="6149722"/>
+            <a:ext cx="1964714" cy="8890"/>
           </a:xfrm>
           <a:prstGeom prst="straightConnector1">
             <a:avLst/>
@@ -6412,69 +6302,16 @@
           </a:fontRef>
         </p:style>
       </p:cxnSp>
-      <p:graphicFrame>
-        <p:nvGraphicFramePr>
-          <p:cNvPr id="182" name="对象 181">
-            <a:hlinkClick r:id="" action="ppaction://ole?verb="/>
-          </p:cNvPr>
-          <p:cNvGraphicFramePr>
-            <a:graphicFrameLocks noChangeAspect="1"/>
-          </p:cNvGraphicFramePr>
-          <p:nvPr/>
-        </p:nvGraphicFramePr>
-        <p:xfrm>
-          <a:off x="9092883" y="3334703"/>
-          <a:ext cx="1590675" cy="794385"/>
-        </p:xfrm>
-        <a:graphic>
-          <a:graphicData uri="http://schemas.openxmlformats.org/presentationml/2006/ole">
-            <mc:AlternateContent xmlns:mc="http://schemas.openxmlformats.org/markup-compatibility/2006">
-              <mc:Choice xmlns:v="urn:schemas-microsoft-com:vml" Requires="v">
-                <p:oleObj spid="_x0000_s183" name="" r:id="rId8" imgW="634365" imgH="316865" progId="Equation.KSEE3">
-                  <p:embed/>
-                </p:oleObj>
-              </mc:Choice>
-              <mc:Fallback>
-                <p:oleObj name="" r:id="rId8" imgW="634365" imgH="316865" progId="Equation.KSEE3">
-                  <p:embed/>
-                  <p:pic>
-                    <p:nvPicPr>
-                      <p:cNvPr id="0" name="图片 1024"/>
-                      <p:cNvPicPr/>
-                      <p:nvPr/>
-                    </p:nvPicPr>
-                    <p:blipFill>
-                      <a:blip r:embed="rId9"/>
-                      <a:stretch>
-                        <a:fillRect/>
-                      </a:stretch>
-                    </p:blipFill>
-                    <p:spPr>
-                      <a:xfrm>
-                        <a:off x="9092883" y="3334703"/>
-                        <a:ext cx="1590675" cy="794385"/>
-                      </a:xfrm>
-                      <a:prstGeom prst="rect">
-                        <a:avLst/>
-                      </a:prstGeom>
-                    </p:spPr>
-                  </p:pic>
-                </p:oleObj>
-              </mc:Fallback>
-            </mc:AlternateContent>
-          </a:graphicData>
-        </a:graphic>
-      </p:graphicFrame>
       <p:sp>
         <p:nvSpPr>
-          <p:cNvPr id="184" name="矩形 183"/>
+          <p:cNvPr id="146" name="矩形 145"/>
           <p:cNvSpPr/>
           <p:nvPr/>
         </p:nvSpPr>
         <p:spPr>
           <a:xfrm>
-            <a:off x="9830435" y="1426845"/>
-            <a:ext cx="1042035" cy="847090"/>
+            <a:off x="7697492" y="4253932"/>
+            <a:ext cx="1042038" cy="847092"/>
           </a:xfrm>
           <a:prstGeom prst="rect">
             <a:avLst/>
@@ -6535,7 +6372,7 @@
                   <a:schemeClr val="tx1"/>
                 </a:solidFill>
               </a:rPr>
-              <a:t>crate</a:t>
+              <a:t>tank</a:t>
             </a:r>
             <a:endParaRPr lang="en-US" altLang="zh-CN" sz="2000" strike="noStrike" noProof="1">
               <a:solidFill>
@@ -6561,6 +6398,358 @@
           </a:p>
         </p:txBody>
       </p:sp>
+      <p:sp>
+        <p:nvSpPr>
+          <p:cNvPr id="147" name="椭圆 146"/>
+          <p:cNvSpPr/>
+          <p:nvPr/>
+        </p:nvSpPr>
+        <p:spPr>
+          <a:xfrm>
+            <a:off x="8709025" y="5879465"/>
+            <a:ext cx="7107555" cy="456565"/>
+          </a:xfrm>
+          <a:prstGeom prst="ellipse">
+            <a:avLst/>
+          </a:prstGeom>
+          <a:solidFill>
+            <a:srgbClr val="FF0000">
+              <a:alpha val="52000"/>
+            </a:srgbClr>
+          </a:solidFill>
+          <a:ln>
+            <a:noFill/>
+          </a:ln>
+        </p:spPr>
+        <p:style>
+          <a:lnRef idx="2">
+            <a:schemeClr val="accent1">
+              <a:shade val="50000"/>
+            </a:schemeClr>
+          </a:lnRef>
+          <a:fillRef idx="1">
+            <a:schemeClr val="accent1"/>
+          </a:fillRef>
+          <a:effectRef idx="0">
+            <a:schemeClr val="accent1"/>
+          </a:effectRef>
+          <a:fontRef idx="minor">
+            <a:schemeClr val="lt1"/>
+          </a:fontRef>
+        </p:style>
+        <p:txBody>
+          <a:bodyPr rtlCol="0" anchor="ctr"/>
+          <a:p>
+            <a:pPr algn="l" fontAlgn="base"/>
+            <a:r>
+              <a:rPr lang="en-US" altLang="zh-CN" sz="2400" strike="noStrike" noProof="1">
+                <a:solidFill>
+                  <a:schemeClr val="tx1"/>
+                </a:solidFill>
+              </a:rPr>
+              <a:t>              1</a:t>
+            </a:r>
+            <a:endParaRPr lang="en-US" altLang="zh-CN" sz="2400" strike="noStrike" noProof="1">
+              <a:solidFill>
+                <a:schemeClr val="tx1"/>
+              </a:solidFill>
+            </a:endParaRPr>
+          </a:p>
+        </p:txBody>
+      </p:sp>
+      <p:graphicFrame>
+        <p:nvGraphicFramePr>
+          <p:cNvPr id="148" name="对象 147">
+            <a:hlinkClick r:id="" action="ppaction://ole?verb="/>
+          </p:cNvPr>
+          <p:cNvGraphicFramePr>
+            <a:graphicFrameLocks noChangeAspect="1"/>
+          </p:cNvGraphicFramePr>
+          <p:nvPr/>
+        </p:nvGraphicFramePr>
+        <p:xfrm>
+          <a:off x="6769443" y="6180837"/>
+          <a:ext cx="1941200" cy="794387"/>
+        </p:xfrm>
+        <a:graphic>
+          <a:graphicData uri="http://schemas.openxmlformats.org/presentationml/2006/ole">
+            <mc:AlternateContent xmlns:mc="http://schemas.openxmlformats.org/markup-compatibility/2006">
+              <mc:Choice xmlns:v="urn:schemas-microsoft-com:vml" Requires="v">
+                <p:oleObj spid="_x0000_s149" name="" r:id="rId8" imgW="774065" imgH="316865" progId="Equation.KSEE3">
+                  <p:embed/>
+                </p:oleObj>
+              </mc:Choice>
+              <mc:Fallback>
+                <p:oleObj name="" r:id="rId8" imgW="774065" imgH="316865" progId="Equation.KSEE3">
+                  <p:embed/>
+                  <p:pic>
+                    <p:nvPicPr>
+                      <p:cNvPr id="0" name="图片 1024"/>
+                      <p:cNvPicPr/>
+                      <p:nvPr/>
+                    </p:nvPicPr>
+                    <p:blipFill>
+                      <a:blip r:embed="rId9"/>
+                      <a:stretch>
+                        <a:fillRect/>
+                      </a:stretch>
+                    </p:blipFill>
+                    <p:spPr>
+                      <a:xfrm>
+                        <a:off x="6769443" y="6180837"/>
+                        <a:ext cx="1941200" cy="794387"/>
+                      </a:xfrm>
+                      <a:prstGeom prst="rect">
+                        <a:avLst/>
+                      </a:prstGeom>
+                    </p:spPr>
+                  </p:pic>
+                </p:oleObj>
+              </mc:Fallback>
+            </mc:AlternateContent>
+          </a:graphicData>
+        </a:graphic>
+      </p:graphicFrame>
+    </p:spTree>
+  </p:cSld>
+  <p:clrMapOvr>
+    <a:masterClrMapping/>
+  </p:clrMapOvr>
+</p:sld>
+</file>
+
+<file path=ppt/slides/slide2.xml><?xml version="1.0" encoding="utf-8"?>
+<p:sld xmlns:a="http://schemas.openxmlformats.org/drawingml/2006/main" xmlns:r="http://schemas.openxmlformats.org/officeDocument/2006/relationships" xmlns:p="http://schemas.openxmlformats.org/presentationml/2006/main">
+  <p:cSld>
+    <p:spTree>
+      <p:nvGrpSpPr>
+        <p:cNvPr id="1" name=""/>
+        <p:cNvGrpSpPr/>
+        <p:nvPr/>
+      </p:nvGrpSpPr>
+      <p:grpSpPr/>
+      <p:cxnSp>
+        <p:nvCxnSpPr>
+          <p:cNvPr id="108" name="直接连接符 107"/>
+          <p:cNvCxnSpPr/>
+          <p:nvPr/>
+        </p:nvCxnSpPr>
+        <p:spPr>
+          <a:xfrm flipH="1">
+            <a:off x="4847969" y="5262649"/>
+            <a:ext cx="1270" cy="1517035"/>
+          </a:xfrm>
+          <a:prstGeom prst="line">
+            <a:avLst/>
+          </a:prstGeom>
+          <a:ln w="28575" cmpd="sng">
+            <a:solidFill>
+              <a:schemeClr val="tx1"/>
+            </a:solidFill>
+            <a:prstDash val="solid"/>
+          </a:ln>
+        </p:spPr>
+        <p:style>
+          <a:lnRef idx="1">
+            <a:schemeClr val="accent1"/>
+          </a:lnRef>
+          <a:fillRef idx="0">
+            <a:schemeClr val="accent1"/>
+          </a:fillRef>
+          <a:effectRef idx="0">
+            <a:schemeClr val="accent1"/>
+          </a:effectRef>
+          <a:fontRef idx="minor">
+            <a:schemeClr val="tx1"/>
+          </a:fontRef>
+        </p:style>
+      </p:cxnSp>
+      <p:cxnSp>
+        <p:nvCxnSpPr>
+          <p:cNvPr id="111" name="直接连接符 110"/>
+          <p:cNvCxnSpPr/>
+          <p:nvPr/>
+        </p:nvCxnSpPr>
+        <p:spPr>
+          <a:xfrm>
+            <a:off x="5793496" y="5343296"/>
+            <a:ext cx="5715" cy="1093484"/>
+          </a:xfrm>
+          <a:prstGeom prst="line">
+            <a:avLst/>
+          </a:prstGeom>
+          <a:ln w="28575" cmpd="sng">
+            <a:solidFill>
+              <a:schemeClr val="tx1"/>
+            </a:solidFill>
+            <a:prstDash val="solid"/>
+          </a:ln>
+        </p:spPr>
+        <p:style>
+          <a:lnRef idx="1">
+            <a:schemeClr val="accent1"/>
+          </a:lnRef>
+          <a:fillRef idx="0">
+            <a:schemeClr val="accent1"/>
+          </a:fillRef>
+          <a:effectRef idx="0">
+            <a:schemeClr val="accent1"/>
+          </a:effectRef>
+          <a:fontRef idx="minor">
+            <a:schemeClr val="tx1"/>
+          </a:fontRef>
+        </p:style>
+      </p:cxnSp>
+      <p:cxnSp>
+        <p:nvCxnSpPr>
+          <p:cNvPr id="114" name="直接连接符 113"/>
+          <p:cNvCxnSpPr/>
+          <p:nvPr/>
+        </p:nvCxnSpPr>
+        <p:spPr>
+          <a:xfrm>
+            <a:off x="5336925" y="5794151"/>
+            <a:ext cx="6350" cy="628659"/>
+          </a:xfrm>
+          <a:prstGeom prst="line">
+            <a:avLst/>
+          </a:prstGeom>
+          <a:ln w="28575" cmpd="sng">
+            <a:solidFill>
+              <a:schemeClr val="tx1"/>
+            </a:solidFill>
+            <a:prstDash val="solid"/>
+          </a:ln>
+        </p:spPr>
+        <p:style>
+          <a:lnRef idx="1">
+            <a:schemeClr val="accent1"/>
+          </a:lnRef>
+          <a:fillRef idx="0">
+            <a:schemeClr val="accent1"/>
+          </a:fillRef>
+          <a:effectRef idx="0">
+            <a:schemeClr val="accent1"/>
+          </a:effectRef>
+          <a:fontRef idx="minor">
+            <a:schemeClr val="tx1"/>
+          </a:fontRef>
+        </p:style>
+      </p:cxnSp>
+      <p:cxnSp>
+        <p:nvCxnSpPr>
+          <p:cNvPr id="115" name="直接箭头连接符 114"/>
+          <p:cNvCxnSpPr/>
+          <p:nvPr/>
+        </p:nvCxnSpPr>
+        <p:spPr>
+          <a:xfrm>
+            <a:off x="5299460" y="6288823"/>
+            <a:ext cx="539757" cy="0"/>
+          </a:xfrm>
+          <a:prstGeom prst="straightConnector1">
+            <a:avLst/>
+          </a:prstGeom>
+          <a:ln>
+            <a:solidFill>
+              <a:schemeClr val="tx1"/>
+            </a:solidFill>
+            <a:prstDash val="dash"/>
+            <a:headEnd type="arrow"/>
+            <a:tailEnd type="arrow"/>
+          </a:ln>
+        </p:spPr>
+        <p:style>
+          <a:lnRef idx="1">
+            <a:schemeClr val="accent1"/>
+          </a:lnRef>
+          <a:fillRef idx="0">
+            <a:schemeClr val="accent1"/>
+          </a:fillRef>
+          <a:effectRef idx="0">
+            <a:schemeClr val="accent1"/>
+          </a:effectRef>
+          <a:fontRef idx="minor">
+            <a:schemeClr val="tx1"/>
+          </a:fontRef>
+        </p:style>
+      </p:cxnSp>
+      <p:cxnSp>
+        <p:nvCxnSpPr>
+          <p:cNvPr id="119" name="直接连接符 118"/>
+          <p:cNvCxnSpPr>
+            <a:stCxn id="147" idx="2"/>
+          </p:cNvCxnSpPr>
+          <p:nvPr/>
+        </p:nvCxnSpPr>
+        <p:spPr>
+          <a:xfrm>
+            <a:off x="8171815" y="6361430"/>
+            <a:ext cx="0" cy="499745"/>
+          </a:xfrm>
+          <a:prstGeom prst="line">
+            <a:avLst/>
+          </a:prstGeom>
+          <a:ln w="28575" cmpd="sng">
+            <a:solidFill>
+              <a:schemeClr val="tx1"/>
+            </a:solidFill>
+            <a:prstDash val="solid"/>
+          </a:ln>
+        </p:spPr>
+        <p:style>
+          <a:lnRef idx="1">
+            <a:schemeClr val="accent1"/>
+          </a:lnRef>
+          <a:fillRef idx="0">
+            <a:schemeClr val="accent1"/>
+          </a:fillRef>
+          <a:effectRef idx="0">
+            <a:schemeClr val="accent1"/>
+          </a:effectRef>
+          <a:fontRef idx="minor">
+            <a:schemeClr val="tx1"/>
+          </a:fontRef>
+        </p:style>
+      </p:cxnSp>
+      <p:cxnSp>
+        <p:nvCxnSpPr>
+          <p:cNvPr id="120" name="直接箭头连接符 119"/>
+          <p:cNvCxnSpPr/>
+          <p:nvPr/>
+        </p:nvCxnSpPr>
+        <p:spPr>
+          <a:xfrm flipV="1">
+            <a:off x="4862844" y="6648524"/>
+            <a:ext cx="3296294" cy="4445"/>
+          </a:xfrm>
+          <a:prstGeom prst="straightConnector1">
+            <a:avLst/>
+          </a:prstGeom>
+          <a:ln w="15875">
+            <a:solidFill>
+              <a:schemeClr val="tx1"/>
+            </a:solidFill>
+            <a:prstDash val="dash"/>
+            <a:headEnd type="arrow"/>
+            <a:tailEnd type="arrow"/>
+          </a:ln>
+        </p:spPr>
+        <p:style>
+          <a:lnRef idx="1">
+            <a:schemeClr val="accent1"/>
+          </a:lnRef>
+          <a:fillRef idx="0">
+            <a:schemeClr val="accent1"/>
+          </a:fillRef>
+          <a:effectRef idx="0">
+            <a:schemeClr val="accent1"/>
+          </a:effectRef>
+          <a:fontRef idx="minor">
+            <a:schemeClr val="tx1"/>
+          </a:fontRef>
+        </p:style>
+      </p:cxnSp>
       <p:sp>
         <p:nvSpPr>
           <p:cNvPr id="185" name="矩形 184"/>
@@ -6569,8 +6758,8 @@
         </p:nvSpPr>
         <p:spPr>
           <a:xfrm>
-            <a:off x="2504440" y="4105275"/>
-            <a:ext cx="1304925" cy="844550"/>
+            <a:off x="3516640" y="4629218"/>
+            <a:ext cx="1304929" cy="844552"/>
           </a:xfrm>
           <a:prstGeom prst="rect">
             <a:avLst/>
@@ -6631,7 +6820,7 @@
                   <a:schemeClr val="tx1"/>
                 </a:solidFill>
               </a:rPr>
-              <a:t> crate</a:t>
+              <a:t> tank</a:t>
             </a:r>
             <a:endParaRPr lang="en-US" altLang="zh-CN" sz="2000" strike="noStrike" noProof="1">
               <a:solidFill>
@@ -6665,8 +6854,8 @@
         </p:nvGrpSpPr>
         <p:grpSpPr>
           <a:xfrm>
-            <a:off x="2491105" y="4410710"/>
-            <a:ext cx="179705" cy="539750"/>
+            <a:off x="3503305" y="4934654"/>
+            <a:ext cx="179706" cy="539752"/>
             <a:chOff x="7465" y="5841"/>
             <a:chExt cx="283" cy="850"/>
           </a:xfrm>
@@ -6888,8 +7077,8 @@
         </p:nvGrpSpPr>
         <p:grpSpPr>
           <a:xfrm>
-            <a:off x="2795905" y="4402455"/>
-            <a:ext cx="179705" cy="539750"/>
+            <a:off x="3808106" y="4926399"/>
+            <a:ext cx="179706" cy="539752"/>
             <a:chOff x="7465" y="5841"/>
             <a:chExt cx="283" cy="850"/>
           </a:xfrm>
@@ -7111,8 +7300,8 @@
         </p:nvGrpSpPr>
         <p:grpSpPr>
           <a:xfrm>
-            <a:off x="3093085" y="4401820"/>
-            <a:ext cx="179705" cy="539750"/>
+            <a:off x="4105286" y="4925764"/>
+            <a:ext cx="179706" cy="539752"/>
             <a:chOff x="7465" y="5841"/>
             <a:chExt cx="283" cy="850"/>
           </a:xfrm>
@@ -7334,8 +7523,8 @@
         </p:nvGrpSpPr>
         <p:grpSpPr>
           <a:xfrm>
-            <a:off x="3364865" y="4402455"/>
-            <a:ext cx="179705" cy="539750"/>
+            <a:off x="4377067" y="4926399"/>
+            <a:ext cx="179706" cy="539752"/>
             <a:chOff x="7465" y="5841"/>
             <a:chExt cx="283" cy="850"/>
           </a:xfrm>
@@ -7557,8 +7746,8 @@
         </p:nvGrpSpPr>
         <p:grpSpPr>
           <a:xfrm>
-            <a:off x="3649345" y="4408170"/>
-            <a:ext cx="179705" cy="539750"/>
+            <a:off x="4661548" y="4932114"/>
+            <a:ext cx="179706" cy="539752"/>
             <a:chOff x="7465" y="5841"/>
             <a:chExt cx="283" cy="850"/>
           </a:xfrm>
@@ -7780,8 +7969,8 @@
         </p:nvGrpSpPr>
         <p:grpSpPr>
           <a:xfrm>
-            <a:off x="4782820" y="4408805"/>
-            <a:ext cx="179705" cy="539750"/>
+            <a:off x="5795026" y="4932749"/>
+            <a:ext cx="179706" cy="539752"/>
             <a:chOff x="7465" y="5841"/>
             <a:chExt cx="283" cy="850"/>
           </a:xfrm>
@@ -8003,8 +8192,8 @@
         </p:nvGrpSpPr>
         <p:grpSpPr>
           <a:xfrm>
-            <a:off x="5058410" y="4410710"/>
-            <a:ext cx="179705" cy="539750"/>
+            <a:off x="6070617" y="4934654"/>
+            <a:ext cx="179706" cy="539752"/>
             <a:chOff x="7465" y="5841"/>
             <a:chExt cx="283" cy="850"/>
           </a:xfrm>
@@ -8226,8 +8415,8 @@
         </p:nvGrpSpPr>
         <p:grpSpPr>
           <a:xfrm>
-            <a:off x="5351780" y="4408805"/>
-            <a:ext cx="179705" cy="539750"/>
+            <a:off x="6363988" y="4932749"/>
+            <a:ext cx="179706" cy="539752"/>
             <a:chOff x="7465" y="5841"/>
             <a:chExt cx="283" cy="850"/>
           </a:xfrm>
@@ -8449,8 +8638,8 @@
         </p:nvGrpSpPr>
         <p:grpSpPr>
           <a:xfrm>
-            <a:off x="5623560" y="4409440"/>
-            <a:ext cx="179705" cy="539750"/>
+            <a:off x="6635769" y="4933384"/>
+            <a:ext cx="179706" cy="539752"/>
             <a:chOff x="7465" y="5841"/>
             <a:chExt cx="283" cy="850"/>
           </a:xfrm>
@@ -8672,8 +8861,8 @@
         </p:nvSpPr>
         <p:spPr>
           <a:xfrm>
-            <a:off x="4789805" y="4103370"/>
-            <a:ext cx="1042035" cy="847090"/>
+            <a:off x="5802011" y="4627313"/>
+            <a:ext cx="1042038" cy="847092"/>
           </a:xfrm>
           <a:prstGeom prst="rect">
             <a:avLst/>
@@ -8734,7 +8923,7 @@
                   <a:schemeClr val="tx1"/>
                 </a:solidFill>
               </a:rPr>
-              <a:t>crate</a:t>
+              <a:t>tank</a:t>
             </a:r>
             <a:endParaRPr lang="en-US" altLang="zh-CN" sz="2000" strike="noStrike" noProof="1">
               <a:solidFill>
@@ -8753,238 +8942,6 @@
           <a:p>
             <a:pPr algn="ctr" fontAlgn="base"/>
             <a:endParaRPr lang="en-US" altLang="zh-CN" sz="2000" strike="noStrike" noProof="1">
-              <a:solidFill>
-                <a:schemeClr val="tx1"/>
-              </a:solidFill>
-            </a:endParaRPr>
-          </a:p>
-        </p:txBody>
-      </p:sp>
-      <p:sp>
-        <p:nvSpPr>
-          <p:cNvPr id="233" name="椭圆 232"/>
-          <p:cNvSpPr/>
-          <p:nvPr/>
-        </p:nvSpPr>
-        <p:spPr>
-          <a:xfrm>
-            <a:off x="3850640" y="5209540"/>
-            <a:ext cx="758825" cy="287655"/>
-          </a:xfrm>
-          <a:prstGeom prst="ellipse">
-            <a:avLst/>
-          </a:prstGeom>
-          <a:solidFill>
-            <a:srgbClr val="FFC000"/>
-          </a:solidFill>
-          <a:ln>
-            <a:noFill/>
-          </a:ln>
-        </p:spPr>
-        <p:style>
-          <a:lnRef idx="2">
-            <a:schemeClr val="accent1">
-              <a:shade val="50000"/>
-            </a:schemeClr>
-          </a:lnRef>
-          <a:fillRef idx="1">
-            <a:schemeClr val="accent1"/>
-          </a:fillRef>
-          <a:effectRef idx="0">
-            <a:schemeClr val="accent1"/>
-          </a:effectRef>
-          <a:fontRef idx="minor">
-            <a:schemeClr val="lt1"/>
-          </a:fontRef>
-        </p:style>
-        <p:txBody>
-          <a:bodyPr rtlCol="0" anchor="ctr"/>
-          <a:p>
-            <a:pPr algn="l" fontAlgn="base"/>
-            <a:r>
-              <a:rPr lang="en-US" altLang="zh-CN" sz="2400" strike="noStrike" noProof="1">
-                <a:solidFill>
-                  <a:schemeClr val="tx1"/>
-                </a:solidFill>
-              </a:rPr>
-              <a:t>1</a:t>
-            </a:r>
-            <a:endParaRPr lang="en-US" altLang="zh-CN" sz="2400" strike="noStrike" noProof="1">
-              <a:solidFill>
-                <a:schemeClr val="tx1"/>
-              </a:solidFill>
-            </a:endParaRPr>
-          </a:p>
-        </p:txBody>
-      </p:sp>
-      <p:sp>
-        <p:nvSpPr>
-          <p:cNvPr id="234" name="椭圆 233"/>
-          <p:cNvSpPr/>
-          <p:nvPr/>
-        </p:nvSpPr>
-        <p:spPr>
-          <a:xfrm>
-            <a:off x="7397750" y="5186045"/>
-            <a:ext cx="688975" cy="285750"/>
-          </a:xfrm>
-          <a:prstGeom prst="ellipse">
-            <a:avLst/>
-          </a:prstGeom>
-          <a:solidFill>
-            <a:srgbClr val="FFC000"/>
-          </a:solidFill>
-          <a:ln>
-            <a:noFill/>
-          </a:ln>
-        </p:spPr>
-        <p:style>
-          <a:lnRef idx="2">
-            <a:schemeClr val="accent1">
-              <a:shade val="50000"/>
-            </a:schemeClr>
-          </a:lnRef>
-          <a:fillRef idx="1">
-            <a:schemeClr val="accent1"/>
-          </a:fillRef>
-          <a:effectRef idx="0">
-            <a:schemeClr val="accent1"/>
-          </a:effectRef>
-          <a:fontRef idx="minor">
-            <a:schemeClr val="lt1"/>
-          </a:fontRef>
-        </p:style>
-        <p:txBody>
-          <a:bodyPr rtlCol="0" anchor="ctr"/>
-          <a:p>
-            <a:pPr algn="l" fontAlgn="base"/>
-            <a:r>
-              <a:rPr lang="en-US" altLang="zh-CN" sz="2400" strike="noStrike" noProof="1">
-                <a:solidFill>
-                  <a:schemeClr val="tx1"/>
-                </a:solidFill>
-              </a:rPr>
-              <a:t>2</a:t>
-            </a:r>
-            <a:endParaRPr lang="en-US" altLang="zh-CN" sz="2400" strike="noStrike" noProof="1">
-              <a:solidFill>
-                <a:schemeClr val="tx1"/>
-              </a:solidFill>
-            </a:endParaRPr>
-          </a:p>
-        </p:txBody>
-      </p:sp>
-      <p:sp>
-        <p:nvSpPr>
-          <p:cNvPr id="236" name="椭圆 235"/>
-          <p:cNvSpPr/>
-          <p:nvPr/>
-        </p:nvSpPr>
-        <p:spPr>
-          <a:xfrm>
-            <a:off x="7159625" y="5627370"/>
-            <a:ext cx="762000" cy="285750"/>
-          </a:xfrm>
-          <a:prstGeom prst="ellipse">
-            <a:avLst/>
-          </a:prstGeom>
-          <a:solidFill>
-            <a:srgbClr val="FF0000">
-              <a:alpha val="52000"/>
-            </a:srgbClr>
-          </a:solidFill>
-          <a:ln>
-            <a:noFill/>
-          </a:ln>
-        </p:spPr>
-        <p:style>
-          <a:lnRef idx="2">
-            <a:schemeClr val="accent1">
-              <a:shade val="50000"/>
-            </a:schemeClr>
-          </a:lnRef>
-          <a:fillRef idx="1">
-            <a:schemeClr val="accent1"/>
-          </a:fillRef>
-          <a:effectRef idx="0">
-            <a:schemeClr val="accent1"/>
-          </a:effectRef>
-          <a:fontRef idx="minor">
-            <a:schemeClr val="lt1"/>
-          </a:fontRef>
-        </p:style>
-        <p:txBody>
-          <a:bodyPr rtlCol="0" anchor="ctr"/>
-          <a:p>
-            <a:pPr algn="l" fontAlgn="base"/>
-            <a:r>
-              <a:rPr lang="en-US" altLang="zh-CN" sz="2400" strike="noStrike" noProof="1">
-                <a:solidFill>
-                  <a:schemeClr val="tx1"/>
-                </a:solidFill>
-              </a:rPr>
-              <a:t>1</a:t>
-            </a:r>
-            <a:endParaRPr lang="en-US" altLang="zh-CN" sz="2400" strike="noStrike" noProof="1">
-              <a:solidFill>
-                <a:schemeClr val="tx1"/>
-              </a:solidFill>
-            </a:endParaRPr>
-          </a:p>
-        </p:txBody>
-      </p:sp>
-      <p:sp>
-        <p:nvSpPr>
-          <p:cNvPr id="237" name="椭圆 236"/>
-          <p:cNvSpPr/>
-          <p:nvPr/>
-        </p:nvSpPr>
-        <p:spPr>
-          <a:xfrm>
-            <a:off x="3484880" y="5611495"/>
-            <a:ext cx="840105" cy="301625"/>
-          </a:xfrm>
-          <a:prstGeom prst="ellipse">
-            <a:avLst/>
-          </a:prstGeom>
-          <a:solidFill>
-            <a:srgbClr val="FF0000">
-              <a:alpha val="52000"/>
-            </a:srgbClr>
-          </a:solidFill>
-          <a:ln>
-            <a:noFill/>
-          </a:ln>
-        </p:spPr>
-        <p:style>
-          <a:lnRef idx="2">
-            <a:schemeClr val="accent1">
-              <a:shade val="50000"/>
-            </a:schemeClr>
-          </a:lnRef>
-          <a:fillRef idx="1">
-            <a:schemeClr val="accent1"/>
-          </a:fillRef>
-          <a:effectRef idx="0">
-            <a:schemeClr val="accent1"/>
-          </a:effectRef>
-          <a:fontRef idx="minor">
-            <a:schemeClr val="lt1"/>
-          </a:fontRef>
-        </p:style>
-        <p:txBody>
-          <a:bodyPr rtlCol="0" anchor="ctr"/>
-          <a:p>
-            <a:pPr algn="l" fontAlgn="base"/>
-            <a:r>
-              <a:rPr lang="en-US" altLang="zh-CN" sz="2400" strike="noStrike" noProof="1">
-                <a:solidFill>
-                  <a:schemeClr val="tx1"/>
-                </a:solidFill>
-              </a:rPr>
-              <a:t>2</a:t>
-            </a:r>
-            <a:endParaRPr lang="en-US" altLang="zh-CN" sz="2400" strike="noStrike" noProof="1">
               <a:solidFill>
                 <a:schemeClr val="tx1"/>
               </a:solidFill>
@@ -9003,19 +8960,19 @@
           <p:nvPr/>
         </p:nvGraphicFramePr>
         <p:xfrm>
-          <a:off x="4272598" y="5774055"/>
-          <a:ext cx="605155" cy="350520"/>
+          <a:off x="5284803" y="6298003"/>
+          <a:ext cx="605157" cy="350521"/>
         </p:xfrm>
         <a:graphic>
           <a:graphicData uri="http://schemas.openxmlformats.org/presentationml/2006/ole">
             <mc:AlternateContent xmlns:mc="http://schemas.openxmlformats.org/markup-compatibility/2006">
               <mc:Choice xmlns:v="urn:schemas-microsoft-com:vml" Requires="v">
-                <p:oleObj spid="_x0000_s239" name="" r:id="rId10" imgW="241300" imgH="139700" progId="Equation.KSEE3">
+                <p:oleObj spid="_x0000_s239" name="" r:id="rId1" imgW="241300" imgH="139700" progId="Equation.KSEE3">
                   <p:embed/>
                 </p:oleObj>
               </mc:Choice>
               <mc:Fallback>
-                <p:oleObj name="" r:id="rId10" imgW="241300" imgH="139700" progId="Equation.KSEE3">
+                <p:oleObj name="" r:id="rId1" imgW="241300" imgH="139700" progId="Equation.KSEE3">
                   <p:embed/>
                   <p:pic>
                     <p:nvPicPr>
@@ -9024,15 +8981,15 @@
                       <p:nvPr/>
                     </p:nvPicPr>
                     <p:blipFill>
-                      <a:blip r:embed="rId11"/>
+                      <a:blip r:embed="rId2"/>
                       <a:stretch>
                         <a:fillRect/>
                       </a:stretch>
                     </p:blipFill>
                     <p:spPr>
                       <a:xfrm>
-                        <a:off x="4272598" y="5774055"/>
-                        <a:ext cx="605155" cy="350520"/>
+                        <a:off x="5284803" y="6298003"/>
+                        <a:ext cx="605157" cy="350521"/>
                       </a:xfrm>
                       <a:prstGeom prst="rect">
                         <a:avLst/>
@@ -9056,19 +9013,19 @@
           <p:nvPr/>
         </p:nvGraphicFramePr>
         <p:xfrm>
-          <a:off x="3995738" y="6124258"/>
-          <a:ext cx="2994025" cy="794385"/>
+          <a:off x="4816806" y="6648207"/>
+          <a:ext cx="3376304" cy="794387"/>
         </p:xfrm>
         <a:graphic>
           <a:graphicData uri="http://schemas.openxmlformats.org/presentationml/2006/ole">
             <mc:AlternateContent xmlns:mc="http://schemas.openxmlformats.org/markup-compatibility/2006">
               <mc:Choice xmlns:v="urn:schemas-microsoft-com:vml" Requires="v">
-                <p:oleObj spid="_x0000_s241" name="" r:id="rId12" imgW="1193800" imgH="316865" progId="Equation.KSEE3">
+                <p:oleObj spid="_x0000_s241" name="" r:id="rId3" imgW="1346200" imgH="316865" progId="Equation.KSEE3">
                   <p:embed/>
                 </p:oleObj>
               </mc:Choice>
               <mc:Fallback>
-                <p:oleObj name="" r:id="rId12" imgW="1193800" imgH="316865" progId="Equation.KSEE3">
+                <p:oleObj name="" r:id="rId3" imgW="1346200" imgH="316865" progId="Equation.KSEE3">
                   <p:embed/>
                   <p:pic>
                     <p:nvPicPr>
@@ -9077,15 +9034,15 @@
                       <p:nvPr/>
                     </p:nvPicPr>
                     <p:blipFill>
-                      <a:blip r:embed="rId13"/>
+                      <a:blip r:embed="rId4"/>
                       <a:stretch>
                         <a:fillRect/>
                       </a:stretch>
                     </p:blipFill>
                     <p:spPr>
                       <a:xfrm>
-                        <a:off x="3995738" y="6124258"/>
-                        <a:ext cx="2994025" cy="794385"/>
+                        <a:off x="4816806" y="6648207"/>
+                        <a:ext cx="3376304" cy="794387"/>
                       </a:xfrm>
                       <a:prstGeom prst="rect">
                         <a:avLst/>
@@ -9106,8 +9063,8 @@
         </p:nvGrpSpPr>
         <p:grpSpPr>
           <a:xfrm>
-            <a:off x="3773805" y="7412355"/>
-            <a:ext cx="3942080" cy="1945005"/>
+            <a:off x="4786008" y="7936307"/>
+            <a:ext cx="3942091" cy="1945010"/>
             <a:chOff x="5943" y="11673"/>
             <a:chExt cx="6208" cy="3063"/>
           </a:xfrm>
@@ -9403,7 +9360,7 @@
                     <a:schemeClr val="tx1"/>
                   </a:solidFill>
                 </a:rPr>
-                <a:t> crate</a:t>
+                <a:t> tank</a:t>
               </a:r>
               <a:endParaRPr lang="en-US" altLang="zh-CN" sz="2000" strike="noStrike" noProof="1">
                 <a:solidFill>
@@ -11506,7 +11463,7 @@
                     <a:schemeClr val="tx1"/>
                   </a:solidFill>
                 </a:rPr>
-                <a:t>crate</a:t>
+                <a:t>tank</a:t>
               </a:r>
               <a:endParaRPr lang="en-US" altLang="zh-CN" sz="2000" strike="noStrike" noProof="1">
                 <a:solidFill>
@@ -11533,16 +11490,122 @@
           </p:txBody>
         </p:sp>
       </p:grpSp>
+      <p:graphicFrame>
+        <p:nvGraphicFramePr>
+          <p:cNvPr id="294" name="对象 293">
+            <a:hlinkClick r:id="" action="ppaction://ole?verb="/>
+          </p:cNvPr>
+          <p:cNvGraphicFramePr>
+            <a:graphicFrameLocks noChangeAspect="1"/>
+          </p:cNvGraphicFramePr>
+          <p:nvPr/>
+        </p:nvGraphicFramePr>
+        <p:xfrm>
+          <a:off x="4801566" y="9186626"/>
+          <a:ext cx="605157" cy="350521"/>
+        </p:xfrm>
+        <a:graphic>
+          <a:graphicData uri="http://schemas.openxmlformats.org/presentationml/2006/ole">
+            <mc:AlternateContent xmlns:mc="http://schemas.openxmlformats.org/markup-compatibility/2006">
+              <mc:Choice xmlns:v="urn:schemas-microsoft-com:vml" Requires="v">
+                <p:oleObj spid="_x0000_s295" name="" r:id="rId5" imgW="241300" imgH="139700" progId="Equation.KSEE3">
+                  <p:embed/>
+                </p:oleObj>
+              </mc:Choice>
+              <mc:Fallback>
+                <p:oleObj name="" r:id="rId5" imgW="241300" imgH="139700" progId="Equation.KSEE3">
+                  <p:embed/>
+                  <p:pic>
+                    <p:nvPicPr>
+                      <p:cNvPr id="0" name="图片 1024"/>
+                      <p:cNvPicPr/>
+                      <p:nvPr/>
+                    </p:nvPicPr>
+                    <p:blipFill>
+                      <a:blip r:embed="rId2"/>
+                      <a:stretch>
+                        <a:fillRect/>
+                      </a:stretch>
+                    </p:blipFill>
+                    <p:spPr>
+                      <a:xfrm>
+                        <a:off x="4801566" y="9186626"/>
+                        <a:ext cx="605157" cy="350521"/>
+                      </a:xfrm>
+                      <a:prstGeom prst="rect">
+                        <a:avLst/>
+                      </a:prstGeom>
+                    </p:spPr>
+                  </p:pic>
+                </p:oleObj>
+              </mc:Fallback>
+            </mc:AlternateContent>
+          </a:graphicData>
+        </a:graphic>
+      </p:graphicFrame>
+      <p:graphicFrame>
+        <p:nvGraphicFramePr>
+          <p:cNvPr id="297" name="对象 296">
+            <a:hlinkClick r:id="" action="ppaction://ole?verb="/>
+          </p:cNvPr>
+          <p:cNvGraphicFramePr>
+            <a:graphicFrameLocks noChangeAspect="1"/>
+          </p:cNvGraphicFramePr>
+          <p:nvPr/>
+        </p:nvGraphicFramePr>
+        <p:xfrm>
+          <a:off x="6790075" y="9855601"/>
+          <a:ext cx="3535690" cy="794387"/>
+        </p:xfrm>
+        <a:graphic>
+          <a:graphicData uri="http://schemas.openxmlformats.org/presentationml/2006/ole">
+            <mc:AlternateContent xmlns:mc="http://schemas.openxmlformats.org/markup-compatibility/2006">
+              <mc:Choice xmlns:v="urn:schemas-microsoft-com:vml" Requires="v">
+                <p:oleObj spid="_x0000_s298" name="" r:id="rId6" imgW="1409700" imgH="316865" progId="Equation.KSEE3">
+                  <p:embed/>
+                </p:oleObj>
+              </mc:Choice>
+              <mc:Fallback>
+                <p:oleObj name="" r:id="rId6" imgW="1409700" imgH="316865" progId="Equation.KSEE3">
+                  <p:embed/>
+                  <p:pic>
+                    <p:nvPicPr>
+                      <p:cNvPr id="0" name="图片 1024"/>
+                      <p:cNvPicPr/>
+                      <p:nvPr/>
+                    </p:nvPicPr>
+                    <p:blipFill>
+                      <a:blip r:embed="rId7"/>
+                      <a:stretch>
+                        <a:fillRect/>
+                      </a:stretch>
+                    </p:blipFill>
+                    <p:spPr>
+                      <a:xfrm>
+                        <a:off x="6790075" y="9855601"/>
+                        <a:ext cx="3535690" cy="794387"/>
+                      </a:xfrm>
+                      <a:prstGeom prst="rect">
+                        <a:avLst/>
+                      </a:prstGeom>
+                    </p:spPr>
+                  </p:pic>
+                </p:oleObj>
+              </mc:Fallback>
+            </mc:AlternateContent>
+          </a:graphicData>
+        </a:graphic>
+      </p:graphicFrame>
       <p:sp>
         <p:nvSpPr>
-          <p:cNvPr id="290" name="椭圆 289"/>
+          <p:cNvPr id="10" name="椭圆 9"/>
           <p:cNvSpPr/>
           <p:nvPr/>
         </p:nvSpPr>
         <p:spPr>
           <a:xfrm>
-            <a:off x="6638925" y="8480425"/>
-            <a:ext cx="758825" cy="287655"/>
+            <a:off x="4848225" y="5622290"/>
+            <a:ext cx="6258560" cy="443865"/>
           </a:xfrm>
           <a:prstGeom prst="ellipse">
             <a:avLst/>
@@ -11580,7 +11643,7 @@
                   <a:schemeClr val="tx1"/>
                 </a:solidFill>
               </a:rPr>
-              <a:t>1</a:t>
+              <a:t>                 1</a:t>
             </a:r>
             <a:endParaRPr lang="en-US" altLang="zh-CN" sz="2400" strike="noStrike" noProof="1">
               <a:solidFill>
@@ -11592,14 +11655,14 @@
       </p:sp>
       <p:sp>
         <p:nvSpPr>
-          <p:cNvPr id="291" name="椭圆 290"/>
+          <p:cNvPr id="15" name="椭圆 14"/>
           <p:cNvSpPr/>
           <p:nvPr/>
         </p:nvSpPr>
         <p:spPr>
           <a:xfrm>
-            <a:off x="3094990" y="8482330"/>
-            <a:ext cx="688975" cy="285750"/>
+            <a:off x="-1152525" y="8935720"/>
+            <a:ext cx="5962015" cy="426085"/>
           </a:xfrm>
           <a:prstGeom prst="ellipse">
             <a:avLst/>
@@ -11637,7 +11700,7 @@
                   <a:schemeClr val="tx1"/>
                 </a:solidFill>
               </a:rPr>
-              <a:t>2</a:t>
+              <a:t>                   2</a:t>
             </a:r>
             <a:endParaRPr lang="en-US" altLang="zh-CN" sz="2400" strike="noStrike" noProof="1">
               <a:solidFill>
@@ -11649,14 +11712,14 @@
       </p:sp>
       <p:sp>
         <p:nvSpPr>
-          <p:cNvPr id="292" name="椭圆 291"/>
+          <p:cNvPr id="16" name="椭圆 15"/>
           <p:cNvSpPr/>
           <p:nvPr/>
         </p:nvSpPr>
         <p:spPr>
           <a:xfrm>
-            <a:off x="7649210" y="9001760"/>
-            <a:ext cx="762000" cy="285750"/>
+            <a:off x="-1739900" y="6066155"/>
+            <a:ext cx="7107555" cy="456565"/>
           </a:xfrm>
           <a:prstGeom prst="ellipse">
             <a:avLst/>
@@ -11696,7 +11759,7 @@
                   <a:schemeClr val="tx1"/>
                 </a:solidFill>
               </a:rPr>
-              <a:t>1</a:t>
+              <a:t>              2</a:t>
             </a:r>
             <a:endParaRPr lang="en-US" altLang="zh-CN" sz="2400" strike="noStrike" noProof="1">
               <a:solidFill>
@@ -11708,14 +11771,14 @@
       </p:sp>
       <p:sp>
         <p:nvSpPr>
-          <p:cNvPr id="293" name="椭圆 292"/>
+          <p:cNvPr id="147" name="椭圆 146"/>
           <p:cNvSpPr/>
           <p:nvPr/>
         </p:nvSpPr>
         <p:spPr>
           <a:xfrm>
-            <a:off x="3996055" y="9003030"/>
-            <a:ext cx="840105" cy="301625"/>
+            <a:off x="8171815" y="6132830"/>
+            <a:ext cx="7107555" cy="456565"/>
           </a:xfrm>
           <a:prstGeom prst="ellipse">
             <a:avLst/>
@@ -11755,7 +11818,7 @@
                   <a:schemeClr val="tx1"/>
                 </a:solidFill>
               </a:rPr>
-              <a:t>2</a:t>
+              <a:t>              1</a:t>
             </a:r>
             <a:endParaRPr lang="en-US" altLang="zh-CN" sz="2400" strike="noStrike" noProof="1">
               <a:solidFill>
@@ -11765,112 +11828,181 @@
           </a:p>
         </p:txBody>
       </p:sp>
-      <p:graphicFrame>
-        <p:nvGraphicFramePr>
-          <p:cNvPr id="294" name="对象 293">
-            <a:hlinkClick r:id="" action="ppaction://ole?verb="/>
-          </p:cNvPr>
-          <p:cNvGraphicFramePr>
-            <a:graphicFrameLocks noChangeAspect="1"/>
-          </p:cNvGraphicFramePr>
+      <p:sp>
+        <p:nvSpPr>
+          <p:cNvPr id="8" name="椭圆 7"/>
+          <p:cNvSpPr/>
           <p:nvPr/>
-        </p:nvGraphicFramePr>
-        <p:xfrm>
-          <a:off x="3789363" y="8662670"/>
-          <a:ext cx="605155" cy="350520"/>
-        </p:xfrm>
-        <a:graphic>
-          <a:graphicData uri="http://schemas.openxmlformats.org/presentationml/2006/ole">
-            <mc:AlternateContent xmlns:mc="http://schemas.openxmlformats.org/markup-compatibility/2006">
-              <mc:Choice xmlns:v="urn:schemas-microsoft-com:vml" Requires="v">
-                <p:oleObj spid="_x0000_s295" name="" r:id="rId14" imgW="241300" imgH="139700" progId="Equation.KSEE3">
-                  <p:embed/>
-                </p:oleObj>
-              </mc:Choice>
-              <mc:Fallback>
-                <p:oleObj name="" r:id="rId14" imgW="241300" imgH="139700" progId="Equation.KSEE3">
-                  <p:embed/>
-                  <p:pic>
-                    <p:nvPicPr>
-                      <p:cNvPr id="0" name="图片 1024"/>
-                      <p:cNvPicPr/>
-                      <p:nvPr/>
-                    </p:nvPicPr>
-                    <p:blipFill>
-                      <a:blip r:embed="rId11"/>
-                      <a:stretch>
-                        <a:fillRect/>
-                      </a:stretch>
-                    </p:blipFill>
-                    <p:spPr>
-                      <a:xfrm>
-                        <a:off x="3789363" y="8662670"/>
-                        <a:ext cx="605155" cy="350520"/>
-                      </a:xfrm>
-                      <a:prstGeom prst="rect">
-                        <a:avLst/>
-                      </a:prstGeom>
-                    </p:spPr>
-                  </p:pic>
-                </p:oleObj>
-              </mc:Fallback>
-            </mc:AlternateContent>
-          </a:graphicData>
-        </a:graphic>
-      </p:graphicFrame>
-      <p:graphicFrame>
-        <p:nvGraphicFramePr>
-          <p:cNvPr id="297" name="对象 296">
-            <a:hlinkClick r:id="" action="ppaction://ole?verb="/>
-          </p:cNvPr>
-          <p:cNvGraphicFramePr>
-            <a:graphicFrameLocks noChangeAspect="1"/>
-          </p:cNvGraphicFramePr>
+        </p:nvSpPr>
+        <p:spPr>
+          <a:xfrm>
+            <a:off x="7649845" y="9010650"/>
+            <a:ext cx="6258560" cy="443865"/>
+          </a:xfrm>
+          <a:prstGeom prst="ellipse">
+            <a:avLst/>
+          </a:prstGeom>
+          <a:solidFill>
+            <a:srgbClr val="FFC000"/>
+          </a:solidFill>
+          <a:ln>
+            <a:noFill/>
+          </a:ln>
+        </p:spPr>
+        <p:style>
+          <a:lnRef idx="2">
+            <a:schemeClr val="accent1">
+              <a:shade val="50000"/>
+            </a:schemeClr>
+          </a:lnRef>
+          <a:fillRef idx="1">
+            <a:schemeClr val="accent1"/>
+          </a:fillRef>
+          <a:effectRef idx="0">
+            <a:schemeClr val="accent1"/>
+          </a:effectRef>
+          <a:fontRef idx="minor">
+            <a:schemeClr val="lt1"/>
+          </a:fontRef>
+        </p:style>
+        <p:txBody>
+          <a:bodyPr rtlCol="0" anchor="ctr"/>
+          <a:p>
+            <a:pPr algn="l" fontAlgn="base"/>
+            <a:r>
+              <a:rPr lang="en-US" altLang="zh-CN" sz="2400" strike="noStrike" noProof="1">
+                <a:solidFill>
+                  <a:schemeClr val="tx1"/>
+                </a:solidFill>
+              </a:rPr>
+              <a:t>                 1</a:t>
+            </a:r>
+            <a:endParaRPr lang="en-US" altLang="zh-CN" sz="2400" strike="noStrike" noProof="1">
+              <a:solidFill>
+                <a:schemeClr val="tx1"/>
+              </a:solidFill>
+            </a:endParaRPr>
+          </a:p>
+        </p:txBody>
+      </p:sp>
+      <p:sp>
+        <p:nvSpPr>
+          <p:cNvPr id="9" name="椭圆 8"/>
+          <p:cNvSpPr/>
           <p:nvPr/>
-        </p:nvGraphicFramePr>
-        <p:xfrm>
-          <a:off x="5953126" y="9331643"/>
-          <a:ext cx="3185160" cy="794385"/>
-        </p:xfrm>
-        <a:graphic>
-          <a:graphicData uri="http://schemas.openxmlformats.org/presentationml/2006/ole">
-            <mc:AlternateContent xmlns:mc="http://schemas.openxmlformats.org/markup-compatibility/2006">
-              <mc:Choice xmlns:v="urn:schemas-microsoft-com:vml" Requires="v">
-                <p:oleObj spid="_x0000_s298" name="" r:id="rId15" imgW="1270000" imgH="316865" progId="Equation.KSEE3">
-                  <p:embed/>
-                </p:oleObj>
-              </mc:Choice>
-              <mc:Fallback>
-                <p:oleObj name="" r:id="rId15" imgW="1270000" imgH="316865" progId="Equation.KSEE3">
-                  <p:embed/>
-                  <p:pic>
-                    <p:nvPicPr>
-                      <p:cNvPr id="0" name="图片 1024"/>
-                      <p:cNvPicPr/>
-                      <p:nvPr/>
-                    </p:nvPicPr>
-                    <p:blipFill>
-                      <a:blip r:embed="rId16"/>
-                      <a:stretch>
-                        <a:fillRect/>
-                      </a:stretch>
-                    </p:blipFill>
-                    <p:spPr>
-                      <a:xfrm>
-                        <a:off x="5953126" y="9331643"/>
-                        <a:ext cx="3185160" cy="794385"/>
-                      </a:xfrm>
-                      <a:prstGeom prst="rect">
-                        <a:avLst/>
-                      </a:prstGeom>
-                    </p:spPr>
-                  </p:pic>
-                </p:oleObj>
-              </mc:Fallback>
-            </mc:AlternateContent>
-          </a:graphicData>
-        </a:graphic>
-      </p:graphicFrame>
+        </p:nvSpPr>
+        <p:spPr>
+          <a:xfrm>
+            <a:off x="8670290" y="9538335"/>
+            <a:ext cx="7107555" cy="456565"/>
+          </a:xfrm>
+          <a:prstGeom prst="ellipse">
+            <a:avLst/>
+          </a:prstGeom>
+          <a:solidFill>
+            <a:srgbClr val="FF0000">
+              <a:alpha val="52000"/>
+            </a:srgbClr>
+          </a:solidFill>
+          <a:ln>
+            <a:noFill/>
+          </a:ln>
+        </p:spPr>
+        <p:style>
+          <a:lnRef idx="2">
+            <a:schemeClr val="accent1">
+              <a:shade val="50000"/>
+            </a:schemeClr>
+          </a:lnRef>
+          <a:fillRef idx="1">
+            <a:schemeClr val="accent1"/>
+          </a:fillRef>
+          <a:effectRef idx="0">
+            <a:schemeClr val="accent1"/>
+          </a:effectRef>
+          <a:fontRef idx="minor">
+            <a:schemeClr val="lt1"/>
+          </a:fontRef>
+        </p:style>
+        <p:txBody>
+          <a:bodyPr rtlCol="0" anchor="ctr"/>
+          <a:p>
+            <a:pPr algn="l" fontAlgn="base"/>
+            <a:r>
+              <a:rPr lang="en-US" altLang="zh-CN" sz="2400" strike="noStrike" noProof="1">
+                <a:solidFill>
+                  <a:schemeClr val="tx1"/>
+                </a:solidFill>
+              </a:rPr>
+              <a:t>              1</a:t>
+            </a:r>
+            <a:endParaRPr lang="en-US" altLang="zh-CN" sz="2400" strike="noStrike" noProof="1">
+              <a:solidFill>
+                <a:schemeClr val="tx1"/>
+              </a:solidFill>
+            </a:endParaRPr>
+          </a:p>
+        </p:txBody>
+      </p:sp>
+      <p:sp>
+        <p:nvSpPr>
+          <p:cNvPr id="11" name="椭圆 10"/>
+          <p:cNvSpPr/>
+          <p:nvPr/>
+        </p:nvSpPr>
+        <p:spPr>
+          <a:xfrm>
+            <a:off x="-1181100" y="9537065"/>
+            <a:ext cx="7107555" cy="456565"/>
+          </a:xfrm>
+          <a:prstGeom prst="ellipse">
+            <a:avLst/>
+          </a:prstGeom>
+          <a:solidFill>
+            <a:srgbClr val="FF0000">
+              <a:alpha val="52000"/>
+            </a:srgbClr>
+          </a:solidFill>
+          <a:ln>
+            <a:noFill/>
+          </a:ln>
+        </p:spPr>
+        <p:style>
+          <a:lnRef idx="2">
+            <a:schemeClr val="accent1">
+              <a:shade val="50000"/>
+            </a:schemeClr>
+          </a:lnRef>
+          <a:fillRef idx="1">
+            <a:schemeClr val="accent1"/>
+          </a:fillRef>
+          <a:effectRef idx="0">
+            <a:schemeClr val="accent1"/>
+          </a:effectRef>
+          <a:fontRef idx="minor">
+            <a:schemeClr val="lt1"/>
+          </a:fontRef>
+        </p:style>
+        <p:txBody>
+          <a:bodyPr rtlCol="0" anchor="ctr"/>
+          <a:p>
+            <a:pPr algn="l" fontAlgn="base"/>
+            <a:r>
+              <a:rPr lang="en-US" altLang="zh-CN" sz="2400" strike="noStrike" noProof="1">
+                <a:solidFill>
+                  <a:schemeClr val="tx1"/>
+                </a:solidFill>
+              </a:rPr>
+              <a:t>                        2</a:t>
+            </a:r>
+            <a:endParaRPr lang="en-US" altLang="zh-CN" sz="2400" strike="noStrike" noProof="1">
+              <a:solidFill>
+                <a:schemeClr val="tx1"/>
+              </a:solidFill>
+            </a:endParaRPr>
+          </a:p>
+        </p:txBody>
+      </p:sp>
     </p:spTree>
   </p:cSld>
   <p:clrMapOvr>
@@ -11879,7 +12011,7 @@
 </p:sld>
 </file>
 
-<file path=ppt/slides/slide2.xml><?xml version="1.0" encoding="utf-8"?>
+<file path=ppt/slides/slide3.xml><?xml version="1.0" encoding="utf-8"?>
 <p:sld xmlns:a="http://schemas.openxmlformats.org/drawingml/2006/main" xmlns:r="http://schemas.openxmlformats.org/officeDocument/2006/relationships" xmlns:p="http://schemas.openxmlformats.org/presentationml/2006/main">
   <p:cSld>
     <p:spTree>
@@ -11897,8 +12029,8 @@
         </p:nvSpPr>
         <p:spPr>
           <a:xfrm rot="9660000">
-            <a:off x="6546857" y="3642431"/>
-            <a:ext cx="850904" cy="282576"/>
+            <a:off x="6546875" y="3642496"/>
+            <a:ext cx="850906" cy="282577"/>
           </a:xfrm>
           <a:prstGeom prst="ellipse">
             <a:avLst/>
@@ -11947,8 +12079,8 @@
         </p:nvSpPr>
         <p:spPr>
           <a:xfrm>
-            <a:off x="1940314" y="7103448"/>
-            <a:ext cx="1376377" cy="457200"/>
+            <a:off x="1940319" y="7103523"/>
+            <a:ext cx="1376381" cy="457200"/>
           </a:xfrm>
           <a:prstGeom prst="rect">
             <a:avLst/>
@@ -11988,8 +12120,8 @@
         </p:nvCxnSpPr>
         <p:spPr>
           <a:xfrm flipV="1">
-            <a:off x="1240155" y="3909695"/>
-            <a:ext cx="5147310" cy="819785"/>
+            <a:off x="1240158" y="3909761"/>
+            <a:ext cx="5147324" cy="819787"/>
           </a:xfrm>
           <a:prstGeom prst="straightConnector1">
             <a:avLst/>
@@ -12025,8 +12157,8 @@
         </p:nvSpPr>
         <p:spPr>
           <a:xfrm rot="17880000">
-            <a:off x="7480815" y="2849953"/>
-            <a:ext cx="850904" cy="282576"/>
+            <a:off x="7480836" y="2850016"/>
+            <a:ext cx="850906" cy="282577"/>
           </a:xfrm>
           <a:prstGeom prst="ellipse">
             <a:avLst/>
@@ -12075,8 +12207,8 @@
         </p:nvSpPr>
         <p:spPr>
           <a:xfrm rot="21120000">
-            <a:off x="5385451" y="3850714"/>
-            <a:ext cx="848999" cy="294006"/>
+            <a:off x="5385466" y="3850780"/>
+            <a:ext cx="849001" cy="294007"/>
           </a:xfrm>
           <a:prstGeom prst="ellipse">
             <a:avLst/>
@@ -12135,8 +12267,8 @@
         </p:blipFill>
         <p:spPr>
           <a:xfrm>
-            <a:off x="5842014" y="3632273"/>
-            <a:ext cx="1091570" cy="1091570"/>
+            <a:off x="5842030" y="3632338"/>
+            <a:ext cx="1091573" cy="1091573"/>
           </a:xfrm>
           <a:prstGeom prst="rect">
             <a:avLst/>
@@ -12151,8 +12283,8 @@
         </p:nvSpPr>
         <p:spPr>
           <a:xfrm>
-            <a:off x="4609472" y="353754"/>
-            <a:ext cx="3556015" cy="3556015"/>
+            <a:off x="4609485" y="353810"/>
+            <a:ext cx="3556025" cy="3556025"/>
           </a:xfrm>
           <a:prstGeom prst="ellipse">
             <a:avLst/>
@@ -12202,8 +12334,8 @@
         </p:nvCxnSpPr>
         <p:spPr>
           <a:xfrm flipV="1">
-            <a:off x="2184400" y="7434580"/>
-            <a:ext cx="6762750" cy="24765"/>
+            <a:off x="2184406" y="7434656"/>
+            <a:ext cx="6762769" cy="24765"/>
           </a:xfrm>
           <a:prstGeom prst="straightConnector1">
             <a:avLst/>
@@ -12236,8 +12368,8 @@
         </p:nvCxnSpPr>
         <p:spPr>
           <a:xfrm flipV="1">
-            <a:off x="8826500" y="5592445"/>
-            <a:ext cx="12700" cy="2380615"/>
+            <a:off x="8826525" y="5592516"/>
+            <a:ext cx="12700" cy="2380622"/>
           </a:xfrm>
           <a:prstGeom prst="straightConnector1">
             <a:avLst/>
@@ -12269,8 +12401,8 @@
         </p:nvCxnSpPr>
         <p:spPr>
           <a:xfrm flipH="1">
-            <a:off x="6946900" y="5812155"/>
-            <a:ext cx="12700" cy="1951990"/>
+            <a:off x="6946919" y="5812226"/>
+            <a:ext cx="12700" cy="1951995"/>
           </a:xfrm>
           <a:prstGeom prst="line">
             <a:avLst/>
@@ -12305,8 +12437,8 @@
         </p:nvCxnSpPr>
         <p:spPr>
           <a:xfrm>
-            <a:off x="6934200" y="7103745"/>
-            <a:ext cx="1888490" cy="2540"/>
+            <a:off x="6934219" y="7103820"/>
+            <a:ext cx="1888495" cy="2540"/>
           </a:xfrm>
           <a:prstGeom prst="straightConnector1">
             <a:avLst/>
@@ -12340,8 +12472,8 @@
         </p:nvSpPr>
         <p:spPr>
           <a:xfrm>
-            <a:off x="6598291" y="6382469"/>
-            <a:ext cx="2348875" cy="657225"/>
+            <a:off x="6598309" y="6382542"/>
+            <a:ext cx="2348882" cy="657225"/>
           </a:xfrm>
           <a:prstGeom prst="rect">
             <a:avLst/>
@@ -12394,8 +12526,8 @@
         </p:nvCxnSpPr>
         <p:spPr>
           <a:xfrm>
-            <a:off x="5829300" y="6163945"/>
-            <a:ext cx="1130300" cy="1270635"/>
+            <a:off x="5829316" y="6164017"/>
+            <a:ext cx="1130303" cy="1270639"/>
           </a:xfrm>
           <a:prstGeom prst="line">
             <a:avLst/>
@@ -12424,8 +12556,8 @@
         </p:nvCxnSpPr>
         <p:spPr>
           <a:xfrm flipH="1" flipV="1">
-            <a:off x="4127521" y="6139262"/>
-            <a:ext cx="1701807" cy="24765"/>
+            <a:off x="4127533" y="6139334"/>
+            <a:ext cx="1701812" cy="24765"/>
           </a:xfrm>
           <a:prstGeom prst="line">
             <a:avLst/>
@@ -12454,8 +12586,8 @@
         </p:nvSpPr>
         <p:spPr>
           <a:xfrm>
-            <a:off x="6032515" y="5228035"/>
-            <a:ext cx="1739907" cy="701040"/>
+            <a:off x="6032532" y="5228105"/>
+            <a:ext cx="1739912" cy="701040"/>
           </a:xfrm>
           <a:prstGeom prst="rect">
             <a:avLst/>
@@ -12498,8 +12630,8 @@
         </p:nvCxnSpPr>
         <p:spPr>
           <a:xfrm>
-            <a:off x="5842021" y="5461081"/>
-            <a:ext cx="0" cy="1645292"/>
+            <a:off x="5842037" y="5461151"/>
+            <a:ext cx="0" cy="1645297"/>
           </a:xfrm>
           <a:prstGeom prst="line">
             <a:avLst/>
@@ -12536,8 +12668,8 @@
         </p:nvCxnSpPr>
         <p:spPr>
           <a:xfrm>
-            <a:off x="5852160" y="5928995"/>
-            <a:ext cx="1090295" cy="3810"/>
+            <a:off x="5852176" y="5929067"/>
+            <a:ext cx="1090298" cy="3810"/>
           </a:xfrm>
           <a:prstGeom prst="straightConnector1">
             <a:avLst/>
@@ -12571,8 +12703,8 @@
         </p:nvSpPr>
         <p:spPr>
           <a:xfrm>
-            <a:off x="8947150" y="5259070"/>
-            <a:ext cx="1617980" cy="1005840"/>
+            <a:off x="8947175" y="5259140"/>
+            <a:ext cx="1617985" cy="1005840"/>
           </a:xfrm>
           <a:prstGeom prst="rect">
             <a:avLst/>
@@ -12610,8 +12742,8 @@
         </p:nvSpPr>
         <p:spPr>
           <a:xfrm rot="10260000">
-            <a:off x="2992782" y="3952949"/>
-            <a:ext cx="660403" cy="381002"/>
+            <a:off x="2992790" y="3953015"/>
+            <a:ext cx="660405" cy="381003"/>
           </a:xfrm>
           <a:prstGeom prst="leftArrow">
             <a:avLst/>
@@ -12652,8 +12784,8 @@
         </p:nvSpPr>
         <p:spPr>
           <a:xfrm>
-            <a:off x="5689613" y="2449265"/>
-            <a:ext cx="2082809" cy="457200"/>
+            <a:off x="5689629" y="2449327"/>
+            <a:ext cx="2082815" cy="457200"/>
           </a:xfrm>
           <a:prstGeom prst="rect">
             <a:avLst/>
@@ -12685,8 +12817,8 @@
         </p:nvSpPr>
         <p:spPr>
           <a:xfrm rot="21120000">
-            <a:off x="4166251" y="4031054"/>
-            <a:ext cx="848999" cy="294006"/>
+            <a:off x="4166263" y="4031120"/>
+            <a:ext cx="849001" cy="294007"/>
           </a:xfrm>
           <a:prstGeom prst="ellipse">
             <a:avLst/>
@@ -12729,111 +12861,6 @@
           </a:p>
         </p:txBody>
       </p:sp>
-      <p:sp>
-        <p:nvSpPr>
-          <p:cNvPr id="4" name="椭圆 3"/>
-          <p:cNvSpPr/>
-          <p:nvPr/>
-        </p:nvSpPr>
-        <p:spPr>
-          <a:xfrm>
-            <a:off x="2029476" y="7574354"/>
-            <a:ext cx="848999" cy="294006"/>
-          </a:xfrm>
-          <a:prstGeom prst="ellipse">
-            <a:avLst/>
-          </a:prstGeom>
-          <a:solidFill>
-            <a:srgbClr val="FF0000">
-              <a:alpha val="52000"/>
-            </a:srgbClr>
-          </a:solidFill>
-          <a:ln>
-            <a:noFill/>
-          </a:ln>
-        </p:spPr>
-        <p:style>
-          <a:lnRef idx="2">
-            <a:schemeClr val="accent1">
-              <a:shade val="50000"/>
-            </a:schemeClr>
-          </a:lnRef>
-          <a:fillRef idx="1">
-            <a:schemeClr val="accent1"/>
-          </a:fillRef>
-          <a:effectRef idx="0">
-            <a:schemeClr val="accent1"/>
-          </a:effectRef>
-          <a:fontRef idx="minor">
-            <a:schemeClr val="lt1"/>
-          </a:fontRef>
-        </p:style>
-        <p:txBody>
-          <a:bodyPr rtlCol="0" anchor="ctr"/>
-          <a:p>
-            <a:pPr algn="l" fontAlgn="base"/>
-            <a:endParaRPr lang="en-US" altLang="zh-CN" sz="2400" strike="noStrike" noProof="1">
-              <a:solidFill>
-                <a:schemeClr val="tx1"/>
-              </a:solidFill>
-              <a:latin typeface="Arial" panose="020B0604020202020204" pitchFamily="34" charset="0"/>
-            </a:endParaRPr>
-          </a:p>
-        </p:txBody>
-      </p:sp>
-      <p:graphicFrame>
-        <p:nvGraphicFramePr>
-          <p:cNvPr id="240" name="对象 239">
-            <a:hlinkClick r:id="" action="ppaction://ole?verb="/>
-          </p:cNvPr>
-          <p:cNvGraphicFramePr>
-            <a:graphicFrameLocks noChangeAspect="1"/>
-          </p:cNvGraphicFramePr>
-          <p:nvPr/>
-        </p:nvGraphicFramePr>
-        <p:xfrm>
-          <a:off x="5458778" y="7715568"/>
-          <a:ext cx="573405" cy="478155"/>
-        </p:xfrm>
-        <a:graphic>
-          <a:graphicData uri="http://schemas.openxmlformats.org/presentationml/2006/ole">
-            <mc:AlternateContent xmlns:mc="http://schemas.openxmlformats.org/markup-compatibility/2006">
-              <mc:Choice xmlns:v="urn:schemas-microsoft-com:vml" Requires="v">
-                <p:oleObj spid="_x0000_s241" name="" r:id="rId2" imgW="228600" imgH="190500" progId="Equation.KSEE3">
-                  <p:embed/>
-                </p:oleObj>
-              </mc:Choice>
-              <mc:Fallback>
-                <p:oleObj name="" r:id="rId2" imgW="228600" imgH="190500" progId="Equation.KSEE3">
-                  <p:embed/>
-                  <p:pic>
-                    <p:nvPicPr>
-                      <p:cNvPr id="0" name="图片 1024"/>
-                      <p:cNvPicPr/>
-                      <p:nvPr/>
-                    </p:nvPicPr>
-                    <p:blipFill>
-                      <a:blip r:embed="rId3"/>
-                      <a:stretch>
-                        <a:fillRect/>
-                      </a:stretch>
-                    </p:blipFill>
-                    <p:spPr>
-                      <a:xfrm>
-                        <a:off x="5458778" y="7715568"/>
-                        <a:ext cx="573405" cy="478155"/>
-                      </a:xfrm>
-                      <a:prstGeom prst="rect">
-                        <a:avLst/>
-                      </a:prstGeom>
-                    </p:spPr>
-                  </p:pic>
-                </p:oleObj>
-              </mc:Fallback>
-            </mc:AlternateContent>
-          </a:graphicData>
-        </a:graphic>
-      </p:graphicFrame>
       <p:grpSp>
         <p:nvGrpSpPr>
           <p:cNvPr id="49" name="组合 48"/>
@@ -12842,8 +12869,8 @@
         </p:nvGrpSpPr>
         <p:grpSpPr>
           <a:xfrm>
-            <a:off x="6942455" y="5356860"/>
-            <a:ext cx="1896745" cy="845185"/>
+            <a:off x="6942474" y="5356930"/>
+            <a:ext cx="1896750" cy="845187"/>
             <a:chOff x="6514" y="8581"/>
             <a:chExt cx="2987" cy="1331"/>
           </a:xfrm>
@@ -12902,7 +12929,7 @@
                     <a:schemeClr val="tx1"/>
                   </a:solidFill>
                 </a:rPr>
-                <a:t>crate</a:t>
+                <a:t>tank</a:t>
               </a:r>
               <a:endParaRPr lang="en-US" altLang="zh-CN" sz="2000" strike="noStrike" noProof="1">
                 <a:solidFill>
@@ -14492,14 +14519,14 @@
       </p:grpSp>
       <p:sp>
         <p:nvSpPr>
-          <p:cNvPr id="36" name="椭圆 35"/>
+          <p:cNvPr id="10" name="椭圆 9"/>
           <p:cNvSpPr/>
           <p:nvPr/>
         </p:nvSpPr>
         <p:spPr>
           <a:xfrm>
-            <a:off x="8839207" y="7574351"/>
-            <a:ext cx="850904" cy="282576"/>
+            <a:off x="8763000" y="7715885"/>
+            <a:ext cx="6258560" cy="443865"/>
           </a:xfrm>
           <a:prstGeom prst="ellipse">
             <a:avLst/>
@@ -14535,48 +14562,69 @@
               <a:solidFill>
                 <a:schemeClr val="tx1"/>
               </a:solidFill>
-              <a:latin typeface="Arial" panose="020B0604020202020204" pitchFamily="34" charset="0"/>
             </a:endParaRPr>
           </a:p>
         </p:txBody>
       </p:sp>
-      <p:cxnSp>
-        <p:nvCxnSpPr>
-          <p:cNvPr id="51" name="直接箭头连接符 50"/>
-          <p:cNvCxnSpPr>
-            <a:endCxn id="36" idx="2"/>
-          </p:cNvCxnSpPr>
+      <p:sp>
+        <p:nvSpPr>
+          <p:cNvPr id="147" name="椭圆 146"/>
+          <p:cNvSpPr/>
           <p:nvPr/>
-        </p:nvCxnSpPr>
+        </p:nvSpPr>
         <p:spPr>
-          <a:xfrm flipV="1">
-            <a:off x="2869565" y="7715885"/>
-            <a:ext cx="5969635" cy="4445"/>
+          <a:xfrm>
+            <a:off x="-1614170" y="7703185"/>
+            <a:ext cx="7107555" cy="456565"/>
           </a:xfrm>
-          <a:prstGeom prst="straightConnector1">
+          <a:prstGeom prst="ellipse">
             <a:avLst/>
           </a:prstGeom>
+          <a:solidFill>
+            <a:srgbClr val="FF0000">
+              <a:alpha val="52000"/>
+            </a:srgbClr>
+          </a:solidFill>
           <a:ln>
-            <a:prstDash val="dash"/>
-            <a:headEnd type="arrow" w="med" len="med"/>
-            <a:tailEnd type="arrow" w="med" len="med"/>
+            <a:noFill/>
           </a:ln>
         </p:spPr>
         <p:style>
-          <a:lnRef idx="1">
-            <a:schemeClr val="dk1"/>
+          <a:lnRef idx="2">
+            <a:schemeClr val="accent1">
+              <a:shade val="50000"/>
+            </a:schemeClr>
           </a:lnRef>
-          <a:fillRef idx="0">
-            <a:schemeClr val="dk1"/>
+          <a:fillRef idx="1">
+            <a:schemeClr val="accent1"/>
           </a:fillRef>
           <a:effectRef idx="0">
-            <a:schemeClr val="dk1"/>
+            <a:schemeClr val="accent1"/>
           </a:effectRef>
           <a:fontRef idx="minor">
-            <a:schemeClr val="tx1"/>
+            <a:schemeClr val="lt1"/>
           </a:fontRef>
         </p:style>
-      </p:cxnSp>
+        <p:txBody>
+          <a:bodyPr rtlCol="0" anchor="ctr"/>
+          <a:p>
+            <a:pPr algn="l" fontAlgn="base"/>
+            <a:r>
+              <a:rPr lang="en-US" altLang="zh-CN" sz="2400" strike="noStrike" noProof="1">
+                <a:solidFill>
+                  <a:schemeClr val="tx1"/>
+                </a:solidFill>
+              </a:rPr>
+              <a:t>             </a:t>
+            </a:r>
+            <a:endParaRPr lang="en-US" altLang="zh-CN" sz="2400" strike="noStrike" noProof="1">
+              <a:solidFill>
+                <a:schemeClr val="tx1"/>
+              </a:solidFill>
+            </a:endParaRPr>
+          </a:p>
+        </p:txBody>
+      </p:sp>
     </p:spTree>
   </p:cSld>
   <p:clrMapOvr>
@@ -14585,7 +14633,7 @@
 </p:sld>
 </file>
 
-<file path=ppt/slides/slide3.xml><?xml version="1.0" encoding="utf-8"?>
+<file path=ppt/slides/slide4.xml><?xml version="1.0" encoding="utf-8"?>
 <p:sld xmlns:a="http://schemas.openxmlformats.org/drawingml/2006/main" xmlns:r="http://schemas.openxmlformats.org/officeDocument/2006/relationships" xmlns:p="http://schemas.openxmlformats.org/presentationml/2006/main">
   <p:cSld>
     <p:spTree>
@@ -14603,8 +14651,8 @@
         </p:nvCxnSpPr>
         <p:spPr>
           <a:xfrm>
-            <a:off x="5516245" y="2131695"/>
-            <a:ext cx="414655" cy="776605"/>
+            <a:off x="5516260" y="2131756"/>
+            <a:ext cx="414656" cy="776607"/>
           </a:xfrm>
           <a:prstGeom prst="straightConnector1">
             <a:avLst/>
@@ -14636,8 +14684,8 @@
         </p:nvCxnSpPr>
         <p:spPr>
           <a:xfrm>
-            <a:off x="5592445" y="2118995"/>
-            <a:ext cx="414655" cy="776605"/>
+            <a:off x="5592461" y="2119056"/>
+            <a:ext cx="414656" cy="776607"/>
           </a:xfrm>
           <a:prstGeom prst="straightConnector1">
             <a:avLst/>
@@ -14669,8 +14717,8 @@
         </p:nvCxnSpPr>
         <p:spPr>
           <a:xfrm>
-            <a:off x="5681345" y="2131695"/>
-            <a:ext cx="414655" cy="776605"/>
+            <a:off x="5681361" y="2131756"/>
+            <a:ext cx="414656" cy="776607"/>
           </a:xfrm>
           <a:prstGeom prst="straightConnector1">
             <a:avLst/>
@@ -14702,8 +14750,8 @@
         </p:nvCxnSpPr>
         <p:spPr>
           <a:xfrm rot="10800000" flipV="1">
-            <a:off x="3084830" y="2101850"/>
-            <a:ext cx="1736725" cy="2355850"/>
+            <a:off x="3084839" y="2101911"/>
+            <a:ext cx="1736730" cy="2355857"/>
           </a:xfrm>
           <a:prstGeom prst="bentConnector2">
             <a:avLst/>
@@ -14738,8 +14786,8 @@
         </p:nvCxnSpPr>
         <p:spPr>
           <a:xfrm rot="10800000" flipV="1">
-            <a:off x="3008630" y="2025650"/>
-            <a:ext cx="1736725" cy="2355850"/>
+            <a:off x="3008638" y="2025711"/>
+            <a:ext cx="1736730" cy="2355857"/>
           </a:xfrm>
           <a:prstGeom prst="bentConnector2">
             <a:avLst/>
@@ -14774,8 +14822,8 @@
         </p:nvCxnSpPr>
         <p:spPr>
           <a:xfrm rot="10800000" flipV="1">
-            <a:off x="2928620" y="1926590"/>
-            <a:ext cx="1736725" cy="2355850"/>
+            <a:off x="2928628" y="1926650"/>
+            <a:ext cx="1736730" cy="2355857"/>
           </a:xfrm>
           <a:prstGeom prst="bentConnector2">
             <a:avLst/>
@@ -14810,8 +14858,8 @@
         </p:nvSpPr>
         <p:spPr>
           <a:xfrm>
-            <a:off x="784225" y="3188970"/>
-            <a:ext cx="7505700" cy="2438400"/>
+            <a:off x="784227" y="3189034"/>
+            <a:ext cx="7505721" cy="2438407"/>
           </a:xfrm>
           <a:prstGeom prst="rect">
             <a:avLst/>
@@ -14857,8 +14905,8 @@
         </p:nvSpPr>
         <p:spPr>
           <a:xfrm>
-            <a:off x="575310" y="3005455"/>
-            <a:ext cx="7505700" cy="2438400"/>
+            <a:off x="575312" y="3005518"/>
+            <a:ext cx="7505721" cy="2438407"/>
           </a:xfrm>
           <a:prstGeom prst="rect">
             <a:avLst/>
@@ -14904,8 +14952,8 @@
         </p:nvSpPr>
         <p:spPr>
           <a:xfrm>
-            <a:off x="390525" y="2762250"/>
-            <a:ext cx="7505700" cy="2438400"/>
+            <a:off x="390526" y="2762313"/>
+            <a:ext cx="7505721" cy="2438407"/>
           </a:xfrm>
           <a:prstGeom prst="rect">
             <a:avLst/>
@@ -14951,8 +14999,8 @@
         </p:nvSpPr>
         <p:spPr>
           <a:xfrm>
-            <a:off x="193040" y="2533650"/>
-            <a:ext cx="7505700" cy="2438400"/>
+            <a:off x="193041" y="2533712"/>
+            <a:ext cx="7505721" cy="2438407"/>
           </a:xfrm>
           <a:prstGeom prst="rect">
             <a:avLst/>
@@ -14998,8 +15046,8 @@
         </p:nvSpPr>
         <p:spPr>
           <a:xfrm>
-            <a:off x="8595995" y="2802890"/>
-            <a:ext cx="2480945" cy="1241425"/>
+            <a:off x="8596019" y="2802953"/>
+            <a:ext cx="2480952" cy="1241428"/>
           </a:xfrm>
           <a:prstGeom prst="rect">
             <a:avLst/>
@@ -15062,8 +15110,8 @@
         </p:nvGrpSpPr>
         <p:grpSpPr>
           <a:xfrm>
-            <a:off x="9267825" y="3188970"/>
-            <a:ext cx="469265" cy="855345"/>
+            <a:off x="9267851" y="3189034"/>
+            <a:ext cx="469266" cy="855347"/>
             <a:chOff x="7465" y="5841"/>
             <a:chExt cx="283" cy="850"/>
           </a:xfrm>
@@ -15288,8 +15336,8 @@
         </p:nvCxnSpPr>
         <p:spPr>
           <a:xfrm rot="5400000">
-            <a:off x="5201920" y="1270000"/>
-            <a:ext cx="493395" cy="17145"/>
+            <a:off x="5201935" y="1270059"/>
+            <a:ext cx="493396" cy="17145"/>
           </a:xfrm>
           <a:prstGeom prst="curvedConnector3">
             <a:avLst>
@@ -15326,8 +15374,8 @@
         </p:nvGrpSpPr>
         <p:grpSpPr>
           <a:xfrm>
-            <a:off x="3222625" y="243840"/>
-            <a:ext cx="3084195" cy="788035"/>
+            <a:off x="3222634" y="243896"/>
+            <a:ext cx="3084204" cy="788037"/>
             <a:chOff x="11552" y="111"/>
             <a:chExt cx="4857" cy="1241"/>
           </a:xfrm>
@@ -15507,8 +15555,8 @@
         </p:blipFill>
         <p:spPr>
           <a:xfrm>
-            <a:off x="4568190" y="1525270"/>
-            <a:ext cx="1743075" cy="619125"/>
+            <a:off x="4568203" y="1525329"/>
+            <a:ext cx="1743080" cy="619127"/>
           </a:xfrm>
           <a:prstGeom prst="rect">
             <a:avLst/>
@@ -15526,8 +15574,8 @@
         </p:nvGrpSpPr>
         <p:grpSpPr>
           <a:xfrm>
-            <a:off x="8595360" y="3188970"/>
-            <a:ext cx="469265" cy="855345"/>
+            <a:off x="8595384" y="3189034"/>
+            <a:ext cx="469266" cy="855347"/>
             <a:chOff x="7465" y="5841"/>
             <a:chExt cx="283" cy="850"/>
           </a:xfrm>
@@ -15749,8 +15797,8 @@
         </p:nvGrpSpPr>
         <p:grpSpPr>
           <a:xfrm>
-            <a:off x="10607675" y="3188970"/>
-            <a:ext cx="469265" cy="855345"/>
+            <a:off x="10607705" y="3189034"/>
+            <a:ext cx="469266" cy="855347"/>
             <a:chOff x="7465" y="5841"/>
             <a:chExt cx="283" cy="850"/>
           </a:xfrm>
@@ -15972,8 +16020,8 @@
         </p:nvGrpSpPr>
         <p:grpSpPr>
           <a:xfrm>
-            <a:off x="9935210" y="3188970"/>
-            <a:ext cx="469265" cy="855345"/>
+            <a:off x="9935238" y="3189034"/>
+            <a:ext cx="469266" cy="855347"/>
             <a:chOff x="7465" y="5841"/>
             <a:chExt cx="283" cy="850"/>
           </a:xfrm>
@@ -16197,8 +16245,8 @@
         </p:nvCxnSpPr>
         <p:spPr>
           <a:xfrm rot="5400000">
-            <a:off x="8267065" y="3439795"/>
-            <a:ext cx="631190" cy="1840230"/>
+            <a:off x="8267088" y="3439860"/>
+            <a:ext cx="631192" cy="1840235"/>
           </a:xfrm>
           <a:prstGeom prst="curvedConnector2">
             <a:avLst/>
@@ -16235,8 +16283,8 @@
         </p:nvCxnSpPr>
         <p:spPr>
           <a:xfrm rot="5400000">
-            <a:off x="8571865" y="3336290"/>
-            <a:ext cx="890905" cy="2305685"/>
+            <a:off x="8571889" y="3336354"/>
+            <a:ext cx="890907" cy="2305691"/>
           </a:xfrm>
           <a:prstGeom prst="curvedConnector2">
             <a:avLst/>
@@ -16273,8 +16321,8 @@
         </p:nvCxnSpPr>
         <p:spPr>
           <a:xfrm rot="5400000">
-            <a:off x="8857615" y="3267075"/>
-            <a:ext cx="1208405" cy="2761615"/>
+            <a:off x="8857640" y="3267139"/>
+            <a:ext cx="1208408" cy="2761623"/>
           </a:xfrm>
           <a:prstGeom prst="curvedConnector2">
             <a:avLst/>
@@ -16317,8 +16365,8 @@
         </p:blipFill>
         <p:spPr>
           <a:xfrm>
-            <a:off x="575310" y="2904490"/>
-            <a:ext cx="6417310" cy="1881505"/>
+            <a:off x="575312" y="2904553"/>
+            <a:ext cx="6417328" cy="1881510"/>
           </a:xfrm>
           <a:prstGeom prst="rect">
             <a:avLst/>
@@ -16335,8 +16383,8 @@
         </p:nvCxnSpPr>
         <p:spPr>
           <a:xfrm rot="5400000">
-            <a:off x="7721600" y="3300095"/>
-            <a:ext cx="365125" cy="1852930"/>
+            <a:off x="7721622" y="3300159"/>
+            <a:ext cx="365126" cy="1852935"/>
           </a:xfrm>
           <a:prstGeom prst="curvedConnector2">
             <a:avLst/>
@@ -16371,8 +16419,8 @@
         </p:nvSpPr>
         <p:spPr>
           <a:xfrm>
-            <a:off x="11076940" y="3333750"/>
-            <a:ext cx="1139825" cy="642620"/>
+            <a:off x="11076971" y="3333814"/>
+            <a:ext cx="1139828" cy="642620"/>
           </a:xfrm>
           <a:prstGeom prst="rect">
             <a:avLst/>
@@ -16407,8 +16455,8 @@
         </p:nvSpPr>
         <p:spPr>
           <a:xfrm>
-            <a:off x="9502775" y="2773680"/>
-            <a:ext cx="1139825" cy="368300"/>
+            <a:off x="9502802" y="2773743"/>
+            <a:ext cx="1139828" cy="368300"/>
           </a:xfrm>
           <a:prstGeom prst="rect">
             <a:avLst/>
@@ -16422,7 +16470,7 @@
           <a:p>
             <a:r>
               <a:rPr lang="en-US" altLang="zh-CN"/>
-              <a:t>crate</a:t>
+              <a:t>tank</a:t>
             </a:r>
             <a:endParaRPr lang="en-US" altLang="zh-CN"/>
           </a:p>
@@ -16444,8 +16492,8 @@
         </p:blipFill>
         <p:spPr>
           <a:xfrm>
-            <a:off x="8865870" y="660400"/>
-            <a:ext cx="2835910" cy="864870"/>
+            <a:off x="8865895" y="660457"/>
+            <a:ext cx="2835918" cy="864872"/>
           </a:xfrm>
           <a:prstGeom prst="rect">
             <a:avLst/>
@@ -16462,8 +16510,8 @@
         </p:nvCxnSpPr>
         <p:spPr>
           <a:xfrm rot="10800000" flipV="1">
-            <a:off x="2830830" y="1835150"/>
-            <a:ext cx="1736725" cy="2355850"/>
+            <a:off x="2830838" y="1835210"/>
+            <a:ext cx="1736730" cy="2355857"/>
           </a:xfrm>
           <a:prstGeom prst="bentConnector2">
             <a:avLst/>
@@ -16500,8 +16548,8 @@
         </p:nvCxnSpPr>
         <p:spPr>
           <a:xfrm>
-            <a:off x="5440045" y="2144395"/>
-            <a:ext cx="414655" cy="776605"/>
+            <a:off x="5440060" y="2144456"/>
+            <a:ext cx="414656" cy="776607"/>
           </a:xfrm>
           <a:prstGeom prst="straightConnector1">
             <a:avLst/>
@@ -17053,4 +17101,265 @@
     </a:ext>
   </a:extLst>
 </a:theme>
+</file>
+
+<file path=ppt/theme/theme3.xml><?xml version="1.0" encoding="utf-8"?>
+<a:theme xmlns:a="http://schemas.openxmlformats.org/drawingml/2006/main" name="Office 主题">
+  <a:themeElements>
+    <a:clrScheme name="Office">
+      <a:dk1>
+        <a:sysClr val="windowText" lastClr="000000"/>
+      </a:dk1>
+      <a:lt1>
+        <a:sysClr val="window" lastClr="FFFFFF"/>
+      </a:lt1>
+      <a:dk2>
+        <a:srgbClr val="44546A"/>
+      </a:dk2>
+      <a:lt2>
+        <a:srgbClr val="E7E6E6"/>
+      </a:lt2>
+      <a:accent1>
+        <a:srgbClr val="5B9BD5"/>
+      </a:accent1>
+      <a:accent2>
+        <a:srgbClr val="ED7D31"/>
+      </a:accent2>
+      <a:accent3>
+        <a:srgbClr val="A5A5A5"/>
+      </a:accent3>
+      <a:accent4>
+        <a:srgbClr val="FFC000"/>
+      </a:accent4>
+      <a:accent5>
+        <a:srgbClr val="4472C4"/>
+      </a:accent5>
+      <a:accent6>
+        <a:srgbClr val="70AD47"/>
+      </a:accent6>
+      <a:hlink>
+        <a:srgbClr val="0563C1"/>
+      </a:hlink>
+      <a:folHlink>
+        <a:srgbClr val="954F72"/>
+      </a:folHlink>
+    </a:clrScheme>
+    <a:fontScheme name="Office">
+      <a:majorFont>
+        <a:latin typeface="Calibri Light"/>
+        <a:ea typeface=""/>
+        <a:cs typeface=""/>
+        <a:font script="Jpan" typeface="ＭＳ Ｐゴシック"/>
+        <a:font script="Hang" typeface="맑은 고딕"/>
+        <a:font script="Hans" typeface="宋体"/>
+        <a:font script="Hant" typeface="新細明體"/>
+        <a:font script="Arab" typeface="Times New Roman"/>
+        <a:font script="Hebr" typeface="Times New Roman"/>
+        <a:font script="Thai" typeface="Angsana New"/>
+        <a:font script="Ethi" typeface="Nyala"/>
+        <a:font script="Beng" typeface="Vrinda"/>
+        <a:font script="Gujr" typeface="Shruti"/>
+        <a:font script="Khmr" typeface="MoolBoran"/>
+        <a:font script="Knda" typeface="Tunga"/>
+        <a:font script="Guru" typeface="Raavi"/>
+        <a:font script="Cans" typeface="Euphemia"/>
+        <a:font script="Cher" typeface="Plantagenet Cherokee"/>
+        <a:font script="Yiii" typeface="Microsoft Yi Baiti"/>
+        <a:font script="Tibt" typeface="Microsoft Himalaya"/>
+        <a:font script="Thaa" typeface="MV Boli"/>
+        <a:font script="Deva" typeface="Mangal"/>
+        <a:font script="Telu" typeface="Gautami"/>
+        <a:font script="Taml" typeface="Latha"/>
+        <a:font script="Syrc" typeface="Estrangelo Edessa"/>
+        <a:font script="Orya" typeface="Kalinga"/>
+        <a:font script="Mlym" typeface="Kartika"/>
+        <a:font script="Laoo" typeface="DokChampa"/>
+        <a:font script="Sinh" typeface="Iskoola Pota"/>
+        <a:font script="Mong" typeface="Mongolian Baiti"/>
+        <a:font script="Viet" typeface="Times New Roman"/>
+        <a:font script="Uigh" typeface="Microsoft Uighur"/>
+        <a:font script="Geor" typeface="Sylfaen"/>
+      </a:majorFont>
+      <a:minorFont>
+        <a:latin typeface="Calibri"/>
+        <a:ea typeface=""/>
+        <a:cs typeface=""/>
+        <a:font script="Jpan" typeface="ＭＳ Ｐゴシック"/>
+        <a:font script="Hang" typeface="맑은 고딕"/>
+        <a:font script="Hans" typeface="宋体"/>
+        <a:font script="Hant" typeface="新細明體"/>
+        <a:font script="Arab" typeface="Arial"/>
+        <a:font script="Hebr" typeface="Arial"/>
+        <a:font script="Thai" typeface="Cordia New"/>
+        <a:font script="Ethi" typeface="Nyala"/>
+        <a:font script="Beng" typeface="Vrinda"/>
+        <a:font script="Gujr" typeface="Shruti"/>
+        <a:font script="Khmr" typeface="DaunPenh"/>
+        <a:font script="Knda" typeface="Tunga"/>
+        <a:font script="Guru" typeface="Raavi"/>
+        <a:font script="Cans" typeface="Euphemia"/>
+        <a:font script="Cher" typeface="Plantagenet Cherokee"/>
+        <a:font script="Yiii" typeface="Microsoft Yi Baiti"/>
+        <a:font script="Tibt" typeface="Microsoft Himalaya"/>
+        <a:font script="Thaa" typeface="MV Boli"/>
+        <a:font script="Deva" typeface="Mangal"/>
+        <a:font script="Telu" typeface="Gautami"/>
+        <a:font script="Taml" typeface="Latha"/>
+        <a:font script="Syrc" typeface="Estrangelo Edessa"/>
+        <a:font script="Orya" typeface="Kalinga"/>
+        <a:font script="Mlym" typeface="Kartika"/>
+        <a:font script="Laoo" typeface="DokChampa"/>
+        <a:font script="Sinh" typeface="Iskoola Pota"/>
+        <a:font script="Mong" typeface="Mongolian Baiti"/>
+        <a:font script="Viet" typeface="Arial"/>
+        <a:font script="Uigh" typeface="Microsoft Uighur"/>
+        <a:font script="Geor" typeface="Sylfaen"/>
+      </a:minorFont>
+    </a:fontScheme>
+    <a:fmtScheme name="Office">
+      <a:fillStyleLst>
+        <a:solidFill>
+          <a:schemeClr val="phClr"/>
+        </a:solidFill>
+        <a:gradFill rotWithShape="1">
+          <a:gsLst>
+            <a:gs pos="0">
+              <a:schemeClr val="phClr">
+                <a:lumMod val="110000"/>
+                <a:satMod val="105000"/>
+                <a:tint val="67000"/>
+              </a:schemeClr>
+            </a:gs>
+            <a:gs pos="50000">
+              <a:schemeClr val="phClr">
+                <a:lumMod val="105000"/>
+                <a:satMod val="103000"/>
+                <a:tint val="73000"/>
+              </a:schemeClr>
+            </a:gs>
+            <a:gs pos="100000">
+              <a:schemeClr val="phClr">
+                <a:lumMod val="105000"/>
+                <a:satMod val="109000"/>
+                <a:tint val="81000"/>
+              </a:schemeClr>
+            </a:gs>
+          </a:gsLst>
+          <a:lin ang="5400000" scaled="0"/>
+        </a:gradFill>
+        <a:gradFill rotWithShape="1">
+          <a:gsLst>
+            <a:gs pos="0">
+              <a:schemeClr val="phClr">
+                <a:satMod val="103000"/>
+                <a:lumMod val="102000"/>
+                <a:tint val="94000"/>
+              </a:schemeClr>
+            </a:gs>
+            <a:gs pos="50000">
+              <a:schemeClr val="phClr">
+                <a:satMod val="110000"/>
+                <a:lumMod val="100000"/>
+                <a:shade val="100000"/>
+              </a:schemeClr>
+            </a:gs>
+            <a:gs pos="100000">
+              <a:schemeClr val="phClr">
+                <a:lumMod val="99000"/>
+                <a:satMod val="120000"/>
+                <a:shade val="78000"/>
+              </a:schemeClr>
+            </a:gs>
+          </a:gsLst>
+          <a:lin ang="5400000" scaled="0"/>
+        </a:gradFill>
+      </a:fillStyleLst>
+      <a:lnStyleLst>
+        <a:ln w="6350" cap="flat" cmpd="sng" algn="ctr">
+          <a:solidFill>
+            <a:schemeClr val="phClr"/>
+          </a:solidFill>
+          <a:prstDash val="solid"/>
+          <a:miter lim="800000"/>
+        </a:ln>
+        <a:ln w="12700" cap="flat" cmpd="sng" algn="ctr">
+          <a:solidFill>
+            <a:schemeClr val="phClr"/>
+          </a:solidFill>
+          <a:prstDash val="solid"/>
+          <a:miter lim="800000"/>
+        </a:ln>
+        <a:ln w="19050" cap="flat" cmpd="sng" algn="ctr">
+          <a:solidFill>
+            <a:schemeClr val="phClr"/>
+          </a:solidFill>
+          <a:prstDash val="solid"/>
+          <a:miter lim="800000"/>
+        </a:ln>
+      </a:lnStyleLst>
+      <a:effectStyleLst>
+        <a:effectStyle>
+          <a:effectLst/>
+        </a:effectStyle>
+        <a:effectStyle>
+          <a:effectLst/>
+        </a:effectStyle>
+        <a:effectStyle>
+          <a:effectLst>
+            <a:outerShdw blurRad="57150" dist="19050" dir="5400000" algn="ctr" rotWithShape="0">
+              <a:srgbClr val="000000">
+                <a:alpha val="63000"/>
+              </a:srgbClr>
+            </a:outerShdw>
+          </a:effectLst>
+        </a:effectStyle>
+      </a:effectStyleLst>
+      <a:bgFillStyleLst>
+        <a:solidFill>
+          <a:schemeClr val="phClr"/>
+        </a:solidFill>
+        <a:solidFill>
+          <a:schemeClr val="phClr">
+            <a:tint val="95000"/>
+            <a:satMod val="170000"/>
+          </a:schemeClr>
+        </a:solidFill>
+        <a:gradFill rotWithShape="1">
+          <a:gsLst>
+            <a:gs pos="0">
+              <a:schemeClr val="phClr">
+                <a:tint val="93000"/>
+                <a:satMod val="150000"/>
+                <a:shade val="98000"/>
+                <a:lumMod val="102000"/>
+              </a:schemeClr>
+            </a:gs>
+            <a:gs pos="50000">
+              <a:schemeClr val="phClr">
+                <a:tint val="98000"/>
+                <a:satMod val="130000"/>
+                <a:shade val="90000"/>
+                <a:lumMod val="103000"/>
+              </a:schemeClr>
+            </a:gs>
+            <a:gs pos="100000">
+              <a:schemeClr val="phClr">
+                <a:shade val="63000"/>
+                <a:satMod val="120000"/>
+              </a:schemeClr>
+            </a:gs>
+          </a:gsLst>
+          <a:lin ang="5400000" scaled="0"/>
+        </a:gradFill>
+      </a:bgFillStyleLst>
+    </a:fmtScheme>
+  </a:themeElements>
+  <a:objectDefaults/>
+  <a:extraClrSchemeLst/>
+  <a:extLst>
+    <a:ext uri="{05A4C25C-085E-4340-85A3-A5531E510DB2}">
+      <thm15:themeFamily xmlns:thm15="http://schemas.microsoft.com/office/thememl/2012/main" name="Office Theme" id="{62F939B6-93AF-4DB8-9C6B-D6C7DFDC589F}" vid="{4A3C46E8-61CC-4603-A589-7422A47A8E4A}"/>
+    </a:ext>
+  </a:extLst>
+</a:theme>
 </file>
--- a/images/kicker.pptx
+++ b/images/kicker.pptx
@@ -8,13 +8,15 @@
     <p:notesMasterId r:id="rId4"/>
   </p:notesMasterIdLst>
   <p:handoutMasterIdLst>
-    <p:handoutMasterId r:id="rId8"/>
+    <p:handoutMasterId r:id="rId10"/>
   </p:handoutMasterIdLst>
   <p:sldIdLst>
     <p:sldId id="256" r:id="rId3"/>
     <p:sldId id="259" r:id="rId5"/>
     <p:sldId id="257" r:id="rId6"/>
-    <p:sldId id="258" r:id="rId7"/>
+    <p:sldId id="262" r:id="rId7"/>
+    <p:sldId id="264" r:id="rId8"/>
+    <p:sldId id="258" r:id="rId9"/>
   </p:sldIdLst>
   <p:sldSz cx="12419965" cy="10817860"/>
   <p:notesSz cx="9144000" cy="6858000"/>
@@ -12368,8 +12370,8 @@
         </p:nvCxnSpPr>
         <p:spPr>
           <a:xfrm flipV="1">
-            <a:off x="8826525" y="5592516"/>
-            <a:ext cx="12700" cy="2380622"/>
+            <a:off x="8577580" y="4610100"/>
+            <a:ext cx="19050" cy="3829050"/>
           </a:xfrm>
           <a:prstGeom prst="straightConnector1">
             <a:avLst/>
@@ -12401,8 +12403,8 @@
         </p:nvCxnSpPr>
         <p:spPr>
           <a:xfrm flipH="1">
-            <a:off x="6946919" y="5812226"/>
-            <a:ext cx="12700" cy="1951995"/>
+            <a:off x="6939280" y="5812155"/>
+            <a:ext cx="20320" cy="2550795"/>
           </a:xfrm>
           <a:prstGeom prst="line">
             <a:avLst/>
@@ -12429,95 +12431,6 @@
           </a:fontRef>
         </p:style>
       </p:cxnSp>
-      <p:cxnSp>
-        <p:nvCxnSpPr>
-          <p:cNvPr id="32" name="直接箭头连接符 31"/>
-          <p:cNvCxnSpPr/>
-          <p:nvPr/>
-        </p:nvCxnSpPr>
-        <p:spPr>
-          <a:xfrm>
-            <a:off x="6934219" y="7103820"/>
-            <a:ext cx="1888495" cy="2540"/>
-          </a:xfrm>
-          <a:prstGeom prst="straightConnector1">
-            <a:avLst/>
-          </a:prstGeom>
-          <a:ln>
-            <a:prstDash val="dash"/>
-            <a:headEnd type="arrow" w="med" len="med"/>
-            <a:tailEnd type="arrow" w="med" len="med"/>
-          </a:ln>
-        </p:spPr>
-        <p:style>
-          <a:lnRef idx="1">
-            <a:schemeClr val="dk1"/>
-          </a:lnRef>
-          <a:fillRef idx="0">
-            <a:schemeClr val="dk1"/>
-          </a:fillRef>
-          <a:effectRef idx="0">
-            <a:schemeClr val="dk1"/>
-          </a:effectRef>
-          <a:fontRef idx="minor">
-            <a:schemeClr val="tx1"/>
-          </a:fontRef>
-        </p:style>
-      </p:cxnSp>
-      <p:sp>
-        <p:nvSpPr>
-          <p:cNvPr id="37" name="文本框 36"/>
-          <p:cNvSpPr txBox="1"/>
-          <p:nvPr/>
-        </p:nvSpPr>
-        <p:spPr>
-          <a:xfrm>
-            <a:off x="6598309" y="6382542"/>
-            <a:ext cx="2348882" cy="657225"/>
-          </a:xfrm>
-          <a:prstGeom prst="rect">
-            <a:avLst/>
-          </a:prstGeom>
-          <a:noFill/>
-        </p:spPr>
-        <p:txBody>
-          <a:bodyPr wrap="square" rtlCol="0">
-            <a:spAutoFit/>
-          </a:bodyPr>
-          <a:p>
-            <a:pPr algn="ctr" fontAlgn="auto">
-              <a:lnSpc>
-                <a:spcPts val="2180"/>
-              </a:lnSpc>
-            </a:pPr>
-            <a:r>
-              <a:rPr lang="en-US" altLang="zh-CN" sz="2000">
-                <a:latin typeface="Arial" panose="020B0604020202020204" pitchFamily="34" charset="0"/>
-              </a:rPr>
-              <a:t>kicker passing </a:t>
-            </a:r>
-            <a:endParaRPr lang="en-US" altLang="zh-CN" sz="2000">
-              <a:latin typeface="Arial" panose="020B0604020202020204" pitchFamily="34" charset="0"/>
-            </a:endParaRPr>
-          </a:p>
-          <a:p>
-            <a:pPr algn="ctr" fontAlgn="auto">
-              <a:lnSpc>
-                <a:spcPts val="2180"/>
-              </a:lnSpc>
-            </a:pPr>
-            <a:r>
-              <a:rPr lang="en-US" altLang="zh-CN" sz="2000">
-                <a:latin typeface="Arial" panose="020B0604020202020204" pitchFamily="34" charset="0"/>
-              </a:rPr>
-              <a:t>time</a:t>
-            </a:r>
-            <a:endParaRPr lang="en-US" altLang="zh-CN" sz="2000">
-              <a:latin typeface="Arial" panose="020B0604020202020204" pitchFamily="34" charset="0"/>
-            </a:endParaRPr>
-          </a:p>
-        </p:txBody>
-      </p:sp>
       <p:cxnSp>
         <p:nvCxnSpPr>
           <p:cNvPr id="38" name="直接连接符 37"/>
@@ -12578,50 +12491,6 @@
           </a:fontRef>
         </p:style>
       </p:cxnSp>
-      <p:sp>
-        <p:nvSpPr>
-          <p:cNvPr id="40" name="文本框 39"/>
-          <p:cNvSpPr txBox="1"/>
-          <p:nvPr/>
-        </p:nvSpPr>
-        <p:spPr>
-          <a:xfrm>
-            <a:off x="6032532" y="5228105"/>
-            <a:ext cx="1739912" cy="701040"/>
-          </a:xfrm>
-          <a:prstGeom prst="rect">
-            <a:avLst/>
-          </a:prstGeom>
-          <a:noFill/>
-        </p:spPr>
-        <p:txBody>
-          <a:bodyPr wrap="square" rtlCol="0">
-            <a:spAutoFit/>
-          </a:bodyPr>
-          <a:p>
-            <a:r>
-              <a:rPr lang="en-US" altLang="zh-CN" sz="2000">
-                <a:latin typeface="Arial" panose="020B0604020202020204" pitchFamily="34" charset="0"/>
-              </a:rPr>
-              <a:t>Rise </a:t>
-            </a:r>
-            <a:endParaRPr lang="en-US" altLang="zh-CN" sz="2000">
-              <a:latin typeface="Arial" panose="020B0604020202020204" pitchFamily="34" charset="0"/>
-            </a:endParaRPr>
-          </a:p>
-          <a:p>
-            <a:r>
-              <a:rPr lang="en-US" altLang="zh-CN" sz="2000">
-                <a:latin typeface="Arial" panose="020B0604020202020204" pitchFamily="34" charset="0"/>
-              </a:rPr>
-              <a:t>time</a:t>
-            </a:r>
-            <a:endParaRPr lang="en-US" altLang="zh-CN" sz="2000">
-              <a:latin typeface="Arial" panose="020B0604020202020204" pitchFamily="34" charset="0"/>
-            </a:endParaRPr>
-          </a:p>
-        </p:txBody>
-      </p:sp>
       <p:cxnSp>
         <p:nvCxnSpPr>
           <p:cNvPr id="41" name="直接连接符 40"/>
@@ -12703,8 +12572,8 @@
         </p:nvSpPr>
         <p:spPr>
           <a:xfrm>
-            <a:off x="8947175" y="5259140"/>
-            <a:ext cx="1617985" cy="1005840"/>
+            <a:off x="8718550" y="4401820"/>
+            <a:ext cx="532130" cy="396240"/>
           </a:xfrm>
           <a:prstGeom prst="rect">
             <a:avLst/>
@@ -12725,7 +12594,7 @@
                 <a:latin typeface="Arial" panose="020B0604020202020204" pitchFamily="34" charset="0"/>
                 <a:ea typeface="AR PL KaitiM GB" charset="0"/>
               </a:rPr>
-              <a:t>kicker magnetic field</a:t>
+              <a:t>B</a:t>
             </a:r>
             <a:endParaRPr lang="en-US" altLang="zh-CN" sz="2000">
               <a:latin typeface="Arial" panose="020B0604020202020204" pitchFamily="34" charset="0"/>
@@ -12861,45 +12730,125 @@
           </a:p>
         </p:txBody>
       </p:sp>
+      <p:sp>
+        <p:nvSpPr>
+          <p:cNvPr id="185" name="矩形 184"/>
+          <p:cNvSpPr/>
+          <p:nvPr/>
+        </p:nvSpPr>
+        <p:spPr>
+          <a:xfrm>
+            <a:off x="6955790" y="5356860"/>
+            <a:ext cx="1599565" cy="844550"/>
+          </a:xfrm>
+          <a:prstGeom prst="rect">
+            <a:avLst/>
+          </a:prstGeom>
+          <a:solidFill>
+            <a:srgbClr val="5B9BD5">
+              <a:alpha val="20000"/>
+            </a:srgbClr>
+          </a:solidFill>
+          <a:ln>
+            <a:solidFill>
+              <a:schemeClr val="accent1">
+                <a:shade val="50000"/>
+                <a:alpha val="25000"/>
+              </a:schemeClr>
+            </a:solidFill>
+          </a:ln>
+        </p:spPr>
+        <p:style>
+          <a:lnRef idx="2">
+            <a:schemeClr val="accent1">
+              <a:shade val="50000"/>
+            </a:schemeClr>
+          </a:lnRef>
+          <a:fillRef idx="1">
+            <a:schemeClr val="accent1"/>
+          </a:fillRef>
+          <a:effectRef idx="0">
+            <a:schemeClr val="accent1"/>
+          </a:effectRef>
+          <a:fontRef idx="minor">
+            <a:schemeClr val="lt1"/>
+          </a:fontRef>
+        </p:style>
+        <p:txBody>
+          <a:bodyPr rtlCol="0" anchor="ctr"/>
+          <a:p>
+            <a:pPr algn="ctr" fontAlgn="base"/>
+            <a:r>
+              <a:rPr lang="en-US" altLang="zh-CN" sz="2000" strike="noStrike" noProof="1">
+                <a:solidFill>
+                  <a:schemeClr val="tx1"/>
+                </a:solidFill>
+              </a:rPr>
+              <a:t>tank</a:t>
+            </a:r>
+            <a:endParaRPr lang="en-US" altLang="zh-CN" sz="2000" strike="noStrike" noProof="1">
+              <a:solidFill>
+                <a:schemeClr val="tx1"/>
+              </a:solidFill>
+            </a:endParaRPr>
+          </a:p>
+          <a:p>
+            <a:pPr algn="ctr" fontAlgn="base"/>
+            <a:endParaRPr lang="en-US" altLang="zh-CN" sz="2000" strike="noStrike" noProof="1">
+              <a:solidFill>
+                <a:schemeClr val="tx1"/>
+              </a:solidFill>
+            </a:endParaRPr>
+          </a:p>
+          <a:p>
+            <a:pPr algn="ctr" fontAlgn="base"/>
+            <a:endParaRPr lang="en-US" altLang="zh-CN" sz="2000" strike="noStrike" noProof="1">
+              <a:solidFill>
+                <a:schemeClr val="tx1"/>
+              </a:solidFill>
+            </a:endParaRPr>
+          </a:p>
+        </p:txBody>
+      </p:sp>
       <p:grpSp>
         <p:nvGrpSpPr>
-          <p:cNvPr id="49" name="组合 48"/>
+          <p:cNvPr id="187" name="组合 186"/>
           <p:cNvGrpSpPr/>
           <p:nvPr/>
         </p:nvGrpSpPr>
         <p:grpSpPr>
-          <a:xfrm>
-            <a:off x="6942474" y="5356930"/>
-            <a:ext cx="1896750" cy="845187"/>
-            <a:chOff x="6514" y="8581"/>
-            <a:chExt cx="2987" cy="1331"/>
+          <a:xfrm rot="0">
+            <a:off x="6942455" y="5662295"/>
+            <a:ext cx="179705" cy="539750"/>
+            <a:chOff x="7465" y="5841"/>
+            <a:chExt cx="283" cy="850"/>
           </a:xfrm>
         </p:grpSpPr>
         <p:sp>
           <p:nvSpPr>
-            <p:cNvPr id="185" name="矩形 184"/>
+            <p:cNvPr id="188" name="流程图: 过程 187"/>
             <p:cNvSpPr/>
             <p:nvPr/>
           </p:nvSpPr>
           <p:spPr>
             <a:xfrm>
-              <a:off x="6535" y="8581"/>
-              <a:ext cx="2966" cy="1330"/>
+              <a:off x="7465" y="6477"/>
+              <a:ext cx="283" cy="214"/>
             </a:xfrm>
-            <a:prstGeom prst="rect">
+            <a:prstGeom prst="flowChartProcess">
               <a:avLst/>
             </a:prstGeom>
-            <a:solidFill>
-              <a:srgbClr val="5B9BD5">
-                <a:alpha val="20000"/>
-              </a:srgbClr>
-            </a:solidFill>
-            <a:ln>
+            <a:pattFill prst="ltDnDiag">
+              <a:fgClr>
+                <a:schemeClr val="tx1"/>
+              </a:fgClr>
+              <a:bgClr>
+                <a:srgbClr val="FFFFFF"/>
+              </a:bgClr>
+            </a:pattFill>
+            <a:ln w="3175">
               <a:solidFill>
-                <a:schemeClr val="accent1">
-                  <a:shade val="50000"/>
-                  <a:alpha val="25000"/>
-                </a:schemeClr>
+                <a:schemeClr val="tx1"/>
               </a:solidFill>
             </a:ln>
           </p:spPr>
@@ -12923,1599 +12872,1281 @@
             <a:bodyPr rtlCol="0" anchor="ctr"/>
             <a:p>
               <a:pPr algn="ctr" fontAlgn="base"/>
-              <a:r>
-                <a:rPr lang="en-US" altLang="zh-CN" sz="2000" strike="noStrike" noProof="1">
-                  <a:solidFill>
-                    <a:schemeClr val="tx1"/>
-                  </a:solidFill>
-                </a:rPr>
-                <a:t>tank</a:t>
-              </a:r>
-              <a:endParaRPr lang="en-US" altLang="zh-CN" sz="2000" strike="noStrike" noProof="1">
-                <a:solidFill>
-                  <a:schemeClr val="tx1"/>
-                </a:solidFill>
-              </a:endParaRPr>
-            </a:p>
-            <a:p>
-              <a:pPr algn="ctr" fontAlgn="base"/>
-              <a:endParaRPr lang="en-US" altLang="zh-CN" sz="2000" strike="noStrike" noProof="1">
-                <a:solidFill>
-                  <a:schemeClr val="tx1"/>
-                </a:solidFill>
-              </a:endParaRPr>
-            </a:p>
-            <a:p>
-              <a:pPr algn="ctr" fontAlgn="base"/>
-              <a:endParaRPr lang="en-US" altLang="zh-CN" sz="2000" strike="noStrike" noProof="1">
-                <a:solidFill>
-                  <a:schemeClr val="tx1"/>
-                </a:solidFill>
-              </a:endParaRPr>
+              <a:endParaRPr lang="zh-CN" altLang="en-US" sz="2400" strike="noStrike" noProof="1"/>
             </a:p>
           </p:txBody>
         </p:sp>
-        <p:grpSp>
-          <p:nvGrpSpPr>
-            <p:cNvPr id="187" name="组合 186"/>
-            <p:cNvGrpSpPr/>
+        <p:sp>
+          <p:nvSpPr>
+            <p:cNvPr id="189" name="流程图: 过程 188"/>
+            <p:cNvSpPr/>
             <p:nvPr/>
-          </p:nvGrpSpPr>
-          <p:grpSpPr>
+          </p:nvSpPr>
+          <p:spPr>
             <a:xfrm>
-              <a:off x="6514" y="9062"/>
-              <a:ext cx="283" cy="850"/>
-              <a:chOff x="7465" y="5841"/>
-              <a:chExt cx="283" cy="850"/>
+              <a:off x="7465" y="5841"/>
+              <a:ext cx="283" cy="214"/>
             </a:xfrm>
-          </p:grpSpPr>
-          <p:sp>
-            <p:nvSpPr>
-              <p:cNvPr id="188" name="流程图: 过程 187"/>
-              <p:cNvSpPr/>
-              <p:nvPr/>
-            </p:nvSpPr>
-            <p:spPr>
-              <a:xfrm>
-                <a:off x="7465" y="6477"/>
-                <a:ext cx="283" cy="214"/>
-              </a:xfrm>
-              <a:prstGeom prst="flowChartProcess">
-                <a:avLst/>
-              </a:prstGeom>
-              <a:pattFill prst="ltDnDiag">
-                <a:fgClr>
-                  <a:schemeClr val="tx1"/>
-                </a:fgClr>
-                <a:bgClr>
-                  <a:srgbClr val="FFFFFF"/>
-                </a:bgClr>
-              </a:pattFill>
-              <a:ln w="3175">
-                <a:solidFill>
-                  <a:schemeClr val="tx1"/>
-                </a:solidFill>
-              </a:ln>
-            </p:spPr>
-            <p:style>
-              <a:lnRef idx="2">
-                <a:schemeClr val="accent1">
-                  <a:shade val="50000"/>
-                </a:schemeClr>
-              </a:lnRef>
-              <a:fillRef idx="1">
-                <a:schemeClr val="accent1"/>
-              </a:fillRef>
-              <a:effectRef idx="0">
-                <a:schemeClr val="accent1"/>
-              </a:effectRef>
-              <a:fontRef idx="minor">
-                <a:schemeClr val="lt1"/>
-              </a:fontRef>
-            </p:style>
-            <p:txBody>
-              <a:bodyPr rtlCol="0" anchor="ctr"/>
-              <a:p>
-                <a:pPr algn="ctr" fontAlgn="base"/>
-                <a:endParaRPr lang="zh-CN" altLang="en-US" sz="2400" strike="noStrike" noProof="1"/>
-              </a:p>
-            </p:txBody>
-          </p:sp>
-          <p:sp>
-            <p:nvSpPr>
-              <p:cNvPr id="189" name="流程图: 过程 188"/>
-              <p:cNvSpPr/>
-              <p:nvPr/>
-            </p:nvSpPr>
-            <p:spPr>
-              <a:xfrm>
-                <a:off x="7465" y="5841"/>
-                <a:ext cx="283" cy="214"/>
-              </a:xfrm>
-              <a:prstGeom prst="flowChartProcess">
-                <a:avLst/>
-              </a:prstGeom>
-              <a:pattFill prst="ltDnDiag">
-                <a:fgClr>
-                  <a:schemeClr val="tx1"/>
-                </a:fgClr>
-                <a:bgClr>
-                  <a:srgbClr val="FFFFFF"/>
-                </a:bgClr>
-              </a:pattFill>
-              <a:ln w="3175">
-                <a:solidFill>
-                  <a:schemeClr val="tx1"/>
-                </a:solidFill>
-              </a:ln>
-            </p:spPr>
-            <p:style>
-              <a:lnRef idx="2">
-                <a:schemeClr val="accent1">
-                  <a:shade val="50000"/>
-                </a:schemeClr>
-              </a:lnRef>
-              <a:fillRef idx="1">
-                <a:schemeClr val="accent1"/>
-              </a:fillRef>
-              <a:effectRef idx="0">
-                <a:schemeClr val="accent1"/>
-              </a:effectRef>
-              <a:fontRef idx="minor">
-                <a:schemeClr val="lt1"/>
-              </a:fontRef>
-            </p:style>
-            <p:txBody>
-              <a:bodyPr rtlCol="0" anchor="ctr"/>
-              <a:p>
-                <a:pPr algn="ctr" fontAlgn="base"/>
-                <a:endParaRPr lang="zh-CN" altLang="en-US" sz="2400" strike="noStrike" noProof="1"/>
-              </a:p>
-            </p:txBody>
-          </p:sp>
-          <p:sp>
-            <p:nvSpPr>
-              <p:cNvPr id="190" name="流程图: 过程 189"/>
-              <p:cNvSpPr/>
-              <p:nvPr/>
-            </p:nvSpPr>
-            <p:spPr>
-              <a:xfrm>
-                <a:off x="7465" y="6055"/>
-                <a:ext cx="120" cy="423"/>
-              </a:xfrm>
-              <a:prstGeom prst="flowChartProcess">
-                <a:avLst/>
-              </a:prstGeom>
-              <a:pattFill prst="ltDnDiag">
-                <a:fgClr>
-                  <a:schemeClr val="tx1"/>
-                </a:fgClr>
-                <a:bgClr>
-                  <a:srgbClr val="FFFFFF"/>
-                </a:bgClr>
-              </a:pattFill>
-              <a:ln w="3175">
-                <a:solidFill>
-                  <a:schemeClr val="tx1"/>
-                </a:solidFill>
-              </a:ln>
-            </p:spPr>
-            <p:style>
-              <a:lnRef idx="2">
-                <a:schemeClr val="accent1">
-                  <a:shade val="50000"/>
-                </a:schemeClr>
-              </a:lnRef>
-              <a:fillRef idx="1">
-                <a:schemeClr val="accent1"/>
-              </a:fillRef>
-              <a:effectRef idx="0">
-                <a:schemeClr val="accent1"/>
-              </a:effectRef>
-              <a:fontRef idx="minor">
-                <a:schemeClr val="lt1"/>
-              </a:fontRef>
-            </p:style>
-            <p:txBody>
-              <a:bodyPr rtlCol="0" anchor="ctr"/>
-              <a:p>
-                <a:pPr algn="ctr" fontAlgn="base"/>
-                <a:endParaRPr lang="zh-CN" altLang="en-US" sz="2400" strike="noStrike" noProof="1"/>
-              </a:p>
-            </p:txBody>
-          </p:sp>
-          <p:sp>
-            <p:nvSpPr>
-              <p:cNvPr id="191" name="流程图: 过程 190"/>
-              <p:cNvSpPr/>
-              <p:nvPr/>
-            </p:nvSpPr>
-            <p:spPr>
-              <a:xfrm>
-                <a:off x="7628" y="6054"/>
-                <a:ext cx="120" cy="423"/>
-              </a:xfrm>
-              <a:prstGeom prst="flowChartProcess">
-                <a:avLst/>
-              </a:prstGeom>
-              <a:pattFill prst="ltDnDiag">
-                <a:fgClr>
-                  <a:schemeClr val="tx1"/>
-                </a:fgClr>
-                <a:bgClr>
-                  <a:srgbClr val="FFFFFF"/>
-                </a:bgClr>
-              </a:pattFill>
-              <a:ln w="3175">
-                <a:solidFill>
-                  <a:schemeClr val="tx1"/>
-                </a:solidFill>
-              </a:ln>
-            </p:spPr>
-            <p:style>
-              <a:lnRef idx="2">
-                <a:schemeClr val="accent1">
-                  <a:shade val="50000"/>
-                </a:schemeClr>
-              </a:lnRef>
-              <a:fillRef idx="1">
-                <a:schemeClr val="accent1"/>
-              </a:fillRef>
-              <a:effectRef idx="0">
-                <a:schemeClr val="accent1"/>
-              </a:effectRef>
-              <a:fontRef idx="minor">
-                <a:schemeClr val="lt1"/>
-              </a:fontRef>
-            </p:style>
-            <p:txBody>
-              <a:bodyPr rtlCol="0" anchor="ctr"/>
-              <a:p>
-                <a:pPr algn="ctr" fontAlgn="base"/>
-                <a:endParaRPr lang="zh-CN" altLang="en-US" sz="2400" strike="noStrike" noProof="1"/>
-              </a:p>
-            </p:txBody>
-          </p:sp>
-        </p:grpSp>
-        <p:grpSp>
-          <p:nvGrpSpPr>
-            <p:cNvPr id="192" name="组合 191"/>
-            <p:cNvGrpSpPr/>
+            <a:prstGeom prst="flowChartProcess">
+              <a:avLst/>
+            </a:prstGeom>
+            <a:pattFill prst="ltDnDiag">
+              <a:fgClr>
+                <a:schemeClr val="tx1"/>
+              </a:fgClr>
+              <a:bgClr>
+                <a:srgbClr val="FFFFFF"/>
+              </a:bgClr>
+            </a:pattFill>
+            <a:ln w="3175">
+              <a:solidFill>
+                <a:schemeClr val="tx1"/>
+              </a:solidFill>
+            </a:ln>
+          </p:spPr>
+          <p:style>
+            <a:lnRef idx="2">
+              <a:schemeClr val="accent1">
+                <a:shade val="50000"/>
+              </a:schemeClr>
+            </a:lnRef>
+            <a:fillRef idx="1">
+              <a:schemeClr val="accent1"/>
+            </a:fillRef>
+            <a:effectRef idx="0">
+              <a:schemeClr val="accent1"/>
+            </a:effectRef>
+            <a:fontRef idx="minor">
+              <a:schemeClr val="lt1"/>
+            </a:fontRef>
+          </p:style>
+          <p:txBody>
+            <a:bodyPr rtlCol="0" anchor="ctr"/>
+            <a:p>
+              <a:pPr algn="ctr" fontAlgn="base"/>
+              <a:endParaRPr lang="zh-CN" altLang="en-US" sz="2400" strike="noStrike" noProof="1"/>
+            </a:p>
+          </p:txBody>
+        </p:sp>
+        <p:sp>
+          <p:nvSpPr>
+            <p:cNvPr id="190" name="流程图: 过程 189"/>
+            <p:cNvSpPr/>
             <p:nvPr/>
-          </p:nvGrpSpPr>
-          <p:grpSpPr>
+          </p:nvSpPr>
+          <p:spPr>
             <a:xfrm>
-              <a:off x="6994" y="9049"/>
-              <a:ext cx="283" cy="850"/>
-              <a:chOff x="7465" y="5841"/>
-              <a:chExt cx="283" cy="850"/>
+              <a:off x="7465" y="6055"/>
+              <a:ext cx="120" cy="423"/>
             </a:xfrm>
-          </p:grpSpPr>
-          <p:sp>
-            <p:nvSpPr>
-              <p:cNvPr id="193" name="流程图: 过程 192"/>
-              <p:cNvSpPr/>
-              <p:nvPr/>
-            </p:nvSpPr>
-            <p:spPr>
-              <a:xfrm>
-                <a:off x="7465" y="6477"/>
-                <a:ext cx="283" cy="214"/>
-              </a:xfrm>
-              <a:prstGeom prst="flowChartProcess">
-                <a:avLst/>
-              </a:prstGeom>
-              <a:pattFill prst="ltDnDiag">
-                <a:fgClr>
-                  <a:schemeClr val="tx1"/>
-                </a:fgClr>
-                <a:bgClr>
-                  <a:srgbClr val="FFFFFF"/>
-                </a:bgClr>
-              </a:pattFill>
-              <a:ln w="3175">
-                <a:solidFill>
-                  <a:schemeClr val="tx1"/>
-                </a:solidFill>
-              </a:ln>
-            </p:spPr>
-            <p:style>
-              <a:lnRef idx="2">
-                <a:schemeClr val="accent1">
-                  <a:shade val="50000"/>
-                </a:schemeClr>
-              </a:lnRef>
-              <a:fillRef idx="1">
-                <a:schemeClr val="accent1"/>
-              </a:fillRef>
-              <a:effectRef idx="0">
-                <a:schemeClr val="accent1"/>
-              </a:effectRef>
-              <a:fontRef idx="minor">
-                <a:schemeClr val="lt1"/>
-              </a:fontRef>
-            </p:style>
-            <p:txBody>
-              <a:bodyPr rtlCol="0" anchor="ctr"/>
-              <a:p>
-                <a:pPr algn="ctr" fontAlgn="base"/>
-                <a:endParaRPr lang="zh-CN" altLang="en-US" sz="2400" strike="noStrike" noProof="1"/>
-              </a:p>
-            </p:txBody>
-          </p:sp>
-          <p:sp>
-            <p:nvSpPr>
-              <p:cNvPr id="194" name="流程图: 过程 193"/>
-              <p:cNvSpPr/>
-              <p:nvPr/>
-            </p:nvSpPr>
-            <p:spPr>
-              <a:xfrm>
-                <a:off x="7465" y="5841"/>
-                <a:ext cx="283" cy="214"/>
-              </a:xfrm>
-              <a:prstGeom prst="flowChartProcess">
-                <a:avLst/>
-              </a:prstGeom>
-              <a:pattFill prst="ltDnDiag">
-                <a:fgClr>
-                  <a:schemeClr val="tx1"/>
-                </a:fgClr>
-                <a:bgClr>
-                  <a:srgbClr val="FFFFFF"/>
-                </a:bgClr>
-              </a:pattFill>
-              <a:ln w="3175">
-                <a:solidFill>
-                  <a:schemeClr val="tx1"/>
-                </a:solidFill>
-              </a:ln>
-            </p:spPr>
-            <p:style>
-              <a:lnRef idx="2">
-                <a:schemeClr val="accent1">
-                  <a:shade val="50000"/>
-                </a:schemeClr>
-              </a:lnRef>
-              <a:fillRef idx="1">
-                <a:schemeClr val="accent1"/>
-              </a:fillRef>
-              <a:effectRef idx="0">
-                <a:schemeClr val="accent1"/>
-              </a:effectRef>
-              <a:fontRef idx="minor">
-                <a:schemeClr val="lt1"/>
-              </a:fontRef>
-            </p:style>
-            <p:txBody>
-              <a:bodyPr rtlCol="0" anchor="ctr"/>
-              <a:p>
-                <a:pPr algn="ctr" fontAlgn="base"/>
-                <a:endParaRPr lang="zh-CN" altLang="en-US" sz="2400" strike="noStrike" noProof="1"/>
-              </a:p>
-            </p:txBody>
-          </p:sp>
-          <p:sp>
-            <p:nvSpPr>
-              <p:cNvPr id="195" name="流程图: 过程 194"/>
-              <p:cNvSpPr/>
-              <p:nvPr/>
-            </p:nvSpPr>
-            <p:spPr>
-              <a:xfrm>
-                <a:off x="7465" y="6055"/>
-                <a:ext cx="120" cy="423"/>
-              </a:xfrm>
-              <a:prstGeom prst="flowChartProcess">
-                <a:avLst/>
-              </a:prstGeom>
-              <a:pattFill prst="ltDnDiag">
-                <a:fgClr>
-                  <a:schemeClr val="tx1"/>
-                </a:fgClr>
-                <a:bgClr>
-                  <a:srgbClr val="FFFFFF"/>
-                </a:bgClr>
-              </a:pattFill>
-              <a:ln w="3175">
-                <a:solidFill>
-                  <a:schemeClr val="tx1"/>
-                </a:solidFill>
-              </a:ln>
-            </p:spPr>
-            <p:style>
-              <a:lnRef idx="2">
-                <a:schemeClr val="accent1">
-                  <a:shade val="50000"/>
-                </a:schemeClr>
-              </a:lnRef>
-              <a:fillRef idx="1">
-                <a:schemeClr val="accent1"/>
-              </a:fillRef>
-              <a:effectRef idx="0">
-                <a:schemeClr val="accent1"/>
-              </a:effectRef>
-              <a:fontRef idx="minor">
-                <a:schemeClr val="lt1"/>
-              </a:fontRef>
-            </p:style>
-            <p:txBody>
-              <a:bodyPr rtlCol="0" anchor="ctr"/>
-              <a:p>
-                <a:pPr algn="ctr" fontAlgn="base"/>
-                <a:endParaRPr lang="zh-CN" altLang="en-US" sz="2400" strike="noStrike" noProof="1"/>
-              </a:p>
-            </p:txBody>
-          </p:sp>
-          <p:sp>
-            <p:nvSpPr>
-              <p:cNvPr id="196" name="流程图: 过程 195"/>
-              <p:cNvSpPr/>
-              <p:nvPr/>
-            </p:nvSpPr>
-            <p:spPr>
-              <a:xfrm>
-                <a:off x="7628" y="6054"/>
-                <a:ext cx="120" cy="423"/>
-              </a:xfrm>
-              <a:prstGeom prst="flowChartProcess">
-                <a:avLst/>
-              </a:prstGeom>
-              <a:pattFill prst="ltDnDiag">
-                <a:fgClr>
-                  <a:schemeClr val="tx1"/>
-                </a:fgClr>
-                <a:bgClr>
-                  <a:srgbClr val="FFFFFF"/>
-                </a:bgClr>
-              </a:pattFill>
-              <a:ln w="3175">
-                <a:solidFill>
-                  <a:schemeClr val="tx1"/>
-                </a:solidFill>
-              </a:ln>
-            </p:spPr>
-            <p:style>
-              <a:lnRef idx="2">
-                <a:schemeClr val="accent1">
-                  <a:shade val="50000"/>
-                </a:schemeClr>
-              </a:lnRef>
-              <a:fillRef idx="1">
-                <a:schemeClr val="accent1"/>
-              </a:fillRef>
-              <a:effectRef idx="0">
-                <a:schemeClr val="accent1"/>
-              </a:effectRef>
-              <a:fontRef idx="minor">
-                <a:schemeClr val="lt1"/>
-              </a:fontRef>
-            </p:style>
-            <p:txBody>
-              <a:bodyPr rtlCol="0" anchor="ctr"/>
-              <a:p>
-                <a:pPr algn="ctr" fontAlgn="base"/>
-                <a:endParaRPr lang="zh-CN" altLang="en-US" sz="2400" strike="noStrike" noProof="1"/>
-              </a:p>
-            </p:txBody>
-          </p:sp>
-        </p:grpSp>
-        <p:grpSp>
-          <p:nvGrpSpPr>
-            <p:cNvPr id="197" name="组合 196"/>
-            <p:cNvGrpSpPr/>
+            <a:prstGeom prst="flowChartProcess">
+              <a:avLst/>
+            </a:prstGeom>
+            <a:pattFill prst="ltDnDiag">
+              <a:fgClr>
+                <a:schemeClr val="tx1"/>
+              </a:fgClr>
+              <a:bgClr>
+                <a:srgbClr val="FFFFFF"/>
+              </a:bgClr>
+            </a:pattFill>
+            <a:ln w="3175">
+              <a:solidFill>
+                <a:schemeClr val="tx1"/>
+              </a:solidFill>
+            </a:ln>
+          </p:spPr>
+          <p:style>
+            <a:lnRef idx="2">
+              <a:schemeClr val="accent1">
+                <a:shade val="50000"/>
+              </a:schemeClr>
+            </a:lnRef>
+            <a:fillRef idx="1">
+              <a:schemeClr val="accent1"/>
+            </a:fillRef>
+            <a:effectRef idx="0">
+              <a:schemeClr val="accent1"/>
+            </a:effectRef>
+            <a:fontRef idx="minor">
+              <a:schemeClr val="lt1"/>
+            </a:fontRef>
+          </p:style>
+          <p:txBody>
+            <a:bodyPr rtlCol="0" anchor="ctr"/>
+            <a:p>
+              <a:pPr algn="ctr" fontAlgn="base"/>
+              <a:endParaRPr lang="zh-CN" altLang="en-US" sz="2400" strike="noStrike" noProof="1"/>
+            </a:p>
+          </p:txBody>
+        </p:sp>
+        <p:sp>
+          <p:nvSpPr>
+            <p:cNvPr id="191" name="流程图: 过程 190"/>
+            <p:cNvSpPr/>
             <p:nvPr/>
-          </p:nvGrpSpPr>
-          <p:grpSpPr>
+          </p:nvSpPr>
+          <p:spPr>
             <a:xfrm>
-              <a:off x="7462" y="9048"/>
-              <a:ext cx="283" cy="850"/>
-              <a:chOff x="7465" y="5841"/>
-              <a:chExt cx="283" cy="850"/>
+              <a:off x="7628" y="6054"/>
+              <a:ext cx="120" cy="423"/>
             </a:xfrm>
-          </p:grpSpPr>
-          <p:sp>
-            <p:nvSpPr>
-              <p:cNvPr id="198" name="流程图: 过程 197"/>
-              <p:cNvSpPr/>
-              <p:nvPr/>
-            </p:nvSpPr>
-            <p:spPr>
-              <a:xfrm>
-                <a:off x="7465" y="6477"/>
-                <a:ext cx="283" cy="214"/>
-              </a:xfrm>
-              <a:prstGeom prst="flowChartProcess">
-                <a:avLst/>
-              </a:prstGeom>
-              <a:pattFill prst="ltDnDiag">
-                <a:fgClr>
-                  <a:schemeClr val="tx1"/>
-                </a:fgClr>
-                <a:bgClr>
-                  <a:srgbClr val="FFFFFF"/>
-                </a:bgClr>
-              </a:pattFill>
-              <a:ln w="3175">
-                <a:solidFill>
-                  <a:schemeClr val="tx1"/>
-                </a:solidFill>
-              </a:ln>
-            </p:spPr>
-            <p:style>
-              <a:lnRef idx="2">
-                <a:schemeClr val="accent1">
-                  <a:shade val="50000"/>
-                </a:schemeClr>
-              </a:lnRef>
-              <a:fillRef idx="1">
-                <a:schemeClr val="accent1"/>
-              </a:fillRef>
-              <a:effectRef idx="0">
-                <a:schemeClr val="accent1"/>
-              </a:effectRef>
-              <a:fontRef idx="minor">
-                <a:schemeClr val="lt1"/>
-              </a:fontRef>
-            </p:style>
-            <p:txBody>
-              <a:bodyPr rtlCol="0" anchor="ctr"/>
-              <a:p>
-                <a:pPr algn="ctr" fontAlgn="base"/>
-                <a:endParaRPr lang="zh-CN" altLang="en-US" sz="2400" strike="noStrike" noProof="1"/>
-              </a:p>
-            </p:txBody>
-          </p:sp>
-          <p:sp>
-            <p:nvSpPr>
-              <p:cNvPr id="199" name="流程图: 过程 198"/>
-              <p:cNvSpPr/>
-              <p:nvPr/>
-            </p:nvSpPr>
-            <p:spPr>
-              <a:xfrm>
-                <a:off x="7465" y="5841"/>
-                <a:ext cx="283" cy="214"/>
-              </a:xfrm>
-              <a:prstGeom prst="flowChartProcess">
-                <a:avLst/>
-              </a:prstGeom>
-              <a:pattFill prst="ltDnDiag">
-                <a:fgClr>
-                  <a:schemeClr val="tx1"/>
-                </a:fgClr>
-                <a:bgClr>
-                  <a:srgbClr val="FFFFFF"/>
-                </a:bgClr>
-              </a:pattFill>
-              <a:ln w="3175">
-                <a:solidFill>
-                  <a:schemeClr val="tx1"/>
-                </a:solidFill>
-              </a:ln>
-            </p:spPr>
-            <p:style>
-              <a:lnRef idx="2">
-                <a:schemeClr val="accent1">
-                  <a:shade val="50000"/>
-                </a:schemeClr>
-              </a:lnRef>
-              <a:fillRef idx="1">
-                <a:schemeClr val="accent1"/>
-              </a:fillRef>
-              <a:effectRef idx="0">
-                <a:schemeClr val="accent1"/>
-              </a:effectRef>
-              <a:fontRef idx="minor">
-                <a:schemeClr val="lt1"/>
-              </a:fontRef>
-            </p:style>
-            <p:txBody>
-              <a:bodyPr rtlCol="0" anchor="ctr"/>
-              <a:p>
-                <a:pPr algn="ctr" fontAlgn="base"/>
-                <a:endParaRPr lang="zh-CN" altLang="en-US" sz="2400" strike="noStrike" noProof="1"/>
-              </a:p>
-            </p:txBody>
-          </p:sp>
-          <p:sp>
-            <p:nvSpPr>
-              <p:cNvPr id="200" name="流程图: 过程 199"/>
-              <p:cNvSpPr/>
-              <p:nvPr/>
-            </p:nvSpPr>
-            <p:spPr>
-              <a:xfrm>
-                <a:off x="7465" y="6055"/>
-                <a:ext cx="120" cy="423"/>
-              </a:xfrm>
-              <a:prstGeom prst="flowChartProcess">
-                <a:avLst/>
-              </a:prstGeom>
-              <a:pattFill prst="ltDnDiag">
-                <a:fgClr>
-                  <a:schemeClr val="tx1"/>
-                </a:fgClr>
-                <a:bgClr>
-                  <a:srgbClr val="FFFFFF"/>
-                </a:bgClr>
-              </a:pattFill>
-              <a:ln w="3175">
-                <a:solidFill>
-                  <a:schemeClr val="tx1"/>
-                </a:solidFill>
-              </a:ln>
-            </p:spPr>
-            <p:style>
-              <a:lnRef idx="2">
-                <a:schemeClr val="accent1">
-                  <a:shade val="50000"/>
-                </a:schemeClr>
-              </a:lnRef>
-              <a:fillRef idx="1">
-                <a:schemeClr val="accent1"/>
-              </a:fillRef>
-              <a:effectRef idx="0">
-                <a:schemeClr val="accent1"/>
-              </a:effectRef>
-              <a:fontRef idx="minor">
-                <a:schemeClr val="lt1"/>
-              </a:fontRef>
-            </p:style>
-            <p:txBody>
-              <a:bodyPr rtlCol="0" anchor="ctr"/>
-              <a:p>
-                <a:pPr algn="ctr" fontAlgn="base"/>
-                <a:endParaRPr lang="zh-CN" altLang="en-US" sz="2400" strike="noStrike" noProof="1"/>
-              </a:p>
-            </p:txBody>
-          </p:sp>
-          <p:sp>
-            <p:nvSpPr>
-              <p:cNvPr id="201" name="流程图: 过程 200"/>
-              <p:cNvSpPr/>
-              <p:nvPr/>
-            </p:nvSpPr>
-            <p:spPr>
-              <a:xfrm>
-                <a:off x="7628" y="6054"/>
-                <a:ext cx="120" cy="423"/>
-              </a:xfrm>
-              <a:prstGeom prst="flowChartProcess">
-                <a:avLst/>
-              </a:prstGeom>
-              <a:pattFill prst="ltDnDiag">
-                <a:fgClr>
-                  <a:schemeClr val="tx1"/>
-                </a:fgClr>
-                <a:bgClr>
-                  <a:srgbClr val="FFFFFF"/>
-                </a:bgClr>
-              </a:pattFill>
-              <a:ln w="3175">
-                <a:solidFill>
-                  <a:schemeClr val="tx1"/>
-                </a:solidFill>
-              </a:ln>
-            </p:spPr>
-            <p:style>
-              <a:lnRef idx="2">
-                <a:schemeClr val="accent1">
-                  <a:shade val="50000"/>
-                </a:schemeClr>
-              </a:lnRef>
-              <a:fillRef idx="1">
-                <a:schemeClr val="accent1"/>
-              </a:fillRef>
-              <a:effectRef idx="0">
-                <a:schemeClr val="accent1"/>
-              </a:effectRef>
-              <a:fontRef idx="minor">
-                <a:schemeClr val="lt1"/>
-              </a:fontRef>
-            </p:style>
-            <p:txBody>
-              <a:bodyPr rtlCol="0" anchor="ctr"/>
-              <a:p>
-                <a:pPr algn="ctr" fontAlgn="base"/>
-                <a:endParaRPr lang="zh-CN" altLang="en-US" sz="2400" strike="noStrike" noProof="1"/>
-              </a:p>
-            </p:txBody>
-          </p:sp>
-        </p:grpSp>
-        <p:grpSp>
-          <p:nvGrpSpPr>
-            <p:cNvPr id="202" name="组合 201"/>
-            <p:cNvGrpSpPr/>
+            <a:prstGeom prst="flowChartProcess">
+              <a:avLst/>
+            </a:prstGeom>
+            <a:pattFill prst="ltDnDiag">
+              <a:fgClr>
+                <a:schemeClr val="tx1"/>
+              </a:fgClr>
+              <a:bgClr>
+                <a:srgbClr val="FFFFFF"/>
+              </a:bgClr>
+            </a:pattFill>
+            <a:ln w="3175">
+              <a:solidFill>
+                <a:schemeClr val="tx1"/>
+              </a:solidFill>
+            </a:ln>
+          </p:spPr>
+          <p:style>
+            <a:lnRef idx="2">
+              <a:schemeClr val="accent1">
+                <a:shade val="50000"/>
+              </a:schemeClr>
+            </a:lnRef>
+            <a:fillRef idx="1">
+              <a:schemeClr val="accent1"/>
+            </a:fillRef>
+            <a:effectRef idx="0">
+              <a:schemeClr val="accent1"/>
+            </a:effectRef>
+            <a:fontRef idx="minor">
+              <a:schemeClr val="lt1"/>
+            </a:fontRef>
+          </p:style>
+          <p:txBody>
+            <a:bodyPr rtlCol="0" anchor="ctr"/>
+            <a:p>
+              <a:pPr algn="ctr" fontAlgn="base"/>
+              <a:endParaRPr lang="zh-CN" altLang="en-US" sz="2400" strike="noStrike" noProof="1"/>
+            </a:p>
+          </p:txBody>
+        </p:sp>
+      </p:grpSp>
+      <p:grpSp>
+        <p:nvGrpSpPr>
+          <p:cNvPr id="192" name="组合 191"/>
+          <p:cNvGrpSpPr/>
+          <p:nvPr/>
+        </p:nvGrpSpPr>
+        <p:grpSpPr>
+          <a:xfrm rot="0">
+            <a:off x="7247255" y="5654040"/>
+            <a:ext cx="179705" cy="539750"/>
+            <a:chOff x="7465" y="5841"/>
+            <a:chExt cx="283" cy="850"/>
+          </a:xfrm>
+        </p:grpSpPr>
+        <p:sp>
+          <p:nvSpPr>
+            <p:cNvPr id="193" name="流程图: 过程 192"/>
+            <p:cNvSpPr/>
             <p:nvPr/>
-          </p:nvGrpSpPr>
-          <p:grpSpPr>
+          </p:nvSpPr>
+          <p:spPr>
             <a:xfrm>
-              <a:off x="7890" y="9049"/>
-              <a:ext cx="283" cy="850"/>
-              <a:chOff x="7465" y="5841"/>
-              <a:chExt cx="283" cy="850"/>
+              <a:off x="7465" y="6477"/>
+              <a:ext cx="283" cy="214"/>
             </a:xfrm>
-          </p:grpSpPr>
-          <p:sp>
-            <p:nvSpPr>
-              <p:cNvPr id="203" name="流程图: 过程 202"/>
-              <p:cNvSpPr/>
-              <p:nvPr/>
-            </p:nvSpPr>
-            <p:spPr>
-              <a:xfrm>
-                <a:off x="7465" y="6477"/>
-                <a:ext cx="283" cy="214"/>
-              </a:xfrm>
-              <a:prstGeom prst="flowChartProcess">
-                <a:avLst/>
-              </a:prstGeom>
-              <a:pattFill prst="ltDnDiag">
-                <a:fgClr>
-                  <a:schemeClr val="tx1"/>
-                </a:fgClr>
-                <a:bgClr>
-                  <a:srgbClr val="FFFFFF"/>
-                </a:bgClr>
-              </a:pattFill>
-              <a:ln w="3175">
-                <a:solidFill>
-                  <a:schemeClr val="tx1"/>
-                </a:solidFill>
-              </a:ln>
-            </p:spPr>
-            <p:style>
-              <a:lnRef idx="2">
-                <a:schemeClr val="accent1">
-                  <a:shade val="50000"/>
-                </a:schemeClr>
-              </a:lnRef>
-              <a:fillRef idx="1">
-                <a:schemeClr val="accent1"/>
-              </a:fillRef>
-              <a:effectRef idx="0">
-                <a:schemeClr val="accent1"/>
-              </a:effectRef>
-              <a:fontRef idx="minor">
-                <a:schemeClr val="lt1"/>
-              </a:fontRef>
-            </p:style>
-            <p:txBody>
-              <a:bodyPr rtlCol="0" anchor="ctr"/>
-              <a:p>
-                <a:pPr algn="ctr" fontAlgn="base"/>
-                <a:endParaRPr lang="zh-CN" altLang="en-US" sz="2400" strike="noStrike" noProof="1"/>
-              </a:p>
-            </p:txBody>
-          </p:sp>
-          <p:sp>
-            <p:nvSpPr>
-              <p:cNvPr id="204" name="流程图: 过程 203"/>
-              <p:cNvSpPr/>
-              <p:nvPr/>
-            </p:nvSpPr>
-            <p:spPr>
-              <a:xfrm>
-                <a:off x="7465" y="5841"/>
-                <a:ext cx="283" cy="214"/>
-              </a:xfrm>
-              <a:prstGeom prst="flowChartProcess">
-                <a:avLst/>
-              </a:prstGeom>
-              <a:pattFill prst="ltDnDiag">
-                <a:fgClr>
-                  <a:schemeClr val="tx1"/>
-                </a:fgClr>
-                <a:bgClr>
-                  <a:srgbClr val="FFFFFF"/>
-                </a:bgClr>
-              </a:pattFill>
-              <a:ln w="3175">
-                <a:solidFill>
-                  <a:schemeClr val="tx1"/>
-                </a:solidFill>
-              </a:ln>
-            </p:spPr>
-            <p:style>
-              <a:lnRef idx="2">
-                <a:schemeClr val="accent1">
-                  <a:shade val="50000"/>
-                </a:schemeClr>
-              </a:lnRef>
-              <a:fillRef idx="1">
-                <a:schemeClr val="accent1"/>
-              </a:fillRef>
-              <a:effectRef idx="0">
-                <a:schemeClr val="accent1"/>
-              </a:effectRef>
-              <a:fontRef idx="minor">
-                <a:schemeClr val="lt1"/>
-              </a:fontRef>
-            </p:style>
-            <p:txBody>
-              <a:bodyPr rtlCol="0" anchor="ctr"/>
-              <a:p>
-                <a:pPr algn="ctr" fontAlgn="base"/>
-                <a:endParaRPr lang="zh-CN" altLang="en-US" sz="2400" strike="noStrike" noProof="1"/>
-              </a:p>
-            </p:txBody>
-          </p:sp>
-          <p:sp>
-            <p:nvSpPr>
-              <p:cNvPr id="205" name="流程图: 过程 204"/>
-              <p:cNvSpPr/>
-              <p:nvPr/>
-            </p:nvSpPr>
-            <p:spPr>
-              <a:xfrm>
-                <a:off x="7465" y="6055"/>
-                <a:ext cx="120" cy="423"/>
-              </a:xfrm>
-              <a:prstGeom prst="flowChartProcess">
-                <a:avLst/>
-              </a:prstGeom>
-              <a:pattFill prst="ltDnDiag">
-                <a:fgClr>
-                  <a:schemeClr val="tx1"/>
-                </a:fgClr>
-                <a:bgClr>
-                  <a:srgbClr val="FFFFFF"/>
-                </a:bgClr>
-              </a:pattFill>
-              <a:ln w="3175">
-                <a:solidFill>
-                  <a:schemeClr val="tx1"/>
-                </a:solidFill>
-              </a:ln>
-            </p:spPr>
-            <p:style>
-              <a:lnRef idx="2">
-                <a:schemeClr val="accent1">
-                  <a:shade val="50000"/>
-                </a:schemeClr>
-              </a:lnRef>
-              <a:fillRef idx="1">
-                <a:schemeClr val="accent1"/>
-              </a:fillRef>
-              <a:effectRef idx="0">
-                <a:schemeClr val="accent1"/>
-              </a:effectRef>
-              <a:fontRef idx="minor">
-                <a:schemeClr val="lt1"/>
-              </a:fontRef>
-            </p:style>
-            <p:txBody>
-              <a:bodyPr rtlCol="0" anchor="ctr"/>
-              <a:p>
-                <a:pPr algn="ctr" fontAlgn="base"/>
-                <a:endParaRPr lang="zh-CN" altLang="en-US" sz="2400" strike="noStrike" noProof="1"/>
-              </a:p>
-            </p:txBody>
-          </p:sp>
-          <p:sp>
-            <p:nvSpPr>
-              <p:cNvPr id="206" name="流程图: 过程 205"/>
-              <p:cNvSpPr/>
-              <p:nvPr/>
-            </p:nvSpPr>
-            <p:spPr>
-              <a:xfrm>
-                <a:off x="7628" y="6054"/>
-                <a:ext cx="120" cy="423"/>
-              </a:xfrm>
-              <a:prstGeom prst="flowChartProcess">
-                <a:avLst/>
-              </a:prstGeom>
-              <a:pattFill prst="ltDnDiag">
-                <a:fgClr>
-                  <a:schemeClr val="tx1"/>
-                </a:fgClr>
-                <a:bgClr>
-                  <a:srgbClr val="FFFFFF"/>
-                </a:bgClr>
-              </a:pattFill>
-              <a:ln w="3175">
-                <a:solidFill>
-                  <a:schemeClr val="tx1"/>
-                </a:solidFill>
-              </a:ln>
-            </p:spPr>
-            <p:style>
-              <a:lnRef idx="2">
-                <a:schemeClr val="accent1">
-                  <a:shade val="50000"/>
-                </a:schemeClr>
-              </a:lnRef>
-              <a:fillRef idx="1">
-                <a:schemeClr val="accent1"/>
-              </a:fillRef>
-              <a:effectRef idx="0">
-                <a:schemeClr val="accent1"/>
-              </a:effectRef>
-              <a:fontRef idx="minor">
-                <a:schemeClr val="lt1"/>
-              </a:fontRef>
-            </p:style>
-            <p:txBody>
-              <a:bodyPr rtlCol="0" anchor="ctr"/>
-              <a:p>
-                <a:pPr algn="ctr" fontAlgn="base"/>
-                <a:endParaRPr lang="zh-CN" altLang="en-US" sz="2400" strike="noStrike" noProof="1"/>
-              </a:p>
-            </p:txBody>
-          </p:sp>
-        </p:grpSp>
-        <p:grpSp>
-          <p:nvGrpSpPr>
-            <p:cNvPr id="207" name="组合 206"/>
-            <p:cNvGrpSpPr/>
+            <a:prstGeom prst="flowChartProcess">
+              <a:avLst/>
+            </a:prstGeom>
+            <a:pattFill prst="ltDnDiag">
+              <a:fgClr>
+                <a:schemeClr val="tx1"/>
+              </a:fgClr>
+              <a:bgClr>
+                <a:srgbClr val="FFFFFF"/>
+              </a:bgClr>
+            </a:pattFill>
+            <a:ln w="3175">
+              <a:solidFill>
+                <a:schemeClr val="tx1"/>
+              </a:solidFill>
+            </a:ln>
+          </p:spPr>
+          <p:style>
+            <a:lnRef idx="2">
+              <a:schemeClr val="accent1">
+                <a:shade val="50000"/>
+              </a:schemeClr>
+            </a:lnRef>
+            <a:fillRef idx="1">
+              <a:schemeClr val="accent1"/>
+            </a:fillRef>
+            <a:effectRef idx="0">
+              <a:schemeClr val="accent1"/>
+            </a:effectRef>
+            <a:fontRef idx="minor">
+              <a:schemeClr val="lt1"/>
+            </a:fontRef>
+          </p:style>
+          <p:txBody>
+            <a:bodyPr rtlCol="0" anchor="ctr"/>
+            <a:p>
+              <a:pPr algn="ctr" fontAlgn="base"/>
+              <a:endParaRPr lang="zh-CN" altLang="en-US" sz="2400" strike="noStrike" noProof="1"/>
+            </a:p>
+          </p:txBody>
+        </p:sp>
+        <p:sp>
+          <p:nvSpPr>
+            <p:cNvPr id="194" name="流程图: 过程 193"/>
+            <p:cNvSpPr/>
             <p:nvPr/>
-          </p:nvGrpSpPr>
-          <p:grpSpPr>
+          </p:nvSpPr>
+          <p:spPr>
             <a:xfrm>
-              <a:off x="8338" y="9058"/>
-              <a:ext cx="283" cy="850"/>
-              <a:chOff x="7465" y="5841"/>
-              <a:chExt cx="283" cy="850"/>
+              <a:off x="7465" y="5841"/>
+              <a:ext cx="283" cy="214"/>
             </a:xfrm>
-          </p:grpSpPr>
-          <p:sp>
-            <p:nvSpPr>
-              <p:cNvPr id="208" name="流程图: 过程 207"/>
-              <p:cNvSpPr/>
-              <p:nvPr/>
-            </p:nvSpPr>
-            <p:spPr>
-              <a:xfrm>
-                <a:off x="7465" y="6477"/>
-                <a:ext cx="283" cy="214"/>
-              </a:xfrm>
-              <a:prstGeom prst="flowChartProcess">
-                <a:avLst/>
-              </a:prstGeom>
-              <a:pattFill prst="ltDnDiag">
-                <a:fgClr>
-                  <a:schemeClr val="tx1"/>
-                </a:fgClr>
-                <a:bgClr>
-                  <a:srgbClr val="FFFFFF"/>
-                </a:bgClr>
-              </a:pattFill>
-              <a:ln w="3175">
-                <a:solidFill>
-                  <a:schemeClr val="tx1"/>
-                </a:solidFill>
-              </a:ln>
-            </p:spPr>
-            <p:style>
-              <a:lnRef idx="2">
-                <a:schemeClr val="accent1">
-                  <a:shade val="50000"/>
-                </a:schemeClr>
-              </a:lnRef>
-              <a:fillRef idx="1">
-                <a:schemeClr val="accent1"/>
-              </a:fillRef>
-              <a:effectRef idx="0">
-                <a:schemeClr val="accent1"/>
-              </a:effectRef>
-              <a:fontRef idx="minor">
-                <a:schemeClr val="lt1"/>
-              </a:fontRef>
-            </p:style>
-            <p:txBody>
-              <a:bodyPr rtlCol="0" anchor="ctr"/>
-              <a:p>
-                <a:pPr algn="ctr" fontAlgn="base"/>
-                <a:endParaRPr lang="zh-CN" altLang="en-US" sz="2400" strike="noStrike" noProof="1"/>
-              </a:p>
-            </p:txBody>
-          </p:sp>
-          <p:sp>
-            <p:nvSpPr>
-              <p:cNvPr id="209" name="流程图: 过程 208"/>
-              <p:cNvSpPr/>
-              <p:nvPr/>
-            </p:nvSpPr>
-            <p:spPr>
-              <a:xfrm>
-                <a:off x="7465" y="5841"/>
-                <a:ext cx="283" cy="214"/>
-              </a:xfrm>
-              <a:prstGeom prst="flowChartProcess">
-                <a:avLst/>
-              </a:prstGeom>
-              <a:pattFill prst="ltDnDiag">
-                <a:fgClr>
-                  <a:schemeClr val="tx1"/>
-                </a:fgClr>
-                <a:bgClr>
-                  <a:srgbClr val="FFFFFF"/>
-                </a:bgClr>
-              </a:pattFill>
-              <a:ln w="3175">
-                <a:solidFill>
-                  <a:schemeClr val="tx1"/>
-                </a:solidFill>
-              </a:ln>
-            </p:spPr>
-            <p:style>
-              <a:lnRef idx="2">
-                <a:schemeClr val="accent1">
-                  <a:shade val="50000"/>
-                </a:schemeClr>
-              </a:lnRef>
-              <a:fillRef idx="1">
-                <a:schemeClr val="accent1"/>
-              </a:fillRef>
-              <a:effectRef idx="0">
-                <a:schemeClr val="accent1"/>
-              </a:effectRef>
-              <a:fontRef idx="minor">
-                <a:schemeClr val="lt1"/>
-              </a:fontRef>
-            </p:style>
-            <p:txBody>
-              <a:bodyPr rtlCol="0" anchor="ctr"/>
-              <a:p>
-                <a:pPr algn="ctr" fontAlgn="base"/>
-                <a:endParaRPr lang="zh-CN" altLang="en-US" sz="2400" strike="noStrike" noProof="1"/>
-              </a:p>
-            </p:txBody>
-          </p:sp>
-          <p:sp>
-            <p:nvSpPr>
-              <p:cNvPr id="210" name="流程图: 过程 209"/>
-              <p:cNvSpPr/>
-              <p:nvPr/>
-            </p:nvSpPr>
-            <p:spPr>
-              <a:xfrm>
-                <a:off x="7465" y="6055"/>
-                <a:ext cx="120" cy="423"/>
-              </a:xfrm>
-              <a:prstGeom prst="flowChartProcess">
-                <a:avLst/>
-              </a:prstGeom>
-              <a:pattFill prst="ltDnDiag">
-                <a:fgClr>
-                  <a:schemeClr val="tx1"/>
-                </a:fgClr>
-                <a:bgClr>
-                  <a:srgbClr val="FFFFFF"/>
-                </a:bgClr>
-              </a:pattFill>
-              <a:ln w="3175">
-                <a:solidFill>
-                  <a:schemeClr val="tx1"/>
-                </a:solidFill>
-              </a:ln>
-            </p:spPr>
-            <p:style>
-              <a:lnRef idx="2">
-                <a:schemeClr val="accent1">
-                  <a:shade val="50000"/>
-                </a:schemeClr>
-              </a:lnRef>
-              <a:fillRef idx="1">
-                <a:schemeClr val="accent1"/>
-              </a:fillRef>
-              <a:effectRef idx="0">
-                <a:schemeClr val="accent1"/>
-              </a:effectRef>
-              <a:fontRef idx="minor">
-                <a:schemeClr val="lt1"/>
-              </a:fontRef>
-            </p:style>
-            <p:txBody>
-              <a:bodyPr rtlCol="0" anchor="ctr"/>
-              <a:p>
-                <a:pPr algn="ctr" fontAlgn="base"/>
-                <a:endParaRPr lang="zh-CN" altLang="en-US" sz="2400" strike="noStrike" noProof="1"/>
-              </a:p>
-            </p:txBody>
-          </p:sp>
-          <p:sp>
-            <p:nvSpPr>
-              <p:cNvPr id="211" name="流程图: 过程 210"/>
-              <p:cNvSpPr/>
-              <p:nvPr/>
-            </p:nvSpPr>
-            <p:spPr>
-              <a:xfrm>
-                <a:off x="7628" y="6054"/>
-                <a:ext cx="120" cy="423"/>
-              </a:xfrm>
-              <a:prstGeom prst="flowChartProcess">
-                <a:avLst/>
-              </a:prstGeom>
-              <a:pattFill prst="ltDnDiag">
-                <a:fgClr>
-                  <a:schemeClr val="tx1"/>
-                </a:fgClr>
-                <a:bgClr>
-                  <a:srgbClr val="FFFFFF"/>
-                </a:bgClr>
-              </a:pattFill>
-              <a:ln w="3175">
-                <a:solidFill>
-                  <a:schemeClr val="tx1"/>
-                </a:solidFill>
-              </a:ln>
-            </p:spPr>
-            <p:style>
-              <a:lnRef idx="2">
-                <a:schemeClr val="accent1">
-                  <a:shade val="50000"/>
-                </a:schemeClr>
-              </a:lnRef>
-              <a:fillRef idx="1">
-                <a:schemeClr val="accent1"/>
-              </a:fillRef>
-              <a:effectRef idx="0">
-                <a:schemeClr val="accent1"/>
-              </a:effectRef>
-              <a:fontRef idx="minor">
-                <a:schemeClr val="lt1"/>
-              </a:fontRef>
-            </p:style>
-            <p:txBody>
-              <a:bodyPr rtlCol="0" anchor="ctr"/>
-              <a:p>
-                <a:pPr algn="ctr" fontAlgn="base"/>
-                <a:endParaRPr lang="zh-CN" altLang="en-US" sz="2400" strike="noStrike" noProof="1"/>
-              </a:p>
-            </p:txBody>
-          </p:sp>
-        </p:grpSp>
-        <p:grpSp>
-          <p:nvGrpSpPr>
-            <p:cNvPr id="5" name="组合 4"/>
-            <p:cNvGrpSpPr/>
+            <a:prstGeom prst="flowChartProcess">
+              <a:avLst/>
+            </a:prstGeom>
+            <a:pattFill prst="ltDnDiag">
+              <a:fgClr>
+                <a:schemeClr val="tx1"/>
+              </a:fgClr>
+              <a:bgClr>
+                <a:srgbClr val="FFFFFF"/>
+              </a:bgClr>
+            </a:pattFill>
+            <a:ln w="3175">
+              <a:solidFill>
+                <a:schemeClr val="tx1"/>
+              </a:solidFill>
+            </a:ln>
+          </p:spPr>
+          <p:style>
+            <a:lnRef idx="2">
+              <a:schemeClr val="accent1">
+                <a:shade val="50000"/>
+              </a:schemeClr>
+            </a:lnRef>
+            <a:fillRef idx="1">
+              <a:schemeClr val="accent1"/>
+            </a:fillRef>
+            <a:effectRef idx="0">
+              <a:schemeClr val="accent1"/>
+            </a:effectRef>
+            <a:fontRef idx="minor">
+              <a:schemeClr val="lt1"/>
+            </a:fontRef>
+          </p:style>
+          <p:txBody>
+            <a:bodyPr rtlCol="0" anchor="ctr"/>
+            <a:p>
+              <a:pPr algn="ctr" fontAlgn="base"/>
+              <a:endParaRPr lang="zh-CN" altLang="en-US" sz="2400" strike="noStrike" noProof="1"/>
+            </a:p>
+          </p:txBody>
+        </p:sp>
+        <p:sp>
+          <p:nvSpPr>
+            <p:cNvPr id="195" name="流程图: 过程 194"/>
+            <p:cNvSpPr/>
             <p:nvPr/>
-          </p:nvGrpSpPr>
-          <p:grpSpPr>
+          </p:nvSpPr>
+          <p:spPr>
             <a:xfrm>
-              <a:off x="8770" y="9049"/>
-              <a:ext cx="283" cy="850"/>
-              <a:chOff x="7465" y="5841"/>
-              <a:chExt cx="283" cy="850"/>
+              <a:off x="7465" y="6055"/>
+              <a:ext cx="120" cy="423"/>
             </a:xfrm>
-          </p:grpSpPr>
-          <p:sp>
-            <p:nvSpPr>
-              <p:cNvPr id="15" name="流程图: 过程 14"/>
-              <p:cNvSpPr/>
-              <p:nvPr/>
-            </p:nvSpPr>
-            <p:spPr>
-              <a:xfrm>
-                <a:off x="7465" y="6477"/>
-                <a:ext cx="283" cy="214"/>
-              </a:xfrm>
-              <a:prstGeom prst="flowChartProcess">
-                <a:avLst/>
-              </a:prstGeom>
-              <a:pattFill prst="ltDnDiag">
-                <a:fgClr>
-                  <a:schemeClr val="tx1"/>
-                </a:fgClr>
-                <a:bgClr>
-                  <a:srgbClr val="FFFFFF"/>
-                </a:bgClr>
-              </a:pattFill>
-              <a:ln w="3175">
-                <a:solidFill>
-                  <a:schemeClr val="tx1"/>
-                </a:solidFill>
-              </a:ln>
-            </p:spPr>
-            <p:style>
-              <a:lnRef idx="2">
-                <a:schemeClr val="accent1">
-                  <a:shade val="50000"/>
-                </a:schemeClr>
-              </a:lnRef>
-              <a:fillRef idx="1">
-                <a:schemeClr val="accent1"/>
-              </a:fillRef>
-              <a:effectRef idx="0">
-                <a:schemeClr val="accent1"/>
-              </a:effectRef>
-              <a:fontRef idx="minor">
-                <a:schemeClr val="lt1"/>
-              </a:fontRef>
-            </p:style>
-            <p:txBody>
-              <a:bodyPr rtlCol="0" anchor="ctr"/>
-              <a:p>
-                <a:pPr algn="ctr" fontAlgn="base"/>
-                <a:endParaRPr lang="zh-CN" altLang="en-US" sz="2400" strike="noStrike" noProof="1"/>
-              </a:p>
-            </p:txBody>
-          </p:sp>
-          <p:sp>
-            <p:nvSpPr>
-              <p:cNvPr id="16" name="流程图: 过程 15"/>
-              <p:cNvSpPr/>
-              <p:nvPr/>
-            </p:nvSpPr>
-            <p:spPr>
-              <a:xfrm>
-                <a:off x="7465" y="5841"/>
-                <a:ext cx="283" cy="214"/>
-              </a:xfrm>
-              <a:prstGeom prst="flowChartProcess">
-                <a:avLst/>
-              </a:prstGeom>
-              <a:pattFill prst="ltDnDiag">
-                <a:fgClr>
-                  <a:schemeClr val="tx1"/>
-                </a:fgClr>
-                <a:bgClr>
-                  <a:srgbClr val="FFFFFF"/>
-                </a:bgClr>
-              </a:pattFill>
-              <a:ln w="3175">
-                <a:solidFill>
-                  <a:schemeClr val="tx1"/>
-                </a:solidFill>
-              </a:ln>
-            </p:spPr>
-            <p:style>
-              <a:lnRef idx="2">
-                <a:schemeClr val="accent1">
-                  <a:shade val="50000"/>
-                </a:schemeClr>
-              </a:lnRef>
-              <a:fillRef idx="1">
-                <a:schemeClr val="accent1"/>
-              </a:fillRef>
-              <a:effectRef idx="0">
-                <a:schemeClr val="accent1"/>
-              </a:effectRef>
-              <a:fontRef idx="minor">
-                <a:schemeClr val="lt1"/>
-              </a:fontRef>
-            </p:style>
-            <p:txBody>
-              <a:bodyPr rtlCol="0" anchor="ctr"/>
-              <a:p>
-                <a:pPr algn="ctr" fontAlgn="base"/>
-                <a:endParaRPr lang="zh-CN" altLang="en-US" sz="2400" strike="noStrike" noProof="1"/>
-              </a:p>
-            </p:txBody>
-          </p:sp>
-          <p:sp>
-            <p:nvSpPr>
-              <p:cNvPr id="17" name="流程图: 过程 16"/>
-              <p:cNvSpPr/>
-              <p:nvPr/>
-            </p:nvSpPr>
-            <p:spPr>
-              <a:xfrm>
-                <a:off x="7465" y="6055"/>
-                <a:ext cx="120" cy="423"/>
-              </a:xfrm>
-              <a:prstGeom prst="flowChartProcess">
-                <a:avLst/>
-              </a:prstGeom>
-              <a:pattFill prst="ltDnDiag">
-                <a:fgClr>
-                  <a:schemeClr val="tx1"/>
-                </a:fgClr>
-                <a:bgClr>
-                  <a:srgbClr val="FFFFFF"/>
-                </a:bgClr>
-              </a:pattFill>
-              <a:ln w="3175">
-                <a:solidFill>
-                  <a:schemeClr val="tx1"/>
-                </a:solidFill>
-              </a:ln>
-            </p:spPr>
-            <p:style>
-              <a:lnRef idx="2">
-                <a:schemeClr val="accent1">
-                  <a:shade val="50000"/>
-                </a:schemeClr>
-              </a:lnRef>
-              <a:fillRef idx="1">
-                <a:schemeClr val="accent1"/>
-              </a:fillRef>
-              <a:effectRef idx="0">
-                <a:schemeClr val="accent1"/>
-              </a:effectRef>
-              <a:fontRef idx="minor">
-                <a:schemeClr val="lt1"/>
-              </a:fontRef>
-            </p:style>
-            <p:txBody>
-              <a:bodyPr rtlCol="0" anchor="ctr"/>
-              <a:p>
-                <a:pPr algn="ctr" fontAlgn="base"/>
-                <a:endParaRPr lang="zh-CN" altLang="en-US" sz="2400" strike="noStrike" noProof="1"/>
-              </a:p>
-            </p:txBody>
-          </p:sp>
-          <p:sp>
-            <p:nvSpPr>
-              <p:cNvPr id="19" name="流程图: 过程 18"/>
-              <p:cNvSpPr/>
-              <p:nvPr/>
-            </p:nvSpPr>
-            <p:spPr>
-              <a:xfrm>
-                <a:off x="7628" y="6054"/>
-                <a:ext cx="120" cy="423"/>
-              </a:xfrm>
-              <a:prstGeom prst="flowChartProcess">
-                <a:avLst/>
-              </a:prstGeom>
-              <a:pattFill prst="ltDnDiag">
-                <a:fgClr>
-                  <a:schemeClr val="tx1"/>
-                </a:fgClr>
-                <a:bgClr>
-                  <a:srgbClr val="FFFFFF"/>
-                </a:bgClr>
-              </a:pattFill>
-              <a:ln w="3175">
-                <a:solidFill>
-                  <a:schemeClr val="tx1"/>
-                </a:solidFill>
-              </a:ln>
-            </p:spPr>
-            <p:style>
-              <a:lnRef idx="2">
-                <a:schemeClr val="accent1">
-                  <a:shade val="50000"/>
-                </a:schemeClr>
-              </a:lnRef>
-              <a:fillRef idx="1">
-                <a:schemeClr val="accent1"/>
-              </a:fillRef>
-              <a:effectRef idx="0">
-                <a:schemeClr val="accent1"/>
-              </a:effectRef>
-              <a:fontRef idx="minor">
-                <a:schemeClr val="lt1"/>
-              </a:fontRef>
-            </p:style>
-            <p:txBody>
-              <a:bodyPr rtlCol="0" anchor="ctr"/>
-              <a:p>
-                <a:pPr algn="ctr" fontAlgn="base"/>
-                <a:endParaRPr lang="zh-CN" altLang="en-US" sz="2400" strike="noStrike" noProof="1"/>
-              </a:p>
-            </p:txBody>
-          </p:sp>
-        </p:grpSp>
-        <p:grpSp>
-          <p:nvGrpSpPr>
-            <p:cNvPr id="21" name="组合 20"/>
-            <p:cNvGrpSpPr/>
+            <a:prstGeom prst="flowChartProcess">
+              <a:avLst/>
+            </a:prstGeom>
+            <a:pattFill prst="ltDnDiag">
+              <a:fgClr>
+                <a:schemeClr val="tx1"/>
+              </a:fgClr>
+              <a:bgClr>
+                <a:srgbClr val="FFFFFF"/>
+              </a:bgClr>
+            </a:pattFill>
+            <a:ln w="3175">
+              <a:solidFill>
+                <a:schemeClr val="tx1"/>
+              </a:solidFill>
+            </a:ln>
+          </p:spPr>
+          <p:style>
+            <a:lnRef idx="2">
+              <a:schemeClr val="accent1">
+                <a:shade val="50000"/>
+              </a:schemeClr>
+            </a:lnRef>
+            <a:fillRef idx="1">
+              <a:schemeClr val="accent1"/>
+            </a:fillRef>
+            <a:effectRef idx="0">
+              <a:schemeClr val="accent1"/>
+            </a:effectRef>
+            <a:fontRef idx="minor">
+              <a:schemeClr val="lt1"/>
+            </a:fontRef>
+          </p:style>
+          <p:txBody>
+            <a:bodyPr rtlCol="0" anchor="ctr"/>
+            <a:p>
+              <a:pPr algn="ctr" fontAlgn="base"/>
+              <a:endParaRPr lang="zh-CN" altLang="en-US" sz="2400" strike="noStrike" noProof="1"/>
+            </a:p>
+          </p:txBody>
+        </p:sp>
+        <p:sp>
+          <p:nvSpPr>
+            <p:cNvPr id="196" name="流程图: 过程 195"/>
+            <p:cNvSpPr/>
             <p:nvPr/>
-          </p:nvGrpSpPr>
-          <p:grpSpPr>
+          </p:nvSpPr>
+          <p:spPr>
             <a:xfrm>
-              <a:off x="9218" y="9058"/>
-              <a:ext cx="283" cy="850"/>
-              <a:chOff x="7465" y="5841"/>
-              <a:chExt cx="283" cy="850"/>
+              <a:off x="7628" y="6054"/>
+              <a:ext cx="120" cy="423"/>
             </a:xfrm>
-          </p:grpSpPr>
-          <p:sp>
-            <p:nvSpPr>
-              <p:cNvPr id="22" name="流程图: 过程 21"/>
-              <p:cNvSpPr/>
-              <p:nvPr/>
-            </p:nvSpPr>
-            <p:spPr>
-              <a:xfrm>
-                <a:off x="7465" y="6477"/>
-                <a:ext cx="283" cy="214"/>
-              </a:xfrm>
-              <a:prstGeom prst="flowChartProcess">
-                <a:avLst/>
-              </a:prstGeom>
-              <a:pattFill prst="ltDnDiag">
-                <a:fgClr>
-                  <a:schemeClr val="tx1"/>
-                </a:fgClr>
-                <a:bgClr>
-                  <a:srgbClr val="FFFFFF"/>
-                </a:bgClr>
-              </a:pattFill>
-              <a:ln w="3175">
-                <a:solidFill>
-                  <a:schemeClr val="tx1"/>
-                </a:solidFill>
-              </a:ln>
-            </p:spPr>
-            <p:style>
-              <a:lnRef idx="2">
-                <a:schemeClr val="accent1">
-                  <a:shade val="50000"/>
-                </a:schemeClr>
-              </a:lnRef>
-              <a:fillRef idx="1">
-                <a:schemeClr val="accent1"/>
-              </a:fillRef>
-              <a:effectRef idx="0">
-                <a:schemeClr val="accent1"/>
-              </a:effectRef>
-              <a:fontRef idx="minor">
-                <a:schemeClr val="lt1"/>
-              </a:fontRef>
-            </p:style>
-            <p:txBody>
-              <a:bodyPr rtlCol="0" anchor="ctr"/>
-              <a:p>
-                <a:pPr algn="ctr" fontAlgn="base"/>
-                <a:endParaRPr lang="zh-CN" altLang="en-US" sz="2400" strike="noStrike" noProof="1"/>
-              </a:p>
-            </p:txBody>
-          </p:sp>
-          <p:sp>
-            <p:nvSpPr>
-              <p:cNvPr id="29" name="流程图: 过程 28"/>
-              <p:cNvSpPr/>
-              <p:nvPr/>
-            </p:nvSpPr>
-            <p:spPr>
-              <a:xfrm>
-                <a:off x="7465" y="5841"/>
-                <a:ext cx="283" cy="214"/>
-              </a:xfrm>
-              <a:prstGeom prst="flowChartProcess">
-                <a:avLst/>
-              </a:prstGeom>
-              <a:pattFill prst="ltDnDiag">
-                <a:fgClr>
-                  <a:schemeClr val="tx1"/>
-                </a:fgClr>
-                <a:bgClr>
-                  <a:srgbClr val="FFFFFF"/>
-                </a:bgClr>
-              </a:pattFill>
-              <a:ln w="3175">
-                <a:solidFill>
-                  <a:schemeClr val="tx1"/>
-                </a:solidFill>
-              </a:ln>
-            </p:spPr>
-            <p:style>
-              <a:lnRef idx="2">
-                <a:schemeClr val="accent1">
-                  <a:shade val="50000"/>
-                </a:schemeClr>
-              </a:lnRef>
-              <a:fillRef idx="1">
-                <a:schemeClr val="accent1"/>
-              </a:fillRef>
-              <a:effectRef idx="0">
-                <a:schemeClr val="accent1"/>
-              </a:effectRef>
-              <a:fontRef idx="minor">
-                <a:schemeClr val="lt1"/>
-              </a:fontRef>
-            </p:style>
-            <p:txBody>
-              <a:bodyPr rtlCol="0" anchor="ctr"/>
-              <a:p>
-                <a:pPr algn="ctr" fontAlgn="base"/>
-                <a:endParaRPr lang="zh-CN" altLang="en-US" sz="2400" strike="noStrike" noProof="1"/>
-              </a:p>
-            </p:txBody>
-          </p:sp>
-          <p:sp>
-            <p:nvSpPr>
-              <p:cNvPr id="33" name="流程图: 过程 32"/>
-              <p:cNvSpPr/>
-              <p:nvPr/>
-            </p:nvSpPr>
-            <p:spPr>
-              <a:xfrm>
-                <a:off x="7465" y="6055"/>
-                <a:ext cx="120" cy="423"/>
-              </a:xfrm>
-              <a:prstGeom prst="flowChartProcess">
-                <a:avLst/>
-              </a:prstGeom>
-              <a:pattFill prst="ltDnDiag">
-                <a:fgClr>
-                  <a:schemeClr val="tx1"/>
-                </a:fgClr>
-                <a:bgClr>
-                  <a:srgbClr val="FFFFFF"/>
-                </a:bgClr>
-              </a:pattFill>
-              <a:ln w="3175">
-                <a:solidFill>
-                  <a:schemeClr val="tx1"/>
-                </a:solidFill>
-              </a:ln>
-            </p:spPr>
-            <p:style>
-              <a:lnRef idx="2">
-                <a:schemeClr val="accent1">
-                  <a:shade val="50000"/>
-                </a:schemeClr>
-              </a:lnRef>
-              <a:fillRef idx="1">
-                <a:schemeClr val="accent1"/>
-              </a:fillRef>
-              <a:effectRef idx="0">
-                <a:schemeClr val="accent1"/>
-              </a:effectRef>
-              <a:fontRef idx="minor">
-                <a:schemeClr val="lt1"/>
-              </a:fontRef>
-            </p:style>
-            <p:txBody>
-              <a:bodyPr rtlCol="0" anchor="ctr"/>
-              <a:p>
-                <a:pPr algn="ctr" fontAlgn="base"/>
-                <a:endParaRPr lang="zh-CN" altLang="en-US" sz="2400" strike="noStrike" noProof="1"/>
-              </a:p>
-            </p:txBody>
-          </p:sp>
-          <p:sp>
-            <p:nvSpPr>
-              <p:cNvPr id="34" name="流程图: 过程 33"/>
-              <p:cNvSpPr/>
-              <p:nvPr/>
-            </p:nvSpPr>
-            <p:spPr>
-              <a:xfrm>
-                <a:off x="7628" y="6054"/>
-                <a:ext cx="120" cy="423"/>
-              </a:xfrm>
-              <a:prstGeom prst="flowChartProcess">
-                <a:avLst/>
-              </a:prstGeom>
-              <a:pattFill prst="ltDnDiag">
-                <a:fgClr>
-                  <a:schemeClr val="tx1"/>
-                </a:fgClr>
-                <a:bgClr>
-                  <a:srgbClr val="FFFFFF"/>
-                </a:bgClr>
-              </a:pattFill>
-              <a:ln w="3175">
-                <a:solidFill>
-                  <a:schemeClr val="tx1"/>
-                </a:solidFill>
-              </a:ln>
-            </p:spPr>
-            <p:style>
-              <a:lnRef idx="2">
-                <a:schemeClr val="accent1">
-                  <a:shade val="50000"/>
-                </a:schemeClr>
-              </a:lnRef>
-              <a:fillRef idx="1">
-                <a:schemeClr val="accent1"/>
-              </a:fillRef>
-              <a:effectRef idx="0">
-                <a:schemeClr val="accent1"/>
-              </a:effectRef>
-              <a:fontRef idx="minor">
-                <a:schemeClr val="lt1"/>
-              </a:fontRef>
-            </p:style>
-            <p:txBody>
-              <a:bodyPr rtlCol="0" anchor="ctr"/>
-              <a:p>
-                <a:pPr algn="ctr" fontAlgn="base"/>
-                <a:endParaRPr lang="zh-CN" altLang="en-US" sz="2400" strike="noStrike" noProof="1"/>
-              </a:p>
-            </p:txBody>
-          </p:sp>
-        </p:grpSp>
+            <a:prstGeom prst="flowChartProcess">
+              <a:avLst/>
+            </a:prstGeom>
+            <a:pattFill prst="ltDnDiag">
+              <a:fgClr>
+                <a:schemeClr val="tx1"/>
+              </a:fgClr>
+              <a:bgClr>
+                <a:srgbClr val="FFFFFF"/>
+              </a:bgClr>
+            </a:pattFill>
+            <a:ln w="3175">
+              <a:solidFill>
+                <a:schemeClr val="tx1"/>
+              </a:solidFill>
+            </a:ln>
+          </p:spPr>
+          <p:style>
+            <a:lnRef idx="2">
+              <a:schemeClr val="accent1">
+                <a:shade val="50000"/>
+              </a:schemeClr>
+            </a:lnRef>
+            <a:fillRef idx="1">
+              <a:schemeClr val="accent1"/>
+            </a:fillRef>
+            <a:effectRef idx="0">
+              <a:schemeClr val="accent1"/>
+            </a:effectRef>
+            <a:fontRef idx="minor">
+              <a:schemeClr val="lt1"/>
+            </a:fontRef>
+          </p:style>
+          <p:txBody>
+            <a:bodyPr rtlCol="0" anchor="ctr"/>
+            <a:p>
+              <a:pPr algn="ctr" fontAlgn="base"/>
+              <a:endParaRPr lang="zh-CN" altLang="en-US" sz="2400" strike="noStrike" noProof="1"/>
+            </a:p>
+          </p:txBody>
+        </p:sp>
+      </p:grpSp>
+      <p:grpSp>
+        <p:nvGrpSpPr>
+          <p:cNvPr id="197" name="组合 196"/>
+          <p:cNvGrpSpPr/>
+          <p:nvPr/>
+        </p:nvGrpSpPr>
+        <p:grpSpPr>
+          <a:xfrm rot="0">
+            <a:off x="7544435" y="5653405"/>
+            <a:ext cx="179705" cy="539750"/>
+            <a:chOff x="7465" y="5841"/>
+            <a:chExt cx="283" cy="850"/>
+          </a:xfrm>
+        </p:grpSpPr>
+        <p:sp>
+          <p:nvSpPr>
+            <p:cNvPr id="198" name="流程图: 过程 197"/>
+            <p:cNvSpPr/>
+            <p:nvPr/>
+          </p:nvSpPr>
+          <p:spPr>
+            <a:xfrm>
+              <a:off x="7465" y="6477"/>
+              <a:ext cx="283" cy="214"/>
+            </a:xfrm>
+            <a:prstGeom prst="flowChartProcess">
+              <a:avLst/>
+            </a:prstGeom>
+            <a:pattFill prst="ltDnDiag">
+              <a:fgClr>
+                <a:schemeClr val="tx1"/>
+              </a:fgClr>
+              <a:bgClr>
+                <a:srgbClr val="FFFFFF"/>
+              </a:bgClr>
+            </a:pattFill>
+            <a:ln w="3175">
+              <a:solidFill>
+                <a:schemeClr val="tx1"/>
+              </a:solidFill>
+            </a:ln>
+          </p:spPr>
+          <p:style>
+            <a:lnRef idx="2">
+              <a:schemeClr val="accent1">
+                <a:shade val="50000"/>
+              </a:schemeClr>
+            </a:lnRef>
+            <a:fillRef idx="1">
+              <a:schemeClr val="accent1"/>
+            </a:fillRef>
+            <a:effectRef idx="0">
+              <a:schemeClr val="accent1"/>
+            </a:effectRef>
+            <a:fontRef idx="minor">
+              <a:schemeClr val="lt1"/>
+            </a:fontRef>
+          </p:style>
+          <p:txBody>
+            <a:bodyPr rtlCol="0" anchor="ctr"/>
+            <a:p>
+              <a:pPr algn="ctr" fontAlgn="base"/>
+              <a:endParaRPr lang="zh-CN" altLang="en-US" sz="2400" strike="noStrike" noProof="1"/>
+            </a:p>
+          </p:txBody>
+        </p:sp>
+        <p:sp>
+          <p:nvSpPr>
+            <p:cNvPr id="199" name="流程图: 过程 198"/>
+            <p:cNvSpPr/>
+            <p:nvPr/>
+          </p:nvSpPr>
+          <p:spPr>
+            <a:xfrm>
+              <a:off x="7465" y="5841"/>
+              <a:ext cx="283" cy="214"/>
+            </a:xfrm>
+            <a:prstGeom prst="flowChartProcess">
+              <a:avLst/>
+            </a:prstGeom>
+            <a:pattFill prst="ltDnDiag">
+              <a:fgClr>
+                <a:schemeClr val="tx1"/>
+              </a:fgClr>
+              <a:bgClr>
+                <a:srgbClr val="FFFFFF"/>
+              </a:bgClr>
+            </a:pattFill>
+            <a:ln w="3175">
+              <a:solidFill>
+                <a:schemeClr val="tx1"/>
+              </a:solidFill>
+            </a:ln>
+          </p:spPr>
+          <p:style>
+            <a:lnRef idx="2">
+              <a:schemeClr val="accent1">
+                <a:shade val="50000"/>
+              </a:schemeClr>
+            </a:lnRef>
+            <a:fillRef idx="1">
+              <a:schemeClr val="accent1"/>
+            </a:fillRef>
+            <a:effectRef idx="0">
+              <a:schemeClr val="accent1"/>
+            </a:effectRef>
+            <a:fontRef idx="minor">
+              <a:schemeClr val="lt1"/>
+            </a:fontRef>
+          </p:style>
+          <p:txBody>
+            <a:bodyPr rtlCol="0" anchor="ctr"/>
+            <a:p>
+              <a:pPr algn="ctr" fontAlgn="base"/>
+              <a:endParaRPr lang="zh-CN" altLang="en-US" sz="2400" strike="noStrike" noProof="1"/>
+            </a:p>
+          </p:txBody>
+        </p:sp>
+        <p:sp>
+          <p:nvSpPr>
+            <p:cNvPr id="200" name="流程图: 过程 199"/>
+            <p:cNvSpPr/>
+            <p:nvPr/>
+          </p:nvSpPr>
+          <p:spPr>
+            <a:xfrm>
+              <a:off x="7465" y="6055"/>
+              <a:ext cx="120" cy="423"/>
+            </a:xfrm>
+            <a:prstGeom prst="flowChartProcess">
+              <a:avLst/>
+            </a:prstGeom>
+            <a:pattFill prst="ltDnDiag">
+              <a:fgClr>
+                <a:schemeClr val="tx1"/>
+              </a:fgClr>
+              <a:bgClr>
+                <a:srgbClr val="FFFFFF"/>
+              </a:bgClr>
+            </a:pattFill>
+            <a:ln w="3175">
+              <a:solidFill>
+                <a:schemeClr val="tx1"/>
+              </a:solidFill>
+            </a:ln>
+          </p:spPr>
+          <p:style>
+            <a:lnRef idx="2">
+              <a:schemeClr val="accent1">
+                <a:shade val="50000"/>
+              </a:schemeClr>
+            </a:lnRef>
+            <a:fillRef idx="1">
+              <a:schemeClr val="accent1"/>
+            </a:fillRef>
+            <a:effectRef idx="0">
+              <a:schemeClr val="accent1"/>
+            </a:effectRef>
+            <a:fontRef idx="minor">
+              <a:schemeClr val="lt1"/>
+            </a:fontRef>
+          </p:style>
+          <p:txBody>
+            <a:bodyPr rtlCol="0" anchor="ctr"/>
+            <a:p>
+              <a:pPr algn="ctr" fontAlgn="base"/>
+              <a:endParaRPr lang="zh-CN" altLang="en-US" sz="2400" strike="noStrike" noProof="1"/>
+            </a:p>
+          </p:txBody>
+        </p:sp>
+        <p:sp>
+          <p:nvSpPr>
+            <p:cNvPr id="201" name="流程图: 过程 200"/>
+            <p:cNvSpPr/>
+            <p:nvPr/>
+          </p:nvSpPr>
+          <p:spPr>
+            <a:xfrm>
+              <a:off x="7628" y="6054"/>
+              <a:ext cx="120" cy="423"/>
+            </a:xfrm>
+            <a:prstGeom prst="flowChartProcess">
+              <a:avLst/>
+            </a:prstGeom>
+            <a:pattFill prst="ltDnDiag">
+              <a:fgClr>
+                <a:schemeClr val="tx1"/>
+              </a:fgClr>
+              <a:bgClr>
+                <a:srgbClr val="FFFFFF"/>
+              </a:bgClr>
+            </a:pattFill>
+            <a:ln w="3175">
+              <a:solidFill>
+                <a:schemeClr val="tx1"/>
+              </a:solidFill>
+            </a:ln>
+          </p:spPr>
+          <p:style>
+            <a:lnRef idx="2">
+              <a:schemeClr val="accent1">
+                <a:shade val="50000"/>
+              </a:schemeClr>
+            </a:lnRef>
+            <a:fillRef idx="1">
+              <a:schemeClr val="accent1"/>
+            </a:fillRef>
+            <a:effectRef idx="0">
+              <a:schemeClr val="accent1"/>
+            </a:effectRef>
+            <a:fontRef idx="minor">
+              <a:schemeClr val="lt1"/>
+            </a:fontRef>
+          </p:style>
+          <p:txBody>
+            <a:bodyPr rtlCol="0" anchor="ctr"/>
+            <a:p>
+              <a:pPr algn="ctr" fontAlgn="base"/>
+              <a:endParaRPr lang="zh-CN" altLang="en-US" sz="2400" strike="noStrike" noProof="1"/>
+            </a:p>
+          </p:txBody>
+        </p:sp>
+      </p:grpSp>
+      <p:grpSp>
+        <p:nvGrpSpPr>
+          <p:cNvPr id="202" name="组合 201"/>
+          <p:cNvGrpSpPr/>
+          <p:nvPr/>
+        </p:nvGrpSpPr>
+        <p:grpSpPr>
+          <a:xfrm rot="0">
+            <a:off x="7816215" y="5654040"/>
+            <a:ext cx="179705" cy="539750"/>
+            <a:chOff x="7465" y="5841"/>
+            <a:chExt cx="283" cy="850"/>
+          </a:xfrm>
+        </p:grpSpPr>
+        <p:sp>
+          <p:nvSpPr>
+            <p:cNvPr id="203" name="流程图: 过程 202"/>
+            <p:cNvSpPr/>
+            <p:nvPr/>
+          </p:nvSpPr>
+          <p:spPr>
+            <a:xfrm>
+              <a:off x="7465" y="6477"/>
+              <a:ext cx="283" cy="214"/>
+            </a:xfrm>
+            <a:prstGeom prst="flowChartProcess">
+              <a:avLst/>
+            </a:prstGeom>
+            <a:pattFill prst="ltDnDiag">
+              <a:fgClr>
+                <a:schemeClr val="tx1"/>
+              </a:fgClr>
+              <a:bgClr>
+                <a:srgbClr val="FFFFFF"/>
+              </a:bgClr>
+            </a:pattFill>
+            <a:ln w="3175">
+              <a:solidFill>
+                <a:schemeClr val="tx1"/>
+              </a:solidFill>
+            </a:ln>
+          </p:spPr>
+          <p:style>
+            <a:lnRef idx="2">
+              <a:schemeClr val="accent1">
+                <a:shade val="50000"/>
+              </a:schemeClr>
+            </a:lnRef>
+            <a:fillRef idx="1">
+              <a:schemeClr val="accent1"/>
+            </a:fillRef>
+            <a:effectRef idx="0">
+              <a:schemeClr val="accent1"/>
+            </a:effectRef>
+            <a:fontRef idx="minor">
+              <a:schemeClr val="lt1"/>
+            </a:fontRef>
+          </p:style>
+          <p:txBody>
+            <a:bodyPr rtlCol="0" anchor="ctr"/>
+            <a:p>
+              <a:pPr algn="ctr" fontAlgn="base"/>
+              <a:endParaRPr lang="zh-CN" altLang="en-US" sz="2400" strike="noStrike" noProof="1"/>
+            </a:p>
+          </p:txBody>
+        </p:sp>
+        <p:sp>
+          <p:nvSpPr>
+            <p:cNvPr id="204" name="流程图: 过程 203"/>
+            <p:cNvSpPr/>
+            <p:nvPr/>
+          </p:nvSpPr>
+          <p:spPr>
+            <a:xfrm>
+              <a:off x="7465" y="5841"/>
+              <a:ext cx="283" cy="214"/>
+            </a:xfrm>
+            <a:prstGeom prst="flowChartProcess">
+              <a:avLst/>
+            </a:prstGeom>
+            <a:pattFill prst="ltDnDiag">
+              <a:fgClr>
+                <a:schemeClr val="tx1"/>
+              </a:fgClr>
+              <a:bgClr>
+                <a:srgbClr val="FFFFFF"/>
+              </a:bgClr>
+            </a:pattFill>
+            <a:ln w="3175">
+              <a:solidFill>
+                <a:schemeClr val="tx1"/>
+              </a:solidFill>
+            </a:ln>
+          </p:spPr>
+          <p:style>
+            <a:lnRef idx="2">
+              <a:schemeClr val="accent1">
+                <a:shade val="50000"/>
+              </a:schemeClr>
+            </a:lnRef>
+            <a:fillRef idx="1">
+              <a:schemeClr val="accent1"/>
+            </a:fillRef>
+            <a:effectRef idx="0">
+              <a:schemeClr val="accent1"/>
+            </a:effectRef>
+            <a:fontRef idx="minor">
+              <a:schemeClr val="lt1"/>
+            </a:fontRef>
+          </p:style>
+          <p:txBody>
+            <a:bodyPr rtlCol="0" anchor="ctr"/>
+            <a:p>
+              <a:pPr algn="ctr" fontAlgn="base"/>
+              <a:endParaRPr lang="zh-CN" altLang="en-US" sz="2400" strike="noStrike" noProof="1"/>
+            </a:p>
+          </p:txBody>
+        </p:sp>
+        <p:sp>
+          <p:nvSpPr>
+            <p:cNvPr id="205" name="流程图: 过程 204"/>
+            <p:cNvSpPr/>
+            <p:nvPr/>
+          </p:nvSpPr>
+          <p:spPr>
+            <a:xfrm>
+              <a:off x="7465" y="6055"/>
+              <a:ext cx="120" cy="423"/>
+            </a:xfrm>
+            <a:prstGeom prst="flowChartProcess">
+              <a:avLst/>
+            </a:prstGeom>
+            <a:pattFill prst="ltDnDiag">
+              <a:fgClr>
+                <a:schemeClr val="tx1"/>
+              </a:fgClr>
+              <a:bgClr>
+                <a:srgbClr val="FFFFFF"/>
+              </a:bgClr>
+            </a:pattFill>
+            <a:ln w="3175">
+              <a:solidFill>
+                <a:schemeClr val="tx1"/>
+              </a:solidFill>
+            </a:ln>
+          </p:spPr>
+          <p:style>
+            <a:lnRef idx="2">
+              <a:schemeClr val="accent1">
+                <a:shade val="50000"/>
+              </a:schemeClr>
+            </a:lnRef>
+            <a:fillRef idx="1">
+              <a:schemeClr val="accent1"/>
+            </a:fillRef>
+            <a:effectRef idx="0">
+              <a:schemeClr val="accent1"/>
+            </a:effectRef>
+            <a:fontRef idx="minor">
+              <a:schemeClr val="lt1"/>
+            </a:fontRef>
+          </p:style>
+          <p:txBody>
+            <a:bodyPr rtlCol="0" anchor="ctr"/>
+            <a:p>
+              <a:pPr algn="ctr" fontAlgn="base"/>
+              <a:endParaRPr lang="zh-CN" altLang="en-US" sz="2400" strike="noStrike" noProof="1"/>
+            </a:p>
+          </p:txBody>
+        </p:sp>
+        <p:sp>
+          <p:nvSpPr>
+            <p:cNvPr id="206" name="流程图: 过程 205"/>
+            <p:cNvSpPr/>
+            <p:nvPr/>
+          </p:nvSpPr>
+          <p:spPr>
+            <a:xfrm>
+              <a:off x="7628" y="6054"/>
+              <a:ext cx="120" cy="423"/>
+            </a:xfrm>
+            <a:prstGeom prst="flowChartProcess">
+              <a:avLst/>
+            </a:prstGeom>
+            <a:pattFill prst="ltDnDiag">
+              <a:fgClr>
+                <a:schemeClr val="tx1"/>
+              </a:fgClr>
+              <a:bgClr>
+                <a:srgbClr val="FFFFFF"/>
+              </a:bgClr>
+            </a:pattFill>
+            <a:ln w="3175">
+              <a:solidFill>
+                <a:schemeClr val="tx1"/>
+              </a:solidFill>
+            </a:ln>
+          </p:spPr>
+          <p:style>
+            <a:lnRef idx="2">
+              <a:schemeClr val="accent1">
+                <a:shade val="50000"/>
+              </a:schemeClr>
+            </a:lnRef>
+            <a:fillRef idx="1">
+              <a:schemeClr val="accent1"/>
+            </a:fillRef>
+            <a:effectRef idx="0">
+              <a:schemeClr val="accent1"/>
+            </a:effectRef>
+            <a:fontRef idx="minor">
+              <a:schemeClr val="lt1"/>
+            </a:fontRef>
+          </p:style>
+          <p:txBody>
+            <a:bodyPr rtlCol="0" anchor="ctr"/>
+            <a:p>
+              <a:pPr algn="ctr" fontAlgn="base"/>
+              <a:endParaRPr lang="zh-CN" altLang="en-US" sz="2400" strike="noStrike" noProof="1"/>
+            </a:p>
+          </p:txBody>
+        </p:sp>
+      </p:grpSp>
+      <p:grpSp>
+        <p:nvGrpSpPr>
+          <p:cNvPr id="207" name="组合 206"/>
+          <p:cNvGrpSpPr/>
+          <p:nvPr/>
+        </p:nvGrpSpPr>
+        <p:grpSpPr>
+          <a:xfrm rot="0">
+            <a:off x="8100695" y="5659755"/>
+            <a:ext cx="179705" cy="539750"/>
+            <a:chOff x="7465" y="5841"/>
+            <a:chExt cx="283" cy="850"/>
+          </a:xfrm>
+        </p:grpSpPr>
+        <p:sp>
+          <p:nvSpPr>
+            <p:cNvPr id="208" name="流程图: 过程 207"/>
+            <p:cNvSpPr/>
+            <p:nvPr/>
+          </p:nvSpPr>
+          <p:spPr>
+            <a:xfrm>
+              <a:off x="7465" y="6477"/>
+              <a:ext cx="283" cy="214"/>
+            </a:xfrm>
+            <a:prstGeom prst="flowChartProcess">
+              <a:avLst/>
+            </a:prstGeom>
+            <a:pattFill prst="ltDnDiag">
+              <a:fgClr>
+                <a:schemeClr val="tx1"/>
+              </a:fgClr>
+              <a:bgClr>
+                <a:srgbClr val="FFFFFF"/>
+              </a:bgClr>
+            </a:pattFill>
+            <a:ln w="3175">
+              <a:solidFill>
+                <a:schemeClr val="tx1"/>
+              </a:solidFill>
+            </a:ln>
+          </p:spPr>
+          <p:style>
+            <a:lnRef idx="2">
+              <a:schemeClr val="accent1">
+                <a:shade val="50000"/>
+              </a:schemeClr>
+            </a:lnRef>
+            <a:fillRef idx="1">
+              <a:schemeClr val="accent1"/>
+            </a:fillRef>
+            <a:effectRef idx="0">
+              <a:schemeClr val="accent1"/>
+            </a:effectRef>
+            <a:fontRef idx="minor">
+              <a:schemeClr val="lt1"/>
+            </a:fontRef>
+          </p:style>
+          <p:txBody>
+            <a:bodyPr rtlCol="0" anchor="ctr"/>
+            <a:p>
+              <a:pPr algn="ctr" fontAlgn="base"/>
+              <a:endParaRPr lang="zh-CN" altLang="en-US" sz="2400" strike="noStrike" noProof="1"/>
+            </a:p>
+          </p:txBody>
+        </p:sp>
+        <p:sp>
+          <p:nvSpPr>
+            <p:cNvPr id="209" name="流程图: 过程 208"/>
+            <p:cNvSpPr/>
+            <p:nvPr/>
+          </p:nvSpPr>
+          <p:spPr>
+            <a:xfrm>
+              <a:off x="7465" y="5841"/>
+              <a:ext cx="283" cy="214"/>
+            </a:xfrm>
+            <a:prstGeom prst="flowChartProcess">
+              <a:avLst/>
+            </a:prstGeom>
+            <a:pattFill prst="ltDnDiag">
+              <a:fgClr>
+                <a:schemeClr val="tx1"/>
+              </a:fgClr>
+              <a:bgClr>
+                <a:srgbClr val="FFFFFF"/>
+              </a:bgClr>
+            </a:pattFill>
+            <a:ln w="3175">
+              <a:solidFill>
+                <a:schemeClr val="tx1"/>
+              </a:solidFill>
+            </a:ln>
+          </p:spPr>
+          <p:style>
+            <a:lnRef idx="2">
+              <a:schemeClr val="accent1">
+                <a:shade val="50000"/>
+              </a:schemeClr>
+            </a:lnRef>
+            <a:fillRef idx="1">
+              <a:schemeClr val="accent1"/>
+            </a:fillRef>
+            <a:effectRef idx="0">
+              <a:schemeClr val="accent1"/>
+            </a:effectRef>
+            <a:fontRef idx="minor">
+              <a:schemeClr val="lt1"/>
+            </a:fontRef>
+          </p:style>
+          <p:txBody>
+            <a:bodyPr rtlCol="0" anchor="ctr"/>
+            <a:p>
+              <a:pPr algn="ctr" fontAlgn="base"/>
+              <a:endParaRPr lang="zh-CN" altLang="en-US" sz="2400" strike="noStrike" noProof="1"/>
+            </a:p>
+          </p:txBody>
+        </p:sp>
+        <p:sp>
+          <p:nvSpPr>
+            <p:cNvPr id="210" name="流程图: 过程 209"/>
+            <p:cNvSpPr/>
+            <p:nvPr/>
+          </p:nvSpPr>
+          <p:spPr>
+            <a:xfrm>
+              <a:off x="7465" y="6055"/>
+              <a:ext cx="120" cy="423"/>
+            </a:xfrm>
+            <a:prstGeom prst="flowChartProcess">
+              <a:avLst/>
+            </a:prstGeom>
+            <a:pattFill prst="ltDnDiag">
+              <a:fgClr>
+                <a:schemeClr val="tx1"/>
+              </a:fgClr>
+              <a:bgClr>
+                <a:srgbClr val="FFFFFF"/>
+              </a:bgClr>
+            </a:pattFill>
+            <a:ln w="3175">
+              <a:solidFill>
+                <a:schemeClr val="tx1"/>
+              </a:solidFill>
+            </a:ln>
+          </p:spPr>
+          <p:style>
+            <a:lnRef idx="2">
+              <a:schemeClr val="accent1">
+                <a:shade val="50000"/>
+              </a:schemeClr>
+            </a:lnRef>
+            <a:fillRef idx="1">
+              <a:schemeClr val="accent1"/>
+            </a:fillRef>
+            <a:effectRef idx="0">
+              <a:schemeClr val="accent1"/>
+            </a:effectRef>
+            <a:fontRef idx="minor">
+              <a:schemeClr val="lt1"/>
+            </a:fontRef>
+          </p:style>
+          <p:txBody>
+            <a:bodyPr rtlCol="0" anchor="ctr"/>
+            <a:p>
+              <a:pPr algn="ctr" fontAlgn="base"/>
+              <a:endParaRPr lang="zh-CN" altLang="en-US" sz="2400" strike="noStrike" noProof="1"/>
+            </a:p>
+          </p:txBody>
+        </p:sp>
+        <p:sp>
+          <p:nvSpPr>
+            <p:cNvPr id="211" name="流程图: 过程 210"/>
+            <p:cNvSpPr/>
+            <p:nvPr/>
+          </p:nvSpPr>
+          <p:spPr>
+            <a:xfrm>
+              <a:off x="7628" y="6054"/>
+              <a:ext cx="120" cy="423"/>
+            </a:xfrm>
+            <a:prstGeom prst="flowChartProcess">
+              <a:avLst/>
+            </a:prstGeom>
+            <a:pattFill prst="ltDnDiag">
+              <a:fgClr>
+                <a:schemeClr val="tx1"/>
+              </a:fgClr>
+              <a:bgClr>
+                <a:srgbClr val="FFFFFF"/>
+              </a:bgClr>
+            </a:pattFill>
+            <a:ln w="3175">
+              <a:solidFill>
+                <a:schemeClr val="tx1"/>
+              </a:solidFill>
+            </a:ln>
+          </p:spPr>
+          <p:style>
+            <a:lnRef idx="2">
+              <a:schemeClr val="accent1">
+                <a:shade val="50000"/>
+              </a:schemeClr>
+            </a:lnRef>
+            <a:fillRef idx="1">
+              <a:schemeClr val="accent1"/>
+            </a:fillRef>
+            <a:effectRef idx="0">
+              <a:schemeClr val="accent1"/>
+            </a:effectRef>
+            <a:fontRef idx="minor">
+              <a:schemeClr val="lt1"/>
+            </a:fontRef>
+          </p:style>
+          <p:txBody>
+            <a:bodyPr rtlCol="0" anchor="ctr"/>
+            <a:p>
+              <a:pPr algn="ctr" fontAlgn="base"/>
+              <a:endParaRPr lang="zh-CN" altLang="en-US" sz="2400" strike="noStrike" noProof="1"/>
+            </a:p>
+          </p:txBody>
+        </p:sp>
+      </p:grpSp>
+      <p:grpSp>
+        <p:nvGrpSpPr>
+          <p:cNvPr id="5" name="组合 4"/>
+          <p:cNvGrpSpPr/>
+          <p:nvPr/>
+        </p:nvGrpSpPr>
+        <p:grpSpPr>
+          <a:xfrm rot="0">
+            <a:off x="8375015" y="5654040"/>
+            <a:ext cx="179705" cy="539750"/>
+            <a:chOff x="7465" y="5841"/>
+            <a:chExt cx="283" cy="850"/>
+          </a:xfrm>
+        </p:grpSpPr>
+        <p:sp>
+          <p:nvSpPr>
+            <p:cNvPr id="15" name="流程图: 过程 14"/>
+            <p:cNvSpPr/>
+            <p:nvPr/>
+          </p:nvSpPr>
+          <p:spPr>
+            <a:xfrm>
+              <a:off x="7465" y="6477"/>
+              <a:ext cx="283" cy="214"/>
+            </a:xfrm>
+            <a:prstGeom prst="flowChartProcess">
+              <a:avLst/>
+            </a:prstGeom>
+            <a:pattFill prst="ltDnDiag">
+              <a:fgClr>
+                <a:schemeClr val="tx1"/>
+              </a:fgClr>
+              <a:bgClr>
+                <a:srgbClr val="FFFFFF"/>
+              </a:bgClr>
+            </a:pattFill>
+            <a:ln w="3175">
+              <a:solidFill>
+                <a:schemeClr val="tx1"/>
+              </a:solidFill>
+            </a:ln>
+          </p:spPr>
+          <p:style>
+            <a:lnRef idx="2">
+              <a:schemeClr val="accent1">
+                <a:shade val="50000"/>
+              </a:schemeClr>
+            </a:lnRef>
+            <a:fillRef idx="1">
+              <a:schemeClr val="accent1"/>
+            </a:fillRef>
+            <a:effectRef idx="0">
+              <a:schemeClr val="accent1"/>
+            </a:effectRef>
+            <a:fontRef idx="minor">
+              <a:schemeClr val="lt1"/>
+            </a:fontRef>
+          </p:style>
+          <p:txBody>
+            <a:bodyPr rtlCol="0" anchor="ctr"/>
+            <a:p>
+              <a:pPr algn="ctr" fontAlgn="base"/>
+              <a:endParaRPr lang="zh-CN" altLang="en-US" sz="2400" strike="noStrike" noProof="1"/>
+            </a:p>
+          </p:txBody>
+        </p:sp>
+        <p:sp>
+          <p:nvSpPr>
+            <p:cNvPr id="16" name="流程图: 过程 15"/>
+            <p:cNvSpPr/>
+            <p:nvPr/>
+          </p:nvSpPr>
+          <p:spPr>
+            <a:xfrm>
+              <a:off x="7465" y="5841"/>
+              <a:ext cx="283" cy="214"/>
+            </a:xfrm>
+            <a:prstGeom prst="flowChartProcess">
+              <a:avLst/>
+            </a:prstGeom>
+            <a:pattFill prst="ltDnDiag">
+              <a:fgClr>
+                <a:schemeClr val="tx1"/>
+              </a:fgClr>
+              <a:bgClr>
+                <a:srgbClr val="FFFFFF"/>
+              </a:bgClr>
+            </a:pattFill>
+            <a:ln w="3175">
+              <a:solidFill>
+                <a:schemeClr val="tx1"/>
+              </a:solidFill>
+            </a:ln>
+          </p:spPr>
+          <p:style>
+            <a:lnRef idx="2">
+              <a:schemeClr val="accent1">
+                <a:shade val="50000"/>
+              </a:schemeClr>
+            </a:lnRef>
+            <a:fillRef idx="1">
+              <a:schemeClr val="accent1"/>
+            </a:fillRef>
+            <a:effectRef idx="0">
+              <a:schemeClr val="accent1"/>
+            </a:effectRef>
+            <a:fontRef idx="minor">
+              <a:schemeClr val="lt1"/>
+            </a:fontRef>
+          </p:style>
+          <p:txBody>
+            <a:bodyPr rtlCol="0" anchor="ctr"/>
+            <a:p>
+              <a:pPr algn="ctr" fontAlgn="base"/>
+              <a:endParaRPr lang="zh-CN" altLang="en-US" sz="2400" strike="noStrike" noProof="1"/>
+            </a:p>
+          </p:txBody>
+        </p:sp>
+        <p:sp>
+          <p:nvSpPr>
+            <p:cNvPr id="17" name="流程图: 过程 16"/>
+            <p:cNvSpPr/>
+            <p:nvPr/>
+          </p:nvSpPr>
+          <p:spPr>
+            <a:xfrm>
+              <a:off x="7465" y="6055"/>
+              <a:ext cx="120" cy="423"/>
+            </a:xfrm>
+            <a:prstGeom prst="flowChartProcess">
+              <a:avLst/>
+            </a:prstGeom>
+            <a:pattFill prst="ltDnDiag">
+              <a:fgClr>
+                <a:schemeClr val="tx1"/>
+              </a:fgClr>
+              <a:bgClr>
+                <a:srgbClr val="FFFFFF"/>
+              </a:bgClr>
+            </a:pattFill>
+            <a:ln w="3175">
+              <a:solidFill>
+                <a:schemeClr val="tx1"/>
+              </a:solidFill>
+            </a:ln>
+          </p:spPr>
+          <p:style>
+            <a:lnRef idx="2">
+              <a:schemeClr val="accent1">
+                <a:shade val="50000"/>
+              </a:schemeClr>
+            </a:lnRef>
+            <a:fillRef idx="1">
+              <a:schemeClr val="accent1"/>
+            </a:fillRef>
+            <a:effectRef idx="0">
+              <a:schemeClr val="accent1"/>
+            </a:effectRef>
+            <a:fontRef idx="minor">
+              <a:schemeClr val="lt1"/>
+            </a:fontRef>
+          </p:style>
+          <p:txBody>
+            <a:bodyPr rtlCol="0" anchor="ctr"/>
+            <a:p>
+              <a:pPr algn="ctr" fontAlgn="base"/>
+              <a:endParaRPr lang="zh-CN" altLang="en-US" sz="2400" strike="noStrike" noProof="1"/>
+            </a:p>
+          </p:txBody>
+        </p:sp>
+        <p:sp>
+          <p:nvSpPr>
+            <p:cNvPr id="19" name="流程图: 过程 18"/>
+            <p:cNvSpPr/>
+            <p:nvPr/>
+          </p:nvSpPr>
+          <p:spPr>
+            <a:xfrm>
+              <a:off x="7628" y="6054"/>
+              <a:ext cx="120" cy="423"/>
+            </a:xfrm>
+            <a:prstGeom prst="flowChartProcess">
+              <a:avLst/>
+            </a:prstGeom>
+            <a:pattFill prst="ltDnDiag">
+              <a:fgClr>
+                <a:schemeClr val="tx1"/>
+              </a:fgClr>
+              <a:bgClr>
+                <a:srgbClr val="FFFFFF"/>
+              </a:bgClr>
+            </a:pattFill>
+            <a:ln w="3175">
+              <a:solidFill>
+                <a:schemeClr val="tx1"/>
+              </a:solidFill>
+            </a:ln>
+          </p:spPr>
+          <p:style>
+            <a:lnRef idx="2">
+              <a:schemeClr val="accent1">
+                <a:shade val="50000"/>
+              </a:schemeClr>
+            </a:lnRef>
+            <a:fillRef idx="1">
+              <a:schemeClr val="accent1"/>
+            </a:fillRef>
+            <a:effectRef idx="0">
+              <a:schemeClr val="accent1"/>
+            </a:effectRef>
+            <a:fontRef idx="minor">
+              <a:schemeClr val="lt1"/>
+            </a:fontRef>
+          </p:style>
+          <p:txBody>
+            <a:bodyPr rtlCol="0" anchor="ctr"/>
+            <a:p>
+              <a:pPr algn="ctr" fontAlgn="base"/>
+              <a:endParaRPr lang="zh-CN" altLang="en-US" sz="2400" strike="noStrike" noProof="1"/>
+            </a:p>
+          </p:txBody>
+        </p:sp>
       </p:grpSp>
       <p:sp>
         <p:nvSpPr>
@@ -14525,7 +14156,7 @@
         </p:nvSpPr>
         <p:spPr>
           <a:xfrm>
-            <a:off x="8763000" y="7715885"/>
+            <a:off x="8572500" y="7715885"/>
             <a:ext cx="6258560" cy="443865"/>
           </a:xfrm>
           <a:prstGeom prst="ellipse">
@@ -14625,6 +14256,182 @@
           </a:p>
         </p:txBody>
       </p:sp>
+      <p:graphicFrame>
+        <p:nvGraphicFramePr>
+          <p:cNvPr id="7" name="对象 6">
+            <a:hlinkClick r:id="" action="ppaction://ole?verb="/>
+          </p:cNvPr>
+          <p:cNvGraphicFramePr>
+            <a:graphicFrameLocks noChangeAspect="1"/>
+          </p:cNvGraphicFramePr>
+          <p:nvPr/>
+        </p:nvGraphicFramePr>
+        <p:xfrm>
+          <a:off x="6154738" y="5337493"/>
+          <a:ext cx="654685" cy="537845"/>
+        </p:xfrm>
+        <a:graphic>
+          <a:graphicData uri="http://schemas.openxmlformats.org/presentationml/2006/ole">
+            <mc:AlternateContent xmlns:mc="http://schemas.openxmlformats.org/markup-compatibility/2006">
+              <mc:Choice xmlns:v="urn:schemas-microsoft-com:vml" Requires="v">
+                <p:oleObj spid="_x0000_s1025" name="" r:id="rId2" imgW="215900" imgH="177165" progId="Equation.KSEE3">
+                  <p:embed/>
+                </p:oleObj>
+              </mc:Choice>
+              <mc:Fallback>
+                <p:oleObj name="" r:id="rId2" imgW="215900" imgH="177165" progId="Equation.KSEE3">
+                  <p:embed/>
+                  <p:pic>
+                    <p:nvPicPr>
+                      <p:cNvPr id="0" name="图片 1024"/>
+                      <p:cNvPicPr/>
+                      <p:nvPr/>
+                    </p:nvPicPr>
+                    <p:blipFill>
+                      <a:blip r:embed="rId3"/>
+                      <a:stretch>
+                        <a:fillRect/>
+                      </a:stretch>
+                    </p:blipFill>
+                    <p:spPr>
+                      <a:xfrm>
+                        <a:off x="6154738" y="5337493"/>
+                        <a:ext cx="654685" cy="537845"/>
+                      </a:xfrm>
+                      <a:prstGeom prst="rect">
+                        <a:avLst/>
+                      </a:prstGeom>
+                    </p:spPr>
+                  </p:pic>
+                </p:oleObj>
+              </mc:Fallback>
+            </mc:AlternateContent>
+          </a:graphicData>
+        </a:graphic>
+      </p:graphicFrame>
+      <p:graphicFrame>
+        <p:nvGraphicFramePr>
+          <p:cNvPr id="6" name="对象 5">
+            <a:hlinkClick r:id="" action="ppaction://ole?verb="/>
+          </p:cNvPr>
+          <p:cNvGraphicFramePr>
+            <a:graphicFrameLocks noChangeAspect="1"/>
+          </p:cNvGraphicFramePr>
+          <p:nvPr/>
+        </p:nvGraphicFramePr>
+        <p:xfrm>
+          <a:off x="6833870" y="8439150"/>
+          <a:ext cx="2040890" cy="961390"/>
+        </p:xfrm>
+        <a:graphic>
+          <a:graphicData uri="http://schemas.openxmlformats.org/presentationml/2006/ole">
+            <mc:AlternateContent xmlns:mc="http://schemas.openxmlformats.org/markup-compatibility/2006">
+              <mc:Choice xmlns:v="urn:schemas-microsoft-com:vml" Requires="v">
+                <p:oleObj spid="_x0000_s4" name="" r:id="rId4" imgW="673100" imgH="316865" progId="Equation.KSEE3">
+                  <p:embed/>
+                </p:oleObj>
+              </mc:Choice>
+              <mc:Fallback>
+                <p:oleObj name="" r:id="rId4" imgW="673100" imgH="316865" progId="Equation.KSEE3">
+                  <p:embed/>
+                  <p:pic>
+                    <p:nvPicPr>
+                      <p:cNvPr id="0" name="图片 1024"/>
+                      <p:cNvPicPr/>
+                      <p:nvPr/>
+                    </p:nvPicPr>
+                    <p:blipFill>
+                      <a:blip r:embed="rId5"/>
+                      <a:stretch>
+                        <a:fillRect/>
+                      </a:stretch>
+                    </p:blipFill>
+                    <p:spPr>
+                      <a:xfrm>
+                        <a:off x="6833870" y="8439150"/>
+                        <a:ext cx="2040890" cy="961390"/>
+                      </a:xfrm>
+                      <a:prstGeom prst="rect">
+                        <a:avLst/>
+                      </a:prstGeom>
+                    </p:spPr>
+                  </p:pic>
+                </p:oleObj>
+              </mc:Fallback>
+            </mc:AlternateContent>
+          </a:graphicData>
+        </a:graphic>
+      </p:graphicFrame>
+      <p:cxnSp>
+        <p:nvCxnSpPr>
+          <p:cNvPr id="8" name="直接箭头连接符 7"/>
+          <p:cNvCxnSpPr/>
+          <p:nvPr/>
+        </p:nvCxnSpPr>
+        <p:spPr>
+          <a:xfrm flipH="1" flipV="1">
+            <a:off x="8596410" y="8255000"/>
+            <a:ext cx="688339" cy="1270"/>
+          </a:xfrm>
+          <a:prstGeom prst="straightConnector1">
+            <a:avLst/>
+          </a:prstGeom>
+          <a:ln>
+            <a:prstDash val="dash"/>
+            <a:headEnd type="none" w="med" len="med"/>
+            <a:tailEnd type="arrow" w="med" len="med"/>
+          </a:ln>
+        </p:spPr>
+        <p:style>
+          <a:lnRef idx="1">
+            <a:schemeClr val="dk1"/>
+          </a:lnRef>
+          <a:fillRef idx="0">
+            <a:schemeClr val="dk1"/>
+          </a:fillRef>
+          <a:effectRef idx="0">
+            <a:schemeClr val="dk1"/>
+          </a:effectRef>
+          <a:fontRef idx="minor">
+            <a:schemeClr val="tx1"/>
+          </a:fontRef>
+        </p:style>
+      </p:cxnSp>
+      <p:cxnSp>
+        <p:nvCxnSpPr>
+          <p:cNvPr id="9" name="直接箭头连接符 8"/>
+          <p:cNvCxnSpPr/>
+          <p:nvPr/>
+        </p:nvCxnSpPr>
+        <p:spPr>
+          <a:xfrm>
+            <a:off x="6243955" y="8286750"/>
+            <a:ext cx="698500" cy="0"/>
+          </a:xfrm>
+          <a:prstGeom prst="straightConnector1">
+            <a:avLst/>
+          </a:prstGeom>
+          <a:ln>
+            <a:prstDash val="dash"/>
+            <a:headEnd type="none" w="med" len="med"/>
+            <a:tailEnd type="arrow" w="med" len="med"/>
+          </a:ln>
+        </p:spPr>
+        <p:style>
+          <a:lnRef idx="1">
+            <a:schemeClr val="dk1"/>
+          </a:lnRef>
+          <a:fillRef idx="0">
+            <a:schemeClr val="dk1"/>
+          </a:fillRef>
+          <a:effectRef idx="0">
+            <a:schemeClr val="dk1"/>
+          </a:effectRef>
+          <a:fontRef idx="minor">
+            <a:schemeClr val="tx1"/>
+          </a:fontRef>
+        </p:style>
+      </p:cxnSp>
     </p:spTree>
   </p:cSld>
   <p:clrMapOvr>
@@ -14634,6 +14441,4269 @@
 </file>
 
 <file path=ppt/slides/slide4.xml><?xml version="1.0" encoding="utf-8"?>
+<p:sld xmlns:a="http://schemas.openxmlformats.org/drawingml/2006/main" xmlns:r="http://schemas.openxmlformats.org/officeDocument/2006/relationships" xmlns:p="http://schemas.openxmlformats.org/presentationml/2006/main">
+  <p:cSld>
+    <p:spTree>
+      <p:nvGrpSpPr>
+        <p:cNvPr id="1" name=""/>
+        <p:cNvGrpSpPr/>
+        <p:nvPr/>
+      </p:nvGrpSpPr>
+      <p:grpSpPr/>
+      <p:grpSp>
+        <p:nvGrpSpPr>
+          <p:cNvPr id="3" name="组合 2"/>
+          <p:cNvGrpSpPr/>
+          <p:nvPr/>
+        </p:nvGrpSpPr>
+        <p:grpSpPr>
+          <a:xfrm rot="0" flipH="1">
+            <a:off x="-2848516" y="1795780"/>
+            <a:ext cx="15113304" cy="7081520"/>
+            <a:chOff x="780" y="1841"/>
+            <a:chExt cx="22549" cy="11152"/>
+          </a:xfrm>
+        </p:grpSpPr>
+        <p:sp>
+          <p:nvSpPr>
+            <p:cNvPr id="28" name="椭圆 27"/>
+            <p:cNvSpPr/>
+            <p:nvPr/>
+          </p:nvSpPr>
+          <p:spPr>
+            <a:xfrm rot="9660000">
+              <a:off x="10310" y="5736"/>
+              <a:ext cx="1340" cy="445"/>
+            </a:xfrm>
+            <a:prstGeom prst="ellipse">
+              <a:avLst/>
+            </a:prstGeom>
+            <a:solidFill>
+              <a:srgbClr val="FFC000"/>
+            </a:solidFill>
+            <a:ln>
+              <a:noFill/>
+            </a:ln>
+          </p:spPr>
+          <p:style>
+            <a:lnRef idx="2">
+              <a:schemeClr val="accent1">
+                <a:shade val="50000"/>
+              </a:schemeClr>
+            </a:lnRef>
+            <a:fillRef idx="1">
+              <a:schemeClr val="accent1"/>
+            </a:fillRef>
+            <a:effectRef idx="0">
+              <a:schemeClr val="accent1"/>
+            </a:effectRef>
+            <a:fontRef idx="minor">
+              <a:schemeClr val="lt1"/>
+            </a:fontRef>
+          </p:style>
+          <p:txBody>
+            <a:bodyPr rtlCol="0" anchor="ctr"/>
+            <a:p>
+              <a:pPr algn="l" fontAlgn="base"/>
+              <a:endParaRPr lang="en-US" altLang="zh-CN" sz="2400" strike="noStrike" noProof="1">
+                <a:solidFill>
+                  <a:schemeClr val="tx1"/>
+                </a:solidFill>
+                <a:latin typeface="Arial" panose="020B0604020202020204" pitchFamily="34" charset="0"/>
+              </a:endParaRPr>
+            </a:p>
+          </p:txBody>
+        </p:sp>
+        <p:sp>
+          <p:nvSpPr>
+            <p:cNvPr id="26658" name="文本框 20"/>
+            <p:cNvSpPr txBox="1"/>
+            <p:nvPr/>
+          </p:nvSpPr>
+          <p:spPr>
+            <a:xfrm>
+              <a:off x="780" y="11336"/>
+              <a:ext cx="2168" cy="720"/>
+            </a:xfrm>
+            <a:prstGeom prst="rect">
+              <a:avLst/>
+            </a:prstGeom>
+            <a:noFill/>
+            <a:ln w="9525">
+              <a:noFill/>
+            </a:ln>
+          </p:spPr>
+          <p:txBody>
+            <a:bodyPr wrap="square" anchor="t">
+              <a:spAutoFit/>
+            </a:bodyPr>
+            <a:p>
+              <a:pPr lvl="0"/>
+              <a:r>
+                <a:rPr lang="en-US" altLang="zh-CN" sz="2400">
+                  <a:latin typeface="Arial" panose="020B0604020202020204" pitchFamily="34" charset="0"/>
+                  <a:ea typeface="AR PL KaitiM GB" charset="0"/>
+                </a:rPr>
+                <a:t>t</a:t>
+              </a:r>
+              <a:endParaRPr lang="en-US" altLang="zh-CN" sz="2400">
+                <a:latin typeface="Arial" panose="020B0604020202020204" pitchFamily="34" charset="0"/>
+                <a:ea typeface="AR PL KaitiM GB" charset="0"/>
+              </a:endParaRPr>
+            </a:p>
+          </p:txBody>
+        </p:sp>
+        <p:cxnSp>
+          <p:nvCxnSpPr>
+            <p:cNvPr id="132" name="直接箭头连接符 131"/>
+            <p:cNvCxnSpPr/>
+            <p:nvPr/>
+          </p:nvCxnSpPr>
+          <p:spPr>
+            <a:xfrm flipV="1">
+              <a:off x="2285" y="6148"/>
+              <a:ext cx="8106" cy="1291"/>
+            </a:xfrm>
+            <a:prstGeom prst="straightConnector1">
+              <a:avLst/>
+            </a:prstGeom>
+            <a:ln>
+              <a:solidFill>
+                <a:schemeClr val="tx1"/>
+              </a:solidFill>
+              <a:headEnd type="none"/>
+              <a:tailEnd type="none"/>
+            </a:ln>
+          </p:spPr>
+          <p:style>
+            <a:lnRef idx="1">
+              <a:schemeClr val="accent1"/>
+            </a:lnRef>
+            <a:fillRef idx="0">
+              <a:schemeClr val="accent1"/>
+            </a:fillRef>
+            <a:effectRef idx="0">
+              <a:schemeClr val="accent1"/>
+            </a:effectRef>
+            <a:fontRef idx="minor">
+              <a:schemeClr val="tx1"/>
+            </a:fontRef>
+          </p:style>
+        </p:cxnSp>
+        <p:sp>
+          <p:nvSpPr>
+            <p:cNvPr id="18" name="椭圆 17"/>
+            <p:cNvSpPr/>
+            <p:nvPr/>
+          </p:nvSpPr>
+          <p:spPr>
+            <a:xfrm rot="20880000">
+              <a:off x="9495" y="1841"/>
+              <a:ext cx="1270" cy="470"/>
+            </a:xfrm>
+            <a:prstGeom prst="ellipse">
+              <a:avLst/>
+            </a:prstGeom>
+            <a:solidFill>
+              <a:srgbClr val="FFC000"/>
+            </a:solidFill>
+            <a:ln>
+              <a:noFill/>
+            </a:ln>
+          </p:spPr>
+          <p:style>
+            <a:lnRef idx="2">
+              <a:schemeClr val="accent1">
+                <a:shade val="50000"/>
+              </a:schemeClr>
+            </a:lnRef>
+            <a:fillRef idx="1">
+              <a:schemeClr val="accent1"/>
+            </a:fillRef>
+            <a:effectRef idx="0">
+              <a:schemeClr val="accent1"/>
+            </a:effectRef>
+            <a:fontRef idx="minor">
+              <a:schemeClr val="lt1"/>
+            </a:fontRef>
+          </p:style>
+          <p:txBody>
+            <a:bodyPr rtlCol="0" anchor="ctr"/>
+            <a:p>
+              <a:pPr algn="l" fontAlgn="base"/>
+              <a:endParaRPr lang="en-US" altLang="zh-CN" sz="2400" strike="noStrike" noProof="1">
+                <a:solidFill>
+                  <a:schemeClr val="tx1"/>
+                </a:solidFill>
+                <a:latin typeface="Arial" panose="020B0604020202020204" pitchFamily="34" charset="0"/>
+              </a:endParaRPr>
+            </a:p>
+          </p:txBody>
+        </p:sp>
+        <p:pic>
+          <p:nvPicPr>
+            <p:cNvPr id="23" name="图片 22" descr="magnifier"/>
+            <p:cNvPicPr>
+              <a:picLocks noChangeAspect="1"/>
+            </p:cNvPicPr>
+            <p:nvPr/>
+          </p:nvPicPr>
+          <p:blipFill>
+            <a:blip r:embed="rId1"/>
+            <a:stretch>
+              <a:fillRect/>
+            </a:stretch>
+          </p:blipFill>
+          <p:spPr>
+            <a:xfrm>
+              <a:off x="9838" y="5596"/>
+              <a:ext cx="1719" cy="1719"/>
+            </a:xfrm>
+            <a:prstGeom prst="rect">
+              <a:avLst/>
+            </a:prstGeom>
+          </p:spPr>
+        </p:pic>
+        <p:sp>
+          <p:nvSpPr>
+            <p:cNvPr id="24" name="椭圆 23"/>
+            <p:cNvSpPr/>
+            <p:nvPr/>
+          </p:nvSpPr>
+          <p:spPr>
+            <a:xfrm rot="540000">
+              <a:off x="8409" y="2036"/>
+              <a:ext cx="4063" cy="4062"/>
+            </a:xfrm>
+            <a:prstGeom prst="ellipse">
+              <a:avLst/>
+            </a:prstGeom>
+            <a:noFill/>
+            <a:extLst>
+              <a:ext uri="{909E8E84-426E-40DD-AFC4-6F175D3DCCD1}">
+                <a14:hiddenFill xmlns:a14="http://schemas.microsoft.com/office/drawing/2010/main">
+                  <a:solidFill>
+                    <a:schemeClr val="accent1"/>
+                  </a:solidFill>
+                </a14:hiddenFill>
+              </a:ext>
+            </a:extLst>
+          </p:spPr>
+          <p:style>
+            <a:lnRef idx="2">
+              <a:schemeClr val="accent1">
+                <a:shade val="50000"/>
+              </a:schemeClr>
+            </a:lnRef>
+            <a:fillRef idx="1">
+              <a:schemeClr val="accent1"/>
+            </a:fillRef>
+            <a:effectRef idx="0">
+              <a:schemeClr val="accent1"/>
+            </a:effectRef>
+            <a:fontRef idx="minor">
+              <a:schemeClr val="lt1"/>
+            </a:fontRef>
+          </p:style>
+          <p:txBody>
+            <a:bodyPr rtlCol="0" anchor="ctr"/>
+            <a:p>
+              <a:pPr algn="ctr"/>
+              <a:r>
+                <a:rPr lang="en-US" altLang="zh-CN" sz="2400">
+                  <a:latin typeface="Arial" panose="020B0604020202020204" pitchFamily="34" charset="0"/>
+                </a:rPr>
+                <a:t>22</a:t>
+              </a:r>
+              <a:endParaRPr lang="en-US" altLang="zh-CN" sz="2400">
+                <a:latin typeface="Arial" panose="020B0604020202020204" pitchFamily="34" charset="0"/>
+              </a:endParaRPr>
+            </a:p>
+          </p:txBody>
+        </p:sp>
+        <p:cxnSp>
+          <p:nvCxnSpPr>
+            <p:cNvPr id="27" name="直接箭头连接符 26"/>
+            <p:cNvCxnSpPr/>
+            <p:nvPr/>
+          </p:nvCxnSpPr>
+          <p:spPr>
+            <a:xfrm flipV="1">
+              <a:off x="3440" y="11708"/>
+              <a:ext cx="10650" cy="39"/>
+            </a:xfrm>
+            <a:prstGeom prst="straightConnector1">
+              <a:avLst/>
+            </a:prstGeom>
+            <a:ln>
+              <a:headEnd type="arrow" w="med" len="med"/>
+              <a:tailEnd type="none" w="med" len="med"/>
+            </a:ln>
+          </p:spPr>
+          <p:style>
+            <a:lnRef idx="1">
+              <a:schemeClr val="dk1"/>
+            </a:lnRef>
+            <a:fillRef idx="0">
+              <a:schemeClr val="dk1"/>
+            </a:fillRef>
+            <a:effectRef idx="0">
+              <a:schemeClr val="dk1"/>
+            </a:effectRef>
+            <a:fontRef idx="minor">
+              <a:schemeClr val="tx1"/>
+            </a:fontRef>
+          </p:style>
+        </p:cxnSp>
+        <p:cxnSp>
+          <p:nvCxnSpPr>
+            <p:cNvPr id="30" name="直接箭头连接符 29"/>
+            <p:cNvCxnSpPr/>
+            <p:nvPr/>
+          </p:nvCxnSpPr>
+          <p:spPr>
+            <a:xfrm flipV="1">
+              <a:off x="13437" y="8066"/>
+              <a:ext cx="3" cy="4927"/>
+            </a:xfrm>
+            <a:prstGeom prst="straightConnector1">
+              <a:avLst/>
+            </a:prstGeom>
+            <a:ln>
+              <a:tailEnd type="arrow" w="med" len="med"/>
+            </a:ln>
+          </p:spPr>
+          <p:style>
+            <a:lnRef idx="1">
+              <a:schemeClr val="dk1"/>
+            </a:lnRef>
+            <a:fillRef idx="0">
+              <a:schemeClr val="dk1"/>
+            </a:fillRef>
+            <a:effectRef idx="0">
+              <a:schemeClr val="dk1"/>
+            </a:effectRef>
+            <a:fontRef idx="minor">
+              <a:schemeClr val="tx1"/>
+            </a:fontRef>
+          </p:style>
+        </p:cxnSp>
+        <p:cxnSp>
+          <p:nvCxnSpPr>
+            <p:cNvPr id="31" name="直接连接符 30"/>
+            <p:cNvCxnSpPr/>
+            <p:nvPr/>
+          </p:nvCxnSpPr>
+          <p:spPr>
+            <a:xfrm flipH="1">
+              <a:off x="11391" y="9707"/>
+              <a:ext cx="5" cy="3286"/>
+            </a:xfrm>
+            <a:prstGeom prst="line">
+              <a:avLst/>
+            </a:prstGeom>
+            <a:ln>
+              <a:solidFill>
+                <a:schemeClr val="tx1"/>
+              </a:solidFill>
+              <a:prstDash val="dash"/>
+            </a:ln>
+          </p:spPr>
+          <p:style>
+            <a:lnRef idx="1">
+              <a:schemeClr val="accent1"/>
+            </a:lnRef>
+            <a:fillRef idx="0">
+              <a:schemeClr val="accent1"/>
+            </a:fillRef>
+            <a:effectRef idx="0">
+              <a:schemeClr val="accent1"/>
+            </a:effectRef>
+            <a:fontRef idx="minor">
+              <a:schemeClr val="tx1"/>
+            </a:fontRef>
+          </p:style>
+        </p:cxnSp>
+        <p:cxnSp>
+          <p:nvCxnSpPr>
+            <p:cNvPr id="32" name="直接箭头连接符 31"/>
+            <p:cNvCxnSpPr/>
+            <p:nvPr/>
+          </p:nvCxnSpPr>
+          <p:spPr>
+            <a:xfrm flipV="1">
+              <a:off x="10311" y="12781"/>
+              <a:ext cx="1027" cy="2"/>
+            </a:xfrm>
+            <a:prstGeom prst="straightConnector1">
+              <a:avLst/>
+            </a:prstGeom>
+            <a:ln>
+              <a:prstDash val="dash"/>
+              <a:headEnd type="none" w="med" len="med"/>
+              <a:tailEnd type="arrow" w="med" len="med"/>
+            </a:ln>
+          </p:spPr>
+          <p:style>
+            <a:lnRef idx="1">
+              <a:schemeClr val="dk1"/>
+            </a:lnRef>
+            <a:fillRef idx="0">
+              <a:schemeClr val="dk1"/>
+            </a:fillRef>
+            <a:effectRef idx="0">
+              <a:schemeClr val="dk1"/>
+            </a:effectRef>
+            <a:fontRef idx="minor">
+              <a:schemeClr val="tx1"/>
+            </a:fontRef>
+          </p:style>
+        </p:cxnSp>
+        <p:cxnSp>
+          <p:nvCxnSpPr>
+            <p:cNvPr id="38" name="直接连接符 37"/>
+            <p:cNvCxnSpPr/>
+            <p:nvPr/>
+          </p:nvCxnSpPr>
+          <p:spPr>
+            <a:xfrm>
+              <a:off x="9615" y="9707"/>
+              <a:ext cx="1780" cy="2001"/>
+            </a:xfrm>
+            <a:prstGeom prst="line">
+              <a:avLst/>
+            </a:prstGeom>
+          </p:spPr>
+          <p:style>
+            <a:lnRef idx="1">
+              <a:schemeClr val="dk1"/>
+            </a:lnRef>
+            <a:fillRef idx="0">
+              <a:schemeClr val="dk1"/>
+            </a:fillRef>
+            <a:effectRef idx="0">
+              <a:schemeClr val="dk1"/>
+            </a:effectRef>
+            <a:fontRef idx="minor">
+              <a:schemeClr val="tx1"/>
+            </a:fontRef>
+          </p:style>
+        </p:cxnSp>
+        <p:cxnSp>
+          <p:nvCxnSpPr>
+            <p:cNvPr id="39" name="直接连接符 38"/>
+            <p:cNvCxnSpPr/>
+            <p:nvPr/>
+          </p:nvCxnSpPr>
+          <p:spPr>
+            <a:xfrm flipH="1" flipV="1">
+              <a:off x="6877" y="9668"/>
+              <a:ext cx="2680" cy="39"/>
+            </a:xfrm>
+            <a:prstGeom prst="line">
+              <a:avLst/>
+            </a:prstGeom>
+          </p:spPr>
+          <p:style>
+            <a:lnRef idx="1">
+              <a:schemeClr val="dk1"/>
+            </a:lnRef>
+            <a:fillRef idx="0">
+              <a:schemeClr val="dk1"/>
+            </a:fillRef>
+            <a:effectRef idx="0">
+              <a:schemeClr val="dk1"/>
+            </a:effectRef>
+            <a:fontRef idx="minor">
+              <a:schemeClr val="tx1"/>
+            </a:fontRef>
+          </p:style>
+        </p:cxnSp>
+        <p:cxnSp>
+          <p:nvCxnSpPr>
+            <p:cNvPr id="41" name="直接连接符 40"/>
+            <p:cNvCxnSpPr/>
+            <p:nvPr/>
+          </p:nvCxnSpPr>
+          <p:spPr>
+            <a:xfrm>
+              <a:off x="9635" y="8600"/>
+              <a:ext cx="0" cy="2591"/>
+            </a:xfrm>
+            <a:prstGeom prst="line">
+              <a:avLst/>
+            </a:prstGeom>
+            <a:ln>
+              <a:solidFill>
+                <a:schemeClr val="tx1"/>
+              </a:solidFill>
+              <a:prstDash val="dash"/>
+            </a:ln>
+          </p:spPr>
+          <p:style>
+            <a:lnRef idx="1">
+              <a:schemeClr val="accent1"/>
+            </a:lnRef>
+            <a:fillRef idx="0">
+              <a:schemeClr val="accent1"/>
+            </a:fillRef>
+            <a:effectRef idx="0">
+              <a:schemeClr val="accent1"/>
+            </a:effectRef>
+            <a:fontRef idx="minor">
+              <a:schemeClr val="tx1"/>
+            </a:fontRef>
+          </p:style>
+        </p:cxnSp>
+        <p:cxnSp>
+          <p:nvCxnSpPr>
+            <p:cNvPr id="42" name="直接箭头连接符 41"/>
+            <p:cNvCxnSpPr>
+              <a:endCxn id="190" idx="1"/>
+            </p:cNvCxnSpPr>
+            <p:nvPr/>
+          </p:nvCxnSpPr>
+          <p:spPr>
+            <a:xfrm>
+              <a:off x="9622" y="9337"/>
+              <a:ext cx="1717" cy="6"/>
+            </a:xfrm>
+            <a:prstGeom prst="straightConnector1">
+              <a:avLst/>
+            </a:prstGeom>
+            <a:ln>
+              <a:prstDash val="dash"/>
+              <a:headEnd type="arrow" w="med" len="med"/>
+              <a:tailEnd type="arrow" w="med" len="med"/>
+            </a:ln>
+          </p:spPr>
+          <p:style>
+            <a:lnRef idx="1">
+              <a:schemeClr val="dk1"/>
+            </a:lnRef>
+            <a:fillRef idx="0">
+              <a:schemeClr val="dk1"/>
+            </a:fillRef>
+            <a:effectRef idx="0">
+              <a:schemeClr val="dk1"/>
+            </a:effectRef>
+            <a:fontRef idx="minor">
+              <a:schemeClr val="tx1"/>
+            </a:fontRef>
+          </p:style>
+        </p:cxnSp>
+        <p:sp>
+          <p:nvSpPr>
+            <p:cNvPr id="46" name="文本框 20"/>
+            <p:cNvSpPr txBox="1"/>
+            <p:nvPr/>
+          </p:nvSpPr>
+          <p:spPr>
+            <a:xfrm>
+              <a:off x="13538" y="7946"/>
+              <a:ext cx="673" cy="624"/>
+            </a:xfrm>
+            <a:prstGeom prst="rect">
+              <a:avLst/>
+            </a:prstGeom>
+            <a:noFill/>
+            <a:ln w="9525">
+              <a:noFill/>
+            </a:ln>
+          </p:spPr>
+          <p:txBody>
+            <a:bodyPr wrap="square" anchor="t">
+              <a:spAutoFit/>
+            </a:bodyPr>
+            <a:p>
+              <a:pPr lvl="0"/>
+              <a:r>
+                <a:rPr lang="en-US" altLang="zh-CN" sz="2000">
+                  <a:latin typeface="Arial" panose="020B0604020202020204" pitchFamily="34" charset="0"/>
+                  <a:ea typeface="AR PL KaitiM GB" charset="0"/>
+                </a:rPr>
+                <a:t>B</a:t>
+              </a:r>
+              <a:endParaRPr lang="en-US" altLang="zh-CN" sz="2000">
+                <a:latin typeface="Arial" panose="020B0604020202020204" pitchFamily="34" charset="0"/>
+                <a:ea typeface="AR PL KaitiM GB" charset="0"/>
+              </a:endParaRPr>
+            </a:p>
+          </p:txBody>
+        </p:sp>
+        <p:sp>
+          <p:nvSpPr>
+            <p:cNvPr id="47" name="左箭头 46"/>
+            <p:cNvSpPr/>
+            <p:nvPr/>
+          </p:nvSpPr>
+          <p:spPr>
+            <a:xfrm rot="10260000" flipH="1">
+              <a:off x="4406" y="6228"/>
+              <a:ext cx="1249" cy="600"/>
+            </a:xfrm>
+            <a:prstGeom prst="leftArrow">
+              <a:avLst/>
+            </a:prstGeom>
+            <a:solidFill>
+              <a:schemeClr val="tx1"/>
+            </a:solidFill>
+          </p:spPr>
+          <p:style>
+            <a:lnRef idx="2">
+              <a:schemeClr val="accent1">
+                <a:shade val="50000"/>
+              </a:schemeClr>
+            </a:lnRef>
+            <a:fillRef idx="1">
+              <a:schemeClr val="accent1"/>
+            </a:fillRef>
+            <a:effectRef idx="0">
+              <a:schemeClr val="accent1"/>
+            </a:effectRef>
+            <a:fontRef idx="minor">
+              <a:schemeClr val="lt1"/>
+            </a:fontRef>
+          </p:style>
+          <p:txBody>
+            <a:bodyPr rtlCol="0" anchor="ctr"/>
+            <a:p>
+              <a:pPr algn="ctr"/>
+              <a:endParaRPr lang="zh-CN" altLang="en-US"/>
+            </a:p>
+          </p:txBody>
+        </p:sp>
+        <p:sp>
+          <p:nvSpPr>
+            <p:cNvPr id="48" name="文本框 47"/>
+            <p:cNvSpPr txBox="1"/>
+            <p:nvPr/>
+          </p:nvSpPr>
+          <p:spPr>
+            <a:xfrm>
+              <a:off x="8652" y="3857"/>
+              <a:ext cx="2061" cy="720"/>
+            </a:xfrm>
+            <a:prstGeom prst="rect">
+              <a:avLst/>
+            </a:prstGeom>
+            <a:noFill/>
+          </p:spPr>
+          <p:txBody>
+            <a:bodyPr wrap="square" rtlCol="0">
+              <a:spAutoFit/>
+            </a:bodyPr>
+            <a:p>
+              <a:r>
+                <a:rPr lang="en-US" altLang="zh-CN" sz="2400">
+                  <a:latin typeface="Arial" panose="020B0604020202020204" pitchFamily="34" charset="0"/>
+                </a:rPr>
+                <a:t>SIS18</a:t>
+              </a:r>
+              <a:endParaRPr lang="en-US" altLang="zh-CN" sz="2400">
+                <a:latin typeface="Arial" panose="020B0604020202020204" pitchFamily="34" charset="0"/>
+              </a:endParaRPr>
+            </a:p>
+          </p:txBody>
+        </p:sp>
+        <p:grpSp>
+          <p:nvGrpSpPr>
+            <p:cNvPr id="49" name="组合 48"/>
+            <p:cNvGrpSpPr/>
+            <p:nvPr/>
+          </p:nvGrpSpPr>
+          <p:grpSpPr>
+            <a:xfrm>
+              <a:off x="11402" y="8436"/>
+              <a:ext cx="2071" cy="1330"/>
+              <a:chOff x="6983" y="8581"/>
+              <a:chExt cx="2071" cy="1330"/>
+            </a:xfrm>
+          </p:grpSpPr>
+          <p:sp>
+            <p:nvSpPr>
+              <p:cNvPr id="185" name="矩形 184"/>
+              <p:cNvSpPr/>
+              <p:nvPr/>
+            </p:nvSpPr>
+            <p:spPr>
+              <a:xfrm>
+                <a:off x="6983" y="8581"/>
+                <a:ext cx="2071" cy="1330"/>
+              </a:xfrm>
+              <a:prstGeom prst="rect">
+                <a:avLst/>
+              </a:prstGeom>
+              <a:solidFill>
+                <a:srgbClr val="5B9BD5">
+                  <a:alpha val="20000"/>
+                </a:srgbClr>
+              </a:solidFill>
+              <a:ln>
+                <a:solidFill>
+                  <a:schemeClr val="accent1">
+                    <a:shade val="50000"/>
+                    <a:alpha val="25000"/>
+                  </a:schemeClr>
+                </a:solidFill>
+              </a:ln>
+            </p:spPr>
+            <p:style>
+              <a:lnRef idx="2">
+                <a:schemeClr val="accent1">
+                  <a:shade val="50000"/>
+                </a:schemeClr>
+              </a:lnRef>
+              <a:fillRef idx="1">
+                <a:schemeClr val="accent1"/>
+              </a:fillRef>
+              <a:effectRef idx="0">
+                <a:schemeClr val="accent1"/>
+              </a:effectRef>
+              <a:fontRef idx="minor">
+                <a:schemeClr val="lt1"/>
+              </a:fontRef>
+            </p:style>
+            <p:txBody>
+              <a:bodyPr rtlCol="0" anchor="ctr"/>
+              <a:p>
+                <a:pPr algn="ctr" fontAlgn="base"/>
+                <a:r>
+                  <a:rPr lang="en-US" altLang="zh-CN" sz="2000" strike="noStrike" noProof="1">
+                    <a:solidFill>
+                      <a:schemeClr val="tx1"/>
+                    </a:solidFill>
+                  </a:rPr>
+                  <a:t>1</a:t>
+                </a:r>
+                <a:r>
+                  <a:rPr lang="en-US" altLang="zh-CN" sz="2000" strike="noStrike" baseline="30000" noProof="1">
+                    <a:solidFill>
+                      <a:schemeClr val="tx1"/>
+                    </a:solidFill>
+                  </a:rPr>
+                  <a:t>st</a:t>
+                </a:r>
+                <a:r>
+                  <a:rPr lang="en-US" altLang="zh-CN" sz="2000" strike="noStrike" noProof="1">
+                    <a:solidFill>
+                      <a:schemeClr val="tx1"/>
+                    </a:solidFill>
+                  </a:rPr>
+                  <a:t> tank</a:t>
+                </a:r>
+                <a:endParaRPr lang="en-US" altLang="zh-CN" sz="2000" strike="noStrike" noProof="1">
+                  <a:solidFill>
+                    <a:schemeClr val="tx1"/>
+                  </a:solidFill>
+                </a:endParaRPr>
+              </a:p>
+              <a:p>
+                <a:pPr algn="ctr" fontAlgn="base"/>
+                <a:endParaRPr lang="en-US" altLang="zh-CN" sz="2000" strike="noStrike" noProof="1">
+                  <a:solidFill>
+                    <a:schemeClr val="tx1"/>
+                  </a:solidFill>
+                </a:endParaRPr>
+              </a:p>
+              <a:p>
+                <a:pPr algn="ctr" fontAlgn="base"/>
+                <a:endParaRPr lang="en-US" altLang="zh-CN" sz="2000" strike="noStrike" noProof="1">
+                  <a:solidFill>
+                    <a:schemeClr val="tx1"/>
+                  </a:solidFill>
+                </a:endParaRPr>
+              </a:p>
+            </p:txBody>
+          </p:sp>
+          <p:grpSp>
+            <p:nvGrpSpPr>
+              <p:cNvPr id="192" name="组合 191"/>
+              <p:cNvGrpSpPr/>
+              <p:nvPr/>
+            </p:nvGrpSpPr>
+            <p:grpSpPr>
+              <a:xfrm>
+                <a:off x="6994" y="9049"/>
+                <a:ext cx="283" cy="850"/>
+                <a:chOff x="7465" y="5841"/>
+                <a:chExt cx="283" cy="850"/>
+              </a:xfrm>
+            </p:grpSpPr>
+            <p:sp>
+              <p:nvSpPr>
+                <p:cNvPr id="193" name="流程图: 过程 192"/>
+                <p:cNvSpPr/>
+                <p:nvPr/>
+              </p:nvSpPr>
+              <p:spPr>
+                <a:xfrm>
+                  <a:off x="7465" y="6477"/>
+                  <a:ext cx="283" cy="214"/>
+                </a:xfrm>
+                <a:prstGeom prst="flowChartProcess">
+                  <a:avLst/>
+                </a:prstGeom>
+                <a:pattFill prst="ltDnDiag">
+                  <a:fgClr>
+                    <a:schemeClr val="tx1"/>
+                  </a:fgClr>
+                  <a:bgClr>
+                    <a:srgbClr val="FFFFFF"/>
+                  </a:bgClr>
+                </a:pattFill>
+                <a:ln w="3175">
+                  <a:solidFill>
+                    <a:schemeClr val="tx1"/>
+                  </a:solidFill>
+                </a:ln>
+              </p:spPr>
+              <p:style>
+                <a:lnRef idx="2">
+                  <a:schemeClr val="accent1">
+                    <a:shade val="50000"/>
+                  </a:schemeClr>
+                </a:lnRef>
+                <a:fillRef idx="1">
+                  <a:schemeClr val="accent1"/>
+                </a:fillRef>
+                <a:effectRef idx="0">
+                  <a:schemeClr val="accent1"/>
+                </a:effectRef>
+                <a:fontRef idx="minor">
+                  <a:schemeClr val="lt1"/>
+                </a:fontRef>
+              </p:style>
+              <p:txBody>
+                <a:bodyPr rtlCol="0" anchor="ctr"/>
+                <a:p>
+                  <a:pPr algn="ctr" fontAlgn="base"/>
+                  <a:endParaRPr lang="zh-CN" altLang="en-US" sz="2400" strike="noStrike" noProof="1"/>
+                </a:p>
+              </p:txBody>
+            </p:sp>
+            <p:sp>
+              <p:nvSpPr>
+                <p:cNvPr id="194" name="流程图: 过程 193"/>
+                <p:cNvSpPr/>
+                <p:nvPr/>
+              </p:nvSpPr>
+              <p:spPr>
+                <a:xfrm>
+                  <a:off x="7465" y="5841"/>
+                  <a:ext cx="283" cy="214"/>
+                </a:xfrm>
+                <a:prstGeom prst="flowChartProcess">
+                  <a:avLst/>
+                </a:prstGeom>
+                <a:pattFill prst="ltDnDiag">
+                  <a:fgClr>
+                    <a:schemeClr val="tx1"/>
+                  </a:fgClr>
+                  <a:bgClr>
+                    <a:srgbClr val="FFFFFF"/>
+                  </a:bgClr>
+                </a:pattFill>
+                <a:ln w="3175">
+                  <a:solidFill>
+                    <a:schemeClr val="tx1"/>
+                  </a:solidFill>
+                </a:ln>
+              </p:spPr>
+              <p:style>
+                <a:lnRef idx="2">
+                  <a:schemeClr val="accent1">
+                    <a:shade val="50000"/>
+                  </a:schemeClr>
+                </a:lnRef>
+                <a:fillRef idx="1">
+                  <a:schemeClr val="accent1"/>
+                </a:fillRef>
+                <a:effectRef idx="0">
+                  <a:schemeClr val="accent1"/>
+                </a:effectRef>
+                <a:fontRef idx="minor">
+                  <a:schemeClr val="lt1"/>
+                </a:fontRef>
+              </p:style>
+              <p:txBody>
+                <a:bodyPr rtlCol="0" anchor="ctr"/>
+                <a:p>
+                  <a:pPr algn="ctr" fontAlgn="base"/>
+                  <a:endParaRPr lang="zh-CN" altLang="en-US" sz="2400" strike="noStrike" noProof="1"/>
+                </a:p>
+              </p:txBody>
+            </p:sp>
+            <p:sp>
+              <p:nvSpPr>
+                <p:cNvPr id="195" name="流程图: 过程 194"/>
+                <p:cNvSpPr/>
+                <p:nvPr/>
+              </p:nvSpPr>
+              <p:spPr>
+                <a:xfrm>
+                  <a:off x="7465" y="6055"/>
+                  <a:ext cx="120" cy="423"/>
+                </a:xfrm>
+                <a:prstGeom prst="flowChartProcess">
+                  <a:avLst/>
+                </a:prstGeom>
+                <a:pattFill prst="ltDnDiag">
+                  <a:fgClr>
+                    <a:schemeClr val="tx1"/>
+                  </a:fgClr>
+                  <a:bgClr>
+                    <a:srgbClr val="FFFFFF"/>
+                  </a:bgClr>
+                </a:pattFill>
+                <a:ln w="3175">
+                  <a:solidFill>
+                    <a:schemeClr val="tx1"/>
+                  </a:solidFill>
+                </a:ln>
+              </p:spPr>
+              <p:style>
+                <a:lnRef idx="2">
+                  <a:schemeClr val="accent1">
+                    <a:shade val="50000"/>
+                  </a:schemeClr>
+                </a:lnRef>
+                <a:fillRef idx="1">
+                  <a:schemeClr val="accent1"/>
+                </a:fillRef>
+                <a:effectRef idx="0">
+                  <a:schemeClr val="accent1"/>
+                </a:effectRef>
+                <a:fontRef idx="minor">
+                  <a:schemeClr val="lt1"/>
+                </a:fontRef>
+              </p:style>
+              <p:txBody>
+                <a:bodyPr rtlCol="0" anchor="ctr"/>
+                <a:p>
+                  <a:pPr algn="ctr" fontAlgn="base"/>
+                  <a:endParaRPr lang="zh-CN" altLang="en-US" sz="2400" strike="noStrike" noProof="1"/>
+                </a:p>
+              </p:txBody>
+            </p:sp>
+            <p:sp>
+              <p:nvSpPr>
+                <p:cNvPr id="196" name="流程图: 过程 195"/>
+                <p:cNvSpPr/>
+                <p:nvPr/>
+              </p:nvSpPr>
+              <p:spPr>
+                <a:xfrm>
+                  <a:off x="7628" y="6054"/>
+                  <a:ext cx="120" cy="423"/>
+                </a:xfrm>
+                <a:prstGeom prst="flowChartProcess">
+                  <a:avLst/>
+                </a:prstGeom>
+                <a:pattFill prst="ltDnDiag">
+                  <a:fgClr>
+                    <a:schemeClr val="tx1"/>
+                  </a:fgClr>
+                  <a:bgClr>
+                    <a:srgbClr val="FFFFFF"/>
+                  </a:bgClr>
+                </a:pattFill>
+                <a:ln w="3175">
+                  <a:solidFill>
+                    <a:schemeClr val="tx1"/>
+                  </a:solidFill>
+                </a:ln>
+              </p:spPr>
+              <p:style>
+                <a:lnRef idx="2">
+                  <a:schemeClr val="accent1">
+                    <a:shade val="50000"/>
+                  </a:schemeClr>
+                </a:lnRef>
+                <a:fillRef idx="1">
+                  <a:schemeClr val="accent1"/>
+                </a:fillRef>
+                <a:effectRef idx="0">
+                  <a:schemeClr val="accent1"/>
+                </a:effectRef>
+                <a:fontRef idx="minor">
+                  <a:schemeClr val="lt1"/>
+                </a:fontRef>
+              </p:style>
+              <p:txBody>
+                <a:bodyPr rtlCol="0" anchor="ctr"/>
+                <a:p>
+                  <a:pPr algn="ctr" fontAlgn="base"/>
+                  <a:endParaRPr lang="zh-CN" altLang="en-US" sz="2400" strike="noStrike" noProof="1"/>
+                </a:p>
+              </p:txBody>
+            </p:sp>
+          </p:grpSp>
+          <p:grpSp>
+            <p:nvGrpSpPr>
+              <p:cNvPr id="197" name="组合 196"/>
+              <p:cNvGrpSpPr/>
+              <p:nvPr/>
+            </p:nvGrpSpPr>
+            <p:grpSpPr>
+              <a:xfrm>
+                <a:off x="7462" y="9048"/>
+                <a:ext cx="283" cy="850"/>
+                <a:chOff x="7465" y="5841"/>
+                <a:chExt cx="283" cy="850"/>
+              </a:xfrm>
+            </p:grpSpPr>
+            <p:sp>
+              <p:nvSpPr>
+                <p:cNvPr id="198" name="流程图: 过程 197"/>
+                <p:cNvSpPr/>
+                <p:nvPr/>
+              </p:nvSpPr>
+              <p:spPr>
+                <a:xfrm>
+                  <a:off x="7465" y="6477"/>
+                  <a:ext cx="283" cy="214"/>
+                </a:xfrm>
+                <a:prstGeom prst="flowChartProcess">
+                  <a:avLst/>
+                </a:prstGeom>
+                <a:pattFill prst="ltDnDiag">
+                  <a:fgClr>
+                    <a:schemeClr val="tx1"/>
+                  </a:fgClr>
+                  <a:bgClr>
+                    <a:srgbClr val="FFFFFF"/>
+                  </a:bgClr>
+                </a:pattFill>
+                <a:ln w="3175">
+                  <a:solidFill>
+                    <a:schemeClr val="tx1"/>
+                  </a:solidFill>
+                </a:ln>
+              </p:spPr>
+              <p:style>
+                <a:lnRef idx="2">
+                  <a:schemeClr val="accent1">
+                    <a:shade val="50000"/>
+                  </a:schemeClr>
+                </a:lnRef>
+                <a:fillRef idx="1">
+                  <a:schemeClr val="accent1"/>
+                </a:fillRef>
+                <a:effectRef idx="0">
+                  <a:schemeClr val="accent1"/>
+                </a:effectRef>
+                <a:fontRef idx="minor">
+                  <a:schemeClr val="lt1"/>
+                </a:fontRef>
+              </p:style>
+              <p:txBody>
+                <a:bodyPr rtlCol="0" anchor="ctr"/>
+                <a:p>
+                  <a:pPr algn="ctr" fontAlgn="base"/>
+                  <a:endParaRPr lang="zh-CN" altLang="en-US" sz="2400" strike="noStrike" noProof="1"/>
+                </a:p>
+              </p:txBody>
+            </p:sp>
+            <p:sp>
+              <p:nvSpPr>
+                <p:cNvPr id="199" name="流程图: 过程 198"/>
+                <p:cNvSpPr/>
+                <p:nvPr/>
+              </p:nvSpPr>
+              <p:spPr>
+                <a:xfrm>
+                  <a:off x="7465" y="5841"/>
+                  <a:ext cx="283" cy="214"/>
+                </a:xfrm>
+                <a:prstGeom prst="flowChartProcess">
+                  <a:avLst/>
+                </a:prstGeom>
+                <a:pattFill prst="ltDnDiag">
+                  <a:fgClr>
+                    <a:schemeClr val="tx1"/>
+                  </a:fgClr>
+                  <a:bgClr>
+                    <a:srgbClr val="FFFFFF"/>
+                  </a:bgClr>
+                </a:pattFill>
+                <a:ln w="3175">
+                  <a:solidFill>
+                    <a:schemeClr val="tx1"/>
+                  </a:solidFill>
+                </a:ln>
+              </p:spPr>
+              <p:style>
+                <a:lnRef idx="2">
+                  <a:schemeClr val="accent1">
+                    <a:shade val="50000"/>
+                  </a:schemeClr>
+                </a:lnRef>
+                <a:fillRef idx="1">
+                  <a:schemeClr val="accent1"/>
+                </a:fillRef>
+                <a:effectRef idx="0">
+                  <a:schemeClr val="accent1"/>
+                </a:effectRef>
+                <a:fontRef idx="minor">
+                  <a:schemeClr val="lt1"/>
+                </a:fontRef>
+              </p:style>
+              <p:txBody>
+                <a:bodyPr rtlCol="0" anchor="ctr"/>
+                <a:p>
+                  <a:pPr algn="ctr" fontAlgn="base"/>
+                  <a:endParaRPr lang="zh-CN" altLang="en-US" sz="2400" strike="noStrike" noProof="1"/>
+                </a:p>
+              </p:txBody>
+            </p:sp>
+            <p:sp>
+              <p:nvSpPr>
+                <p:cNvPr id="200" name="流程图: 过程 199"/>
+                <p:cNvSpPr/>
+                <p:nvPr/>
+              </p:nvSpPr>
+              <p:spPr>
+                <a:xfrm>
+                  <a:off x="7465" y="6055"/>
+                  <a:ext cx="120" cy="423"/>
+                </a:xfrm>
+                <a:prstGeom prst="flowChartProcess">
+                  <a:avLst/>
+                </a:prstGeom>
+                <a:pattFill prst="ltDnDiag">
+                  <a:fgClr>
+                    <a:schemeClr val="tx1"/>
+                  </a:fgClr>
+                  <a:bgClr>
+                    <a:srgbClr val="FFFFFF"/>
+                  </a:bgClr>
+                </a:pattFill>
+                <a:ln w="3175">
+                  <a:solidFill>
+                    <a:schemeClr val="tx1"/>
+                  </a:solidFill>
+                </a:ln>
+              </p:spPr>
+              <p:style>
+                <a:lnRef idx="2">
+                  <a:schemeClr val="accent1">
+                    <a:shade val="50000"/>
+                  </a:schemeClr>
+                </a:lnRef>
+                <a:fillRef idx="1">
+                  <a:schemeClr val="accent1"/>
+                </a:fillRef>
+                <a:effectRef idx="0">
+                  <a:schemeClr val="accent1"/>
+                </a:effectRef>
+                <a:fontRef idx="minor">
+                  <a:schemeClr val="lt1"/>
+                </a:fontRef>
+              </p:style>
+              <p:txBody>
+                <a:bodyPr rtlCol="0" anchor="ctr"/>
+                <a:p>
+                  <a:pPr algn="ctr" fontAlgn="base"/>
+                  <a:endParaRPr lang="zh-CN" altLang="en-US" sz="2400" strike="noStrike" noProof="1"/>
+                </a:p>
+              </p:txBody>
+            </p:sp>
+            <p:sp>
+              <p:nvSpPr>
+                <p:cNvPr id="201" name="流程图: 过程 200"/>
+                <p:cNvSpPr/>
+                <p:nvPr/>
+              </p:nvSpPr>
+              <p:spPr>
+                <a:xfrm>
+                  <a:off x="7628" y="6054"/>
+                  <a:ext cx="120" cy="423"/>
+                </a:xfrm>
+                <a:prstGeom prst="flowChartProcess">
+                  <a:avLst/>
+                </a:prstGeom>
+                <a:pattFill prst="ltDnDiag">
+                  <a:fgClr>
+                    <a:schemeClr val="tx1"/>
+                  </a:fgClr>
+                  <a:bgClr>
+                    <a:srgbClr val="FFFFFF"/>
+                  </a:bgClr>
+                </a:pattFill>
+                <a:ln w="3175">
+                  <a:solidFill>
+                    <a:schemeClr val="tx1"/>
+                  </a:solidFill>
+                </a:ln>
+              </p:spPr>
+              <p:style>
+                <a:lnRef idx="2">
+                  <a:schemeClr val="accent1">
+                    <a:shade val="50000"/>
+                  </a:schemeClr>
+                </a:lnRef>
+                <a:fillRef idx="1">
+                  <a:schemeClr val="accent1"/>
+                </a:fillRef>
+                <a:effectRef idx="0">
+                  <a:schemeClr val="accent1"/>
+                </a:effectRef>
+                <a:fontRef idx="minor">
+                  <a:schemeClr val="lt1"/>
+                </a:fontRef>
+              </p:style>
+              <p:txBody>
+                <a:bodyPr rtlCol="0" anchor="ctr"/>
+                <a:p>
+                  <a:pPr algn="ctr" fontAlgn="base"/>
+                  <a:endParaRPr lang="zh-CN" altLang="en-US" sz="2400" strike="noStrike" noProof="1"/>
+                </a:p>
+              </p:txBody>
+            </p:sp>
+          </p:grpSp>
+          <p:grpSp>
+            <p:nvGrpSpPr>
+              <p:cNvPr id="202" name="组合 201"/>
+              <p:cNvGrpSpPr/>
+              <p:nvPr/>
+            </p:nvGrpSpPr>
+            <p:grpSpPr>
+              <a:xfrm>
+                <a:off x="7890" y="9049"/>
+                <a:ext cx="283" cy="850"/>
+                <a:chOff x="7465" y="5841"/>
+                <a:chExt cx="283" cy="850"/>
+              </a:xfrm>
+            </p:grpSpPr>
+            <p:sp>
+              <p:nvSpPr>
+                <p:cNvPr id="203" name="流程图: 过程 202"/>
+                <p:cNvSpPr/>
+                <p:nvPr/>
+              </p:nvSpPr>
+              <p:spPr>
+                <a:xfrm>
+                  <a:off x="7465" y="6477"/>
+                  <a:ext cx="283" cy="214"/>
+                </a:xfrm>
+                <a:prstGeom prst="flowChartProcess">
+                  <a:avLst/>
+                </a:prstGeom>
+                <a:pattFill prst="ltDnDiag">
+                  <a:fgClr>
+                    <a:schemeClr val="tx1"/>
+                  </a:fgClr>
+                  <a:bgClr>
+                    <a:srgbClr val="FFFFFF"/>
+                  </a:bgClr>
+                </a:pattFill>
+                <a:ln w="3175">
+                  <a:solidFill>
+                    <a:schemeClr val="tx1"/>
+                  </a:solidFill>
+                </a:ln>
+              </p:spPr>
+              <p:style>
+                <a:lnRef idx="2">
+                  <a:schemeClr val="accent1">
+                    <a:shade val="50000"/>
+                  </a:schemeClr>
+                </a:lnRef>
+                <a:fillRef idx="1">
+                  <a:schemeClr val="accent1"/>
+                </a:fillRef>
+                <a:effectRef idx="0">
+                  <a:schemeClr val="accent1"/>
+                </a:effectRef>
+                <a:fontRef idx="minor">
+                  <a:schemeClr val="lt1"/>
+                </a:fontRef>
+              </p:style>
+              <p:txBody>
+                <a:bodyPr rtlCol="0" anchor="ctr"/>
+                <a:p>
+                  <a:pPr algn="ctr" fontAlgn="base"/>
+                  <a:endParaRPr lang="zh-CN" altLang="en-US" sz="2400" strike="noStrike" noProof="1"/>
+                </a:p>
+              </p:txBody>
+            </p:sp>
+            <p:sp>
+              <p:nvSpPr>
+                <p:cNvPr id="204" name="流程图: 过程 203"/>
+                <p:cNvSpPr/>
+                <p:nvPr/>
+              </p:nvSpPr>
+              <p:spPr>
+                <a:xfrm>
+                  <a:off x="7465" y="5841"/>
+                  <a:ext cx="283" cy="214"/>
+                </a:xfrm>
+                <a:prstGeom prst="flowChartProcess">
+                  <a:avLst/>
+                </a:prstGeom>
+                <a:pattFill prst="ltDnDiag">
+                  <a:fgClr>
+                    <a:schemeClr val="tx1"/>
+                  </a:fgClr>
+                  <a:bgClr>
+                    <a:srgbClr val="FFFFFF"/>
+                  </a:bgClr>
+                </a:pattFill>
+                <a:ln w="3175">
+                  <a:solidFill>
+                    <a:schemeClr val="tx1"/>
+                  </a:solidFill>
+                </a:ln>
+              </p:spPr>
+              <p:style>
+                <a:lnRef idx="2">
+                  <a:schemeClr val="accent1">
+                    <a:shade val="50000"/>
+                  </a:schemeClr>
+                </a:lnRef>
+                <a:fillRef idx="1">
+                  <a:schemeClr val="accent1"/>
+                </a:fillRef>
+                <a:effectRef idx="0">
+                  <a:schemeClr val="accent1"/>
+                </a:effectRef>
+                <a:fontRef idx="minor">
+                  <a:schemeClr val="lt1"/>
+                </a:fontRef>
+              </p:style>
+              <p:txBody>
+                <a:bodyPr rtlCol="0" anchor="ctr"/>
+                <a:p>
+                  <a:pPr algn="ctr" fontAlgn="base"/>
+                  <a:endParaRPr lang="zh-CN" altLang="en-US" sz="2400" strike="noStrike" noProof="1"/>
+                </a:p>
+              </p:txBody>
+            </p:sp>
+            <p:sp>
+              <p:nvSpPr>
+                <p:cNvPr id="205" name="流程图: 过程 204"/>
+                <p:cNvSpPr/>
+                <p:nvPr/>
+              </p:nvSpPr>
+              <p:spPr>
+                <a:xfrm>
+                  <a:off x="7465" y="6055"/>
+                  <a:ext cx="120" cy="423"/>
+                </a:xfrm>
+                <a:prstGeom prst="flowChartProcess">
+                  <a:avLst/>
+                </a:prstGeom>
+                <a:pattFill prst="ltDnDiag">
+                  <a:fgClr>
+                    <a:schemeClr val="tx1"/>
+                  </a:fgClr>
+                  <a:bgClr>
+                    <a:srgbClr val="FFFFFF"/>
+                  </a:bgClr>
+                </a:pattFill>
+                <a:ln w="3175">
+                  <a:solidFill>
+                    <a:schemeClr val="tx1"/>
+                  </a:solidFill>
+                </a:ln>
+              </p:spPr>
+              <p:style>
+                <a:lnRef idx="2">
+                  <a:schemeClr val="accent1">
+                    <a:shade val="50000"/>
+                  </a:schemeClr>
+                </a:lnRef>
+                <a:fillRef idx="1">
+                  <a:schemeClr val="accent1"/>
+                </a:fillRef>
+                <a:effectRef idx="0">
+                  <a:schemeClr val="accent1"/>
+                </a:effectRef>
+                <a:fontRef idx="minor">
+                  <a:schemeClr val="lt1"/>
+                </a:fontRef>
+              </p:style>
+              <p:txBody>
+                <a:bodyPr rtlCol="0" anchor="ctr"/>
+                <a:p>
+                  <a:pPr algn="ctr" fontAlgn="base"/>
+                  <a:endParaRPr lang="zh-CN" altLang="en-US" sz="2400" strike="noStrike" noProof="1"/>
+                </a:p>
+              </p:txBody>
+            </p:sp>
+            <p:sp>
+              <p:nvSpPr>
+                <p:cNvPr id="206" name="流程图: 过程 205"/>
+                <p:cNvSpPr/>
+                <p:nvPr/>
+              </p:nvSpPr>
+              <p:spPr>
+                <a:xfrm>
+                  <a:off x="7628" y="6054"/>
+                  <a:ext cx="120" cy="423"/>
+                </a:xfrm>
+                <a:prstGeom prst="flowChartProcess">
+                  <a:avLst/>
+                </a:prstGeom>
+                <a:pattFill prst="ltDnDiag">
+                  <a:fgClr>
+                    <a:schemeClr val="tx1"/>
+                  </a:fgClr>
+                  <a:bgClr>
+                    <a:srgbClr val="FFFFFF"/>
+                  </a:bgClr>
+                </a:pattFill>
+                <a:ln w="3175">
+                  <a:solidFill>
+                    <a:schemeClr val="tx1"/>
+                  </a:solidFill>
+                </a:ln>
+              </p:spPr>
+              <p:style>
+                <a:lnRef idx="2">
+                  <a:schemeClr val="accent1">
+                    <a:shade val="50000"/>
+                  </a:schemeClr>
+                </a:lnRef>
+                <a:fillRef idx="1">
+                  <a:schemeClr val="accent1"/>
+                </a:fillRef>
+                <a:effectRef idx="0">
+                  <a:schemeClr val="accent1"/>
+                </a:effectRef>
+                <a:fontRef idx="minor">
+                  <a:schemeClr val="lt1"/>
+                </a:fontRef>
+              </p:style>
+              <p:txBody>
+                <a:bodyPr rtlCol="0" anchor="ctr"/>
+                <a:p>
+                  <a:pPr algn="ctr" fontAlgn="base"/>
+                  <a:endParaRPr lang="zh-CN" altLang="en-US" sz="2400" strike="noStrike" noProof="1"/>
+                </a:p>
+              </p:txBody>
+            </p:sp>
+          </p:grpSp>
+          <p:grpSp>
+            <p:nvGrpSpPr>
+              <p:cNvPr id="207" name="组合 206"/>
+              <p:cNvGrpSpPr/>
+              <p:nvPr/>
+            </p:nvGrpSpPr>
+            <p:grpSpPr>
+              <a:xfrm>
+                <a:off x="8338" y="9058"/>
+                <a:ext cx="283" cy="850"/>
+                <a:chOff x="7465" y="5841"/>
+                <a:chExt cx="283" cy="850"/>
+              </a:xfrm>
+            </p:grpSpPr>
+            <p:sp>
+              <p:nvSpPr>
+                <p:cNvPr id="208" name="流程图: 过程 207"/>
+                <p:cNvSpPr/>
+                <p:nvPr/>
+              </p:nvSpPr>
+              <p:spPr>
+                <a:xfrm>
+                  <a:off x="7465" y="6477"/>
+                  <a:ext cx="283" cy="214"/>
+                </a:xfrm>
+                <a:prstGeom prst="flowChartProcess">
+                  <a:avLst/>
+                </a:prstGeom>
+                <a:pattFill prst="ltDnDiag">
+                  <a:fgClr>
+                    <a:schemeClr val="tx1"/>
+                  </a:fgClr>
+                  <a:bgClr>
+                    <a:srgbClr val="FFFFFF"/>
+                  </a:bgClr>
+                </a:pattFill>
+                <a:ln w="3175">
+                  <a:solidFill>
+                    <a:schemeClr val="tx1"/>
+                  </a:solidFill>
+                </a:ln>
+              </p:spPr>
+              <p:style>
+                <a:lnRef idx="2">
+                  <a:schemeClr val="accent1">
+                    <a:shade val="50000"/>
+                  </a:schemeClr>
+                </a:lnRef>
+                <a:fillRef idx="1">
+                  <a:schemeClr val="accent1"/>
+                </a:fillRef>
+                <a:effectRef idx="0">
+                  <a:schemeClr val="accent1"/>
+                </a:effectRef>
+                <a:fontRef idx="minor">
+                  <a:schemeClr val="lt1"/>
+                </a:fontRef>
+              </p:style>
+              <p:txBody>
+                <a:bodyPr rtlCol="0" anchor="ctr"/>
+                <a:p>
+                  <a:pPr algn="ctr" fontAlgn="base"/>
+                  <a:endParaRPr lang="zh-CN" altLang="en-US" sz="2400" strike="noStrike" noProof="1"/>
+                </a:p>
+              </p:txBody>
+            </p:sp>
+            <p:sp>
+              <p:nvSpPr>
+                <p:cNvPr id="209" name="流程图: 过程 208"/>
+                <p:cNvSpPr/>
+                <p:nvPr/>
+              </p:nvSpPr>
+              <p:spPr>
+                <a:xfrm>
+                  <a:off x="7465" y="5841"/>
+                  <a:ext cx="283" cy="214"/>
+                </a:xfrm>
+                <a:prstGeom prst="flowChartProcess">
+                  <a:avLst/>
+                </a:prstGeom>
+                <a:pattFill prst="ltDnDiag">
+                  <a:fgClr>
+                    <a:schemeClr val="tx1"/>
+                  </a:fgClr>
+                  <a:bgClr>
+                    <a:srgbClr val="FFFFFF"/>
+                  </a:bgClr>
+                </a:pattFill>
+                <a:ln w="3175">
+                  <a:solidFill>
+                    <a:schemeClr val="tx1"/>
+                  </a:solidFill>
+                </a:ln>
+              </p:spPr>
+              <p:style>
+                <a:lnRef idx="2">
+                  <a:schemeClr val="accent1">
+                    <a:shade val="50000"/>
+                  </a:schemeClr>
+                </a:lnRef>
+                <a:fillRef idx="1">
+                  <a:schemeClr val="accent1"/>
+                </a:fillRef>
+                <a:effectRef idx="0">
+                  <a:schemeClr val="accent1"/>
+                </a:effectRef>
+                <a:fontRef idx="minor">
+                  <a:schemeClr val="lt1"/>
+                </a:fontRef>
+              </p:style>
+              <p:txBody>
+                <a:bodyPr rtlCol="0" anchor="ctr"/>
+                <a:p>
+                  <a:pPr algn="ctr" fontAlgn="base"/>
+                  <a:endParaRPr lang="zh-CN" altLang="en-US" sz="2400" strike="noStrike" noProof="1"/>
+                </a:p>
+              </p:txBody>
+            </p:sp>
+            <p:sp>
+              <p:nvSpPr>
+                <p:cNvPr id="210" name="流程图: 过程 209"/>
+                <p:cNvSpPr/>
+                <p:nvPr/>
+              </p:nvSpPr>
+              <p:spPr>
+                <a:xfrm>
+                  <a:off x="7465" y="6055"/>
+                  <a:ext cx="120" cy="423"/>
+                </a:xfrm>
+                <a:prstGeom prst="flowChartProcess">
+                  <a:avLst/>
+                </a:prstGeom>
+                <a:pattFill prst="ltDnDiag">
+                  <a:fgClr>
+                    <a:schemeClr val="tx1"/>
+                  </a:fgClr>
+                  <a:bgClr>
+                    <a:srgbClr val="FFFFFF"/>
+                  </a:bgClr>
+                </a:pattFill>
+                <a:ln w="3175">
+                  <a:solidFill>
+                    <a:schemeClr val="tx1"/>
+                  </a:solidFill>
+                </a:ln>
+              </p:spPr>
+              <p:style>
+                <a:lnRef idx="2">
+                  <a:schemeClr val="accent1">
+                    <a:shade val="50000"/>
+                  </a:schemeClr>
+                </a:lnRef>
+                <a:fillRef idx="1">
+                  <a:schemeClr val="accent1"/>
+                </a:fillRef>
+                <a:effectRef idx="0">
+                  <a:schemeClr val="accent1"/>
+                </a:effectRef>
+                <a:fontRef idx="minor">
+                  <a:schemeClr val="lt1"/>
+                </a:fontRef>
+              </p:style>
+              <p:txBody>
+                <a:bodyPr rtlCol="0" anchor="ctr"/>
+                <a:p>
+                  <a:pPr algn="ctr" fontAlgn="base"/>
+                  <a:endParaRPr lang="zh-CN" altLang="en-US" sz="2400" strike="noStrike" noProof="1"/>
+                </a:p>
+              </p:txBody>
+            </p:sp>
+            <p:sp>
+              <p:nvSpPr>
+                <p:cNvPr id="211" name="流程图: 过程 210"/>
+                <p:cNvSpPr/>
+                <p:nvPr/>
+              </p:nvSpPr>
+              <p:spPr>
+                <a:xfrm>
+                  <a:off x="7628" y="6054"/>
+                  <a:ext cx="120" cy="423"/>
+                </a:xfrm>
+                <a:prstGeom prst="flowChartProcess">
+                  <a:avLst/>
+                </a:prstGeom>
+                <a:pattFill prst="ltDnDiag">
+                  <a:fgClr>
+                    <a:schemeClr val="tx1"/>
+                  </a:fgClr>
+                  <a:bgClr>
+                    <a:srgbClr val="FFFFFF"/>
+                  </a:bgClr>
+                </a:pattFill>
+                <a:ln w="3175">
+                  <a:solidFill>
+                    <a:schemeClr val="tx1"/>
+                  </a:solidFill>
+                </a:ln>
+              </p:spPr>
+              <p:style>
+                <a:lnRef idx="2">
+                  <a:schemeClr val="accent1">
+                    <a:shade val="50000"/>
+                  </a:schemeClr>
+                </a:lnRef>
+                <a:fillRef idx="1">
+                  <a:schemeClr val="accent1"/>
+                </a:fillRef>
+                <a:effectRef idx="0">
+                  <a:schemeClr val="accent1"/>
+                </a:effectRef>
+                <a:fontRef idx="minor">
+                  <a:schemeClr val="lt1"/>
+                </a:fontRef>
+              </p:style>
+              <p:txBody>
+                <a:bodyPr rtlCol="0" anchor="ctr"/>
+                <a:p>
+                  <a:pPr algn="ctr" fontAlgn="base"/>
+                  <a:endParaRPr lang="zh-CN" altLang="en-US" sz="2400" strike="noStrike" noProof="1"/>
+                </a:p>
+              </p:txBody>
+            </p:sp>
+          </p:grpSp>
+          <p:grpSp>
+            <p:nvGrpSpPr>
+              <p:cNvPr id="5" name="组合 4"/>
+              <p:cNvGrpSpPr/>
+              <p:nvPr/>
+            </p:nvGrpSpPr>
+            <p:grpSpPr>
+              <a:xfrm>
+                <a:off x="8770" y="9049"/>
+                <a:ext cx="283" cy="850"/>
+                <a:chOff x="7465" y="5841"/>
+                <a:chExt cx="283" cy="850"/>
+              </a:xfrm>
+            </p:grpSpPr>
+            <p:sp>
+              <p:nvSpPr>
+                <p:cNvPr id="15" name="流程图: 过程 14"/>
+                <p:cNvSpPr/>
+                <p:nvPr/>
+              </p:nvSpPr>
+              <p:spPr>
+                <a:xfrm>
+                  <a:off x="7465" y="6477"/>
+                  <a:ext cx="283" cy="214"/>
+                </a:xfrm>
+                <a:prstGeom prst="flowChartProcess">
+                  <a:avLst/>
+                </a:prstGeom>
+                <a:pattFill prst="ltDnDiag">
+                  <a:fgClr>
+                    <a:schemeClr val="tx1"/>
+                  </a:fgClr>
+                  <a:bgClr>
+                    <a:srgbClr val="FFFFFF"/>
+                  </a:bgClr>
+                </a:pattFill>
+                <a:ln w="3175">
+                  <a:solidFill>
+                    <a:schemeClr val="tx1"/>
+                  </a:solidFill>
+                </a:ln>
+              </p:spPr>
+              <p:style>
+                <a:lnRef idx="2">
+                  <a:schemeClr val="accent1">
+                    <a:shade val="50000"/>
+                  </a:schemeClr>
+                </a:lnRef>
+                <a:fillRef idx="1">
+                  <a:schemeClr val="accent1"/>
+                </a:fillRef>
+                <a:effectRef idx="0">
+                  <a:schemeClr val="accent1"/>
+                </a:effectRef>
+                <a:fontRef idx="minor">
+                  <a:schemeClr val="lt1"/>
+                </a:fontRef>
+              </p:style>
+              <p:txBody>
+                <a:bodyPr rtlCol="0" anchor="ctr"/>
+                <a:p>
+                  <a:pPr algn="ctr" fontAlgn="base"/>
+                  <a:endParaRPr lang="zh-CN" altLang="en-US" sz="2400" strike="noStrike" noProof="1"/>
+                </a:p>
+              </p:txBody>
+            </p:sp>
+            <p:sp>
+              <p:nvSpPr>
+                <p:cNvPr id="16" name="流程图: 过程 15"/>
+                <p:cNvSpPr/>
+                <p:nvPr/>
+              </p:nvSpPr>
+              <p:spPr>
+                <a:xfrm>
+                  <a:off x="7465" y="5841"/>
+                  <a:ext cx="283" cy="214"/>
+                </a:xfrm>
+                <a:prstGeom prst="flowChartProcess">
+                  <a:avLst/>
+                </a:prstGeom>
+                <a:pattFill prst="ltDnDiag">
+                  <a:fgClr>
+                    <a:schemeClr val="tx1"/>
+                  </a:fgClr>
+                  <a:bgClr>
+                    <a:srgbClr val="FFFFFF"/>
+                  </a:bgClr>
+                </a:pattFill>
+                <a:ln w="3175">
+                  <a:solidFill>
+                    <a:schemeClr val="tx1"/>
+                  </a:solidFill>
+                </a:ln>
+              </p:spPr>
+              <p:style>
+                <a:lnRef idx="2">
+                  <a:schemeClr val="accent1">
+                    <a:shade val="50000"/>
+                  </a:schemeClr>
+                </a:lnRef>
+                <a:fillRef idx="1">
+                  <a:schemeClr val="accent1"/>
+                </a:fillRef>
+                <a:effectRef idx="0">
+                  <a:schemeClr val="accent1"/>
+                </a:effectRef>
+                <a:fontRef idx="minor">
+                  <a:schemeClr val="lt1"/>
+                </a:fontRef>
+              </p:style>
+              <p:txBody>
+                <a:bodyPr rtlCol="0" anchor="ctr"/>
+                <a:p>
+                  <a:pPr algn="ctr" fontAlgn="base"/>
+                  <a:endParaRPr lang="zh-CN" altLang="en-US" sz="2400" strike="noStrike" noProof="1"/>
+                </a:p>
+              </p:txBody>
+            </p:sp>
+            <p:sp>
+              <p:nvSpPr>
+                <p:cNvPr id="17" name="流程图: 过程 16"/>
+                <p:cNvSpPr/>
+                <p:nvPr/>
+              </p:nvSpPr>
+              <p:spPr>
+                <a:xfrm>
+                  <a:off x="7465" y="6055"/>
+                  <a:ext cx="120" cy="423"/>
+                </a:xfrm>
+                <a:prstGeom prst="flowChartProcess">
+                  <a:avLst/>
+                </a:prstGeom>
+                <a:pattFill prst="ltDnDiag">
+                  <a:fgClr>
+                    <a:schemeClr val="tx1"/>
+                  </a:fgClr>
+                  <a:bgClr>
+                    <a:srgbClr val="FFFFFF"/>
+                  </a:bgClr>
+                </a:pattFill>
+                <a:ln w="3175">
+                  <a:solidFill>
+                    <a:schemeClr val="tx1"/>
+                  </a:solidFill>
+                </a:ln>
+              </p:spPr>
+              <p:style>
+                <a:lnRef idx="2">
+                  <a:schemeClr val="accent1">
+                    <a:shade val="50000"/>
+                  </a:schemeClr>
+                </a:lnRef>
+                <a:fillRef idx="1">
+                  <a:schemeClr val="accent1"/>
+                </a:fillRef>
+                <a:effectRef idx="0">
+                  <a:schemeClr val="accent1"/>
+                </a:effectRef>
+                <a:fontRef idx="minor">
+                  <a:schemeClr val="lt1"/>
+                </a:fontRef>
+              </p:style>
+              <p:txBody>
+                <a:bodyPr rtlCol="0" anchor="ctr"/>
+                <a:p>
+                  <a:pPr algn="ctr" fontAlgn="base"/>
+                  <a:endParaRPr lang="zh-CN" altLang="en-US" sz="2400" strike="noStrike" noProof="1"/>
+                </a:p>
+              </p:txBody>
+            </p:sp>
+            <p:sp>
+              <p:nvSpPr>
+                <p:cNvPr id="19" name="流程图: 过程 18"/>
+                <p:cNvSpPr/>
+                <p:nvPr/>
+              </p:nvSpPr>
+              <p:spPr>
+                <a:xfrm>
+                  <a:off x="7628" y="6054"/>
+                  <a:ext cx="120" cy="423"/>
+                </a:xfrm>
+                <a:prstGeom prst="flowChartProcess">
+                  <a:avLst/>
+                </a:prstGeom>
+                <a:pattFill prst="ltDnDiag">
+                  <a:fgClr>
+                    <a:schemeClr val="tx1"/>
+                  </a:fgClr>
+                  <a:bgClr>
+                    <a:srgbClr val="FFFFFF"/>
+                  </a:bgClr>
+                </a:pattFill>
+                <a:ln w="3175">
+                  <a:solidFill>
+                    <a:schemeClr val="tx1"/>
+                  </a:solidFill>
+                </a:ln>
+              </p:spPr>
+              <p:style>
+                <a:lnRef idx="2">
+                  <a:schemeClr val="accent1">
+                    <a:shade val="50000"/>
+                  </a:schemeClr>
+                </a:lnRef>
+                <a:fillRef idx="1">
+                  <a:schemeClr val="accent1"/>
+                </a:fillRef>
+                <a:effectRef idx="0">
+                  <a:schemeClr val="accent1"/>
+                </a:effectRef>
+                <a:fontRef idx="minor">
+                  <a:schemeClr val="lt1"/>
+                </a:fontRef>
+              </p:style>
+              <p:txBody>
+                <a:bodyPr rtlCol="0" anchor="ctr"/>
+                <a:p>
+                  <a:pPr algn="ctr" fontAlgn="base"/>
+                  <a:endParaRPr lang="zh-CN" altLang="en-US" sz="2400" strike="noStrike" noProof="1"/>
+                </a:p>
+              </p:txBody>
+            </p:sp>
+          </p:grpSp>
+        </p:grpSp>
+        <p:sp>
+          <p:nvSpPr>
+            <p:cNvPr id="10" name="椭圆 9"/>
+            <p:cNvSpPr/>
+            <p:nvPr/>
+          </p:nvSpPr>
+          <p:spPr>
+            <a:xfrm>
+              <a:off x="13473" y="12151"/>
+              <a:ext cx="9856" cy="699"/>
+            </a:xfrm>
+            <a:prstGeom prst="ellipse">
+              <a:avLst/>
+            </a:prstGeom>
+            <a:solidFill>
+              <a:srgbClr val="FFC000"/>
+            </a:solidFill>
+            <a:ln>
+              <a:noFill/>
+            </a:ln>
+          </p:spPr>
+          <p:style>
+            <a:lnRef idx="2">
+              <a:schemeClr val="accent1">
+                <a:shade val="50000"/>
+              </a:schemeClr>
+            </a:lnRef>
+            <a:fillRef idx="1">
+              <a:schemeClr val="accent1"/>
+            </a:fillRef>
+            <a:effectRef idx="0">
+              <a:schemeClr val="accent1"/>
+            </a:effectRef>
+            <a:fontRef idx="minor">
+              <a:schemeClr val="lt1"/>
+            </a:fontRef>
+          </p:style>
+          <p:txBody>
+            <a:bodyPr rtlCol="0" anchor="ctr"/>
+            <a:p>
+              <a:pPr algn="l" fontAlgn="base"/>
+              <a:endParaRPr lang="en-US" altLang="zh-CN" sz="2400" strike="noStrike" noProof="1">
+                <a:solidFill>
+                  <a:schemeClr val="tx1"/>
+                </a:solidFill>
+              </a:endParaRPr>
+            </a:p>
+          </p:txBody>
+        </p:sp>
+      </p:grpSp>
+      <p:sp>
+        <p:nvSpPr>
+          <p:cNvPr id="4" name="椭圆 3"/>
+          <p:cNvSpPr/>
+          <p:nvPr/>
+        </p:nvSpPr>
+        <p:spPr>
+          <a:xfrm flipH="1">
+            <a:off x="6944995" y="8328025"/>
+            <a:ext cx="6605905" cy="443865"/>
+          </a:xfrm>
+          <a:prstGeom prst="ellipse">
+            <a:avLst/>
+          </a:prstGeom>
+          <a:solidFill>
+            <a:srgbClr val="FFC000"/>
+          </a:solidFill>
+          <a:ln>
+            <a:noFill/>
+          </a:ln>
+        </p:spPr>
+        <p:style>
+          <a:lnRef idx="2">
+            <a:schemeClr val="accent1">
+              <a:shade val="50000"/>
+            </a:schemeClr>
+          </a:lnRef>
+          <a:fillRef idx="1">
+            <a:schemeClr val="accent1"/>
+          </a:fillRef>
+          <a:effectRef idx="0">
+            <a:schemeClr val="accent1"/>
+          </a:effectRef>
+          <a:fontRef idx="minor">
+            <a:schemeClr val="lt1"/>
+          </a:fontRef>
+        </p:style>
+        <p:txBody>
+          <a:bodyPr rtlCol="0" anchor="ctr"/>
+          <a:p>
+            <a:pPr algn="l" fontAlgn="base"/>
+            <a:endParaRPr lang="en-US" altLang="zh-CN" sz="2400" strike="noStrike" noProof="1">
+              <a:solidFill>
+                <a:schemeClr val="tx1"/>
+              </a:solidFill>
+            </a:endParaRPr>
+          </a:p>
+        </p:txBody>
+      </p:sp>
+      <p:graphicFrame>
+        <p:nvGraphicFramePr>
+          <p:cNvPr id="6" name="对象 5">
+            <a:hlinkClick r:id="" action="ppaction://ole?verb="/>
+          </p:cNvPr>
+          <p:cNvGraphicFramePr>
+            <a:graphicFrameLocks noChangeAspect="1"/>
+          </p:cNvGraphicFramePr>
+          <p:nvPr/>
+        </p:nvGraphicFramePr>
+        <p:xfrm>
+          <a:off x="3455670" y="8947785"/>
+          <a:ext cx="2310130" cy="961390"/>
+        </p:xfrm>
+        <a:graphic>
+          <a:graphicData uri="http://schemas.openxmlformats.org/presentationml/2006/ole">
+            <mc:AlternateContent xmlns:mc="http://schemas.openxmlformats.org/markup-compatibility/2006">
+              <mc:Choice xmlns:v="urn:schemas-microsoft-com:vml" Requires="v">
+                <p:oleObj spid="_x0000_s1025" name="" r:id="rId2" imgW="762000" imgH="316865" progId="Equation.KSEE3">
+                  <p:embed/>
+                </p:oleObj>
+              </mc:Choice>
+              <mc:Fallback>
+                <p:oleObj name="" r:id="rId2" imgW="762000" imgH="316865" progId="Equation.KSEE3">
+                  <p:embed/>
+                  <p:pic>
+                    <p:nvPicPr>
+                      <p:cNvPr id="0" name="图片 1024"/>
+                      <p:cNvPicPr/>
+                      <p:nvPr/>
+                    </p:nvPicPr>
+                    <p:blipFill>
+                      <a:blip r:embed="rId3"/>
+                      <a:stretch>
+                        <a:fillRect/>
+                      </a:stretch>
+                    </p:blipFill>
+                    <p:spPr>
+                      <a:xfrm>
+                        <a:off x="3455670" y="8947785"/>
+                        <a:ext cx="2310130" cy="961390"/>
+                      </a:xfrm>
+                      <a:prstGeom prst="rect">
+                        <a:avLst/>
+                      </a:prstGeom>
+                    </p:spPr>
+                  </p:pic>
+                </p:oleObj>
+              </mc:Fallback>
+            </mc:AlternateContent>
+          </a:graphicData>
+        </a:graphic>
+      </p:graphicFrame>
+      <p:graphicFrame>
+        <p:nvGraphicFramePr>
+          <p:cNvPr id="7" name="对象 6">
+            <a:hlinkClick r:id="" action="ppaction://ole?verb="/>
+          </p:cNvPr>
+          <p:cNvGraphicFramePr>
+            <a:graphicFrameLocks noChangeAspect="1"/>
+          </p:cNvGraphicFramePr>
+          <p:nvPr/>
+        </p:nvGraphicFramePr>
+        <p:xfrm>
+          <a:off x="5419090" y="5878830"/>
+          <a:ext cx="654685" cy="537845"/>
+        </p:xfrm>
+        <a:graphic>
+          <a:graphicData uri="http://schemas.openxmlformats.org/presentationml/2006/ole">
+            <mc:AlternateContent xmlns:mc="http://schemas.openxmlformats.org/markup-compatibility/2006">
+              <mc:Choice xmlns:v="urn:schemas-microsoft-com:vml" Requires="v">
+                <p:oleObj spid="_x0000_s2" name="" r:id="rId4" imgW="215900" imgH="177165" progId="Equation.KSEE3">
+                  <p:embed/>
+                </p:oleObj>
+              </mc:Choice>
+              <mc:Fallback>
+                <p:oleObj name="" r:id="rId4" imgW="215900" imgH="177165" progId="Equation.KSEE3">
+                  <p:embed/>
+                  <p:pic>
+                    <p:nvPicPr>
+                      <p:cNvPr id="0" name="图片 1024"/>
+                      <p:cNvPicPr/>
+                      <p:nvPr/>
+                    </p:nvPicPr>
+                    <p:blipFill>
+                      <a:blip r:embed="rId5"/>
+                      <a:stretch>
+                        <a:fillRect/>
+                      </a:stretch>
+                    </p:blipFill>
+                    <p:spPr>
+                      <a:xfrm>
+                        <a:off x="5419090" y="5878830"/>
+                        <a:ext cx="654685" cy="537845"/>
+                      </a:xfrm>
+                      <a:prstGeom prst="rect">
+                        <a:avLst/>
+                      </a:prstGeom>
+                    </p:spPr>
+                  </p:pic>
+                </p:oleObj>
+              </mc:Fallback>
+            </mc:AlternateContent>
+          </a:graphicData>
+        </a:graphic>
+      </p:graphicFrame>
+      <p:cxnSp>
+        <p:nvCxnSpPr>
+          <p:cNvPr id="8" name="直接箭头连接符 7"/>
+          <p:cNvCxnSpPr/>
+          <p:nvPr/>
+        </p:nvCxnSpPr>
+        <p:spPr>
+          <a:xfrm flipV="1">
+            <a:off x="3097530" y="8786495"/>
+            <a:ext cx="657860" cy="7620"/>
+          </a:xfrm>
+          <a:prstGeom prst="straightConnector1">
+            <a:avLst/>
+          </a:prstGeom>
+          <a:ln>
+            <a:prstDash val="dash"/>
+            <a:headEnd type="none" w="med" len="med"/>
+            <a:tailEnd type="arrow" w="med" len="med"/>
+          </a:ln>
+        </p:spPr>
+        <p:style>
+          <a:lnRef idx="1">
+            <a:schemeClr val="dk1"/>
+          </a:lnRef>
+          <a:fillRef idx="0">
+            <a:schemeClr val="dk1"/>
+          </a:fillRef>
+          <a:effectRef idx="0">
+            <a:schemeClr val="dk1"/>
+          </a:effectRef>
+          <a:fontRef idx="minor">
+            <a:schemeClr val="tx1"/>
+          </a:fontRef>
+        </p:style>
+      </p:cxnSp>
+    </p:spTree>
+  </p:cSld>
+  <p:clrMapOvr>
+    <a:masterClrMapping/>
+  </p:clrMapOvr>
+</p:sld>
+</file>
+
+<file path=ppt/slides/slide5.xml><?xml version="1.0" encoding="utf-8"?>
+<p:sld xmlns:a="http://schemas.openxmlformats.org/drawingml/2006/main" xmlns:r="http://schemas.openxmlformats.org/officeDocument/2006/relationships" xmlns:p="http://schemas.openxmlformats.org/presentationml/2006/main">
+  <p:cSld>
+    <p:spTree>
+      <p:nvGrpSpPr>
+        <p:cNvPr id="1" name=""/>
+        <p:cNvGrpSpPr/>
+        <p:nvPr/>
+      </p:nvGrpSpPr>
+      <p:grpSpPr/>
+      <p:grpSp>
+        <p:nvGrpSpPr>
+          <p:cNvPr id="3" name="组合 2"/>
+          <p:cNvGrpSpPr/>
+          <p:nvPr/>
+        </p:nvGrpSpPr>
+        <p:grpSpPr>
+          <a:xfrm rot="0" flipH="1">
+            <a:off x="-2848516" y="1795780"/>
+            <a:ext cx="14104589" cy="6990715"/>
+            <a:chOff x="2285" y="1841"/>
+            <a:chExt cx="21044" cy="11009"/>
+          </a:xfrm>
+        </p:grpSpPr>
+        <p:sp>
+          <p:nvSpPr>
+            <p:cNvPr id="28" name="椭圆 27"/>
+            <p:cNvSpPr/>
+            <p:nvPr/>
+          </p:nvSpPr>
+          <p:spPr>
+            <a:xfrm rot="9660000">
+              <a:off x="10310" y="5736"/>
+              <a:ext cx="1340" cy="445"/>
+            </a:xfrm>
+            <a:prstGeom prst="ellipse">
+              <a:avLst/>
+            </a:prstGeom>
+            <a:solidFill>
+              <a:srgbClr val="FFC000"/>
+            </a:solidFill>
+            <a:ln>
+              <a:noFill/>
+            </a:ln>
+          </p:spPr>
+          <p:style>
+            <a:lnRef idx="2">
+              <a:schemeClr val="accent1">
+                <a:shade val="50000"/>
+              </a:schemeClr>
+            </a:lnRef>
+            <a:fillRef idx="1">
+              <a:schemeClr val="accent1"/>
+            </a:fillRef>
+            <a:effectRef idx="0">
+              <a:schemeClr val="accent1"/>
+            </a:effectRef>
+            <a:fontRef idx="minor">
+              <a:schemeClr val="lt1"/>
+            </a:fontRef>
+          </p:style>
+          <p:txBody>
+            <a:bodyPr rtlCol="0" anchor="ctr"/>
+            <a:p>
+              <a:pPr algn="l" fontAlgn="base"/>
+              <a:endParaRPr lang="en-US" altLang="zh-CN" sz="2400" strike="noStrike" noProof="1">
+                <a:solidFill>
+                  <a:schemeClr val="tx1"/>
+                </a:solidFill>
+                <a:latin typeface="Arial" panose="020B0604020202020204" pitchFamily="34" charset="0"/>
+              </a:endParaRPr>
+            </a:p>
+          </p:txBody>
+        </p:sp>
+        <p:sp>
+          <p:nvSpPr>
+            <p:cNvPr id="26658" name="文本框 20"/>
+            <p:cNvSpPr txBox="1"/>
+            <p:nvPr/>
+          </p:nvSpPr>
+          <p:spPr>
+            <a:xfrm>
+              <a:off x="13956" y="11288"/>
+              <a:ext cx="2168" cy="720"/>
+            </a:xfrm>
+            <a:prstGeom prst="rect">
+              <a:avLst/>
+            </a:prstGeom>
+            <a:noFill/>
+            <a:ln w="9525">
+              <a:noFill/>
+            </a:ln>
+          </p:spPr>
+          <p:txBody>
+            <a:bodyPr wrap="square" anchor="t">
+              <a:spAutoFit/>
+            </a:bodyPr>
+            <a:p>
+              <a:pPr lvl="0"/>
+              <a:r>
+                <a:rPr lang="en-US" altLang="zh-CN" sz="2400">
+                  <a:latin typeface="Arial" panose="020B0604020202020204" pitchFamily="34" charset="0"/>
+                  <a:ea typeface="AR PL KaitiM GB" charset="0"/>
+                </a:rPr>
+                <a:t>t</a:t>
+              </a:r>
+              <a:endParaRPr lang="en-US" altLang="zh-CN" sz="2400">
+                <a:latin typeface="Arial" panose="020B0604020202020204" pitchFamily="34" charset="0"/>
+                <a:ea typeface="AR PL KaitiM GB" charset="0"/>
+              </a:endParaRPr>
+            </a:p>
+          </p:txBody>
+        </p:sp>
+        <p:cxnSp>
+          <p:nvCxnSpPr>
+            <p:cNvPr id="132" name="直接箭头连接符 131"/>
+            <p:cNvCxnSpPr/>
+            <p:nvPr/>
+          </p:nvCxnSpPr>
+          <p:spPr>
+            <a:xfrm flipV="1">
+              <a:off x="2285" y="6148"/>
+              <a:ext cx="8106" cy="1291"/>
+            </a:xfrm>
+            <a:prstGeom prst="straightConnector1">
+              <a:avLst/>
+            </a:prstGeom>
+            <a:ln>
+              <a:solidFill>
+                <a:schemeClr val="tx1"/>
+              </a:solidFill>
+              <a:headEnd type="none"/>
+              <a:tailEnd type="none"/>
+            </a:ln>
+          </p:spPr>
+          <p:style>
+            <a:lnRef idx="1">
+              <a:schemeClr val="accent1"/>
+            </a:lnRef>
+            <a:fillRef idx="0">
+              <a:schemeClr val="accent1"/>
+            </a:fillRef>
+            <a:effectRef idx="0">
+              <a:schemeClr val="accent1"/>
+            </a:effectRef>
+            <a:fontRef idx="minor">
+              <a:schemeClr val="tx1"/>
+            </a:fontRef>
+          </p:style>
+        </p:cxnSp>
+        <p:sp>
+          <p:nvSpPr>
+            <p:cNvPr id="18" name="椭圆 17"/>
+            <p:cNvSpPr/>
+            <p:nvPr/>
+          </p:nvSpPr>
+          <p:spPr>
+            <a:xfrm rot="20880000">
+              <a:off x="9495" y="1841"/>
+              <a:ext cx="1270" cy="470"/>
+            </a:xfrm>
+            <a:prstGeom prst="ellipse">
+              <a:avLst/>
+            </a:prstGeom>
+            <a:solidFill>
+              <a:srgbClr val="FFC000"/>
+            </a:solidFill>
+            <a:ln>
+              <a:noFill/>
+            </a:ln>
+          </p:spPr>
+          <p:style>
+            <a:lnRef idx="2">
+              <a:schemeClr val="accent1">
+                <a:shade val="50000"/>
+              </a:schemeClr>
+            </a:lnRef>
+            <a:fillRef idx="1">
+              <a:schemeClr val="accent1"/>
+            </a:fillRef>
+            <a:effectRef idx="0">
+              <a:schemeClr val="accent1"/>
+            </a:effectRef>
+            <a:fontRef idx="minor">
+              <a:schemeClr val="lt1"/>
+            </a:fontRef>
+          </p:style>
+          <p:txBody>
+            <a:bodyPr rtlCol="0" anchor="ctr"/>
+            <a:p>
+              <a:pPr algn="l" fontAlgn="base"/>
+              <a:endParaRPr lang="en-US" altLang="zh-CN" sz="2400" strike="noStrike" noProof="1">
+                <a:solidFill>
+                  <a:schemeClr val="tx1"/>
+                </a:solidFill>
+                <a:latin typeface="Arial" panose="020B0604020202020204" pitchFamily="34" charset="0"/>
+              </a:endParaRPr>
+            </a:p>
+          </p:txBody>
+        </p:sp>
+        <p:pic>
+          <p:nvPicPr>
+            <p:cNvPr id="23" name="图片 22" descr="magnifier"/>
+            <p:cNvPicPr>
+              <a:picLocks noChangeAspect="1"/>
+            </p:cNvPicPr>
+            <p:nvPr/>
+          </p:nvPicPr>
+          <p:blipFill>
+            <a:blip r:embed="rId1"/>
+            <a:stretch>
+              <a:fillRect/>
+            </a:stretch>
+          </p:blipFill>
+          <p:spPr>
+            <a:xfrm>
+              <a:off x="9838" y="5596"/>
+              <a:ext cx="1719" cy="1719"/>
+            </a:xfrm>
+            <a:prstGeom prst="rect">
+              <a:avLst/>
+            </a:prstGeom>
+          </p:spPr>
+        </p:pic>
+        <p:sp>
+          <p:nvSpPr>
+            <p:cNvPr id="24" name="椭圆 23"/>
+            <p:cNvSpPr/>
+            <p:nvPr/>
+          </p:nvSpPr>
+          <p:spPr>
+            <a:xfrm rot="540000">
+              <a:off x="8409" y="2036"/>
+              <a:ext cx="4063" cy="4062"/>
+            </a:xfrm>
+            <a:prstGeom prst="ellipse">
+              <a:avLst/>
+            </a:prstGeom>
+            <a:noFill/>
+            <a:extLst>
+              <a:ext uri="{909E8E84-426E-40DD-AFC4-6F175D3DCCD1}">
+                <a14:hiddenFill xmlns:a14="http://schemas.microsoft.com/office/drawing/2010/main">
+                  <a:solidFill>
+                    <a:schemeClr val="accent1"/>
+                  </a:solidFill>
+                </a14:hiddenFill>
+              </a:ext>
+            </a:extLst>
+          </p:spPr>
+          <p:style>
+            <a:lnRef idx="2">
+              <a:schemeClr val="accent1">
+                <a:shade val="50000"/>
+              </a:schemeClr>
+            </a:lnRef>
+            <a:fillRef idx="1">
+              <a:schemeClr val="accent1"/>
+            </a:fillRef>
+            <a:effectRef idx="0">
+              <a:schemeClr val="accent1"/>
+            </a:effectRef>
+            <a:fontRef idx="minor">
+              <a:schemeClr val="lt1"/>
+            </a:fontRef>
+          </p:style>
+          <p:txBody>
+            <a:bodyPr rtlCol="0" anchor="ctr"/>
+            <a:p>
+              <a:pPr algn="ctr"/>
+              <a:r>
+                <a:rPr lang="en-US" altLang="zh-CN" sz="2400">
+                  <a:latin typeface="Arial" panose="020B0604020202020204" pitchFamily="34" charset="0"/>
+                </a:rPr>
+                <a:t>22</a:t>
+              </a:r>
+              <a:endParaRPr lang="en-US" altLang="zh-CN" sz="2400">
+                <a:latin typeface="Arial" panose="020B0604020202020204" pitchFamily="34" charset="0"/>
+              </a:endParaRPr>
+            </a:p>
+          </p:txBody>
+        </p:sp>
+        <p:cxnSp>
+          <p:nvCxnSpPr>
+            <p:cNvPr id="27" name="直接箭头连接符 26"/>
+            <p:cNvCxnSpPr/>
+            <p:nvPr/>
+          </p:nvCxnSpPr>
+          <p:spPr>
+            <a:xfrm flipH="1">
+              <a:off x="5817" y="12008"/>
+              <a:ext cx="9762" cy="48"/>
+            </a:xfrm>
+            <a:prstGeom prst="straightConnector1">
+              <a:avLst/>
+            </a:prstGeom>
+            <a:ln>
+              <a:headEnd type="arrow" w="med" len="med"/>
+              <a:tailEnd type="none" w="med" len="med"/>
+            </a:ln>
+          </p:spPr>
+          <p:style>
+            <a:lnRef idx="1">
+              <a:schemeClr val="dk1"/>
+            </a:lnRef>
+            <a:fillRef idx="0">
+              <a:schemeClr val="dk1"/>
+            </a:fillRef>
+            <a:effectRef idx="0">
+              <a:schemeClr val="dk1"/>
+            </a:effectRef>
+            <a:fontRef idx="minor">
+              <a:schemeClr val="tx1"/>
+            </a:fontRef>
+          </p:style>
+        </p:cxnSp>
+        <p:sp>
+          <p:nvSpPr>
+            <p:cNvPr id="47" name="左箭头 46"/>
+            <p:cNvSpPr/>
+            <p:nvPr/>
+          </p:nvSpPr>
+          <p:spPr>
+            <a:xfrm rot="10260000" flipH="1">
+              <a:off x="4406" y="6228"/>
+              <a:ext cx="1249" cy="600"/>
+            </a:xfrm>
+            <a:prstGeom prst="leftArrow">
+              <a:avLst/>
+            </a:prstGeom>
+            <a:solidFill>
+              <a:schemeClr val="tx1"/>
+            </a:solidFill>
+          </p:spPr>
+          <p:style>
+            <a:lnRef idx="2">
+              <a:schemeClr val="accent1">
+                <a:shade val="50000"/>
+              </a:schemeClr>
+            </a:lnRef>
+            <a:fillRef idx="1">
+              <a:schemeClr val="accent1"/>
+            </a:fillRef>
+            <a:effectRef idx="0">
+              <a:schemeClr val="accent1"/>
+            </a:effectRef>
+            <a:fontRef idx="minor">
+              <a:schemeClr val="lt1"/>
+            </a:fontRef>
+          </p:style>
+          <p:txBody>
+            <a:bodyPr rtlCol="0" anchor="ctr"/>
+            <a:p>
+              <a:pPr algn="ctr"/>
+              <a:endParaRPr lang="zh-CN" altLang="en-US"/>
+            </a:p>
+          </p:txBody>
+        </p:sp>
+        <p:sp>
+          <p:nvSpPr>
+            <p:cNvPr id="48" name="文本框 47"/>
+            <p:cNvSpPr txBox="1"/>
+            <p:nvPr/>
+          </p:nvSpPr>
+          <p:spPr>
+            <a:xfrm>
+              <a:off x="8652" y="3857"/>
+              <a:ext cx="2061" cy="720"/>
+            </a:xfrm>
+            <a:prstGeom prst="rect">
+              <a:avLst/>
+            </a:prstGeom>
+            <a:noFill/>
+          </p:spPr>
+          <p:txBody>
+            <a:bodyPr wrap="square" rtlCol="0">
+              <a:spAutoFit/>
+            </a:bodyPr>
+            <a:p>
+              <a:r>
+                <a:rPr lang="en-US" altLang="zh-CN" sz="2400">
+                  <a:latin typeface="Arial" panose="020B0604020202020204" pitchFamily="34" charset="0"/>
+                </a:rPr>
+                <a:t>SIS18</a:t>
+              </a:r>
+              <a:endParaRPr lang="en-US" altLang="zh-CN" sz="2400">
+                <a:latin typeface="Arial" panose="020B0604020202020204" pitchFamily="34" charset="0"/>
+              </a:endParaRPr>
+            </a:p>
+          </p:txBody>
+        </p:sp>
+        <p:sp>
+          <p:nvSpPr>
+            <p:cNvPr id="10" name="椭圆 9"/>
+            <p:cNvSpPr/>
+            <p:nvPr/>
+          </p:nvSpPr>
+          <p:spPr>
+            <a:xfrm>
+              <a:off x="13473" y="12151"/>
+              <a:ext cx="9856" cy="699"/>
+            </a:xfrm>
+            <a:prstGeom prst="ellipse">
+              <a:avLst/>
+            </a:prstGeom>
+            <a:solidFill>
+              <a:srgbClr val="FFC000"/>
+            </a:solidFill>
+            <a:ln>
+              <a:noFill/>
+            </a:ln>
+          </p:spPr>
+          <p:style>
+            <a:lnRef idx="2">
+              <a:schemeClr val="accent1">
+                <a:shade val="50000"/>
+              </a:schemeClr>
+            </a:lnRef>
+            <a:fillRef idx="1">
+              <a:schemeClr val="accent1"/>
+            </a:fillRef>
+            <a:effectRef idx="0">
+              <a:schemeClr val="accent1"/>
+            </a:effectRef>
+            <a:fontRef idx="minor">
+              <a:schemeClr val="lt1"/>
+            </a:fontRef>
+          </p:style>
+          <p:txBody>
+            <a:bodyPr rtlCol="0" anchor="ctr"/>
+            <a:p>
+              <a:pPr algn="l" fontAlgn="base"/>
+              <a:endParaRPr lang="en-US" altLang="zh-CN" sz="2400" strike="noStrike" noProof="1">
+                <a:solidFill>
+                  <a:schemeClr val="tx1"/>
+                </a:solidFill>
+              </a:endParaRPr>
+            </a:p>
+          </p:txBody>
+        </p:sp>
+      </p:grpSp>
+      <p:sp>
+        <p:nvSpPr>
+          <p:cNvPr id="4" name="椭圆 3"/>
+          <p:cNvSpPr/>
+          <p:nvPr/>
+        </p:nvSpPr>
+        <p:spPr>
+          <a:xfrm flipH="1">
+            <a:off x="6673215" y="8342630"/>
+            <a:ext cx="6605905" cy="443865"/>
+          </a:xfrm>
+          <a:prstGeom prst="ellipse">
+            <a:avLst/>
+          </a:prstGeom>
+          <a:solidFill>
+            <a:srgbClr val="FFC000"/>
+          </a:solidFill>
+          <a:ln>
+            <a:noFill/>
+          </a:ln>
+        </p:spPr>
+        <p:style>
+          <a:lnRef idx="2">
+            <a:schemeClr val="accent1">
+              <a:shade val="50000"/>
+            </a:schemeClr>
+          </a:lnRef>
+          <a:fillRef idx="1">
+            <a:schemeClr val="accent1"/>
+          </a:fillRef>
+          <a:effectRef idx="0">
+            <a:schemeClr val="accent1"/>
+          </a:effectRef>
+          <a:fontRef idx="minor">
+            <a:schemeClr val="lt1"/>
+          </a:fontRef>
+        </p:style>
+        <p:txBody>
+          <a:bodyPr rtlCol="0" anchor="ctr"/>
+          <a:p>
+            <a:pPr algn="l" fontAlgn="base"/>
+            <a:endParaRPr lang="en-US" altLang="zh-CN" sz="2400" strike="noStrike" noProof="1">
+              <a:solidFill>
+                <a:schemeClr val="tx1"/>
+              </a:solidFill>
+            </a:endParaRPr>
+          </a:p>
+        </p:txBody>
+      </p:sp>
+      <p:cxnSp>
+        <p:nvCxnSpPr>
+          <p:cNvPr id="9" name="直接箭头连接符 8"/>
+          <p:cNvCxnSpPr/>
+          <p:nvPr/>
+        </p:nvCxnSpPr>
+        <p:spPr>
+          <a:xfrm flipV="1">
+            <a:off x="6656705" y="5457825"/>
+            <a:ext cx="19050" cy="3829050"/>
+          </a:xfrm>
+          <a:prstGeom prst="straightConnector1">
+            <a:avLst/>
+          </a:prstGeom>
+          <a:ln>
+            <a:tailEnd type="arrow" w="med" len="med"/>
+          </a:ln>
+        </p:spPr>
+        <p:style>
+          <a:lnRef idx="1">
+            <a:schemeClr val="dk1"/>
+          </a:lnRef>
+          <a:fillRef idx="0">
+            <a:schemeClr val="dk1"/>
+          </a:fillRef>
+          <a:effectRef idx="0">
+            <a:schemeClr val="dk1"/>
+          </a:effectRef>
+          <a:fontRef idx="minor">
+            <a:schemeClr val="tx1"/>
+          </a:fontRef>
+        </p:style>
+      </p:cxnSp>
+      <p:cxnSp>
+        <p:nvCxnSpPr>
+          <p:cNvPr id="11" name="直接连接符 10"/>
+          <p:cNvCxnSpPr/>
+          <p:nvPr/>
+        </p:nvCxnSpPr>
+        <p:spPr>
+          <a:xfrm flipH="1">
+            <a:off x="5293995" y="6659880"/>
+            <a:ext cx="20320" cy="2550795"/>
+          </a:xfrm>
+          <a:prstGeom prst="line">
+            <a:avLst/>
+          </a:prstGeom>
+          <a:ln>
+            <a:solidFill>
+              <a:schemeClr val="tx1"/>
+            </a:solidFill>
+            <a:prstDash val="dash"/>
+          </a:ln>
+        </p:spPr>
+        <p:style>
+          <a:lnRef idx="1">
+            <a:schemeClr val="accent1"/>
+          </a:lnRef>
+          <a:fillRef idx="0">
+            <a:schemeClr val="accent1"/>
+          </a:fillRef>
+          <a:effectRef idx="0">
+            <a:schemeClr val="accent1"/>
+          </a:effectRef>
+          <a:fontRef idx="minor">
+            <a:schemeClr val="tx1"/>
+          </a:fontRef>
+        </p:style>
+      </p:cxnSp>
+      <p:cxnSp>
+        <p:nvCxnSpPr>
+          <p:cNvPr id="12" name="直接连接符 11"/>
+          <p:cNvCxnSpPr/>
+          <p:nvPr/>
+        </p:nvCxnSpPr>
+        <p:spPr>
+          <a:xfrm>
+            <a:off x="4184031" y="7011742"/>
+            <a:ext cx="1130303" cy="1270639"/>
+          </a:xfrm>
+          <a:prstGeom prst="line">
+            <a:avLst/>
+          </a:prstGeom>
+        </p:spPr>
+        <p:style>
+          <a:lnRef idx="1">
+            <a:schemeClr val="dk1"/>
+          </a:lnRef>
+          <a:fillRef idx="0">
+            <a:schemeClr val="dk1"/>
+          </a:fillRef>
+          <a:effectRef idx="0">
+            <a:schemeClr val="dk1"/>
+          </a:effectRef>
+          <a:fontRef idx="minor">
+            <a:schemeClr val="tx1"/>
+          </a:fontRef>
+        </p:style>
+      </p:cxnSp>
+      <p:cxnSp>
+        <p:nvCxnSpPr>
+          <p:cNvPr id="13" name="直接连接符 12"/>
+          <p:cNvCxnSpPr/>
+          <p:nvPr/>
+        </p:nvCxnSpPr>
+        <p:spPr>
+          <a:xfrm flipH="1" flipV="1">
+            <a:off x="2482248" y="6987059"/>
+            <a:ext cx="1701812" cy="24765"/>
+          </a:xfrm>
+          <a:prstGeom prst="line">
+            <a:avLst/>
+          </a:prstGeom>
+        </p:spPr>
+        <p:style>
+          <a:lnRef idx="1">
+            <a:schemeClr val="dk1"/>
+          </a:lnRef>
+          <a:fillRef idx="0">
+            <a:schemeClr val="dk1"/>
+          </a:fillRef>
+          <a:effectRef idx="0">
+            <a:schemeClr val="dk1"/>
+          </a:effectRef>
+          <a:fontRef idx="minor">
+            <a:schemeClr val="tx1"/>
+          </a:fontRef>
+        </p:style>
+      </p:cxnSp>
+      <p:cxnSp>
+        <p:nvCxnSpPr>
+          <p:cNvPr id="14" name="直接连接符 13"/>
+          <p:cNvCxnSpPr/>
+          <p:nvPr/>
+        </p:nvCxnSpPr>
+        <p:spPr>
+          <a:xfrm>
+            <a:off x="4196752" y="6308876"/>
+            <a:ext cx="0" cy="1645297"/>
+          </a:xfrm>
+          <a:prstGeom prst="line">
+            <a:avLst/>
+          </a:prstGeom>
+          <a:ln>
+            <a:solidFill>
+              <a:schemeClr val="tx1"/>
+            </a:solidFill>
+            <a:prstDash val="dash"/>
+          </a:ln>
+        </p:spPr>
+        <p:style>
+          <a:lnRef idx="1">
+            <a:schemeClr val="accent1"/>
+          </a:lnRef>
+          <a:fillRef idx="0">
+            <a:schemeClr val="accent1"/>
+          </a:fillRef>
+          <a:effectRef idx="0">
+            <a:schemeClr val="accent1"/>
+          </a:effectRef>
+          <a:fontRef idx="minor">
+            <a:schemeClr val="tx1"/>
+          </a:fontRef>
+        </p:style>
+      </p:cxnSp>
+      <p:cxnSp>
+        <p:nvCxnSpPr>
+          <p:cNvPr id="20" name="直接箭头连接符 19"/>
+          <p:cNvCxnSpPr/>
+          <p:nvPr/>
+        </p:nvCxnSpPr>
+        <p:spPr>
+          <a:xfrm>
+            <a:off x="4206891" y="6776792"/>
+            <a:ext cx="1090298" cy="3810"/>
+          </a:xfrm>
+          <a:prstGeom prst="straightConnector1">
+            <a:avLst/>
+          </a:prstGeom>
+          <a:ln>
+            <a:prstDash val="dash"/>
+            <a:headEnd type="arrow" w="med" len="med"/>
+            <a:tailEnd type="arrow" w="med" len="med"/>
+          </a:ln>
+        </p:spPr>
+        <p:style>
+          <a:lnRef idx="1">
+            <a:schemeClr val="dk1"/>
+          </a:lnRef>
+          <a:fillRef idx="0">
+            <a:schemeClr val="dk1"/>
+          </a:fillRef>
+          <a:effectRef idx="0">
+            <a:schemeClr val="dk1"/>
+          </a:effectRef>
+          <a:fontRef idx="minor">
+            <a:schemeClr val="tx1"/>
+          </a:fontRef>
+        </p:style>
+      </p:cxnSp>
+      <p:sp>
+        <p:nvSpPr>
+          <p:cNvPr id="21" name="文本框 20"/>
+          <p:cNvSpPr txBox="1"/>
+          <p:nvPr/>
+        </p:nvSpPr>
+        <p:spPr>
+          <a:xfrm>
+            <a:off x="6832600" y="5457825"/>
+            <a:ext cx="532130" cy="396240"/>
+          </a:xfrm>
+          <a:prstGeom prst="rect">
+            <a:avLst/>
+          </a:prstGeom>
+          <a:noFill/>
+          <a:ln w="9525">
+            <a:noFill/>
+          </a:ln>
+        </p:spPr>
+        <p:txBody>
+          <a:bodyPr wrap="square" anchor="t">
+            <a:spAutoFit/>
+          </a:bodyPr>
+          <a:p>
+            <a:pPr lvl="0"/>
+            <a:r>
+              <a:rPr lang="en-US" altLang="zh-CN" sz="2000">
+                <a:latin typeface="Arial" panose="020B0604020202020204" pitchFamily="34" charset="0"/>
+                <a:ea typeface="AR PL KaitiM GB" charset="0"/>
+              </a:rPr>
+              <a:t>B</a:t>
+            </a:r>
+            <a:endParaRPr lang="en-US" altLang="zh-CN" sz="2000">
+              <a:latin typeface="Arial" panose="020B0604020202020204" pitchFamily="34" charset="0"/>
+              <a:ea typeface="AR PL KaitiM GB" charset="0"/>
+            </a:endParaRPr>
+          </a:p>
+        </p:txBody>
+      </p:sp>
+      <p:sp>
+        <p:nvSpPr>
+          <p:cNvPr id="22" name="矩形 21"/>
+          <p:cNvSpPr/>
+          <p:nvPr/>
+        </p:nvSpPr>
+        <p:spPr>
+          <a:xfrm>
+            <a:off x="5310505" y="6204585"/>
+            <a:ext cx="1323975" cy="844550"/>
+          </a:xfrm>
+          <a:prstGeom prst="rect">
+            <a:avLst/>
+          </a:prstGeom>
+          <a:solidFill>
+            <a:srgbClr val="5B9BD5">
+              <a:alpha val="20000"/>
+            </a:srgbClr>
+          </a:solidFill>
+          <a:ln>
+            <a:solidFill>
+              <a:schemeClr val="accent1">
+                <a:shade val="50000"/>
+                <a:alpha val="25000"/>
+              </a:schemeClr>
+            </a:solidFill>
+          </a:ln>
+        </p:spPr>
+        <p:style>
+          <a:lnRef idx="2">
+            <a:schemeClr val="accent1">
+              <a:shade val="50000"/>
+            </a:schemeClr>
+          </a:lnRef>
+          <a:fillRef idx="1">
+            <a:schemeClr val="accent1"/>
+          </a:fillRef>
+          <a:effectRef idx="0">
+            <a:schemeClr val="accent1"/>
+          </a:effectRef>
+          <a:fontRef idx="minor">
+            <a:schemeClr val="lt1"/>
+          </a:fontRef>
+        </p:style>
+        <p:txBody>
+          <a:bodyPr rtlCol="0" anchor="ctr"/>
+          <a:p>
+            <a:pPr algn="ctr" fontAlgn="base"/>
+            <a:r>
+              <a:rPr lang="en-US" altLang="zh-CN" sz="2000" strike="noStrike" noProof="1">
+                <a:solidFill>
+                  <a:schemeClr val="tx1"/>
+                </a:solidFill>
+              </a:rPr>
+              <a:t>1</a:t>
+            </a:r>
+            <a:r>
+              <a:rPr lang="en-US" altLang="zh-CN" sz="2000" strike="noStrike" baseline="30000" noProof="1">
+                <a:solidFill>
+                  <a:schemeClr val="tx1"/>
+                </a:solidFill>
+              </a:rPr>
+              <a:t>st</a:t>
+            </a:r>
+            <a:r>
+              <a:rPr lang="en-US" altLang="zh-CN" sz="2000" strike="noStrike" noProof="1">
+                <a:solidFill>
+                  <a:schemeClr val="tx1"/>
+                </a:solidFill>
+              </a:rPr>
+              <a:t> tank</a:t>
+            </a:r>
+            <a:endParaRPr lang="en-US" altLang="zh-CN" sz="2000" strike="noStrike" noProof="1">
+              <a:solidFill>
+                <a:schemeClr val="tx1"/>
+              </a:solidFill>
+            </a:endParaRPr>
+          </a:p>
+          <a:p>
+            <a:pPr algn="ctr" fontAlgn="base"/>
+            <a:endParaRPr lang="en-US" altLang="zh-CN" sz="2000" strike="noStrike" noProof="1">
+              <a:solidFill>
+                <a:schemeClr val="tx1"/>
+              </a:solidFill>
+            </a:endParaRPr>
+          </a:p>
+          <a:p>
+            <a:pPr algn="ctr" fontAlgn="base"/>
+            <a:endParaRPr lang="en-US" altLang="zh-CN" sz="2000" strike="noStrike" noProof="1">
+              <a:solidFill>
+                <a:schemeClr val="tx1"/>
+              </a:solidFill>
+            </a:endParaRPr>
+          </a:p>
+        </p:txBody>
+      </p:sp>
+      <p:grpSp>
+        <p:nvGrpSpPr>
+          <p:cNvPr id="187" name="组合 186"/>
+          <p:cNvGrpSpPr/>
+          <p:nvPr/>
+        </p:nvGrpSpPr>
+        <p:grpSpPr>
+          <a:xfrm rot="0">
+            <a:off x="5297170" y="6510020"/>
+            <a:ext cx="179705" cy="539750"/>
+            <a:chOff x="7465" y="5841"/>
+            <a:chExt cx="283" cy="850"/>
+          </a:xfrm>
+        </p:grpSpPr>
+        <p:sp>
+          <p:nvSpPr>
+            <p:cNvPr id="188" name="流程图: 过程 187"/>
+            <p:cNvSpPr/>
+            <p:nvPr/>
+          </p:nvSpPr>
+          <p:spPr>
+            <a:xfrm>
+              <a:off x="7465" y="6477"/>
+              <a:ext cx="283" cy="214"/>
+            </a:xfrm>
+            <a:prstGeom prst="flowChartProcess">
+              <a:avLst/>
+            </a:prstGeom>
+            <a:pattFill prst="ltDnDiag">
+              <a:fgClr>
+                <a:schemeClr val="tx1"/>
+              </a:fgClr>
+              <a:bgClr>
+                <a:srgbClr val="FFFFFF"/>
+              </a:bgClr>
+            </a:pattFill>
+            <a:ln w="3175">
+              <a:solidFill>
+                <a:schemeClr val="tx1"/>
+              </a:solidFill>
+            </a:ln>
+          </p:spPr>
+          <p:style>
+            <a:lnRef idx="2">
+              <a:schemeClr val="accent1">
+                <a:shade val="50000"/>
+              </a:schemeClr>
+            </a:lnRef>
+            <a:fillRef idx="1">
+              <a:schemeClr val="accent1"/>
+            </a:fillRef>
+            <a:effectRef idx="0">
+              <a:schemeClr val="accent1"/>
+            </a:effectRef>
+            <a:fontRef idx="minor">
+              <a:schemeClr val="lt1"/>
+            </a:fontRef>
+          </p:style>
+          <p:txBody>
+            <a:bodyPr rtlCol="0" anchor="ctr"/>
+            <a:p>
+              <a:pPr algn="ctr" fontAlgn="base"/>
+              <a:endParaRPr lang="zh-CN" altLang="en-US" sz="2400" strike="noStrike" noProof="1"/>
+            </a:p>
+          </p:txBody>
+        </p:sp>
+        <p:sp>
+          <p:nvSpPr>
+            <p:cNvPr id="189" name="流程图: 过程 188"/>
+            <p:cNvSpPr/>
+            <p:nvPr/>
+          </p:nvSpPr>
+          <p:spPr>
+            <a:xfrm>
+              <a:off x="7465" y="5841"/>
+              <a:ext cx="283" cy="214"/>
+            </a:xfrm>
+            <a:prstGeom prst="flowChartProcess">
+              <a:avLst/>
+            </a:prstGeom>
+            <a:pattFill prst="ltDnDiag">
+              <a:fgClr>
+                <a:schemeClr val="tx1"/>
+              </a:fgClr>
+              <a:bgClr>
+                <a:srgbClr val="FFFFFF"/>
+              </a:bgClr>
+            </a:pattFill>
+            <a:ln w="3175">
+              <a:solidFill>
+                <a:schemeClr val="tx1"/>
+              </a:solidFill>
+            </a:ln>
+          </p:spPr>
+          <p:style>
+            <a:lnRef idx="2">
+              <a:schemeClr val="accent1">
+                <a:shade val="50000"/>
+              </a:schemeClr>
+            </a:lnRef>
+            <a:fillRef idx="1">
+              <a:schemeClr val="accent1"/>
+            </a:fillRef>
+            <a:effectRef idx="0">
+              <a:schemeClr val="accent1"/>
+            </a:effectRef>
+            <a:fontRef idx="minor">
+              <a:schemeClr val="lt1"/>
+            </a:fontRef>
+          </p:style>
+          <p:txBody>
+            <a:bodyPr rtlCol="0" anchor="ctr"/>
+            <a:p>
+              <a:pPr algn="ctr" fontAlgn="base"/>
+              <a:endParaRPr lang="zh-CN" altLang="en-US" sz="2400" strike="noStrike" noProof="1"/>
+            </a:p>
+          </p:txBody>
+        </p:sp>
+        <p:sp>
+          <p:nvSpPr>
+            <p:cNvPr id="190" name="流程图: 过程 189"/>
+            <p:cNvSpPr/>
+            <p:nvPr/>
+          </p:nvSpPr>
+          <p:spPr>
+            <a:xfrm>
+              <a:off x="7465" y="6055"/>
+              <a:ext cx="120" cy="423"/>
+            </a:xfrm>
+            <a:prstGeom prst="flowChartProcess">
+              <a:avLst/>
+            </a:prstGeom>
+            <a:pattFill prst="ltDnDiag">
+              <a:fgClr>
+                <a:schemeClr val="tx1"/>
+              </a:fgClr>
+              <a:bgClr>
+                <a:srgbClr val="FFFFFF"/>
+              </a:bgClr>
+            </a:pattFill>
+            <a:ln w="3175">
+              <a:solidFill>
+                <a:schemeClr val="tx1"/>
+              </a:solidFill>
+            </a:ln>
+          </p:spPr>
+          <p:style>
+            <a:lnRef idx="2">
+              <a:schemeClr val="accent1">
+                <a:shade val="50000"/>
+              </a:schemeClr>
+            </a:lnRef>
+            <a:fillRef idx="1">
+              <a:schemeClr val="accent1"/>
+            </a:fillRef>
+            <a:effectRef idx="0">
+              <a:schemeClr val="accent1"/>
+            </a:effectRef>
+            <a:fontRef idx="minor">
+              <a:schemeClr val="lt1"/>
+            </a:fontRef>
+          </p:style>
+          <p:txBody>
+            <a:bodyPr rtlCol="0" anchor="ctr"/>
+            <a:p>
+              <a:pPr algn="ctr" fontAlgn="base"/>
+              <a:endParaRPr lang="zh-CN" altLang="en-US" sz="2400" strike="noStrike" noProof="1"/>
+            </a:p>
+          </p:txBody>
+        </p:sp>
+        <p:sp>
+          <p:nvSpPr>
+            <p:cNvPr id="191" name="流程图: 过程 190"/>
+            <p:cNvSpPr/>
+            <p:nvPr/>
+          </p:nvSpPr>
+          <p:spPr>
+            <a:xfrm>
+              <a:off x="7628" y="6054"/>
+              <a:ext cx="120" cy="423"/>
+            </a:xfrm>
+            <a:prstGeom prst="flowChartProcess">
+              <a:avLst/>
+            </a:prstGeom>
+            <a:pattFill prst="ltDnDiag">
+              <a:fgClr>
+                <a:schemeClr val="tx1"/>
+              </a:fgClr>
+              <a:bgClr>
+                <a:srgbClr val="FFFFFF"/>
+              </a:bgClr>
+            </a:pattFill>
+            <a:ln w="3175">
+              <a:solidFill>
+                <a:schemeClr val="tx1"/>
+              </a:solidFill>
+            </a:ln>
+          </p:spPr>
+          <p:style>
+            <a:lnRef idx="2">
+              <a:schemeClr val="accent1">
+                <a:shade val="50000"/>
+              </a:schemeClr>
+            </a:lnRef>
+            <a:fillRef idx="1">
+              <a:schemeClr val="accent1"/>
+            </a:fillRef>
+            <a:effectRef idx="0">
+              <a:schemeClr val="accent1"/>
+            </a:effectRef>
+            <a:fontRef idx="minor">
+              <a:schemeClr val="lt1"/>
+            </a:fontRef>
+          </p:style>
+          <p:txBody>
+            <a:bodyPr rtlCol="0" anchor="ctr"/>
+            <a:p>
+              <a:pPr algn="ctr" fontAlgn="base"/>
+              <a:endParaRPr lang="zh-CN" altLang="en-US" sz="2400" strike="noStrike" noProof="1"/>
+            </a:p>
+          </p:txBody>
+        </p:sp>
+      </p:grpSp>
+      <p:grpSp>
+        <p:nvGrpSpPr>
+          <p:cNvPr id="25" name="组合 24"/>
+          <p:cNvGrpSpPr/>
+          <p:nvPr/>
+        </p:nvGrpSpPr>
+        <p:grpSpPr>
+          <a:xfrm rot="0">
+            <a:off x="5601970" y="6501765"/>
+            <a:ext cx="179705" cy="539750"/>
+            <a:chOff x="7465" y="5841"/>
+            <a:chExt cx="283" cy="850"/>
+          </a:xfrm>
+        </p:grpSpPr>
+        <p:sp>
+          <p:nvSpPr>
+            <p:cNvPr id="26" name="流程图: 过程 25"/>
+            <p:cNvSpPr/>
+            <p:nvPr/>
+          </p:nvSpPr>
+          <p:spPr>
+            <a:xfrm>
+              <a:off x="7465" y="6477"/>
+              <a:ext cx="283" cy="214"/>
+            </a:xfrm>
+            <a:prstGeom prst="flowChartProcess">
+              <a:avLst/>
+            </a:prstGeom>
+            <a:pattFill prst="ltDnDiag">
+              <a:fgClr>
+                <a:schemeClr val="tx1"/>
+              </a:fgClr>
+              <a:bgClr>
+                <a:srgbClr val="FFFFFF"/>
+              </a:bgClr>
+            </a:pattFill>
+            <a:ln w="3175">
+              <a:solidFill>
+                <a:schemeClr val="tx1"/>
+              </a:solidFill>
+            </a:ln>
+          </p:spPr>
+          <p:style>
+            <a:lnRef idx="2">
+              <a:schemeClr val="accent1">
+                <a:shade val="50000"/>
+              </a:schemeClr>
+            </a:lnRef>
+            <a:fillRef idx="1">
+              <a:schemeClr val="accent1"/>
+            </a:fillRef>
+            <a:effectRef idx="0">
+              <a:schemeClr val="accent1"/>
+            </a:effectRef>
+            <a:fontRef idx="minor">
+              <a:schemeClr val="lt1"/>
+            </a:fontRef>
+          </p:style>
+          <p:txBody>
+            <a:bodyPr rtlCol="0" anchor="ctr"/>
+            <a:p>
+              <a:pPr algn="ctr" fontAlgn="base"/>
+              <a:endParaRPr lang="zh-CN" altLang="en-US" sz="2400" strike="noStrike" noProof="1"/>
+            </a:p>
+          </p:txBody>
+        </p:sp>
+        <p:sp>
+          <p:nvSpPr>
+            <p:cNvPr id="29" name="流程图: 过程 28"/>
+            <p:cNvSpPr/>
+            <p:nvPr/>
+          </p:nvSpPr>
+          <p:spPr>
+            <a:xfrm>
+              <a:off x="7465" y="5841"/>
+              <a:ext cx="283" cy="214"/>
+            </a:xfrm>
+            <a:prstGeom prst="flowChartProcess">
+              <a:avLst/>
+            </a:prstGeom>
+            <a:pattFill prst="ltDnDiag">
+              <a:fgClr>
+                <a:schemeClr val="tx1"/>
+              </a:fgClr>
+              <a:bgClr>
+                <a:srgbClr val="FFFFFF"/>
+              </a:bgClr>
+            </a:pattFill>
+            <a:ln w="3175">
+              <a:solidFill>
+                <a:schemeClr val="tx1"/>
+              </a:solidFill>
+            </a:ln>
+          </p:spPr>
+          <p:style>
+            <a:lnRef idx="2">
+              <a:schemeClr val="accent1">
+                <a:shade val="50000"/>
+              </a:schemeClr>
+            </a:lnRef>
+            <a:fillRef idx="1">
+              <a:schemeClr val="accent1"/>
+            </a:fillRef>
+            <a:effectRef idx="0">
+              <a:schemeClr val="accent1"/>
+            </a:effectRef>
+            <a:fontRef idx="minor">
+              <a:schemeClr val="lt1"/>
+            </a:fontRef>
+          </p:style>
+          <p:txBody>
+            <a:bodyPr rtlCol="0" anchor="ctr"/>
+            <a:p>
+              <a:pPr algn="ctr" fontAlgn="base"/>
+              <a:endParaRPr lang="zh-CN" altLang="en-US" sz="2400" strike="noStrike" noProof="1"/>
+            </a:p>
+          </p:txBody>
+        </p:sp>
+        <p:sp>
+          <p:nvSpPr>
+            <p:cNvPr id="33" name="流程图: 过程 32"/>
+            <p:cNvSpPr/>
+            <p:nvPr/>
+          </p:nvSpPr>
+          <p:spPr>
+            <a:xfrm>
+              <a:off x="7465" y="6055"/>
+              <a:ext cx="120" cy="423"/>
+            </a:xfrm>
+            <a:prstGeom prst="flowChartProcess">
+              <a:avLst/>
+            </a:prstGeom>
+            <a:pattFill prst="ltDnDiag">
+              <a:fgClr>
+                <a:schemeClr val="tx1"/>
+              </a:fgClr>
+              <a:bgClr>
+                <a:srgbClr val="FFFFFF"/>
+              </a:bgClr>
+            </a:pattFill>
+            <a:ln w="3175">
+              <a:solidFill>
+                <a:schemeClr val="tx1"/>
+              </a:solidFill>
+            </a:ln>
+          </p:spPr>
+          <p:style>
+            <a:lnRef idx="2">
+              <a:schemeClr val="accent1">
+                <a:shade val="50000"/>
+              </a:schemeClr>
+            </a:lnRef>
+            <a:fillRef idx="1">
+              <a:schemeClr val="accent1"/>
+            </a:fillRef>
+            <a:effectRef idx="0">
+              <a:schemeClr val="accent1"/>
+            </a:effectRef>
+            <a:fontRef idx="minor">
+              <a:schemeClr val="lt1"/>
+            </a:fontRef>
+          </p:style>
+          <p:txBody>
+            <a:bodyPr rtlCol="0" anchor="ctr"/>
+            <a:p>
+              <a:pPr algn="ctr" fontAlgn="base"/>
+              <a:endParaRPr lang="zh-CN" altLang="en-US" sz="2400" strike="noStrike" noProof="1"/>
+            </a:p>
+          </p:txBody>
+        </p:sp>
+        <p:sp>
+          <p:nvSpPr>
+            <p:cNvPr id="34" name="流程图: 过程 33"/>
+            <p:cNvSpPr/>
+            <p:nvPr/>
+          </p:nvSpPr>
+          <p:spPr>
+            <a:xfrm>
+              <a:off x="7628" y="6054"/>
+              <a:ext cx="120" cy="423"/>
+            </a:xfrm>
+            <a:prstGeom prst="flowChartProcess">
+              <a:avLst/>
+            </a:prstGeom>
+            <a:pattFill prst="ltDnDiag">
+              <a:fgClr>
+                <a:schemeClr val="tx1"/>
+              </a:fgClr>
+              <a:bgClr>
+                <a:srgbClr val="FFFFFF"/>
+              </a:bgClr>
+            </a:pattFill>
+            <a:ln w="3175">
+              <a:solidFill>
+                <a:schemeClr val="tx1"/>
+              </a:solidFill>
+            </a:ln>
+          </p:spPr>
+          <p:style>
+            <a:lnRef idx="2">
+              <a:schemeClr val="accent1">
+                <a:shade val="50000"/>
+              </a:schemeClr>
+            </a:lnRef>
+            <a:fillRef idx="1">
+              <a:schemeClr val="accent1"/>
+            </a:fillRef>
+            <a:effectRef idx="0">
+              <a:schemeClr val="accent1"/>
+            </a:effectRef>
+            <a:fontRef idx="minor">
+              <a:schemeClr val="lt1"/>
+            </a:fontRef>
+          </p:style>
+          <p:txBody>
+            <a:bodyPr rtlCol="0" anchor="ctr"/>
+            <a:p>
+              <a:pPr algn="ctr" fontAlgn="base"/>
+              <a:endParaRPr lang="zh-CN" altLang="en-US" sz="2400" strike="noStrike" noProof="1"/>
+            </a:p>
+          </p:txBody>
+        </p:sp>
+      </p:grpSp>
+      <p:grpSp>
+        <p:nvGrpSpPr>
+          <p:cNvPr id="35" name="组合 34"/>
+          <p:cNvGrpSpPr/>
+          <p:nvPr/>
+        </p:nvGrpSpPr>
+        <p:grpSpPr>
+          <a:xfrm rot="0">
+            <a:off x="5899150" y="6501130"/>
+            <a:ext cx="179705" cy="539750"/>
+            <a:chOff x="7465" y="5841"/>
+            <a:chExt cx="283" cy="850"/>
+          </a:xfrm>
+        </p:grpSpPr>
+        <p:sp>
+          <p:nvSpPr>
+            <p:cNvPr id="36" name="流程图: 过程 35"/>
+            <p:cNvSpPr/>
+            <p:nvPr/>
+          </p:nvSpPr>
+          <p:spPr>
+            <a:xfrm>
+              <a:off x="7465" y="6477"/>
+              <a:ext cx="283" cy="214"/>
+            </a:xfrm>
+            <a:prstGeom prst="flowChartProcess">
+              <a:avLst/>
+            </a:prstGeom>
+            <a:pattFill prst="ltDnDiag">
+              <a:fgClr>
+                <a:schemeClr val="tx1"/>
+              </a:fgClr>
+              <a:bgClr>
+                <a:srgbClr val="FFFFFF"/>
+              </a:bgClr>
+            </a:pattFill>
+            <a:ln w="3175">
+              <a:solidFill>
+                <a:schemeClr val="tx1"/>
+              </a:solidFill>
+            </a:ln>
+          </p:spPr>
+          <p:style>
+            <a:lnRef idx="2">
+              <a:schemeClr val="accent1">
+                <a:shade val="50000"/>
+              </a:schemeClr>
+            </a:lnRef>
+            <a:fillRef idx="1">
+              <a:schemeClr val="accent1"/>
+            </a:fillRef>
+            <a:effectRef idx="0">
+              <a:schemeClr val="accent1"/>
+            </a:effectRef>
+            <a:fontRef idx="minor">
+              <a:schemeClr val="lt1"/>
+            </a:fontRef>
+          </p:style>
+          <p:txBody>
+            <a:bodyPr rtlCol="0" anchor="ctr"/>
+            <a:p>
+              <a:pPr algn="ctr" fontAlgn="base"/>
+              <a:endParaRPr lang="zh-CN" altLang="en-US" sz="2400" strike="noStrike" noProof="1"/>
+            </a:p>
+          </p:txBody>
+        </p:sp>
+        <p:sp>
+          <p:nvSpPr>
+            <p:cNvPr id="37" name="流程图: 过程 36"/>
+            <p:cNvSpPr/>
+            <p:nvPr/>
+          </p:nvSpPr>
+          <p:spPr>
+            <a:xfrm>
+              <a:off x="7465" y="5841"/>
+              <a:ext cx="283" cy="214"/>
+            </a:xfrm>
+            <a:prstGeom prst="flowChartProcess">
+              <a:avLst/>
+            </a:prstGeom>
+            <a:pattFill prst="ltDnDiag">
+              <a:fgClr>
+                <a:schemeClr val="tx1"/>
+              </a:fgClr>
+              <a:bgClr>
+                <a:srgbClr val="FFFFFF"/>
+              </a:bgClr>
+            </a:pattFill>
+            <a:ln w="3175">
+              <a:solidFill>
+                <a:schemeClr val="tx1"/>
+              </a:solidFill>
+            </a:ln>
+          </p:spPr>
+          <p:style>
+            <a:lnRef idx="2">
+              <a:schemeClr val="accent1">
+                <a:shade val="50000"/>
+              </a:schemeClr>
+            </a:lnRef>
+            <a:fillRef idx="1">
+              <a:schemeClr val="accent1"/>
+            </a:fillRef>
+            <a:effectRef idx="0">
+              <a:schemeClr val="accent1"/>
+            </a:effectRef>
+            <a:fontRef idx="minor">
+              <a:schemeClr val="lt1"/>
+            </a:fontRef>
+          </p:style>
+          <p:txBody>
+            <a:bodyPr rtlCol="0" anchor="ctr"/>
+            <a:p>
+              <a:pPr algn="ctr" fontAlgn="base"/>
+              <a:endParaRPr lang="zh-CN" altLang="en-US" sz="2400" strike="noStrike" noProof="1"/>
+            </a:p>
+          </p:txBody>
+        </p:sp>
+        <p:sp>
+          <p:nvSpPr>
+            <p:cNvPr id="40" name="流程图: 过程 39"/>
+            <p:cNvSpPr/>
+            <p:nvPr/>
+          </p:nvSpPr>
+          <p:spPr>
+            <a:xfrm>
+              <a:off x="7465" y="6055"/>
+              <a:ext cx="120" cy="423"/>
+            </a:xfrm>
+            <a:prstGeom prst="flowChartProcess">
+              <a:avLst/>
+            </a:prstGeom>
+            <a:pattFill prst="ltDnDiag">
+              <a:fgClr>
+                <a:schemeClr val="tx1"/>
+              </a:fgClr>
+              <a:bgClr>
+                <a:srgbClr val="FFFFFF"/>
+              </a:bgClr>
+            </a:pattFill>
+            <a:ln w="3175">
+              <a:solidFill>
+                <a:schemeClr val="tx1"/>
+              </a:solidFill>
+            </a:ln>
+          </p:spPr>
+          <p:style>
+            <a:lnRef idx="2">
+              <a:schemeClr val="accent1">
+                <a:shade val="50000"/>
+              </a:schemeClr>
+            </a:lnRef>
+            <a:fillRef idx="1">
+              <a:schemeClr val="accent1"/>
+            </a:fillRef>
+            <a:effectRef idx="0">
+              <a:schemeClr val="accent1"/>
+            </a:effectRef>
+            <a:fontRef idx="minor">
+              <a:schemeClr val="lt1"/>
+            </a:fontRef>
+          </p:style>
+          <p:txBody>
+            <a:bodyPr rtlCol="0" anchor="ctr"/>
+            <a:p>
+              <a:pPr algn="ctr" fontAlgn="base"/>
+              <a:endParaRPr lang="zh-CN" altLang="en-US" sz="2400" strike="noStrike" noProof="1"/>
+            </a:p>
+          </p:txBody>
+        </p:sp>
+        <p:sp>
+          <p:nvSpPr>
+            <p:cNvPr id="43" name="流程图: 过程 42"/>
+            <p:cNvSpPr/>
+            <p:nvPr/>
+          </p:nvSpPr>
+          <p:spPr>
+            <a:xfrm>
+              <a:off x="7628" y="6054"/>
+              <a:ext cx="120" cy="423"/>
+            </a:xfrm>
+            <a:prstGeom prst="flowChartProcess">
+              <a:avLst/>
+            </a:prstGeom>
+            <a:pattFill prst="ltDnDiag">
+              <a:fgClr>
+                <a:schemeClr val="tx1"/>
+              </a:fgClr>
+              <a:bgClr>
+                <a:srgbClr val="FFFFFF"/>
+              </a:bgClr>
+            </a:pattFill>
+            <a:ln w="3175">
+              <a:solidFill>
+                <a:schemeClr val="tx1"/>
+              </a:solidFill>
+            </a:ln>
+          </p:spPr>
+          <p:style>
+            <a:lnRef idx="2">
+              <a:schemeClr val="accent1">
+                <a:shade val="50000"/>
+              </a:schemeClr>
+            </a:lnRef>
+            <a:fillRef idx="1">
+              <a:schemeClr val="accent1"/>
+            </a:fillRef>
+            <a:effectRef idx="0">
+              <a:schemeClr val="accent1"/>
+            </a:effectRef>
+            <a:fontRef idx="minor">
+              <a:schemeClr val="lt1"/>
+            </a:fontRef>
+          </p:style>
+          <p:txBody>
+            <a:bodyPr rtlCol="0" anchor="ctr"/>
+            <a:p>
+              <a:pPr algn="ctr" fontAlgn="base"/>
+              <a:endParaRPr lang="zh-CN" altLang="en-US" sz="2400" strike="noStrike" noProof="1"/>
+            </a:p>
+          </p:txBody>
+        </p:sp>
+      </p:grpSp>
+      <p:grpSp>
+        <p:nvGrpSpPr>
+          <p:cNvPr id="44" name="组合 43"/>
+          <p:cNvGrpSpPr/>
+          <p:nvPr/>
+        </p:nvGrpSpPr>
+        <p:grpSpPr>
+          <a:xfrm rot="0">
+            <a:off x="6170930" y="6501765"/>
+            <a:ext cx="179705" cy="539750"/>
+            <a:chOff x="7465" y="5841"/>
+            <a:chExt cx="283" cy="850"/>
+          </a:xfrm>
+        </p:grpSpPr>
+        <p:sp>
+          <p:nvSpPr>
+            <p:cNvPr id="45" name="流程图: 过程 44"/>
+            <p:cNvSpPr/>
+            <p:nvPr/>
+          </p:nvSpPr>
+          <p:spPr>
+            <a:xfrm>
+              <a:off x="7465" y="6477"/>
+              <a:ext cx="283" cy="214"/>
+            </a:xfrm>
+            <a:prstGeom prst="flowChartProcess">
+              <a:avLst/>
+            </a:prstGeom>
+            <a:pattFill prst="ltDnDiag">
+              <a:fgClr>
+                <a:schemeClr val="tx1"/>
+              </a:fgClr>
+              <a:bgClr>
+                <a:srgbClr val="FFFFFF"/>
+              </a:bgClr>
+            </a:pattFill>
+            <a:ln w="3175">
+              <a:solidFill>
+                <a:schemeClr val="tx1"/>
+              </a:solidFill>
+            </a:ln>
+          </p:spPr>
+          <p:style>
+            <a:lnRef idx="2">
+              <a:schemeClr val="accent1">
+                <a:shade val="50000"/>
+              </a:schemeClr>
+            </a:lnRef>
+            <a:fillRef idx="1">
+              <a:schemeClr val="accent1"/>
+            </a:fillRef>
+            <a:effectRef idx="0">
+              <a:schemeClr val="accent1"/>
+            </a:effectRef>
+            <a:fontRef idx="minor">
+              <a:schemeClr val="lt1"/>
+            </a:fontRef>
+          </p:style>
+          <p:txBody>
+            <a:bodyPr rtlCol="0" anchor="ctr"/>
+            <a:p>
+              <a:pPr algn="ctr" fontAlgn="base"/>
+              <a:endParaRPr lang="zh-CN" altLang="en-US" sz="2400" strike="noStrike" noProof="1"/>
+            </a:p>
+          </p:txBody>
+        </p:sp>
+        <p:sp>
+          <p:nvSpPr>
+            <p:cNvPr id="50" name="流程图: 过程 49"/>
+            <p:cNvSpPr/>
+            <p:nvPr/>
+          </p:nvSpPr>
+          <p:spPr>
+            <a:xfrm>
+              <a:off x="7465" y="5841"/>
+              <a:ext cx="283" cy="214"/>
+            </a:xfrm>
+            <a:prstGeom prst="flowChartProcess">
+              <a:avLst/>
+            </a:prstGeom>
+            <a:pattFill prst="ltDnDiag">
+              <a:fgClr>
+                <a:schemeClr val="tx1"/>
+              </a:fgClr>
+              <a:bgClr>
+                <a:srgbClr val="FFFFFF"/>
+              </a:bgClr>
+            </a:pattFill>
+            <a:ln w="3175">
+              <a:solidFill>
+                <a:schemeClr val="tx1"/>
+              </a:solidFill>
+            </a:ln>
+          </p:spPr>
+          <p:style>
+            <a:lnRef idx="2">
+              <a:schemeClr val="accent1">
+                <a:shade val="50000"/>
+              </a:schemeClr>
+            </a:lnRef>
+            <a:fillRef idx="1">
+              <a:schemeClr val="accent1"/>
+            </a:fillRef>
+            <a:effectRef idx="0">
+              <a:schemeClr val="accent1"/>
+            </a:effectRef>
+            <a:fontRef idx="minor">
+              <a:schemeClr val="lt1"/>
+            </a:fontRef>
+          </p:style>
+          <p:txBody>
+            <a:bodyPr rtlCol="0" anchor="ctr"/>
+            <a:p>
+              <a:pPr algn="ctr" fontAlgn="base"/>
+              <a:endParaRPr lang="zh-CN" altLang="en-US" sz="2400" strike="noStrike" noProof="1"/>
+            </a:p>
+          </p:txBody>
+        </p:sp>
+        <p:sp>
+          <p:nvSpPr>
+            <p:cNvPr id="51" name="流程图: 过程 50"/>
+            <p:cNvSpPr/>
+            <p:nvPr/>
+          </p:nvSpPr>
+          <p:spPr>
+            <a:xfrm>
+              <a:off x="7465" y="6055"/>
+              <a:ext cx="120" cy="423"/>
+            </a:xfrm>
+            <a:prstGeom prst="flowChartProcess">
+              <a:avLst/>
+            </a:prstGeom>
+            <a:pattFill prst="ltDnDiag">
+              <a:fgClr>
+                <a:schemeClr val="tx1"/>
+              </a:fgClr>
+              <a:bgClr>
+                <a:srgbClr val="FFFFFF"/>
+              </a:bgClr>
+            </a:pattFill>
+            <a:ln w="3175">
+              <a:solidFill>
+                <a:schemeClr val="tx1"/>
+              </a:solidFill>
+            </a:ln>
+          </p:spPr>
+          <p:style>
+            <a:lnRef idx="2">
+              <a:schemeClr val="accent1">
+                <a:shade val="50000"/>
+              </a:schemeClr>
+            </a:lnRef>
+            <a:fillRef idx="1">
+              <a:schemeClr val="accent1"/>
+            </a:fillRef>
+            <a:effectRef idx="0">
+              <a:schemeClr val="accent1"/>
+            </a:effectRef>
+            <a:fontRef idx="minor">
+              <a:schemeClr val="lt1"/>
+            </a:fontRef>
+          </p:style>
+          <p:txBody>
+            <a:bodyPr rtlCol="0" anchor="ctr"/>
+            <a:p>
+              <a:pPr algn="ctr" fontAlgn="base"/>
+              <a:endParaRPr lang="zh-CN" altLang="en-US" sz="2400" strike="noStrike" noProof="1"/>
+            </a:p>
+          </p:txBody>
+        </p:sp>
+        <p:sp>
+          <p:nvSpPr>
+            <p:cNvPr id="52" name="流程图: 过程 51"/>
+            <p:cNvSpPr/>
+            <p:nvPr/>
+          </p:nvSpPr>
+          <p:spPr>
+            <a:xfrm>
+              <a:off x="7628" y="6054"/>
+              <a:ext cx="120" cy="423"/>
+            </a:xfrm>
+            <a:prstGeom prst="flowChartProcess">
+              <a:avLst/>
+            </a:prstGeom>
+            <a:pattFill prst="ltDnDiag">
+              <a:fgClr>
+                <a:schemeClr val="tx1"/>
+              </a:fgClr>
+              <a:bgClr>
+                <a:srgbClr val="FFFFFF"/>
+              </a:bgClr>
+            </a:pattFill>
+            <a:ln w="3175">
+              <a:solidFill>
+                <a:schemeClr val="tx1"/>
+              </a:solidFill>
+            </a:ln>
+          </p:spPr>
+          <p:style>
+            <a:lnRef idx="2">
+              <a:schemeClr val="accent1">
+                <a:shade val="50000"/>
+              </a:schemeClr>
+            </a:lnRef>
+            <a:fillRef idx="1">
+              <a:schemeClr val="accent1"/>
+            </a:fillRef>
+            <a:effectRef idx="0">
+              <a:schemeClr val="accent1"/>
+            </a:effectRef>
+            <a:fontRef idx="minor">
+              <a:schemeClr val="lt1"/>
+            </a:fontRef>
+          </p:style>
+          <p:txBody>
+            <a:bodyPr rtlCol="0" anchor="ctr"/>
+            <a:p>
+              <a:pPr algn="ctr" fontAlgn="base"/>
+              <a:endParaRPr lang="zh-CN" altLang="en-US" sz="2400" strike="noStrike" noProof="1"/>
+            </a:p>
+          </p:txBody>
+        </p:sp>
+      </p:grpSp>
+      <p:grpSp>
+        <p:nvGrpSpPr>
+          <p:cNvPr id="53" name="组合 52"/>
+          <p:cNvGrpSpPr/>
+          <p:nvPr/>
+        </p:nvGrpSpPr>
+        <p:grpSpPr>
+          <a:xfrm rot="0">
+            <a:off x="6455410" y="6507480"/>
+            <a:ext cx="179705" cy="539750"/>
+            <a:chOff x="7465" y="5841"/>
+            <a:chExt cx="283" cy="850"/>
+          </a:xfrm>
+        </p:grpSpPr>
+        <p:sp>
+          <p:nvSpPr>
+            <p:cNvPr id="54" name="流程图: 过程 53"/>
+            <p:cNvSpPr/>
+            <p:nvPr/>
+          </p:nvSpPr>
+          <p:spPr>
+            <a:xfrm>
+              <a:off x="7465" y="6477"/>
+              <a:ext cx="283" cy="214"/>
+            </a:xfrm>
+            <a:prstGeom prst="flowChartProcess">
+              <a:avLst/>
+            </a:prstGeom>
+            <a:pattFill prst="ltDnDiag">
+              <a:fgClr>
+                <a:schemeClr val="tx1"/>
+              </a:fgClr>
+              <a:bgClr>
+                <a:srgbClr val="FFFFFF"/>
+              </a:bgClr>
+            </a:pattFill>
+            <a:ln w="3175">
+              <a:solidFill>
+                <a:schemeClr val="tx1"/>
+              </a:solidFill>
+            </a:ln>
+          </p:spPr>
+          <p:style>
+            <a:lnRef idx="2">
+              <a:schemeClr val="accent1">
+                <a:shade val="50000"/>
+              </a:schemeClr>
+            </a:lnRef>
+            <a:fillRef idx="1">
+              <a:schemeClr val="accent1"/>
+            </a:fillRef>
+            <a:effectRef idx="0">
+              <a:schemeClr val="accent1"/>
+            </a:effectRef>
+            <a:fontRef idx="minor">
+              <a:schemeClr val="lt1"/>
+            </a:fontRef>
+          </p:style>
+          <p:txBody>
+            <a:bodyPr rtlCol="0" anchor="ctr"/>
+            <a:p>
+              <a:pPr algn="ctr" fontAlgn="base"/>
+              <a:endParaRPr lang="zh-CN" altLang="en-US" sz="2400" strike="noStrike" noProof="1"/>
+            </a:p>
+          </p:txBody>
+        </p:sp>
+        <p:sp>
+          <p:nvSpPr>
+            <p:cNvPr id="55" name="流程图: 过程 54"/>
+            <p:cNvSpPr/>
+            <p:nvPr/>
+          </p:nvSpPr>
+          <p:spPr>
+            <a:xfrm>
+              <a:off x="7465" y="5841"/>
+              <a:ext cx="283" cy="214"/>
+            </a:xfrm>
+            <a:prstGeom prst="flowChartProcess">
+              <a:avLst/>
+            </a:prstGeom>
+            <a:pattFill prst="ltDnDiag">
+              <a:fgClr>
+                <a:schemeClr val="tx1"/>
+              </a:fgClr>
+              <a:bgClr>
+                <a:srgbClr val="FFFFFF"/>
+              </a:bgClr>
+            </a:pattFill>
+            <a:ln w="3175">
+              <a:solidFill>
+                <a:schemeClr val="tx1"/>
+              </a:solidFill>
+            </a:ln>
+          </p:spPr>
+          <p:style>
+            <a:lnRef idx="2">
+              <a:schemeClr val="accent1">
+                <a:shade val="50000"/>
+              </a:schemeClr>
+            </a:lnRef>
+            <a:fillRef idx="1">
+              <a:schemeClr val="accent1"/>
+            </a:fillRef>
+            <a:effectRef idx="0">
+              <a:schemeClr val="accent1"/>
+            </a:effectRef>
+            <a:fontRef idx="minor">
+              <a:schemeClr val="lt1"/>
+            </a:fontRef>
+          </p:style>
+          <p:txBody>
+            <a:bodyPr rtlCol="0" anchor="ctr"/>
+            <a:p>
+              <a:pPr algn="ctr" fontAlgn="base"/>
+              <a:endParaRPr lang="zh-CN" altLang="en-US" sz="2400" strike="noStrike" noProof="1"/>
+            </a:p>
+          </p:txBody>
+        </p:sp>
+        <p:sp>
+          <p:nvSpPr>
+            <p:cNvPr id="56" name="流程图: 过程 55"/>
+            <p:cNvSpPr/>
+            <p:nvPr/>
+          </p:nvSpPr>
+          <p:spPr>
+            <a:xfrm>
+              <a:off x="7465" y="6055"/>
+              <a:ext cx="120" cy="423"/>
+            </a:xfrm>
+            <a:prstGeom prst="flowChartProcess">
+              <a:avLst/>
+            </a:prstGeom>
+            <a:pattFill prst="ltDnDiag">
+              <a:fgClr>
+                <a:schemeClr val="tx1"/>
+              </a:fgClr>
+              <a:bgClr>
+                <a:srgbClr val="FFFFFF"/>
+              </a:bgClr>
+            </a:pattFill>
+            <a:ln w="3175">
+              <a:solidFill>
+                <a:schemeClr val="tx1"/>
+              </a:solidFill>
+            </a:ln>
+          </p:spPr>
+          <p:style>
+            <a:lnRef idx="2">
+              <a:schemeClr val="accent1">
+                <a:shade val="50000"/>
+              </a:schemeClr>
+            </a:lnRef>
+            <a:fillRef idx="1">
+              <a:schemeClr val="accent1"/>
+            </a:fillRef>
+            <a:effectRef idx="0">
+              <a:schemeClr val="accent1"/>
+            </a:effectRef>
+            <a:fontRef idx="minor">
+              <a:schemeClr val="lt1"/>
+            </a:fontRef>
+          </p:style>
+          <p:txBody>
+            <a:bodyPr rtlCol="0" anchor="ctr"/>
+            <a:p>
+              <a:pPr algn="ctr" fontAlgn="base"/>
+              <a:endParaRPr lang="zh-CN" altLang="en-US" sz="2400" strike="noStrike" noProof="1"/>
+            </a:p>
+          </p:txBody>
+        </p:sp>
+        <p:sp>
+          <p:nvSpPr>
+            <p:cNvPr id="57" name="流程图: 过程 56"/>
+            <p:cNvSpPr/>
+            <p:nvPr/>
+          </p:nvSpPr>
+          <p:spPr>
+            <a:xfrm>
+              <a:off x="7628" y="6054"/>
+              <a:ext cx="120" cy="423"/>
+            </a:xfrm>
+            <a:prstGeom prst="flowChartProcess">
+              <a:avLst/>
+            </a:prstGeom>
+            <a:pattFill prst="ltDnDiag">
+              <a:fgClr>
+                <a:schemeClr val="tx1"/>
+              </a:fgClr>
+              <a:bgClr>
+                <a:srgbClr val="FFFFFF"/>
+              </a:bgClr>
+            </a:pattFill>
+            <a:ln w="3175">
+              <a:solidFill>
+                <a:schemeClr val="tx1"/>
+              </a:solidFill>
+            </a:ln>
+          </p:spPr>
+          <p:style>
+            <a:lnRef idx="2">
+              <a:schemeClr val="accent1">
+                <a:shade val="50000"/>
+              </a:schemeClr>
+            </a:lnRef>
+            <a:fillRef idx="1">
+              <a:schemeClr val="accent1"/>
+            </a:fillRef>
+            <a:effectRef idx="0">
+              <a:schemeClr val="accent1"/>
+            </a:effectRef>
+            <a:fontRef idx="minor">
+              <a:schemeClr val="lt1"/>
+            </a:fontRef>
+          </p:style>
+          <p:txBody>
+            <a:bodyPr rtlCol="0" anchor="ctr"/>
+            <a:p>
+              <a:pPr algn="ctr" fontAlgn="base"/>
+              <a:endParaRPr lang="zh-CN" altLang="en-US" sz="2400" strike="noStrike" noProof="1"/>
+            </a:p>
+          </p:txBody>
+        </p:sp>
+      </p:grpSp>
+      <p:graphicFrame>
+        <p:nvGraphicFramePr>
+          <p:cNvPr id="63" name="对象 62">
+            <a:hlinkClick r:id="" action="ppaction://ole?verb="/>
+          </p:cNvPr>
+          <p:cNvGraphicFramePr>
+            <a:graphicFrameLocks noChangeAspect="1"/>
+          </p:cNvGraphicFramePr>
+          <p:nvPr/>
+        </p:nvGraphicFramePr>
+        <p:xfrm>
+          <a:off x="4509453" y="6185218"/>
+          <a:ext cx="654685" cy="537845"/>
+        </p:xfrm>
+        <a:graphic>
+          <a:graphicData uri="http://schemas.openxmlformats.org/presentationml/2006/ole">
+            <mc:AlternateContent xmlns:mc="http://schemas.openxmlformats.org/markup-compatibility/2006">
+              <mc:Choice xmlns:v="urn:schemas-microsoft-com:vml" Requires="v">
+                <p:oleObj spid="_x0000_s64" name="" r:id="rId2" imgW="215900" imgH="177165" progId="Equation.KSEE3">
+                  <p:embed/>
+                </p:oleObj>
+              </mc:Choice>
+              <mc:Fallback>
+                <p:oleObj name="" r:id="rId2" imgW="215900" imgH="177165" progId="Equation.KSEE3">
+                  <p:embed/>
+                  <p:pic>
+                    <p:nvPicPr>
+                      <p:cNvPr id="0" name="图片 1024"/>
+                      <p:cNvPicPr/>
+                      <p:nvPr/>
+                    </p:nvPicPr>
+                    <p:blipFill>
+                      <a:blip r:embed="rId3"/>
+                      <a:stretch>
+                        <a:fillRect/>
+                      </a:stretch>
+                    </p:blipFill>
+                    <p:spPr>
+                      <a:xfrm>
+                        <a:off x="4509453" y="6185218"/>
+                        <a:ext cx="654685" cy="537845"/>
+                      </a:xfrm>
+                      <a:prstGeom prst="rect">
+                        <a:avLst/>
+                      </a:prstGeom>
+                    </p:spPr>
+                  </p:pic>
+                </p:oleObj>
+              </mc:Fallback>
+            </mc:AlternateContent>
+          </a:graphicData>
+        </a:graphic>
+      </p:graphicFrame>
+      <p:graphicFrame>
+        <p:nvGraphicFramePr>
+          <p:cNvPr id="65" name="对象 64">
+            <a:hlinkClick r:id="" action="ppaction://ole?verb="/>
+          </p:cNvPr>
+          <p:cNvGraphicFramePr>
+            <a:graphicFrameLocks noChangeAspect="1"/>
+          </p:cNvGraphicFramePr>
+          <p:nvPr/>
+        </p:nvGraphicFramePr>
+        <p:xfrm>
+          <a:off x="5053330" y="9286875"/>
+          <a:ext cx="2311400" cy="961390"/>
+        </p:xfrm>
+        <a:graphic>
+          <a:graphicData uri="http://schemas.openxmlformats.org/presentationml/2006/ole">
+            <mc:AlternateContent xmlns:mc="http://schemas.openxmlformats.org/markup-compatibility/2006">
+              <mc:Choice xmlns:v="urn:schemas-microsoft-com:vml" Requires="v">
+                <p:oleObj spid="_x0000_s66" name="" r:id="rId4" imgW="762000" imgH="316865" progId="Equation.KSEE3">
+                  <p:embed/>
+                </p:oleObj>
+              </mc:Choice>
+              <mc:Fallback>
+                <p:oleObj name="" r:id="rId4" imgW="762000" imgH="316865" progId="Equation.KSEE3">
+                  <p:embed/>
+                  <p:pic>
+                    <p:nvPicPr>
+                      <p:cNvPr id="0" name="图片 1024"/>
+                      <p:cNvPicPr/>
+                      <p:nvPr/>
+                    </p:nvPicPr>
+                    <p:blipFill>
+                      <a:blip r:embed="rId5"/>
+                      <a:stretch>
+                        <a:fillRect/>
+                      </a:stretch>
+                    </p:blipFill>
+                    <p:spPr>
+                      <a:xfrm>
+                        <a:off x="5053330" y="9286875"/>
+                        <a:ext cx="2311400" cy="961390"/>
+                      </a:xfrm>
+                      <a:prstGeom prst="rect">
+                        <a:avLst/>
+                      </a:prstGeom>
+                    </p:spPr>
+                  </p:pic>
+                </p:oleObj>
+              </mc:Fallback>
+            </mc:AlternateContent>
+          </a:graphicData>
+        </a:graphic>
+      </p:graphicFrame>
+      <p:cxnSp>
+        <p:nvCxnSpPr>
+          <p:cNvPr id="67" name="直接箭头连接符 66"/>
+          <p:cNvCxnSpPr/>
+          <p:nvPr/>
+        </p:nvCxnSpPr>
+        <p:spPr>
+          <a:xfrm flipH="1" flipV="1">
+            <a:off x="6636165" y="9142095"/>
+            <a:ext cx="688339" cy="1270"/>
+          </a:xfrm>
+          <a:prstGeom prst="straightConnector1">
+            <a:avLst/>
+          </a:prstGeom>
+          <a:ln>
+            <a:prstDash val="dash"/>
+            <a:headEnd type="none" w="med" len="med"/>
+            <a:tailEnd type="arrow" w="med" len="med"/>
+          </a:ln>
+        </p:spPr>
+        <p:style>
+          <a:lnRef idx="1">
+            <a:schemeClr val="dk1"/>
+          </a:lnRef>
+          <a:fillRef idx="0">
+            <a:schemeClr val="dk1"/>
+          </a:fillRef>
+          <a:effectRef idx="0">
+            <a:schemeClr val="dk1"/>
+          </a:effectRef>
+          <a:fontRef idx="minor">
+            <a:schemeClr val="tx1"/>
+          </a:fontRef>
+        </p:style>
+      </p:cxnSp>
+      <p:cxnSp>
+        <p:nvCxnSpPr>
+          <p:cNvPr id="68" name="直接箭头连接符 67"/>
+          <p:cNvCxnSpPr/>
+          <p:nvPr/>
+        </p:nvCxnSpPr>
+        <p:spPr>
+          <a:xfrm>
+            <a:off x="4598670" y="9134475"/>
+            <a:ext cx="698500" cy="0"/>
+          </a:xfrm>
+          <a:prstGeom prst="straightConnector1">
+            <a:avLst/>
+          </a:prstGeom>
+          <a:ln>
+            <a:prstDash val="dash"/>
+            <a:headEnd type="none" w="med" len="med"/>
+            <a:tailEnd type="arrow" w="med" len="med"/>
+          </a:ln>
+        </p:spPr>
+        <p:style>
+          <a:lnRef idx="1">
+            <a:schemeClr val="dk1"/>
+          </a:lnRef>
+          <a:fillRef idx="0">
+            <a:schemeClr val="dk1"/>
+          </a:fillRef>
+          <a:effectRef idx="0">
+            <a:schemeClr val="dk1"/>
+          </a:effectRef>
+          <a:fontRef idx="minor">
+            <a:schemeClr val="tx1"/>
+          </a:fontRef>
+        </p:style>
+      </p:cxnSp>
+    </p:spTree>
+  </p:cSld>
+  <p:clrMapOvr>
+    <a:masterClrMapping/>
+  </p:clrMapOvr>
+</p:sld>
+</file>
+
+<file path=ppt/slides/slide6.xml><?xml version="1.0" encoding="utf-8"?>
 <p:sld xmlns:a="http://schemas.openxmlformats.org/drawingml/2006/main" xmlns:r="http://schemas.openxmlformats.org/officeDocument/2006/relationships" xmlns:p="http://schemas.openxmlformats.org/presentationml/2006/main">
   <p:cSld>
     <p:spTree>
